--- a/非受控文档/04-苏雨豪/1.7UML2.0新特性+目录.pptx
+++ b/非受控文档/04-苏雨豪/1.7UML2.0新特性+目录.pptx
@@ -11,7 +11,6 @@
     <p:handoutMasterId r:id="rId11"/>
   </p:handoutMasterIdLst>
   <p:sldIdLst>
-    <p:sldId id="411" r:id="rId2"/>
     <p:sldId id="439" r:id="rId3"/>
     <p:sldId id="440" r:id="rId4"/>
     <p:sldId id="441" r:id="rId5"/>
@@ -20,7 +19,7 @@
     <p:sldId id="444" r:id="rId8"/>
     <p:sldId id="445" r:id="rId9"/>
   </p:sldIdLst>
-  <p:sldSz cx="12190413" cy="6859588"/>
+  <p:sldSz cx="12190095" cy="6859270"/>
   <p:notesSz cx="6858000" cy="9144000"/>
   <p:defaultTextStyle>
     <a:defPPr>
@@ -202,7 +201,6 @@
           <a:p>
             <a:fld id="{5D1C15E6-6BD2-4E4B-B1D4-218C26E1B228}" type="datetimeFigureOut">
               <a:rPr lang="zh-CN" altLang="en-US" smtClean="0"/>
-              <a:t>2018/10/14</a:t>
             </a:fld>
             <a:endParaRPr lang="zh-CN" altLang="en-US"/>
           </a:p>
@@ -268,18 +266,12 @@
           <a:p>
             <a:fld id="{E655EDCA-2189-4435-B38B-6F3C2C044356}" type="slidenum">
               <a:rPr lang="zh-CN" altLang="en-US" smtClean="0"/>
-              <a:t>‹#›</a:t>
             </a:fld>
             <a:endParaRPr lang="zh-CN" altLang="en-US"/>
           </a:p>
         </p:txBody>
       </p:sp>
     </p:spTree>
-    <p:extLst>
-      <p:ext uri="{BB962C8B-B14F-4D97-AF65-F5344CB8AC3E}">
-        <p14:creationId xmlns:p14="http://schemas.microsoft.com/office/powerpoint/2010/main" val="326599140"/>
-      </p:ext>
-    </p:extLst>
   </p:cSld>
   <p:clrMap bg1="lt1" tx1="dk1" bg2="lt2" tx2="dk2" accent1="accent1" accent2="accent2" accent3="accent3" accent4="accent4" accent5="accent5" accent6="accent6" hlink="hlink" folHlink="folHlink"/>
 </p:handoutMaster>
@@ -367,7 +359,6 @@
           <a:p>
             <a:fld id="{0B17430C-5A66-4BD0-A971-34190B6C6019}" type="datetimeFigureOut">
               <a:rPr lang="zh-CN" altLang="en-US" smtClean="0"/>
-              <a:t>2018/10/14</a:t>
             </a:fld>
             <a:endParaRPr lang="zh-CN" altLang="en-US"/>
           </a:p>
@@ -434,6 +425,7 @@
               <a:rPr lang="zh-CN" altLang="en-US" smtClean="0"/>
               <a:t>单击此处编辑母版文本样式</a:t>
             </a:r>
+            <a:endParaRPr lang="zh-CN" altLang="en-US" smtClean="0"/>
           </a:p>
           <a:p>
             <a:pPr lvl="1"/>
@@ -441,6 +433,7 @@
               <a:rPr lang="zh-CN" altLang="en-US" smtClean="0"/>
               <a:t>第二级</a:t>
             </a:r>
+            <a:endParaRPr lang="zh-CN" altLang="en-US" smtClean="0"/>
           </a:p>
           <a:p>
             <a:pPr lvl="2"/>
@@ -448,6 +441,7 @@
               <a:rPr lang="zh-CN" altLang="en-US" smtClean="0"/>
               <a:t>第三级</a:t>
             </a:r>
+            <a:endParaRPr lang="zh-CN" altLang="en-US" smtClean="0"/>
           </a:p>
           <a:p>
             <a:pPr lvl="3"/>
@@ -455,6 +449,7 @@
               <a:rPr lang="zh-CN" altLang="en-US" smtClean="0"/>
               <a:t>第四级</a:t>
             </a:r>
+            <a:endParaRPr lang="zh-CN" altLang="en-US" smtClean="0"/>
           </a:p>
           <a:p>
             <a:pPr lvl="4"/>
@@ -526,18 +521,12 @@
           <a:p>
             <a:fld id="{74AC173A-3DA8-4893-B28A-1E15F55C330A}" type="slidenum">
               <a:rPr lang="zh-CN" altLang="en-US" smtClean="0"/>
-              <a:t>‹#›</a:t>
             </a:fld>
             <a:endParaRPr lang="zh-CN" altLang="en-US"/>
           </a:p>
         </p:txBody>
       </p:sp>
     </p:spTree>
-    <p:extLst>
-      <p:ext uri="{BB962C8B-B14F-4D97-AF65-F5344CB8AC3E}">
-        <p14:creationId xmlns:p14="http://schemas.microsoft.com/office/powerpoint/2010/main" val="3896411634"/>
-      </p:ext>
-    </p:extLst>
   </p:cSld>
   <p:clrMap bg1="lt1" tx1="dk1" bg2="lt2" tx2="dk2" accent1="accent1" accent2="accent2" accent3="accent3" accent4="accent4" accent5="accent5" accent6="accent6" hlink="hlink" folHlink="folHlink"/>
   <p:notesStyle>
@@ -633,85 +622,6 @@
     </a:lvl9pPr>
   </p:notesStyle>
 </p:notesMaster>
-</file>
-
-<file path=ppt/notesSlides/notesSlide1.xml><?xml version="1.0" encoding="utf-8"?>
-<p:notes xmlns:a="http://schemas.openxmlformats.org/drawingml/2006/main" xmlns:r="http://schemas.openxmlformats.org/officeDocument/2006/relationships" xmlns:p="http://schemas.openxmlformats.org/presentationml/2006/main">
-  <p:cSld>
-    <p:spTree>
-      <p:nvGrpSpPr>
-        <p:cNvPr id="1" name=""/>
-        <p:cNvGrpSpPr/>
-        <p:nvPr/>
-      </p:nvGrpSpPr>
-      <p:grpSpPr>
-        <a:xfrm>
-          <a:off x="0" y="0"/>
-          <a:ext cx="0" cy="0"/>
-          <a:chOff x="0" y="0"/>
-          <a:chExt cx="0" cy="0"/>
-        </a:xfrm>
-      </p:grpSpPr>
-      <p:sp>
-        <p:nvSpPr>
-          <p:cNvPr id="2" name="幻灯片图像占位符 1"/>
-          <p:cNvSpPr>
-            <a:spLocks noGrp="1" noRot="1" noChangeAspect="1"/>
-          </p:cNvSpPr>
-          <p:nvPr>
-            <p:ph type="sldImg"/>
-          </p:nvPr>
-        </p:nvSpPr>
-        <p:spPr/>
-      </p:sp>
-      <p:sp>
-        <p:nvSpPr>
-          <p:cNvPr id="3" name="备注占位符 2"/>
-          <p:cNvSpPr>
-            <a:spLocks noGrp="1"/>
-          </p:cNvSpPr>
-          <p:nvPr>
-            <p:ph type="body" idx="1"/>
-          </p:nvPr>
-        </p:nvSpPr>
-        <p:spPr/>
-        <p:txBody>
-          <a:bodyPr/>
-          <a:lstStyle/>
-          <a:p>
-            <a:endParaRPr lang="zh-CN" altLang="en-US"/>
-          </a:p>
-        </p:txBody>
-      </p:sp>
-      <p:sp>
-        <p:nvSpPr>
-          <p:cNvPr id="4" name="灯片编号占位符 3"/>
-          <p:cNvSpPr>
-            <a:spLocks noGrp="1"/>
-          </p:cNvSpPr>
-          <p:nvPr>
-            <p:ph type="sldNum" sz="quarter" idx="10"/>
-          </p:nvPr>
-        </p:nvSpPr>
-        <p:spPr/>
-        <p:txBody>
-          <a:bodyPr/>
-          <a:lstStyle/>
-          <a:p>
-            <a:fld id="{74AC173A-3DA8-4893-B28A-1E15F55C330A}" type="slidenum">
-              <a:rPr lang="zh-CN" altLang="en-US" smtClean="0"/>
-              <a:t>1</a:t>
-            </a:fld>
-            <a:endParaRPr lang="zh-CN" altLang="en-US"/>
-          </a:p>
-        </p:txBody>
-      </p:sp>
-    </p:spTree>
-  </p:cSld>
-  <p:clrMapOvr>
-    <a:masterClrMapping/>
-  </p:clrMapOvr>
-</p:notes>
 </file>
 
 <file path=ppt/slideLayouts/slideLayout1.xml><?xml version="1.0" encoding="utf-8"?>
@@ -912,7 +822,6 @@
                 <a:latin typeface="微软雅黑" panose="020B0503020204020204" pitchFamily="34" charset="-122"/>
                 <a:ea typeface="微软雅黑" panose="020B0503020204020204" pitchFamily="34" charset="-122"/>
               </a:rPr>
-              <a:t>‹#›</a:t>
             </a:fld>
             <a:r>
               <a:rPr lang="zh-CN" altLang="en-US" sz="1800" dirty="0" smtClean="0">
@@ -1842,7 +1751,6 @@
           <a:p>
             <a:fld id="{530820CF-B880-4189-942D-D702A7CBA730}" type="datetimeFigureOut">
               <a:rPr lang="zh-CN" altLang="en-US" smtClean="0"/>
-              <a:t>2018/10/14</a:t>
             </a:fld>
             <a:endParaRPr lang="zh-CN" altLang="en-US"/>
           </a:p>
@@ -1900,7 +1808,6 @@
           <a:p>
             <a:fld id="{0C913308-F349-4B6D-A68A-DD1791B4A57B}" type="slidenum">
               <a:rPr lang="zh-CN" altLang="en-US" smtClean="0"/>
-              <a:t>‹#›</a:t>
             </a:fld>
             <a:endParaRPr lang="zh-CN" altLang="en-US"/>
           </a:p>
@@ -1959,7 +1866,6 @@
           <a:p>
             <a:fld id="{530820CF-B880-4189-942D-D702A7CBA730}" type="datetimeFigureOut">
               <a:rPr lang="zh-CN" altLang="en-US" smtClean="0"/>
-              <a:t>2018/10/14</a:t>
             </a:fld>
             <a:endParaRPr lang="zh-CN" altLang="en-US"/>
           </a:p>
@@ -2017,7 +1923,6 @@
           <a:p>
             <a:fld id="{0C913308-F349-4B6D-A68A-DD1791B4A57B}" type="slidenum">
               <a:rPr lang="zh-CN" altLang="en-US" smtClean="0"/>
-              <a:t>‹#›</a:t>
             </a:fld>
             <a:endParaRPr lang="zh-CN" altLang="en-US"/>
           </a:p>
@@ -2343,31 +2248,24 @@
       </p:grpSpPr>
       <p:sp>
         <p:nvSpPr>
-          <p:cNvPr id="16" name="圆角矩形 15"/>
+          <p:cNvPr id="2" name="矩形 1"/>
           <p:cNvSpPr/>
           <p:nvPr/>
         </p:nvSpPr>
         <p:spPr>
           <a:xfrm>
-            <a:off x="5164674" y="920343"/>
-            <a:ext cx="801956" cy="511504"/>
-          </a:xfrm>
-          <a:prstGeom prst="roundRect">
+            <a:off x="237030" y="1171"/>
+            <a:ext cx="1608415" cy="135446"/>
+          </a:xfrm>
+          <a:prstGeom prst="rect">
             <a:avLst/>
           </a:prstGeom>
           <a:solidFill>
-            <a:schemeClr val="accent1"/>
+            <a:srgbClr val="183A5D"/>
           </a:solidFill>
           <a:ln>
             <a:noFill/>
           </a:ln>
-          <a:effectLst>
-            <a:outerShdw blurRad="50800" dist="38100" dir="5400000" algn="t" rotWithShape="0">
-              <a:prstClr val="black">
-                <a:alpha val="40000"/>
-              </a:prstClr>
-            </a:outerShdw>
-          </a:effectLst>
         </p:spPr>
         <p:style>
           <a:lnRef idx="2">
@@ -2386,430 +2284,34 @@
           </a:fontRef>
         </p:style>
         <p:txBody>
-          <a:bodyPr lIns="121960" tIns="60980" rIns="121960" bIns="60980" anchor="ctr"/>
+          <a:bodyPr rtlCol="0" anchor="ctr"/>
           <a:lstStyle/>
           <a:p>
-            <a:pPr algn="ctr">
-              <a:defRPr/>
-            </a:pPr>
-            <a:r>
-              <a:rPr lang="en-US" altLang="zh-CN" sz="2400" dirty="0" smtClean="0">
-                <a:latin typeface="+mj-lt"/>
-                <a:ea typeface="Arial Unicode MS" panose="020B0604020202020204" pitchFamily="34" charset="-122"/>
-                <a:cs typeface="Arial Unicode MS" panose="020B0604020202020204" pitchFamily="34" charset="-122"/>
-              </a:rPr>
-              <a:t>1.1</a:t>
-            </a:r>
-            <a:endParaRPr lang="zh-CN" altLang="en-US" sz="3200" dirty="0">
-              <a:latin typeface="+mj-lt"/>
-              <a:ea typeface="Arial Unicode MS" panose="020B0604020202020204" pitchFamily="34" charset="-122"/>
-              <a:cs typeface="Arial Unicode MS" panose="020B0604020202020204" pitchFamily="34" charset="-122"/>
-            </a:endParaRPr>
-          </a:p>
-        </p:txBody>
-      </p:sp>
-      <p:grpSp>
-        <p:nvGrpSpPr>
-          <p:cNvPr id="21" name="组合 20"/>
-          <p:cNvGrpSpPr/>
-          <p:nvPr/>
-        </p:nvGrpSpPr>
-        <p:grpSpPr>
-          <a:xfrm>
-            <a:off x="6295459" y="1758367"/>
-            <a:ext cx="3744416" cy="511504"/>
-            <a:chOff x="6315199" y="2492728"/>
-            <a:chExt cx="3744416" cy="511504"/>
-          </a:xfrm>
-        </p:grpSpPr>
-        <p:sp>
-          <p:nvSpPr>
-            <p:cNvPr id="22" name="圆角矩形 21"/>
-            <p:cNvSpPr/>
-            <p:nvPr/>
-          </p:nvSpPr>
-          <p:spPr>
-            <a:xfrm>
-              <a:off x="6315199" y="2492728"/>
-              <a:ext cx="3744416" cy="511504"/>
-            </a:xfrm>
-            <a:prstGeom prst="roundRect">
-              <a:avLst/>
-            </a:prstGeom>
-            <a:solidFill>
-              <a:schemeClr val="accent1"/>
-            </a:solidFill>
-            <a:ln>
-              <a:noFill/>
-            </a:ln>
-            <a:effectLst>
-              <a:outerShdw blurRad="50800" dist="38100" dir="5400000" algn="t" rotWithShape="0">
-                <a:prstClr val="black">
-                  <a:alpha val="40000"/>
-                </a:prstClr>
-              </a:outerShdw>
-            </a:effectLst>
-          </p:spPr>
-          <p:style>
-            <a:lnRef idx="2">
-              <a:schemeClr val="accent1">
-                <a:shade val="50000"/>
-              </a:schemeClr>
-            </a:lnRef>
-            <a:fillRef idx="1">
-              <a:schemeClr val="accent1"/>
-            </a:fillRef>
-            <a:effectRef idx="0">
-              <a:schemeClr val="accent1"/>
-            </a:effectRef>
-            <a:fontRef idx="minor">
-              <a:schemeClr val="lt1"/>
-            </a:fontRef>
-          </p:style>
-          <p:txBody>
-            <a:bodyPr lIns="121960" tIns="60980" rIns="121960" bIns="60980" anchor="ctr"/>
-            <a:lstStyle/>
-            <a:p>
-              <a:pPr algn="ctr">
-                <a:defRPr/>
-              </a:pPr>
-              <a:endParaRPr lang="zh-CN" altLang="en-US" sz="3600" dirty="0">
-                <a:latin typeface="+mj-lt"/>
-                <a:ea typeface="Arial Unicode MS" panose="020B0604020202020204" pitchFamily="34" charset="-122"/>
-                <a:cs typeface="Arial Unicode MS" panose="020B0604020202020204" pitchFamily="34" charset="-122"/>
-              </a:endParaRPr>
-            </a:p>
-          </p:txBody>
-        </p:sp>
-        <p:sp>
-          <p:nvSpPr>
-            <p:cNvPr id="23" name="矩形 22"/>
-            <p:cNvSpPr/>
-            <p:nvPr/>
-          </p:nvSpPr>
-          <p:spPr>
-            <a:xfrm>
-              <a:off x="6681843" y="2493011"/>
-              <a:ext cx="2653074" cy="429260"/>
-            </a:xfrm>
-            <a:prstGeom prst="rect">
-              <a:avLst/>
-            </a:prstGeom>
-          </p:spPr>
-          <p:txBody>
-            <a:bodyPr wrap="square" lIns="121960" tIns="60980" rIns="121960" bIns="60980">
-              <a:spAutoFit/>
-            </a:bodyPr>
-            <a:lstStyle/>
-            <a:p>
-              <a:pPr>
-                <a:defRPr/>
-              </a:pPr>
-              <a:r>
-                <a:rPr lang="en-US" altLang="zh-CN" sz="2000" b="1" kern="100" dirty="0" smtClean="0">
-                  <a:solidFill>
-                    <a:schemeClr val="bg1"/>
-                  </a:solidFill>
-                  <a:latin typeface="微软雅黑" panose="020B0503020204020204" pitchFamily="34" charset="-122"/>
-                  <a:ea typeface="微软雅黑" panose="020B0503020204020204" pitchFamily="34" charset="-122"/>
-                  <a:cs typeface="Times New Roman" panose="02020603050405020304" pitchFamily="18" charset="0"/>
-                </a:rPr>
-                <a:t>UML</a:t>
-              </a:r>
-              <a:r>
-                <a:rPr lang="zh-CN" altLang="en-US" sz="2000" b="1" kern="100" dirty="0" smtClean="0">
-                  <a:solidFill>
-                    <a:schemeClr val="bg1"/>
-                  </a:solidFill>
-                  <a:latin typeface="微软雅黑" panose="020B0503020204020204" pitchFamily="34" charset="-122"/>
-                  <a:ea typeface="微软雅黑" panose="020B0503020204020204" pitchFamily="34" charset="-122"/>
-                  <a:cs typeface="Times New Roman" panose="02020603050405020304" pitchFamily="18" charset="0"/>
-                </a:rPr>
-                <a:t>的发展历程</a:t>
-              </a:r>
-              <a:endParaRPr lang="zh-CN" altLang="zh-CN" sz="2000" b="1" kern="100" dirty="0">
-                <a:solidFill>
-                  <a:schemeClr val="bg1"/>
-                </a:solidFill>
-                <a:latin typeface="微软雅黑" panose="020B0503020204020204" pitchFamily="34" charset="-122"/>
-                <a:ea typeface="微软雅黑" panose="020B0503020204020204" pitchFamily="34" charset="-122"/>
-                <a:cs typeface="Times New Roman" panose="02020603050405020304" pitchFamily="18" charset="0"/>
-              </a:endParaRPr>
-            </a:p>
-          </p:txBody>
-        </p:sp>
-      </p:grpSp>
-      <p:grpSp>
-        <p:nvGrpSpPr>
-          <p:cNvPr id="29" name="组合 28"/>
-          <p:cNvGrpSpPr/>
-          <p:nvPr/>
-        </p:nvGrpSpPr>
-        <p:grpSpPr>
-          <a:xfrm>
-            <a:off x="6319357" y="2521954"/>
-            <a:ext cx="3744416" cy="511504"/>
-            <a:chOff x="6339097" y="4180903"/>
-            <a:chExt cx="3744416" cy="511504"/>
-          </a:xfrm>
-        </p:grpSpPr>
-        <p:sp>
-          <p:nvSpPr>
-            <p:cNvPr id="30" name="圆角矩形 29"/>
-            <p:cNvSpPr/>
-            <p:nvPr/>
-          </p:nvSpPr>
-          <p:spPr>
-            <a:xfrm>
-              <a:off x="6339097" y="4180903"/>
-              <a:ext cx="3744416" cy="511504"/>
-            </a:xfrm>
-            <a:prstGeom prst="roundRect">
-              <a:avLst/>
-            </a:prstGeom>
-            <a:solidFill>
-              <a:schemeClr val="accent1"/>
-            </a:solidFill>
-            <a:ln>
-              <a:noFill/>
-            </a:ln>
-            <a:effectLst>
-              <a:outerShdw blurRad="50800" dist="38100" dir="5400000" algn="t" rotWithShape="0">
-                <a:prstClr val="black">
-                  <a:alpha val="40000"/>
-                </a:prstClr>
-              </a:outerShdw>
-            </a:effectLst>
-          </p:spPr>
-          <p:style>
-            <a:lnRef idx="2">
-              <a:schemeClr val="accent1">
-                <a:shade val="50000"/>
-              </a:schemeClr>
-            </a:lnRef>
-            <a:fillRef idx="1">
-              <a:schemeClr val="accent1"/>
-            </a:fillRef>
-            <a:effectRef idx="0">
-              <a:schemeClr val="accent1"/>
-            </a:effectRef>
-            <a:fontRef idx="minor">
-              <a:schemeClr val="lt1"/>
-            </a:fontRef>
-          </p:style>
-          <p:txBody>
-            <a:bodyPr lIns="121960" tIns="60980" rIns="121960" bIns="60980" anchor="ctr"/>
-            <a:lstStyle/>
-            <a:p>
-              <a:pPr algn="ctr">
-                <a:defRPr/>
-              </a:pPr>
-              <a:endParaRPr lang="zh-CN" altLang="en-US" sz="3600" dirty="0">
-                <a:latin typeface="+mj-lt"/>
-                <a:ea typeface="Arial Unicode MS" panose="020B0604020202020204" pitchFamily="34" charset="-122"/>
-                <a:cs typeface="Arial Unicode MS" panose="020B0604020202020204" pitchFamily="34" charset="-122"/>
-              </a:endParaRPr>
-            </a:p>
-          </p:txBody>
-        </p:sp>
-        <p:sp>
-          <p:nvSpPr>
-            <p:cNvPr id="31" name="矩形 30"/>
-            <p:cNvSpPr/>
-            <p:nvPr/>
-          </p:nvSpPr>
-          <p:spPr>
-            <a:xfrm>
-              <a:off x="6682074" y="4221882"/>
-              <a:ext cx="2736304" cy="429260"/>
-            </a:xfrm>
-            <a:prstGeom prst="rect">
-              <a:avLst/>
-            </a:prstGeom>
-          </p:spPr>
-          <p:txBody>
-            <a:bodyPr wrap="square" lIns="121960" tIns="60980" rIns="121960" bIns="60980">
-              <a:spAutoFit/>
-            </a:bodyPr>
-            <a:lstStyle/>
-            <a:p>
-              <a:pPr>
-                <a:defRPr/>
-              </a:pPr>
-              <a:r>
-                <a:rPr lang="en-US" altLang="zh-CN" sz="2000" b="1" kern="100" dirty="0" smtClean="0">
-                  <a:solidFill>
-                    <a:schemeClr val="bg1"/>
-                  </a:solidFill>
-                  <a:latin typeface="微软雅黑" panose="020B0503020204020204" pitchFamily="34" charset="-122"/>
-                  <a:ea typeface="微软雅黑" panose="020B0503020204020204" pitchFamily="34" charset="-122"/>
-                  <a:cs typeface="Times New Roman" panose="02020603050405020304" pitchFamily="18" charset="0"/>
-                </a:rPr>
-                <a:t>UML</a:t>
-              </a:r>
-              <a:r>
-                <a:rPr lang="zh-CN" altLang="en-US" sz="2000" b="1" kern="100" dirty="0" smtClean="0">
-                  <a:solidFill>
-                    <a:schemeClr val="bg1"/>
-                  </a:solidFill>
-                  <a:latin typeface="微软雅黑" panose="020B0503020204020204" pitchFamily="34" charset="-122"/>
-                  <a:ea typeface="微软雅黑" panose="020B0503020204020204" pitchFamily="34" charset="-122"/>
-                  <a:cs typeface="Times New Roman" panose="02020603050405020304" pitchFamily="18" charset="0"/>
-                </a:rPr>
-                <a:t>的特点</a:t>
-              </a:r>
-              <a:endParaRPr lang="zh-CN" altLang="zh-CN" sz="2000" b="1" kern="100" dirty="0">
-                <a:solidFill>
-                  <a:schemeClr val="bg1"/>
-                </a:solidFill>
-                <a:latin typeface="微软雅黑" panose="020B0503020204020204" pitchFamily="34" charset="-122"/>
-                <a:ea typeface="微软雅黑" panose="020B0503020204020204" pitchFamily="34" charset="-122"/>
-                <a:cs typeface="Times New Roman" panose="02020603050405020304" pitchFamily="18" charset="0"/>
-              </a:endParaRPr>
-            </a:p>
-          </p:txBody>
-        </p:sp>
-      </p:grpSp>
-      <p:sp>
-        <p:nvSpPr>
-          <p:cNvPr id="36" name="矩形 35"/>
+            <a:pPr algn="ctr"/>
+            <a:endParaRPr lang="zh-CN" altLang="en-US" sz="2800"/>
+          </a:p>
+        </p:txBody>
+      </p:sp>
+      <p:sp>
+        <p:nvSpPr>
+          <p:cNvPr id="3" name="矩形 2"/>
           <p:cNvSpPr/>
           <p:nvPr/>
         </p:nvSpPr>
         <p:spPr>
           <a:xfrm>
-            <a:off x="-106934" y="0"/>
-            <a:ext cx="3469805" cy="6859587"/>
+            <a:off x="237030" y="255131"/>
+            <a:ext cx="1608415" cy="406336"/>
           </a:xfrm>
           <a:prstGeom prst="rect">
             <a:avLst/>
           </a:prstGeom>
           <a:solidFill>
-            <a:srgbClr val="38B1BF"/>
+            <a:srgbClr val="183A5D"/>
           </a:solidFill>
           <a:ln>
             <a:noFill/>
           </a:ln>
-          <a:effectLst>
-            <a:outerShdw blurRad="50800" dist="38100" dir="2700000" algn="tl" rotWithShape="0">
-              <a:prstClr val="black">
-                <a:alpha val="40000"/>
-              </a:prstClr>
-            </a:outerShdw>
-          </a:effectLst>
-          <a:scene3d>
-            <a:camera prst="orthographicFront"/>
-            <a:lightRig rig="threePt" dir="t"/>
-          </a:scene3d>
-          <a:sp3d/>
-        </p:spPr>
-        <p:style>
-          <a:lnRef idx="1">
-            <a:schemeClr val="accent1"/>
-          </a:lnRef>
-          <a:fillRef idx="0">
-            <a:schemeClr val="accent1"/>
-          </a:fillRef>
-          <a:effectRef idx="0">
-            <a:schemeClr val="accent1"/>
-          </a:effectRef>
-          <a:fontRef idx="minor">
-            <a:schemeClr val="tx1"/>
-          </a:fontRef>
-        </p:style>
-        <p:txBody>
-          <a:bodyPr rot="0" spcFirstLastPara="0" vertOverflow="overflow" horzOverflow="overflow" vert="horz" wrap="square" lIns="91440" tIns="45720" rIns="91440" bIns="45720" numCol="1" spcCol="0" rtlCol="0" fromWordArt="0" anchor="ctr" anchorCtr="0" forceAA="0" compatLnSpc="1">
-            <a:noAutofit/>
-          </a:bodyPr>
-          <a:lstStyle/>
-          <a:p>
-            <a:pPr algn="ctr"/>
-            <a:endParaRPr lang="zh-CN" altLang="en-US"/>
-          </a:p>
-        </p:txBody>
-      </p:sp>
-      <p:sp>
-        <p:nvSpPr>
-          <p:cNvPr id="37" name="TextBox 36"/>
-          <p:cNvSpPr txBox="1"/>
-          <p:nvPr/>
-        </p:nvSpPr>
-        <p:spPr>
-          <a:xfrm>
-            <a:off x="194519" y="2219567"/>
-            <a:ext cx="2808312" cy="614045"/>
-          </a:xfrm>
-          <a:prstGeom prst="rect">
-            <a:avLst/>
-          </a:prstGeom>
-          <a:noFill/>
-        </p:spPr>
-        <p:txBody>
-          <a:bodyPr wrap="square" lIns="121948" tIns="60973" rIns="121948" bIns="60973">
-            <a:spAutoFit/>
-          </a:bodyPr>
-          <a:lstStyle/>
-          <a:p>
-            <a:pPr algn="r">
-              <a:defRPr/>
-            </a:pPr>
-            <a:r>
-              <a:rPr lang="en-US" altLang="zh-CN" sz="3200" b="1" dirty="0" smtClean="0">
-                <a:solidFill>
-                  <a:schemeClr val="bg1"/>
-                </a:solidFill>
-                <a:latin typeface="微软雅黑" panose="020B0503020204020204" pitchFamily="34" charset="-122"/>
-                <a:ea typeface="微软雅黑" panose="020B0503020204020204" pitchFamily="34" charset="-122"/>
-              </a:rPr>
-              <a:t>UML</a:t>
-            </a:r>
-            <a:r>
-              <a:rPr lang="zh-CN" altLang="en-US" sz="3200" b="1" dirty="0" smtClean="0">
-                <a:solidFill>
-                  <a:schemeClr val="bg1"/>
-                </a:solidFill>
-                <a:latin typeface="微软雅黑" panose="020B0503020204020204" pitchFamily="34" charset="-122"/>
-                <a:ea typeface="微软雅黑" panose="020B0503020204020204" pitchFamily="34" charset="-122"/>
-              </a:rPr>
-              <a:t>概述</a:t>
-            </a:r>
-            <a:endParaRPr lang="zh-CN" sz="3200" b="1" dirty="0">
-              <a:solidFill>
-                <a:schemeClr val="bg1"/>
-              </a:solidFill>
-              <a:latin typeface="微软雅黑" panose="020B0503020204020204" pitchFamily="34" charset="-122"/>
-              <a:ea typeface="微软雅黑" panose="020B0503020204020204" pitchFamily="34" charset="-122"/>
-            </a:endParaRPr>
-          </a:p>
-        </p:txBody>
-      </p:sp>
-      <p:sp>
-        <p:nvSpPr>
-          <p:cNvPr id="38" name="下箭头 37"/>
-          <p:cNvSpPr/>
-          <p:nvPr/>
-        </p:nvSpPr>
-        <p:spPr>
-          <a:xfrm rot="16200000">
-            <a:off x="4259109" y="813888"/>
-            <a:ext cx="576064" cy="679828"/>
-          </a:xfrm>
-          <a:prstGeom prst="downArrow">
-            <a:avLst/>
-          </a:prstGeom>
-          <a:solidFill>
-            <a:schemeClr val="accent1"/>
-          </a:solidFill>
-          <a:ln>
-            <a:noFill/>
-          </a:ln>
-          <a:effectLst>
-            <a:outerShdw blurRad="50800" dist="38100" dir="2700000" algn="tl" rotWithShape="0">
-              <a:prstClr val="black">
-                <a:alpha val="40000"/>
-              </a:prstClr>
-            </a:outerShdw>
-          </a:effectLst>
         </p:spPr>
         <p:style>
           <a:lnRef idx="2">
@@ -2832,1382 +2334,164 @@
           <a:lstStyle/>
           <a:p>
             <a:pPr algn="ctr"/>
-            <a:endParaRPr lang="zh-CN" altLang="en-US"/>
-          </a:p>
-        </p:txBody>
-      </p:sp>
-      <p:grpSp>
-        <p:nvGrpSpPr>
-          <p:cNvPr id="25" name="组合 24"/>
-          <p:cNvGrpSpPr/>
+            <a:r>
+              <a:rPr lang="en-US" sz="2400" dirty="0" smtClean="0"/>
+              <a:t>1.7</a:t>
+            </a:r>
+            <a:endParaRPr lang="en-US" sz="2400" dirty="0"/>
+          </a:p>
+        </p:txBody>
+      </p:sp>
+      <p:sp>
+        <p:nvSpPr>
+          <p:cNvPr id="4" name="文本框 3"/>
+          <p:cNvSpPr txBox="1"/>
           <p:nvPr/>
-        </p:nvGrpSpPr>
-        <p:grpSpPr>
-          <a:xfrm>
-            <a:off x="6295459" y="930330"/>
-            <a:ext cx="3744416" cy="511504"/>
-            <a:chOff x="6315199" y="2492728"/>
-            <a:chExt cx="3744416" cy="511504"/>
-          </a:xfrm>
-        </p:grpSpPr>
-        <p:sp>
-          <p:nvSpPr>
-            <p:cNvPr id="26" name="圆角矩形 25"/>
-            <p:cNvSpPr/>
-            <p:nvPr/>
-          </p:nvSpPr>
-          <p:spPr>
-            <a:xfrm>
-              <a:off x="6315199" y="2492728"/>
-              <a:ext cx="3744416" cy="511504"/>
-            </a:xfrm>
-            <a:prstGeom prst="roundRect">
-              <a:avLst/>
-            </a:prstGeom>
-            <a:solidFill>
-              <a:schemeClr val="accent1"/>
-            </a:solidFill>
-            <a:ln>
-              <a:noFill/>
-            </a:ln>
-            <a:effectLst>
-              <a:outerShdw blurRad="50800" dist="38100" dir="5400000" algn="t" rotWithShape="0">
-                <a:prstClr val="black">
-                  <a:alpha val="40000"/>
-                </a:prstClr>
-              </a:outerShdw>
-            </a:effectLst>
-          </p:spPr>
-          <p:style>
-            <a:lnRef idx="2">
-              <a:schemeClr val="accent1">
-                <a:shade val="50000"/>
-              </a:schemeClr>
-            </a:lnRef>
-            <a:fillRef idx="1">
-              <a:schemeClr val="accent1"/>
-            </a:fillRef>
-            <a:effectRef idx="0">
-              <a:schemeClr val="accent1"/>
-            </a:effectRef>
-            <a:fontRef idx="minor">
-              <a:schemeClr val="lt1"/>
-            </a:fontRef>
-          </p:style>
-          <p:txBody>
-            <a:bodyPr lIns="121960" tIns="60980" rIns="121960" bIns="60980" anchor="ctr"/>
-            <a:lstStyle/>
-            <a:p>
-              <a:pPr algn="ctr">
-                <a:defRPr/>
-              </a:pPr>
-              <a:endParaRPr lang="zh-CN" altLang="en-US" sz="3600" dirty="0">
-                <a:latin typeface="+mj-lt"/>
-                <a:ea typeface="Arial Unicode MS" panose="020B0604020202020204" pitchFamily="34" charset="-122"/>
-                <a:cs typeface="Arial Unicode MS" panose="020B0604020202020204" pitchFamily="34" charset="-122"/>
-              </a:endParaRPr>
-            </a:p>
-          </p:txBody>
-        </p:sp>
-        <p:sp>
-          <p:nvSpPr>
-            <p:cNvPr id="27" name="矩形 26"/>
-            <p:cNvSpPr/>
-            <p:nvPr/>
-          </p:nvSpPr>
-          <p:spPr>
-            <a:xfrm>
-              <a:off x="6681843" y="2493011"/>
-              <a:ext cx="2653074" cy="429260"/>
-            </a:xfrm>
-            <a:prstGeom prst="rect">
-              <a:avLst/>
-            </a:prstGeom>
-          </p:spPr>
-          <p:txBody>
-            <a:bodyPr wrap="square" lIns="121960" tIns="60980" rIns="121960" bIns="60980">
-              <a:spAutoFit/>
-            </a:bodyPr>
-            <a:lstStyle/>
-            <a:p>
-              <a:pPr>
-                <a:defRPr/>
-              </a:pPr>
-              <a:r>
-                <a:rPr lang="zh-CN" altLang="en-US" sz="2000" b="1" kern="100" dirty="0" smtClean="0">
-                  <a:solidFill>
-                    <a:schemeClr val="bg1"/>
-                  </a:solidFill>
-                  <a:latin typeface="微软雅黑" panose="020B0503020204020204" pitchFamily="34" charset="-122"/>
-                  <a:ea typeface="微软雅黑" panose="020B0503020204020204" pitchFamily="34" charset="-122"/>
-                  <a:cs typeface="Times New Roman" panose="02020603050405020304" pitchFamily="18" charset="0"/>
-                </a:rPr>
-                <a:t>什么是</a:t>
-              </a:r>
-              <a:r>
-                <a:rPr lang="en-US" altLang="zh-CN" sz="2000" b="1" kern="100" dirty="0" smtClean="0">
-                  <a:solidFill>
-                    <a:schemeClr val="bg1"/>
-                  </a:solidFill>
-                  <a:latin typeface="微软雅黑" panose="020B0503020204020204" pitchFamily="34" charset="-122"/>
-                  <a:ea typeface="微软雅黑" panose="020B0503020204020204" pitchFamily="34" charset="-122"/>
-                  <a:cs typeface="Times New Roman" panose="02020603050405020304" pitchFamily="18" charset="0"/>
-                </a:rPr>
-                <a:t>UM</a:t>
-              </a:r>
-              <a:r>
-                <a:rPr lang="en-US" altLang="zh-CN" sz="2000" b="1" kern="100" dirty="0">
-                  <a:solidFill>
-                    <a:schemeClr val="bg1"/>
-                  </a:solidFill>
-                  <a:latin typeface="微软雅黑" panose="020B0503020204020204" pitchFamily="34" charset="-122"/>
-                  <a:ea typeface="微软雅黑" panose="020B0503020204020204" pitchFamily="34" charset="-122"/>
-                  <a:cs typeface="Times New Roman" panose="02020603050405020304" pitchFamily="18" charset="0"/>
-                </a:rPr>
-                <a:t>L</a:t>
-              </a:r>
-              <a:endParaRPr lang="zh-CN" altLang="zh-CN" sz="2000" b="1" kern="100" dirty="0">
-                <a:solidFill>
-                  <a:schemeClr val="bg1"/>
+        </p:nvSpPr>
+        <p:spPr>
+          <a:xfrm>
+            <a:off x="2236548" y="136356"/>
+            <a:ext cx="6052718" cy="501650"/>
+          </a:xfrm>
+          <a:prstGeom prst="rect">
+            <a:avLst/>
+          </a:prstGeom>
+          <a:noFill/>
+        </p:spPr>
+        <p:txBody>
+          <a:bodyPr wrap="square" rtlCol="0">
+            <a:spAutoFit/>
+          </a:bodyPr>
+          <a:lstStyle/>
+          <a:p>
+            <a:endParaRPr lang="zh-CN" sz="2665" dirty="0">
+              <a:solidFill>
+                <a:srgbClr val="183A5D"/>
+              </a:solidFill>
+              <a:latin typeface="微软雅黑" panose="020B0503020204020204" pitchFamily="34" charset="-122"/>
+              <a:ea typeface="微软雅黑" panose="020B0503020204020204" pitchFamily="34" charset="-122"/>
+            </a:endParaRPr>
+          </a:p>
+        </p:txBody>
+      </p:sp>
+      <p:sp>
+        <p:nvSpPr>
+          <p:cNvPr id="6" name="文本框 5"/>
+          <p:cNvSpPr txBox="1"/>
+          <p:nvPr/>
+        </p:nvSpPr>
+        <p:spPr>
+          <a:xfrm>
+            <a:off x="2226388" y="159851"/>
+            <a:ext cx="6052718" cy="501650"/>
+          </a:xfrm>
+          <a:prstGeom prst="rect">
+            <a:avLst/>
+          </a:prstGeom>
+          <a:noFill/>
+        </p:spPr>
+        <p:txBody>
+          <a:bodyPr wrap="square" rtlCol="0">
+            <a:spAutoFit/>
+          </a:bodyPr>
+          <a:lstStyle/>
+          <a:p>
+            <a:r>
+              <a:rPr lang="en-US" altLang="zh-CN" sz="2665" dirty="0" smtClean="0">
+                <a:solidFill>
+                  <a:srgbClr val="183A5D"/>
                 </a:solidFill>
                 <a:latin typeface="微软雅黑" panose="020B0503020204020204" pitchFamily="34" charset="-122"/>
                 <a:ea typeface="微软雅黑" panose="020B0503020204020204" pitchFamily="34" charset="-122"/>
-                <a:cs typeface="Times New Roman" panose="02020603050405020304" pitchFamily="18" charset="0"/>
-              </a:endParaRPr>
-            </a:p>
-          </p:txBody>
-        </p:sp>
-      </p:grpSp>
-      <p:grpSp>
-        <p:nvGrpSpPr>
-          <p:cNvPr id="32" name="组合 31"/>
-          <p:cNvGrpSpPr/>
-          <p:nvPr/>
-        </p:nvGrpSpPr>
-        <p:grpSpPr>
-          <a:xfrm>
-            <a:off x="6335357" y="3295200"/>
-            <a:ext cx="3744416" cy="511504"/>
-            <a:chOff x="6339097" y="4180903"/>
-            <a:chExt cx="3744416" cy="511504"/>
-          </a:xfrm>
-        </p:grpSpPr>
-        <p:sp>
-          <p:nvSpPr>
-            <p:cNvPr id="33" name="圆角矩形 32"/>
-            <p:cNvSpPr/>
-            <p:nvPr/>
-          </p:nvSpPr>
-          <p:spPr>
-            <a:xfrm>
-              <a:off x="6339097" y="4180903"/>
-              <a:ext cx="3744416" cy="511504"/>
-            </a:xfrm>
-            <a:prstGeom prst="roundRect">
-              <a:avLst/>
-            </a:prstGeom>
-            <a:solidFill>
-              <a:schemeClr val="accent1"/>
-            </a:solidFill>
-            <a:ln>
-              <a:noFill/>
-            </a:ln>
-            <a:effectLst>
-              <a:outerShdw blurRad="50800" dist="38100" dir="5400000" algn="t" rotWithShape="0">
-                <a:prstClr val="black">
-                  <a:alpha val="40000"/>
-                </a:prstClr>
-              </a:outerShdw>
-            </a:effectLst>
-          </p:spPr>
-          <p:style>
-            <a:lnRef idx="2">
-              <a:schemeClr val="accent1">
-                <a:shade val="50000"/>
-              </a:schemeClr>
-            </a:lnRef>
-            <a:fillRef idx="1">
-              <a:schemeClr val="accent1"/>
-            </a:fillRef>
-            <a:effectRef idx="0">
-              <a:schemeClr val="accent1"/>
-            </a:effectRef>
-            <a:fontRef idx="minor">
-              <a:schemeClr val="lt1"/>
-            </a:fontRef>
-          </p:style>
-          <p:txBody>
-            <a:bodyPr lIns="121960" tIns="60980" rIns="121960" bIns="60980" anchor="ctr"/>
-            <a:lstStyle/>
-            <a:p>
-              <a:pPr algn="ctr">
-                <a:defRPr/>
-              </a:pPr>
-              <a:endParaRPr lang="zh-CN" altLang="en-US" sz="3600" dirty="0">
-                <a:latin typeface="+mj-lt"/>
-                <a:ea typeface="Arial Unicode MS" panose="020B0604020202020204" pitchFamily="34" charset="-122"/>
-                <a:cs typeface="Arial Unicode MS" panose="020B0604020202020204" pitchFamily="34" charset="-122"/>
-              </a:endParaRPr>
-            </a:p>
-          </p:txBody>
-        </p:sp>
-        <p:sp>
-          <p:nvSpPr>
-            <p:cNvPr id="34" name="矩形 33"/>
-            <p:cNvSpPr/>
-            <p:nvPr/>
-          </p:nvSpPr>
-          <p:spPr>
-            <a:xfrm>
-              <a:off x="6682074" y="4221882"/>
-              <a:ext cx="2736304" cy="429260"/>
-            </a:xfrm>
-            <a:prstGeom prst="rect">
-              <a:avLst/>
-            </a:prstGeom>
-          </p:spPr>
-          <p:txBody>
-            <a:bodyPr wrap="square" lIns="121960" tIns="60980" rIns="121960" bIns="60980">
-              <a:spAutoFit/>
-            </a:bodyPr>
-            <a:lstStyle/>
-            <a:p>
-              <a:pPr>
-                <a:defRPr/>
-              </a:pPr>
-              <a:r>
-                <a:rPr lang="en-US" altLang="zh-CN" sz="2000" b="1" kern="100" dirty="0" smtClean="0">
-                  <a:solidFill>
-                    <a:schemeClr val="bg1"/>
-                  </a:solidFill>
-                  <a:latin typeface="微软雅黑" panose="020B0503020204020204" pitchFamily="34" charset="-122"/>
-                  <a:ea typeface="微软雅黑" panose="020B0503020204020204" pitchFamily="34" charset="-122"/>
-                  <a:cs typeface="Times New Roman" panose="02020603050405020304" pitchFamily="18" charset="0"/>
-                </a:rPr>
-                <a:t>UML</a:t>
-              </a:r>
-              <a:r>
-                <a:rPr lang="zh-CN" altLang="en-US" sz="2000" b="1" kern="100" dirty="0" smtClean="0">
-                  <a:solidFill>
-                    <a:schemeClr val="bg1"/>
-                  </a:solidFill>
-                  <a:latin typeface="微软雅黑" panose="020B0503020204020204" pitchFamily="34" charset="-122"/>
-                  <a:ea typeface="微软雅黑" panose="020B0503020204020204" pitchFamily="34" charset="-122"/>
-                  <a:cs typeface="Times New Roman" panose="02020603050405020304" pitchFamily="18" charset="0"/>
-                </a:rPr>
-                <a:t>的结构</a:t>
-              </a:r>
-              <a:endParaRPr lang="zh-CN" altLang="zh-CN" sz="2000" b="1" kern="100" dirty="0">
-                <a:solidFill>
-                  <a:schemeClr val="bg1"/>
+              </a:rPr>
+              <a:t>UML2.0</a:t>
+            </a:r>
+            <a:r>
+              <a:rPr lang="zh-CN" altLang="en-US" sz="2665" dirty="0" smtClean="0">
+                <a:solidFill>
+                  <a:srgbClr val="183A5D"/>
                 </a:solidFill>
                 <a:latin typeface="微软雅黑" panose="020B0503020204020204" pitchFamily="34" charset="-122"/>
                 <a:ea typeface="微软雅黑" panose="020B0503020204020204" pitchFamily="34" charset="-122"/>
-                <a:cs typeface="Times New Roman" panose="02020603050405020304" pitchFamily="18" charset="0"/>
-              </a:endParaRPr>
-            </a:p>
-          </p:txBody>
-        </p:sp>
-      </p:grpSp>
-      <p:grpSp>
-        <p:nvGrpSpPr>
-          <p:cNvPr id="40" name="组合 39"/>
-          <p:cNvGrpSpPr/>
+              </a:rPr>
+              <a:t>的新特征</a:t>
+            </a:r>
+            <a:endParaRPr lang="zh-CN" sz="2665" dirty="0">
+              <a:solidFill>
+                <a:srgbClr val="183A5D"/>
+              </a:solidFill>
+              <a:latin typeface="微软雅黑" panose="020B0503020204020204" pitchFamily="34" charset="-122"/>
+              <a:ea typeface="微软雅黑" panose="020B0503020204020204" pitchFamily="34" charset="-122"/>
+            </a:endParaRPr>
+          </a:p>
+        </p:txBody>
+      </p:sp>
+      <p:sp>
+        <p:nvSpPr>
+          <p:cNvPr id="5" name="TextBox 4"/>
+          <p:cNvSpPr txBox="1"/>
           <p:nvPr/>
-        </p:nvGrpSpPr>
-        <p:grpSpPr>
-          <a:xfrm>
-            <a:off x="6363498" y="4041322"/>
-            <a:ext cx="3744416" cy="511504"/>
-            <a:chOff x="6339097" y="4180903"/>
-            <a:chExt cx="3744416" cy="511504"/>
-          </a:xfrm>
-        </p:grpSpPr>
-        <p:sp>
-          <p:nvSpPr>
-            <p:cNvPr id="41" name="圆角矩形 40"/>
-            <p:cNvSpPr/>
-            <p:nvPr/>
-          </p:nvSpPr>
-          <p:spPr>
-            <a:xfrm>
-              <a:off x="6339097" y="4180903"/>
-              <a:ext cx="3744416" cy="511504"/>
-            </a:xfrm>
-            <a:prstGeom prst="roundRect">
-              <a:avLst/>
-            </a:prstGeom>
-            <a:solidFill>
-              <a:schemeClr val="accent1"/>
-            </a:solidFill>
-            <a:ln>
-              <a:noFill/>
-            </a:ln>
-            <a:effectLst>
-              <a:outerShdw blurRad="50800" dist="38100" dir="5400000" algn="t" rotWithShape="0">
-                <a:prstClr val="black">
-                  <a:alpha val="40000"/>
-                </a:prstClr>
-              </a:outerShdw>
-            </a:effectLst>
-          </p:spPr>
-          <p:style>
-            <a:lnRef idx="2">
-              <a:schemeClr val="accent1">
-                <a:shade val="50000"/>
-              </a:schemeClr>
-            </a:lnRef>
-            <a:fillRef idx="1">
-              <a:schemeClr val="accent1"/>
-            </a:fillRef>
-            <a:effectRef idx="0">
-              <a:schemeClr val="accent1"/>
-            </a:effectRef>
-            <a:fontRef idx="minor">
-              <a:schemeClr val="lt1"/>
-            </a:fontRef>
-          </p:style>
-          <p:txBody>
-            <a:bodyPr lIns="121960" tIns="60980" rIns="121960" bIns="60980" anchor="ctr"/>
-            <a:lstStyle/>
-            <a:p>
-              <a:pPr algn="ctr">
-                <a:defRPr/>
-              </a:pPr>
-              <a:endParaRPr lang="zh-CN" altLang="en-US" sz="3600" dirty="0">
-                <a:latin typeface="+mj-lt"/>
-                <a:ea typeface="Arial Unicode MS" panose="020B0604020202020204" pitchFamily="34" charset="-122"/>
-                <a:cs typeface="Arial Unicode MS" panose="020B0604020202020204" pitchFamily="34" charset="-122"/>
-              </a:endParaRPr>
-            </a:p>
-          </p:txBody>
-        </p:sp>
-        <p:sp>
-          <p:nvSpPr>
-            <p:cNvPr id="42" name="矩形 41"/>
-            <p:cNvSpPr/>
-            <p:nvPr/>
-          </p:nvSpPr>
-          <p:spPr>
-            <a:xfrm>
-              <a:off x="6682074" y="4221882"/>
-              <a:ext cx="2736304" cy="429260"/>
-            </a:xfrm>
-            <a:prstGeom prst="rect">
-              <a:avLst/>
-            </a:prstGeom>
-          </p:spPr>
-          <p:txBody>
-            <a:bodyPr wrap="square" lIns="121960" tIns="60980" rIns="121960" bIns="60980">
-              <a:spAutoFit/>
-            </a:bodyPr>
-            <a:lstStyle/>
-            <a:p>
-              <a:pPr>
-                <a:defRPr/>
-              </a:pPr>
-              <a:r>
-                <a:rPr lang="en-US" altLang="zh-CN" sz="2000" b="1" kern="100" dirty="0" smtClean="0">
-                  <a:solidFill>
-                    <a:schemeClr val="bg1"/>
-                  </a:solidFill>
-                  <a:latin typeface="微软雅黑" panose="020B0503020204020204" pitchFamily="34" charset="-122"/>
-                  <a:ea typeface="微软雅黑" panose="020B0503020204020204" pitchFamily="34" charset="-122"/>
-                  <a:cs typeface="Times New Roman" panose="02020603050405020304" pitchFamily="18" charset="0"/>
-                </a:rPr>
-                <a:t>UML</a:t>
-              </a:r>
-              <a:r>
-                <a:rPr lang="zh-CN" altLang="en-US" sz="2000" b="1" kern="100" dirty="0" smtClean="0">
-                  <a:solidFill>
-                    <a:schemeClr val="bg1"/>
-                  </a:solidFill>
-                  <a:latin typeface="微软雅黑" panose="020B0503020204020204" pitchFamily="34" charset="-122"/>
-                  <a:ea typeface="微软雅黑" panose="020B0503020204020204" pitchFamily="34" charset="-122"/>
-                  <a:cs typeface="Times New Roman" panose="02020603050405020304" pitchFamily="18" charset="0"/>
-                </a:rPr>
-                <a:t>的视图</a:t>
-              </a:r>
-              <a:endParaRPr lang="zh-CN" altLang="zh-CN" sz="2000" b="1" kern="100" dirty="0">
-                <a:solidFill>
-                  <a:schemeClr val="bg1"/>
-                </a:solidFill>
-                <a:latin typeface="微软雅黑" panose="020B0503020204020204" pitchFamily="34" charset="-122"/>
-                <a:ea typeface="微软雅黑" panose="020B0503020204020204" pitchFamily="34" charset="-122"/>
-                <a:cs typeface="Times New Roman" panose="02020603050405020304" pitchFamily="18" charset="0"/>
-              </a:endParaRPr>
-            </a:p>
-          </p:txBody>
-        </p:sp>
-      </p:grpSp>
-      <p:grpSp>
-        <p:nvGrpSpPr>
-          <p:cNvPr id="43" name="组合 42"/>
-          <p:cNvGrpSpPr/>
-          <p:nvPr/>
-        </p:nvGrpSpPr>
-        <p:grpSpPr>
-          <a:xfrm>
-            <a:off x="6363498" y="4740676"/>
-            <a:ext cx="3744416" cy="542247"/>
-            <a:chOff x="6329397" y="4108895"/>
-            <a:chExt cx="3744416" cy="542247"/>
-          </a:xfrm>
-        </p:grpSpPr>
-        <p:sp>
-          <p:nvSpPr>
-            <p:cNvPr id="44" name="圆角矩形 43"/>
-            <p:cNvSpPr/>
-            <p:nvPr/>
-          </p:nvSpPr>
-          <p:spPr>
-            <a:xfrm>
-              <a:off x="6329397" y="4108895"/>
-              <a:ext cx="3744416" cy="511504"/>
-            </a:xfrm>
-            <a:prstGeom prst="roundRect">
-              <a:avLst/>
-            </a:prstGeom>
-            <a:solidFill>
-              <a:schemeClr val="accent1"/>
-            </a:solidFill>
-            <a:ln>
-              <a:noFill/>
-            </a:ln>
-            <a:effectLst>
-              <a:outerShdw blurRad="50800" dist="38100" dir="5400000" algn="t" rotWithShape="0">
-                <a:prstClr val="black">
-                  <a:alpha val="40000"/>
-                </a:prstClr>
-              </a:outerShdw>
-            </a:effectLst>
-          </p:spPr>
-          <p:style>
-            <a:lnRef idx="2">
-              <a:schemeClr val="accent1">
-                <a:shade val="50000"/>
-              </a:schemeClr>
-            </a:lnRef>
-            <a:fillRef idx="1">
-              <a:schemeClr val="accent1"/>
-            </a:fillRef>
-            <a:effectRef idx="0">
-              <a:schemeClr val="accent1"/>
-            </a:effectRef>
-            <a:fontRef idx="minor">
-              <a:schemeClr val="lt1"/>
-            </a:fontRef>
-          </p:style>
-          <p:txBody>
-            <a:bodyPr lIns="121960" tIns="60980" rIns="121960" bIns="60980" anchor="ctr"/>
-            <a:lstStyle/>
-            <a:p>
-              <a:pPr algn="ctr">
-                <a:defRPr/>
-              </a:pPr>
-              <a:endParaRPr lang="zh-CN" altLang="en-US" sz="3600" dirty="0">
-                <a:latin typeface="+mj-lt"/>
-                <a:ea typeface="Arial Unicode MS" panose="020B0604020202020204" pitchFamily="34" charset="-122"/>
-                <a:cs typeface="Arial Unicode MS" panose="020B0604020202020204" pitchFamily="34" charset="-122"/>
-              </a:endParaRPr>
-            </a:p>
-          </p:txBody>
-        </p:sp>
-        <p:sp>
-          <p:nvSpPr>
-            <p:cNvPr id="45" name="矩形 44"/>
-            <p:cNvSpPr/>
-            <p:nvPr/>
-          </p:nvSpPr>
-          <p:spPr>
-            <a:xfrm>
-              <a:off x="6682074" y="4221882"/>
-              <a:ext cx="2736304" cy="429260"/>
-            </a:xfrm>
-            <a:prstGeom prst="rect">
-              <a:avLst/>
-            </a:prstGeom>
-          </p:spPr>
-          <p:txBody>
-            <a:bodyPr wrap="square" lIns="121960" tIns="60980" rIns="121960" bIns="60980">
-              <a:spAutoFit/>
-            </a:bodyPr>
-            <a:lstStyle/>
-            <a:p>
-              <a:pPr>
-                <a:defRPr/>
-              </a:pPr>
-              <a:r>
-                <a:rPr lang="en-US" altLang="zh-CN" sz="2000" b="1" kern="100" dirty="0" smtClean="0">
-                  <a:solidFill>
-                    <a:schemeClr val="bg1"/>
-                  </a:solidFill>
-                  <a:latin typeface="微软雅黑" panose="020B0503020204020204" pitchFamily="34" charset="-122"/>
-                  <a:ea typeface="微软雅黑" panose="020B0503020204020204" pitchFamily="34" charset="-122"/>
-                  <a:cs typeface="Times New Roman" panose="02020603050405020304" pitchFamily="18" charset="0"/>
-                </a:rPr>
-                <a:t>UML</a:t>
-              </a:r>
-              <a:r>
-                <a:rPr lang="zh-CN" altLang="en-US" sz="2000" b="1" kern="100" dirty="0" smtClean="0">
-                  <a:solidFill>
-                    <a:schemeClr val="bg1"/>
-                  </a:solidFill>
-                  <a:latin typeface="微软雅黑" panose="020B0503020204020204" pitchFamily="34" charset="-122"/>
-                  <a:ea typeface="微软雅黑" panose="020B0503020204020204" pitchFamily="34" charset="-122"/>
-                  <a:cs typeface="Times New Roman" panose="02020603050405020304" pitchFamily="18" charset="0"/>
-                </a:rPr>
-                <a:t>的图</a:t>
-              </a:r>
-              <a:endParaRPr lang="zh-CN" altLang="zh-CN" sz="2000" b="1" kern="100" dirty="0">
-                <a:solidFill>
-                  <a:schemeClr val="bg1"/>
-                </a:solidFill>
-                <a:latin typeface="微软雅黑" panose="020B0503020204020204" pitchFamily="34" charset="-122"/>
-                <a:ea typeface="微软雅黑" panose="020B0503020204020204" pitchFamily="34" charset="-122"/>
-                <a:cs typeface="Times New Roman" panose="02020603050405020304" pitchFamily="18" charset="0"/>
-              </a:endParaRPr>
-            </a:p>
-          </p:txBody>
-        </p:sp>
-      </p:grpSp>
-      <p:grpSp>
-        <p:nvGrpSpPr>
-          <p:cNvPr id="48" name="组合 47"/>
-          <p:cNvGrpSpPr/>
-          <p:nvPr/>
-        </p:nvGrpSpPr>
-        <p:grpSpPr>
-          <a:xfrm>
-            <a:off x="6373793" y="5462369"/>
-            <a:ext cx="3744416" cy="511504"/>
-            <a:chOff x="6339097" y="4180903"/>
-            <a:chExt cx="3744416" cy="511504"/>
-          </a:xfrm>
-        </p:grpSpPr>
-        <p:sp>
-          <p:nvSpPr>
-            <p:cNvPr id="49" name="圆角矩形 48"/>
-            <p:cNvSpPr/>
-            <p:nvPr/>
-          </p:nvSpPr>
-          <p:spPr>
-            <a:xfrm>
-              <a:off x="6339097" y="4180903"/>
-              <a:ext cx="3744416" cy="511504"/>
-            </a:xfrm>
-            <a:prstGeom prst="roundRect">
-              <a:avLst/>
-            </a:prstGeom>
-            <a:solidFill>
-              <a:schemeClr val="accent1"/>
-            </a:solidFill>
-            <a:ln>
-              <a:noFill/>
-            </a:ln>
-            <a:effectLst>
-              <a:outerShdw blurRad="50800" dist="38100" dir="5400000" algn="t" rotWithShape="0">
-                <a:prstClr val="black">
-                  <a:alpha val="40000"/>
-                </a:prstClr>
-              </a:outerShdw>
-            </a:effectLst>
-          </p:spPr>
-          <p:style>
-            <a:lnRef idx="2">
-              <a:schemeClr val="accent1">
-                <a:shade val="50000"/>
-              </a:schemeClr>
-            </a:lnRef>
-            <a:fillRef idx="1">
-              <a:schemeClr val="accent1"/>
-            </a:fillRef>
-            <a:effectRef idx="0">
-              <a:schemeClr val="accent1"/>
-            </a:effectRef>
-            <a:fontRef idx="minor">
-              <a:schemeClr val="lt1"/>
-            </a:fontRef>
-          </p:style>
-          <p:txBody>
-            <a:bodyPr lIns="121960" tIns="60980" rIns="121960" bIns="60980" anchor="ctr"/>
-            <a:lstStyle/>
-            <a:p>
-              <a:pPr algn="ctr">
-                <a:defRPr/>
-              </a:pPr>
-              <a:endParaRPr lang="zh-CN" altLang="en-US" sz="3600" dirty="0">
-                <a:latin typeface="+mj-lt"/>
-                <a:ea typeface="Arial Unicode MS" panose="020B0604020202020204" pitchFamily="34" charset="-122"/>
-                <a:cs typeface="Arial Unicode MS" panose="020B0604020202020204" pitchFamily="34" charset="-122"/>
-              </a:endParaRPr>
-            </a:p>
-          </p:txBody>
-        </p:sp>
-        <p:sp>
-          <p:nvSpPr>
-            <p:cNvPr id="50" name="矩形 49"/>
-            <p:cNvSpPr/>
-            <p:nvPr/>
-          </p:nvSpPr>
-          <p:spPr>
-            <a:xfrm>
-              <a:off x="6682074" y="4221882"/>
-              <a:ext cx="2736304" cy="429260"/>
-            </a:xfrm>
-            <a:prstGeom prst="rect">
-              <a:avLst/>
-            </a:prstGeom>
-          </p:spPr>
-          <p:txBody>
-            <a:bodyPr wrap="square" lIns="121960" tIns="60980" rIns="121960" bIns="60980">
-              <a:spAutoFit/>
-            </a:bodyPr>
-            <a:lstStyle/>
-            <a:p>
-              <a:pPr>
-                <a:defRPr/>
-              </a:pPr>
-              <a:r>
-                <a:rPr lang="en-US" altLang="zh-CN" sz="2000" b="1" kern="100" dirty="0" smtClean="0">
-                  <a:solidFill>
-                    <a:schemeClr val="bg1"/>
-                  </a:solidFill>
-                  <a:latin typeface="微软雅黑" panose="020B0503020204020204" pitchFamily="34" charset="-122"/>
-                  <a:ea typeface="微软雅黑" panose="020B0503020204020204" pitchFamily="34" charset="-122"/>
-                  <a:cs typeface="Times New Roman" panose="02020603050405020304" pitchFamily="18" charset="0"/>
-                </a:rPr>
-                <a:t>UML2.0</a:t>
-              </a:r>
-              <a:r>
-                <a:rPr lang="zh-CN" altLang="en-US" sz="2000" b="1" kern="100" dirty="0" smtClean="0">
-                  <a:solidFill>
-                    <a:schemeClr val="bg1"/>
-                  </a:solidFill>
-                  <a:latin typeface="微软雅黑" panose="020B0503020204020204" pitchFamily="34" charset="-122"/>
-                  <a:ea typeface="微软雅黑" panose="020B0503020204020204" pitchFamily="34" charset="-122"/>
-                  <a:cs typeface="Times New Roman" panose="02020603050405020304" pitchFamily="18" charset="0"/>
-                </a:rPr>
-                <a:t>的新特征</a:t>
-              </a:r>
-              <a:endParaRPr lang="zh-CN" altLang="zh-CN" sz="2000" b="1" kern="100" dirty="0">
-                <a:solidFill>
-                  <a:schemeClr val="bg1"/>
-                </a:solidFill>
-                <a:latin typeface="微软雅黑" panose="020B0503020204020204" pitchFamily="34" charset="-122"/>
-                <a:ea typeface="微软雅黑" panose="020B0503020204020204" pitchFamily="34" charset="-122"/>
-                <a:cs typeface="Times New Roman" panose="02020603050405020304" pitchFamily="18" charset="0"/>
-              </a:endParaRPr>
-            </a:p>
-          </p:txBody>
-        </p:sp>
-      </p:grpSp>
-      <p:grpSp>
-        <p:nvGrpSpPr>
-          <p:cNvPr id="51" name="组合 50"/>
-          <p:cNvGrpSpPr/>
-          <p:nvPr/>
-        </p:nvGrpSpPr>
-        <p:grpSpPr>
-          <a:xfrm>
-            <a:off x="6365114" y="6166098"/>
-            <a:ext cx="3744416" cy="511504"/>
-            <a:chOff x="6339097" y="4180903"/>
-            <a:chExt cx="3744416" cy="511504"/>
-          </a:xfrm>
-        </p:grpSpPr>
-        <p:sp>
-          <p:nvSpPr>
-            <p:cNvPr id="52" name="圆角矩形 51"/>
-            <p:cNvSpPr/>
-            <p:nvPr/>
-          </p:nvSpPr>
-          <p:spPr>
-            <a:xfrm>
-              <a:off x="6339097" y="4180903"/>
-              <a:ext cx="3744416" cy="511504"/>
-            </a:xfrm>
-            <a:prstGeom prst="roundRect">
-              <a:avLst/>
-            </a:prstGeom>
-            <a:solidFill>
-              <a:schemeClr val="accent1"/>
-            </a:solidFill>
-            <a:ln>
-              <a:noFill/>
-            </a:ln>
-            <a:effectLst>
-              <a:outerShdw blurRad="50800" dist="38100" dir="5400000" algn="t" rotWithShape="0">
-                <a:prstClr val="black">
-                  <a:alpha val="40000"/>
-                </a:prstClr>
-              </a:outerShdw>
-            </a:effectLst>
-          </p:spPr>
-          <p:style>
-            <a:lnRef idx="2">
-              <a:schemeClr val="accent1">
-                <a:shade val="50000"/>
-              </a:schemeClr>
-            </a:lnRef>
-            <a:fillRef idx="1">
-              <a:schemeClr val="accent1"/>
-            </a:fillRef>
-            <a:effectRef idx="0">
-              <a:schemeClr val="accent1"/>
-            </a:effectRef>
-            <a:fontRef idx="minor">
-              <a:schemeClr val="lt1"/>
-            </a:fontRef>
-          </p:style>
-          <p:txBody>
-            <a:bodyPr lIns="121960" tIns="60980" rIns="121960" bIns="60980" anchor="ctr"/>
-            <a:lstStyle/>
-            <a:p>
-              <a:pPr algn="ctr">
-                <a:defRPr/>
-              </a:pPr>
-              <a:endParaRPr lang="zh-CN" altLang="en-US" sz="3600" dirty="0">
-                <a:latin typeface="+mj-lt"/>
-                <a:ea typeface="Arial Unicode MS" panose="020B0604020202020204" pitchFamily="34" charset="-122"/>
-                <a:cs typeface="Arial Unicode MS" panose="020B0604020202020204" pitchFamily="34" charset="-122"/>
-              </a:endParaRPr>
-            </a:p>
-          </p:txBody>
-        </p:sp>
-        <p:sp>
-          <p:nvSpPr>
-            <p:cNvPr id="53" name="矩形 52"/>
-            <p:cNvSpPr/>
-            <p:nvPr/>
-          </p:nvSpPr>
-          <p:spPr>
-            <a:xfrm>
-              <a:off x="6682074" y="4221882"/>
-              <a:ext cx="2736304" cy="429260"/>
-            </a:xfrm>
-            <a:prstGeom prst="rect">
-              <a:avLst/>
-            </a:prstGeom>
-          </p:spPr>
-          <p:txBody>
-            <a:bodyPr wrap="square" lIns="121960" tIns="60980" rIns="121960" bIns="60980">
-              <a:spAutoFit/>
-            </a:bodyPr>
-            <a:lstStyle/>
-            <a:p>
-              <a:pPr>
-                <a:defRPr/>
-              </a:pPr>
-              <a:r>
-                <a:rPr lang="zh-CN" altLang="en-US" sz="2000" b="1" kern="100" dirty="0" smtClean="0">
-                  <a:solidFill>
-                    <a:schemeClr val="bg1"/>
-                  </a:solidFill>
-                  <a:latin typeface="微软雅黑" panose="020B0503020204020204" pitchFamily="34" charset="-122"/>
-                  <a:ea typeface="微软雅黑" panose="020B0503020204020204" pitchFamily="34" charset="-122"/>
-                  <a:cs typeface="Times New Roman" panose="02020603050405020304" pitchFamily="18" charset="0"/>
-                </a:rPr>
-                <a:t>系统开发阶段</a:t>
-              </a:r>
-              <a:endParaRPr lang="zh-CN" altLang="zh-CN" sz="2000" b="1" kern="100" dirty="0">
-                <a:solidFill>
-                  <a:schemeClr val="bg1"/>
-                </a:solidFill>
-                <a:latin typeface="微软雅黑" panose="020B0503020204020204" pitchFamily="34" charset="-122"/>
-                <a:ea typeface="微软雅黑" panose="020B0503020204020204" pitchFamily="34" charset="-122"/>
-                <a:cs typeface="Times New Roman" panose="02020603050405020304" pitchFamily="18" charset="0"/>
-              </a:endParaRPr>
-            </a:p>
-          </p:txBody>
-        </p:sp>
-      </p:grpSp>
-      <p:grpSp>
-        <p:nvGrpSpPr>
-          <p:cNvPr id="54" name="组合 53"/>
-          <p:cNvGrpSpPr/>
-          <p:nvPr/>
-        </p:nvGrpSpPr>
-        <p:grpSpPr>
-          <a:xfrm>
-            <a:off x="5087094" y="117426"/>
-            <a:ext cx="3744416" cy="511504"/>
-            <a:chOff x="6315199" y="2492728"/>
-            <a:chExt cx="3744416" cy="511504"/>
-          </a:xfrm>
-        </p:grpSpPr>
-        <p:sp>
-          <p:nvSpPr>
-            <p:cNvPr id="55" name="圆角矩形 54"/>
-            <p:cNvSpPr/>
-            <p:nvPr/>
-          </p:nvSpPr>
-          <p:spPr>
-            <a:xfrm>
-              <a:off x="6315199" y="2492728"/>
-              <a:ext cx="3744416" cy="511504"/>
-            </a:xfrm>
-            <a:prstGeom prst="roundRect">
-              <a:avLst/>
-            </a:prstGeom>
-            <a:solidFill>
-              <a:schemeClr val="accent1"/>
-            </a:solidFill>
-            <a:ln>
-              <a:noFill/>
-            </a:ln>
-            <a:effectLst>
-              <a:outerShdw blurRad="50800" dist="38100" dir="5400000" algn="t" rotWithShape="0">
-                <a:prstClr val="black">
-                  <a:alpha val="40000"/>
-                </a:prstClr>
-              </a:outerShdw>
-            </a:effectLst>
-          </p:spPr>
-          <p:style>
-            <a:lnRef idx="2">
-              <a:schemeClr val="accent1">
-                <a:shade val="50000"/>
-              </a:schemeClr>
-            </a:lnRef>
-            <a:fillRef idx="1">
-              <a:schemeClr val="accent1"/>
-            </a:fillRef>
-            <a:effectRef idx="0">
-              <a:schemeClr val="accent1"/>
-            </a:effectRef>
-            <a:fontRef idx="minor">
-              <a:schemeClr val="lt1"/>
-            </a:fontRef>
-          </p:style>
-          <p:txBody>
-            <a:bodyPr lIns="121960" tIns="60980" rIns="121960" bIns="60980" anchor="ctr"/>
-            <a:lstStyle/>
-            <a:p>
-              <a:pPr algn="ctr">
-                <a:defRPr/>
-              </a:pPr>
-              <a:endParaRPr lang="zh-CN" altLang="en-US" sz="3600" dirty="0">
-                <a:latin typeface="+mj-lt"/>
-                <a:ea typeface="Arial Unicode MS" panose="020B0604020202020204" pitchFamily="34" charset="-122"/>
-                <a:cs typeface="Arial Unicode MS" panose="020B0604020202020204" pitchFamily="34" charset="-122"/>
-              </a:endParaRPr>
-            </a:p>
-          </p:txBody>
-        </p:sp>
-        <p:sp>
-          <p:nvSpPr>
-            <p:cNvPr id="56" name="矩形 55"/>
-            <p:cNvSpPr/>
-            <p:nvPr/>
-          </p:nvSpPr>
-          <p:spPr>
-            <a:xfrm>
-              <a:off x="6681843" y="2493011"/>
-              <a:ext cx="2653074" cy="429260"/>
-            </a:xfrm>
-            <a:prstGeom prst="rect">
-              <a:avLst/>
-            </a:prstGeom>
-          </p:spPr>
-          <p:txBody>
-            <a:bodyPr wrap="square" lIns="121960" tIns="60980" rIns="121960" bIns="60980">
-              <a:spAutoFit/>
-            </a:bodyPr>
-            <a:lstStyle/>
-            <a:p>
-              <a:pPr algn="ctr">
-                <a:defRPr/>
-              </a:pPr>
-              <a:r>
-                <a:rPr lang="zh-CN" altLang="en-US" sz="2000" b="1" kern="100" dirty="0">
-                  <a:solidFill>
-                    <a:schemeClr val="bg1"/>
-                  </a:solidFill>
-                  <a:latin typeface="微软雅黑" panose="020B0503020204020204" pitchFamily="34" charset="-122"/>
-                  <a:ea typeface="微软雅黑" panose="020B0503020204020204" pitchFamily="34" charset="-122"/>
-                  <a:cs typeface="Times New Roman" panose="02020603050405020304" pitchFamily="18" charset="0"/>
-                </a:rPr>
-                <a:t>目录</a:t>
-              </a:r>
-              <a:endParaRPr lang="zh-CN" altLang="zh-CN" sz="2000" b="1" kern="100" dirty="0">
-                <a:solidFill>
-                  <a:schemeClr val="bg1"/>
-                </a:solidFill>
-                <a:latin typeface="微软雅黑" panose="020B0503020204020204" pitchFamily="34" charset="-122"/>
-                <a:ea typeface="微软雅黑" panose="020B0503020204020204" pitchFamily="34" charset="-122"/>
-                <a:cs typeface="Times New Roman" panose="02020603050405020304" pitchFamily="18" charset="0"/>
-              </a:endParaRPr>
-            </a:p>
-          </p:txBody>
-        </p:sp>
-      </p:grpSp>
-      <p:sp>
-        <p:nvSpPr>
-          <p:cNvPr id="57" name="圆角矩形 56"/>
-          <p:cNvSpPr/>
-          <p:nvPr/>
-        </p:nvSpPr>
-        <p:spPr>
-          <a:xfrm>
-            <a:off x="5164674" y="1728632"/>
-            <a:ext cx="801956" cy="511504"/>
-          </a:xfrm>
-          <a:prstGeom prst="roundRect">
-            <a:avLst/>
-          </a:prstGeom>
-          <a:solidFill>
-            <a:schemeClr val="accent1"/>
-          </a:solidFill>
-          <a:ln>
-            <a:noFill/>
-          </a:ln>
-          <a:effectLst>
-            <a:outerShdw blurRad="50800" dist="38100" dir="5400000" algn="t" rotWithShape="0">
-              <a:prstClr val="black">
-                <a:alpha val="40000"/>
-              </a:prstClr>
-            </a:outerShdw>
-          </a:effectLst>
-        </p:spPr>
-        <p:style>
-          <a:lnRef idx="2">
-            <a:schemeClr val="accent1">
-              <a:shade val="50000"/>
-            </a:schemeClr>
-          </a:lnRef>
-          <a:fillRef idx="1">
-            <a:schemeClr val="accent1"/>
-          </a:fillRef>
-          <a:effectRef idx="0">
-            <a:schemeClr val="accent1"/>
-          </a:effectRef>
-          <a:fontRef idx="minor">
-            <a:schemeClr val="lt1"/>
-          </a:fontRef>
-        </p:style>
-        <p:txBody>
-          <a:bodyPr lIns="121960" tIns="60980" rIns="121960" bIns="60980" anchor="ctr"/>
+        </p:nvSpPr>
+        <p:spPr>
+          <a:xfrm>
+            <a:off x="1198662" y="1485578"/>
+            <a:ext cx="8856984" cy="1708160"/>
+          </a:xfrm>
+          <a:prstGeom prst="rect">
+            <a:avLst/>
+          </a:prstGeom>
+          <a:noFill/>
+        </p:spPr>
+        <p:txBody>
+          <a:bodyPr wrap="square" rtlCol="0">
+            <a:spAutoFit/>
+          </a:bodyPr>
           <a:lstStyle/>
           <a:p>
-            <a:pPr algn="ctr">
-              <a:defRPr/>
-            </a:pPr>
-            <a:r>
-              <a:rPr lang="en-US" altLang="zh-CN" sz="2400" dirty="0" smtClean="0">
-                <a:latin typeface="+mj-lt"/>
-                <a:ea typeface="Arial Unicode MS" panose="020B0604020202020204" pitchFamily="34" charset="-122"/>
-                <a:cs typeface="Arial Unicode MS" panose="020B0604020202020204" pitchFamily="34" charset="-122"/>
-              </a:rPr>
-              <a:t>1.2</a:t>
-            </a:r>
-            <a:endParaRPr lang="zh-CN" altLang="en-US" sz="3200" dirty="0">
-              <a:latin typeface="+mj-lt"/>
-              <a:ea typeface="Arial Unicode MS" panose="020B0604020202020204" pitchFamily="34" charset="-122"/>
-              <a:cs typeface="Arial Unicode MS" panose="020B0604020202020204" pitchFamily="34" charset="-122"/>
-            </a:endParaRPr>
-          </a:p>
-        </p:txBody>
-      </p:sp>
-      <p:sp>
-        <p:nvSpPr>
-          <p:cNvPr id="59" name="圆角矩形 58"/>
-          <p:cNvSpPr/>
-          <p:nvPr/>
-        </p:nvSpPr>
-        <p:spPr>
-          <a:xfrm>
-            <a:off x="5191713" y="2521954"/>
-            <a:ext cx="801956" cy="511504"/>
-          </a:xfrm>
-          <a:prstGeom prst="roundRect">
-            <a:avLst/>
-          </a:prstGeom>
-          <a:solidFill>
-            <a:schemeClr val="accent1"/>
-          </a:solidFill>
-          <a:ln>
-            <a:noFill/>
-          </a:ln>
-          <a:effectLst>
-            <a:outerShdw blurRad="50800" dist="38100" dir="5400000" algn="t" rotWithShape="0">
-              <a:prstClr val="black">
-                <a:alpha val="40000"/>
-              </a:prstClr>
-            </a:outerShdw>
-          </a:effectLst>
-        </p:spPr>
-        <p:style>
-          <a:lnRef idx="2">
-            <a:schemeClr val="accent1">
-              <a:shade val="50000"/>
-            </a:schemeClr>
-          </a:lnRef>
-          <a:fillRef idx="1">
-            <a:schemeClr val="accent1"/>
-          </a:fillRef>
-          <a:effectRef idx="0">
-            <a:schemeClr val="accent1"/>
-          </a:effectRef>
-          <a:fontRef idx="minor">
-            <a:schemeClr val="lt1"/>
-          </a:fontRef>
-        </p:style>
-        <p:txBody>
-          <a:bodyPr lIns="121960" tIns="60980" rIns="121960" bIns="60980" anchor="ctr"/>
-          <a:lstStyle/>
-          <a:p>
-            <a:pPr algn="ctr">
-              <a:defRPr/>
-            </a:pPr>
-            <a:r>
-              <a:rPr lang="en-US" altLang="zh-CN" sz="2400" dirty="0" smtClean="0">
-                <a:latin typeface="+mj-lt"/>
-                <a:ea typeface="Arial Unicode MS" panose="020B0604020202020204" pitchFamily="34" charset="-122"/>
-                <a:cs typeface="Arial Unicode MS" panose="020B0604020202020204" pitchFamily="34" charset="-122"/>
-              </a:rPr>
-              <a:t>1.3</a:t>
-            </a:r>
-            <a:endParaRPr lang="zh-CN" altLang="en-US" sz="3200" dirty="0">
-              <a:latin typeface="+mj-lt"/>
-              <a:ea typeface="Arial Unicode MS" panose="020B0604020202020204" pitchFamily="34" charset="-122"/>
-              <a:cs typeface="Arial Unicode MS" panose="020B0604020202020204" pitchFamily="34" charset="-122"/>
-            </a:endParaRPr>
-          </a:p>
-        </p:txBody>
-      </p:sp>
-      <p:sp>
-        <p:nvSpPr>
-          <p:cNvPr id="60" name="圆角矩形 59"/>
-          <p:cNvSpPr/>
-          <p:nvPr/>
-        </p:nvSpPr>
-        <p:spPr>
-          <a:xfrm>
-            <a:off x="5191713" y="3370526"/>
-            <a:ext cx="801956" cy="511504"/>
-          </a:xfrm>
-          <a:prstGeom prst="roundRect">
-            <a:avLst/>
-          </a:prstGeom>
-          <a:solidFill>
-            <a:schemeClr val="accent1"/>
-          </a:solidFill>
-          <a:ln>
-            <a:noFill/>
-          </a:ln>
-          <a:effectLst>
-            <a:outerShdw blurRad="50800" dist="38100" dir="5400000" algn="t" rotWithShape="0">
-              <a:prstClr val="black">
-                <a:alpha val="40000"/>
-              </a:prstClr>
-            </a:outerShdw>
-          </a:effectLst>
-        </p:spPr>
-        <p:style>
-          <a:lnRef idx="2">
-            <a:schemeClr val="accent1">
-              <a:shade val="50000"/>
-            </a:schemeClr>
-          </a:lnRef>
-          <a:fillRef idx="1">
-            <a:schemeClr val="accent1"/>
-          </a:fillRef>
-          <a:effectRef idx="0">
-            <a:schemeClr val="accent1"/>
-          </a:effectRef>
-          <a:fontRef idx="minor">
-            <a:schemeClr val="lt1"/>
-          </a:fontRef>
-        </p:style>
-        <p:txBody>
-          <a:bodyPr lIns="121960" tIns="60980" rIns="121960" bIns="60980" anchor="ctr"/>
-          <a:lstStyle/>
-          <a:p>
-            <a:pPr algn="ctr">
-              <a:defRPr/>
-            </a:pPr>
-            <a:r>
-              <a:rPr lang="en-US" altLang="zh-CN" sz="2400" dirty="0" smtClean="0">
-                <a:latin typeface="+mj-lt"/>
-                <a:ea typeface="Arial Unicode MS" panose="020B0604020202020204" pitchFamily="34" charset="-122"/>
-                <a:cs typeface="Arial Unicode MS" panose="020B0604020202020204" pitchFamily="34" charset="-122"/>
-              </a:rPr>
-              <a:t>1.4</a:t>
-            </a:r>
-            <a:endParaRPr lang="zh-CN" altLang="en-US" sz="3200" dirty="0">
-              <a:latin typeface="+mj-lt"/>
-              <a:ea typeface="Arial Unicode MS" panose="020B0604020202020204" pitchFamily="34" charset="-122"/>
-              <a:cs typeface="Arial Unicode MS" panose="020B0604020202020204" pitchFamily="34" charset="-122"/>
-            </a:endParaRPr>
-          </a:p>
-        </p:txBody>
-      </p:sp>
-      <p:sp>
-        <p:nvSpPr>
-          <p:cNvPr id="61" name="圆角矩形 60"/>
-          <p:cNvSpPr/>
-          <p:nvPr/>
-        </p:nvSpPr>
-        <p:spPr>
-          <a:xfrm>
-            <a:off x="5191713" y="4074193"/>
-            <a:ext cx="801956" cy="511504"/>
-          </a:xfrm>
-          <a:prstGeom prst="roundRect">
-            <a:avLst/>
-          </a:prstGeom>
-          <a:solidFill>
-            <a:schemeClr val="accent1"/>
-          </a:solidFill>
-          <a:ln>
-            <a:noFill/>
-          </a:ln>
-          <a:effectLst>
-            <a:outerShdw blurRad="50800" dist="38100" dir="5400000" algn="t" rotWithShape="0">
-              <a:prstClr val="black">
-                <a:alpha val="40000"/>
-              </a:prstClr>
-            </a:outerShdw>
-          </a:effectLst>
-        </p:spPr>
-        <p:style>
-          <a:lnRef idx="2">
-            <a:schemeClr val="accent1">
-              <a:shade val="50000"/>
-            </a:schemeClr>
-          </a:lnRef>
-          <a:fillRef idx="1">
-            <a:schemeClr val="accent1"/>
-          </a:fillRef>
-          <a:effectRef idx="0">
-            <a:schemeClr val="accent1"/>
-          </a:effectRef>
-          <a:fontRef idx="minor">
-            <a:schemeClr val="lt1"/>
-          </a:fontRef>
-        </p:style>
-        <p:txBody>
-          <a:bodyPr lIns="121960" tIns="60980" rIns="121960" bIns="60980" anchor="ctr"/>
-          <a:lstStyle/>
-          <a:p>
-            <a:pPr algn="ctr">
-              <a:defRPr/>
-            </a:pPr>
-            <a:r>
-              <a:rPr lang="en-US" altLang="zh-CN" sz="2400" dirty="0" smtClean="0">
-                <a:latin typeface="+mj-lt"/>
-                <a:ea typeface="Arial Unicode MS" panose="020B0604020202020204" pitchFamily="34" charset="-122"/>
-                <a:cs typeface="Arial Unicode MS" panose="020B0604020202020204" pitchFamily="34" charset="-122"/>
-              </a:rPr>
-              <a:t>1.5</a:t>
-            </a:r>
-            <a:endParaRPr lang="zh-CN" altLang="en-US" sz="3200" dirty="0">
-              <a:latin typeface="+mj-lt"/>
-              <a:ea typeface="Arial Unicode MS" panose="020B0604020202020204" pitchFamily="34" charset="-122"/>
-              <a:cs typeface="Arial Unicode MS" panose="020B0604020202020204" pitchFamily="34" charset="-122"/>
-            </a:endParaRPr>
-          </a:p>
-        </p:txBody>
-      </p:sp>
-      <p:sp>
-        <p:nvSpPr>
-          <p:cNvPr id="62" name="圆角矩形 61"/>
-          <p:cNvSpPr/>
-          <p:nvPr/>
-        </p:nvSpPr>
-        <p:spPr>
-          <a:xfrm>
-            <a:off x="5203832" y="4762902"/>
-            <a:ext cx="801956" cy="511504"/>
-          </a:xfrm>
-          <a:prstGeom prst="roundRect">
-            <a:avLst/>
-          </a:prstGeom>
-          <a:solidFill>
-            <a:schemeClr val="accent1"/>
-          </a:solidFill>
-          <a:ln>
-            <a:noFill/>
-          </a:ln>
-          <a:effectLst>
-            <a:outerShdw blurRad="50800" dist="38100" dir="5400000" algn="t" rotWithShape="0">
-              <a:prstClr val="black">
-                <a:alpha val="40000"/>
-              </a:prstClr>
-            </a:outerShdw>
-          </a:effectLst>
-        </p:spPr>
-        <p:style>
-          <a:lnRef idx="2">
-            <a:schemeClr val="accent1">
-              <a:shade val="50000"/>
-            </a:schemeClr>
-          </a:lnRef>
-          <a:fillRef idx="1">
-            <a:schemeClr val="accent1"/>
-          </a:fillRef>
-          <a:effectRef idx="0">
-            <a:schemeClr val="accent1"/>
-          </a:effectRef>
-          <a:fontRef idx="minor">
-            <a:schemeClr val="lt1"/>
-          </a:fontRef>
-        </p:style>
-        <p:txBody>
-          <a:bodyPr lIns="121960" tIns="60980" rIns="121960" bIns="60980" anchor="ctr"/>
-          <a:lstStyle/>
-          <a:p>
-            <a:pPr algn="ctr">
-              <a:defRPr/>
-            </a:pPr>
-            <a:r>
-              <a:rPr lang="en-US" altLang="zh-CN" sz="2400" dirty="0" smtClean="0">
-                <a:latin typeface="+mj-lt"/>
-                <a:ea typeface="Arial Unicode MS" panose="020B0604020202020204" pitchFamily="34" charset="-122"/>
-                <a:cs typeface="Arial Unicode MS" panose="020B0604020202020204" pitchFamily="34" charset="-122"/>
-              </a:rPr>
-              <a:t>1.6</a:t>
-            </a:r>
-            <a:endParaRPr lang="zh-CN" altLang="en-US" sz="3200" dirty="0">
-              <a:latin typeface="+mj-lt"/>
-              <a:ea typeface="Arial Unicode MS" panose="020B0604020202020204" pitchFamily="34" charset="-122"/>
-              <a:cs typeface="Arial Unicode MS" panose="020B0604020202020204" pitchFamily="34" charset="-122"/>
-            </a:endParaRPr>
-          </a:p>
-        </p:txBody>
-      </p:sp>
-      <p:sp>
-        <p:nvSpPr>
-          <p:cNvPr id="63" name="圆角矩形 62"/>
-          <p:cNvSpPr/>
-          <p:nvPr/>
-        </p:nvSpPr>
-        <p:spPr>
-          <a:xfrm>
-            <a:off x="5191713" y="5503348"/>
-            <a:ext cx="801956" cy="511504"/>
-          </a:xfrm>
-          <a:prstGeom prst="roundRect">
-            <a:avLst/>
-          </a:prstGeom>
-          <a:solidFill>
-            <a:schemeClr val="accent1"/>
-          </a:solidFill>
-          <a:ln>
-            <a:noFill/>
-          </a:ln>
-          <a:effectLst>
-            <a:outerShdw blurRad="50800" dist="38100" dir="5400000" algn="t" rotWithShape="0">
-              <a:prstClr val="black">
-                <a:alpha val="40000"/>
-              </a:prstClr>
-            </a:outerShdw>
-          </a:effectLst>
-        </p:spPr>
-        <p:style>
-          <a:lnRef idx="2">
-            <a:schemeClr val="accent1">
-              <a:shade val="50000"/>
-            </a:schemeClr>
-          </a:lnRef>
-          <a:fillRef idx="1">
-            <a:schemeClr val="accent1"/>
-          </a:fillRef>
-          <a:effectRef idx="0">
-            <a:schemeClr val="accent1"/>
-          </a:effectRef>
-          <a:fontRef idx="minor">
-            <a:schemeClr val="lt1"/>
-          </a:fontRef>
-        </p:style>
-        <p:txBody>
-          <a:bodyPr lIns="121960" tIns="60980" rIns="121960" bIns="60980" anchor="ctr"/>
-          <a:lstStyle/>
-          <a:p>
-            <a:pPr algn="ctr">
-              <a:defRPr/>
-            </a:pPr>
-            <a:r>
-              <a:rPr lang="en-US" altLang="zh-CN" sz="2400" dirty="0" smtClean="0">
-                <a:latin typeface="+mj-lt"/>
-                <a:ea typeface="Arial Unicode MS" panose="020B0604020202020204" pitchFamily="34" charset="-122"/>
-                <a:cs typeface="Arial Unicode MS" panose="020B0604020202020204" pitchFamily="34" charset="-122"/>
-              </a:rPr>
-              <a:t>1.7</a:t>
-            </a:r>
-            <a:endParaRPr lang="zh-CN" altLang="en-US" sz="3200" dirty="0">
-              <a:latin typeface="+mj-lt"/>
-              <a:ea typeface="Arial Unicode MS" panose="020B0604020202020204" pitchFamily="34" charset="-122"/>
-              <a:cs typeface="Arial Unicode MS" panose="020B0604020202020204" pitchFamily="34" charset="-122"/>
-            </a:endParaRPr>
-          </a:p>
-        </p:txBody>
-      </p:sp>
-      <p:sp>
-        <p:nvSpPr>
-          <p:cNvPr id="64" name="圆角矩形 63"/>
-          <p:cNvSpPr/>
-          <p:nvPr/>
-        </p:nvSpPr>
-        <p:spPr>
-          <a:xfrm>
-            <a:off x="5191713" y="6207077"/>
-            <a:ext cx="801956" cy="511504"/>
-          </a:xfrm>
-          <a:prstGeom prst="roundRect">
-            <a:avLst/>
-          </a:prstGeom>
-          <a:solidFill>
-            <a:schemeClr val="accent1"/>
-          </a:solidFill>
-          <a:ln>
-            <a:noFill/>
-          </a:ln>
-          <a:effectLst>
-            <a:outerShdw blurRad="50800" dist="38100" dir="5400000" algn="t" rotWithShape="0">
-              <a:prstClr val="black">
-                <a:alpha val="40000"/>
-              </a:prstClr>
-            </a:outerShdw>
-          </a:effectLst>
-        </p:spPr>
-        <p:style>
-          <a:lnRef idx="2">
-            <a:schemeClr val="accent1">
-              <a:shade val="50000"/>
-            </a:schemeClr>
-          </a:lnRef>
-          <a:fillRef idx="1">
-            <a:schemeClr val="accent1"/>
-          </a:fillRef>
-          <a:effectRef idx="0">
-            <a:schemeClr val="accent1"/>
-          </a:effectRef>
-          <a:fontRef idx="minor">
-            <a:schemeClr val="lt1"/>
-          </a:fontRef>
-        </p:style>
-        <p:txBody>
-          <a:bodyPr lIns="121960" tIns="60980" rIns="121960" bIns="60980" anchor="ctr"/>
-          <a:lstStyle/>
-          <a:p>
-            <a:pPr algn="ctr">
-              <a:defRPr/>
-            </a:pPr>
-            <a:r>
-              <a:rPr lang="en-US" altLang="zh-CN" sz="2400" dirty="0" smtClean="0">
-                <a:latin typeface="+mj-lt"/>
-                <a:ea typeface="Arial Unicode MS" panose="020B0604020202020204" pitchFamily="34" charset="-122"/>
-                <a:cs typeface="Arial Unicode MS" panose="020B0604020202020204" pitchFamily="34" charset="-122"/>
-              </a:rPr>
-              <a:t>1.8</a:t>
-            </a:r>
-            <a:endParaRPr lang="zh-CN" altLang="en-US" sz="3200" dirty="0">
-              <a:latin typeface="+mj-lt"/>
-              <a:ea typeface="Arial Unicode MS" panose="020B0604020202020204" pitchFamily="34" charset="-122"/>
-              <a:cs typeface="Arial Unicode MS" panose="020B0604020202020204" pitchFamily="34" charset="-122"/>
-            </a:endParaRPr>
+            <a:r>
+              <a:rPr lang="en-US" altLang="zh-CN" dirty="0" smtClean="0"/>
+              <a:t>1</a:t>
+            </a:r>
+            <a:r>
+              <a:rPr lang="zh-CN" altLang="en-US" dirty="0" smtClean="0"/>
+              <a:t>、用例图</a:t>
+            </a:r>
+            <a:endParaRPr lang="en-US" altLang="zh-CN" dirty="0" smtClean="0"/>
+          </a:p>
+          <a:p>
+            <a:r>
+              <a:rPr lang="zh-CN" altLang="en-US" dirty="0"/>
+              <a:t>用</a:t>
+            </a:r>
+            <a:r>
+              <a:rPr lang="zh-CN" altLang="en-US" dirty="0" smtClean="0"/>
+              <a:t>例图中的主体内容用例、参与者、通信关联并没有变化。在</a:t>
+            </a:r>
+            <a:r>
+              <a:rPr lang="en-US" altLang="zh-CN" dirty="0" smtClean="0"/>
+              <a:t>UML2.0</a:t>
+            </a:r>
+            <a:r>
+              <a:rPr lang="zh-CN" altLang="en-US" dirty="0" smtClean="0"/>
+              <a:t>中，为每个用例增加了一个称为</a:t>
+            </a:r>
+            <a:r>
+              <a:rPr lang="en-US" altLang="zh-CN" dirty="0" smtClean="0"/>
+              <a:t>Subject</a:t>
+            </a:r>
+            <a:r>
+              <a:rPr lang="zh-CN" altLang="en-US" dirty="0" smtClean="0"/>
+              <a:t>的特征，这项特征的取值可以作为在逻辑层面划分一组用例的一项依据。用例所属的“系统边界”就是</a:t>
+            </a:r>
+            <a:r>
+              <a:rPr lang="en-US" altLang="zh-CN" dirty="0" smtClean="0"/>
+              <a:t>Subject</a:t>
+            </a:r>
+            <a:r>
+              <a:rPr lang="zh-CN" altLang="en-US" dirty="0" smtClean="0"/>
+              <a:t>的一种典型例子。</a:t>
+            </a:r>
+            <a:endParaRPr lang="zh-CN" altLang="en-US" dirty="0"/>
           </a:p>
         </p:txBody>
       </p:sp>
@@ -4216,1506 +2500,15 @@
   <p:clrMapOvr>
     <a:masterClrMapping/>
   </p:clrMapOvr>
-  <mc:AlternateContent xmlns:mc="http://schemas.openxmlformats.org/markup-compatibility/2006" xmlns:p14="http://schemas.microsoft.com/office/powerpoint/2010/main">
-    <mc:Choice Requires="p14">
-      <p:transition spd="slow" p14:dur="1200" advClick="0" advTm="0">
-        <p14:prism/>
-      </p:transition>
-    </mc:Choice>
-    <mc:Fallback xmlns="">
-      <p:transition spd="slow" advClick="0" advTm="0">
-        <p:fade/>
-      </p:transition>
-    </mc:Fallback>
-  </mc:AlternateContent>
+  <p:transition spd="slow" advClick="0" advTm="0">
+    <p:wipe/>
+  </p:transition>
   <p:timing>
     <p:tnLst>
       <p:par>
-        <p:cTn id="1" dur="indefinite" restart="never" nodeType="tmRoot">
-          <p:childTnLst>
-            <p:seq concurrent="1" nextAc="seek">
-              <p:cTn id="2" dur="indefinite" nodeType="mainSeq">
-                <p:childTnLst>
-                  <p:par>
-                    <p:cTn id="3" fill="hold">
-                      <p:stCondLst>
-                        <p:cond delay="indefinite"/>
-                        <p:cond evt="onBegin" delay="0">
-                          <p:tn val="2"/>
-                        </p:cond>
-                      </p:stCondLst>
-                      <p:childTnLst>
-                        <p:par>
-                          <p:cTn id="4" fill="hold">
-                            <p:stCondLst>
-                              <p:cond delay="0"/>
-                            </p:stCondLst>
-                            <p:childTnLst>
-                              <p:par>
-                                <p:cTn id="5" presetID="2" presetClass="entr" presetSubtype="8" fill="hold" grpId="0" nodeType="afterEffect">
-                                  <p:stCondLst>
-                                    <p:cond delay="0"/>
-                                  </p:stCondLst>
-                                  <p:childTnLst>
-                                    <p:set>
-                                      <p:cBhvr>
-                                        <p:cTn id="6" dur="1" fill="hold">
-                                          <p:stCondLst>
-                                            <p:cond delay="0"/>
-                                          </p:stCondLst>
-                                        </p:cTn>
-                                        <p:tgtEl>
-                                          <p:spTgt spid="36"/>
-                                        </p:tgtEl>
-                                        <p:attrNameLst>
-                                          <p:attrName>style.visibility</p:attrName>
-                                        </p:attrNameLst>
-                                      </p:cBhvr>
-                                      <p:to>
-                                        <p:strVal val="visible"/>
-                                      </p:to>
-                                    </p:set>
-                                    <p:anim calcmode="lin" valueType="num">
-                                      <p:cBhvr additive="base">
-                                        <p:cTn id="7" dur="500" fill="hold"/>
-                                        <p:tgtEl>
-                                          <p:spTgt spid="36"/>
-                                        </p:tgtEl>
-                                        <p:attrNameLst>
-                                          <p:attrName>ppt_x</p:attrName>
-                                        </p:attrNameLst>
-                                      </p:cBhvr>
-                                      <p:tavLst>
-                                        <p:tav tm="0">
-                                          <p:val>
-                                            <p:strVal val="0-#ppt_w/2"/>
-                                          </p:val>
-                                        </p:tav>
-                                        <p:tav tm="100000">
-                                          <p:val>
-                                            <p:strVal val="#ppt_x"/>
-                                          </p:val>
-                                        </p:tav>
-                                      </p:tavLst>
-                                    </p:anim>
-                                    <p:anim calcmode="lin" valueType="num">
-                                      <p:cBhvr additive="base">
-                                        <p:cTn id="8" dur="500" fill="hold"/>
-                                        <p:tgtEl>
-                                          <p:spTgt spid="36"/>
-                                        </p:tgtEl>
-                                        <p:attrNameLst>
-                                          <p:attrName>ppt_y</p:attrName>
-                                        </p:attrNameLst>
-                                      </p:cBhvr>
-                                      <p:tavLst>
-                                        <p:tav tm="0">
-                                          <p:val>
-                                            <p:strVal val="#ppt_y"/>
-                                          </p:val>
-                                        </p:tav>
-                                        <p:tav tm="100000">
-                                          <p:val>
-                                            <p:strVal val="#ppt_y"/>
-                                          </p:val>
-                                        </p:tav>
-                                      </p:tavLst>
-                                    </p:anim>
-                                  </p:childTnLst>
-                                </p:cTn>
-                              </p:par>
-                            </p:childTnLst>
-                          </p:cTn>
-                        </p:par>
-                        <p:par>
-                          <p:cTn id="9" fill="hold">
-                            <p:stCondLst>
-                              <p:cond delay="500"/>
-                            </p:stCondLst>
-                            <p:childTnLst>
-                              <p:par>
-                                <p:cTn id="10" presetID="17" presetClass="entr" presetSubtype="1" fill="hold" grpId="0" nodeType="afterEffect">
-                                  <p:stCondLst>
-                                    <p:cond delay="0"/>
-                                  </p:stCondLst>
-                                  <p:iterate type="lt">
-                                    <p:tmPct val="40000"/>
-                                  </p:iterate>
-                                  <p:childTnLst>
-                                    <p:set>
-                                      <p:cBhvr>
-                                        <p:cTn id="11" dur="1" fill="hold">
-                                          <p:stCondLst>
-                                            <p:cond delay="0"/>
-                                          </p:stCondLst>
-                                        </p:cTn>
-                                        <p:tgtEl>
-                                          <p:spTgt spid="37"/>
-                                        </p:tgtEl>
-                                        <p:attrNameLst>
-                                          <p:attrName>style.visibility</p:attrName>
-                                        </p:attrNameLst>
-                                      </p:cBhvr>
-                                      <p:to>
-                                        <p:strVal val="visible"/>
-                                      </p:to>
-                                    </p:set>
-                                    <p:anim calcmode="lin" valueType="num">
-                                      <p:cBhvr>
-                                        <p:cTn id="12" dur="250" fill="hold"/>
-                                        <p:tgtEl>
-                                          <p:spTgt spid="37"/>
-                                        </p:tgtEl>
-                                        <p:attrNameLst>
-                                          <p:attrName>ppt_x</p:attrName>
-                                        </p:attrNameLst>
-                                      </p:cBhvr>
-                                      <p:tavLst>
-                                        <p:tav tm="0">
-                                          <p:val>
-                                            <p:strVal val="#ppt_x"/>
-                                          </p:val>
-                                        </p:tav>
-                                        <p:tav tm="100000">
-                                          <p:val>
-                                            <p:strVal val="#ppt_x"/>
-                                          </p:val>
-                                        </p:tav>
-                                      </p:tavLst>
-                                    </p:anim>
-                                    <p:anim calcmode="lin" valueType="num">
-                                      <p:cBhvr>
-                                        <p:cTn id="13" dur="250" fill="hold"/>
-                                        <p:tgtEl>
-                                          <p:spTgt spid="37"/>
-                                        </p:tgtEl>
-                                        <p:attrNameLst>
-                                          <p:attrName>ppt_y</p:attrName>
-                                        </p:attrNameLst>
-                                      </p:cBhvr>
-                                      <p:tavLst>
-                                        <p:tav tm="0">
-                                          <p:val>
-                                            <p:strVal val="#ppt_y-#ppt_h/2"/>
-                                          </p:val>
-                                        </p:tav>
-                                        <p:tav tm="100000">
-                                          <p:val>
-                                            <p:strVal val="#ppt_y"/>
-                                          </p:val>
-                                        </p:tav>
-                                      </p:tavLst>
-                                    </p:anim>
-                                    <p:anim calcmode="lin" valueType="num">
-                                      <p:cBhvr>
-                                        <p:cTn id="14" dur="250" fill="hold"/>
-                                        <p:tgtEl>
-                                          <p:spTgt spid="37"/>
-                                        </p:tgtEl>
-                                        <p:attrNameLst>
-                                          <p:attrName>ppt_w</p:attrName>
-                                        </p:attrNameLst>
-                                      </p:cBhvr>
-                                      <p:tavLst>
-                                        <p:tav tm="0">
-                                          <p:val>
-                                            <p:strVal val="#ppt_w"/>
-                                          </p:val>
-                                        </p:tav>
-                                        <p:tav tm="100000">
-                                          <p:val>
-                                            <p:strVal val="#ppt_w"/>
-                                          </p:val>
-                                        </p:tav>
-                                      </p:tavLst>
-                                    </p:anim>
-                                    <p:anim calcmode="lin" valueType="num">
-                                      <p:cBhvr>
-                                        <p:cTn id="15" dur="250" fill="hold"/>
-                                        <p:tgtEl>
-                                          <p:spTgt spid="37"/>
-                                        </p:tgtEl>
-                                        <p:attrNameLst>
-                                          <p:attrName>ppt_h</p:attrName>
-                                        </p:attrNameLst>
-                                      </p:cBhvr>
-                                      <p:tavLst>
-                                        <p:tav tm="0">
-                                          <p:val>
-                                            <p:fltVal val="0"/>
-                                          </p:val>
-                                        </p:tav>
-                                        <p:tav tm="100000">
-                                          <p:val>
-                                            <p:strVal val="#ppt_h"/>
-                                          </p:val>
-                                        </p:tav>
-                                      </p:tavLst>
-                                    </p:anim>
-                                  </p:childTnLst>
-                                </p:cTn>
-                              </p:par>
-                            </p:childTnLst>
-                          </p:cTn>
-                        </p:par>
-                        <p:par>
-                          <p:cTn id="16" fill="hold">
-                            <p:stCondLst>
-                              <p:cond delay="1150"/>
-                            </p:stCondLst>
-                            <p:childTnLst>
-                              <p:par>
-                                <p:cTn id="17" presetID="10" presetClass="entr" presetSubtype="0" fill="hold" grpId="0" nodeType="afterEffect">
-                                  <p:stCondLst>
-                                    <p:cond delay="0"/>
-                                  </p:stCondLst>
-                                  <p:childTnLst>
-                                    <p:set>
-                                      <p:cBhvr>
-                                        <p:cTn id="18" dur="1" fill="hold">
-                                          <p:stCondLst>
-                                            <p:cond delay="0"/>
-                                          </p:stCondLst>
-                                        </p:cTn>
-                                        <p:tgtEl>
-                                          <p:spTgt spid="16"/>
-                                        </p:tgtEl>
-                                        <p:attrNameLst>
-                                          <p:attrName>style.visibility</p:attrName>
-                                        </p:attrNameLst>
-                                      </p:cBhvr>
-                                      <p:to>
-                                        <p:strVal val="visible"/>
-                                      </p:to>
-                                    </p:set>
-                                    <p:animEffect transition="in" filter="fade">
-                                      <p:cBhvr>
-                                        <p:cTn id="19" dur="1000"/>
-                                        <p:tgtEl>
-                                          <p:spTgt spid="16"/>
-                                        </p:tgtEl>
-                                      </p:cBhvr>
-                                    </p:animEffect>
-                                  </p:childTnLst>
-                                </p:cTn>
-                              </p:par>
-                              <p:par>
-                                <p:cTn id="20" presetID="56" presetClass="path" presetSubtype="0" accel="50000" decel="50000" fill="hold" grpId="1" nodeType="withEffect">
-                                  <p:stCondLst>
-                                    <p:cond delay="0"/>
-                                  </p:stCondLst>
-                                  <p:childTnLst>
-                                    <p:animMotion origin="layout" path="M -0.03737 0.04121 L -6.25E-7 -3.33333E-6 " pathEditMode="relative" rAng="0" ptsTypes="AA">
-                                      <p:cBhvr>
-                                        <p:cTn id="21" dur="700" fill="hold"/>
-                                        <p:tgtEl>
-                                          <p:spTgt spid="16"/>
-                                        </p:tgtEl>
-                                        <p:attrNameLst>
-                                          <p:attrName>ppt_x</p:attrName>
-                                          <p:attrName>ppt_y</p:attrName>
-                                        </p:attrNameLst>
-                                      </p:cBhvr>
-                                      <p:rCtr x="1862" y="-2060"/>
-                                    </p:animMotion>
-                                  </p:childTnLst>
-                                </p:cTn>
-                              </p:par>
-                              <p:par>
-                                <p:cTn id="22" presetID="22" presetClass="entr" presetSubtype="8" fill="hold" nodeType="withEffect">
-                                  <p:stCondLst>
-                                    <p:cond delay="500"/>
-                                  </p:stCondLst>
-                                  <p:childTnLst>
-                                    <p:set>
-                                      <p:cBhvr>
-                                        <p:cTn id="23" dur="1" fill="hold">
-                                          <p:stCondLst>
-                                            <p:cond delay="0"/>
-                                          </p:stCondLst>
-                                        </p:cTn>
-                                        <p:tgtEl>
-                                          <p:spTgt spid="21"/>
-                                        </p:tgtEl>
-                                        <p:attrNameLst>
-                                          <p:attrName>style.visibility</p:attrName>
-                                        </p:attrNameLst>
-                                      </p:cBhvr>
-                                      <p:to>
-                                        <p:strVal val="visible"/>
-                                      </p:to>
-                                    </p:set>
-                                    <p:animEffect transition="in" filter="wipe(left)">
-                                      <p:cBhvr>
-                                        <p:cTn id="24" dur="500"/>
-                                        <p:tgtEl>
-                                          <p:spTgt spid="21"/>
-                                        </p:tgtEl>
-                                      </p:cBhvr>
-                                    </p:animEffect>
-                                  </p:childTnLst>
-                                </p:cTn>
-                              </p:par>
-                              <p:par>
-                                <p:cTn id="25" presetID="22" presetClass="entr" presetSubtype="8" fill="hold" nodeType="withEffect">
-                                  <p:stCondLst>
-                                    <p:cond delay="1000"/>
-                                  </p:stCondLst>
-                                  <p:childTnLst>
-                                    <p:set>
-                                      <p:cBhvr>
-                                        <p:cTn id="26" dur="1" fill="hold">
-                                          <p:stCondLst>
-                                            <p:cond delay="0"/>
-                                          </p:stCondLst>
-                                        </p:cTn>
-                                        <p:tgtEl>
-                                          <p:spTgt spid="29"/>
-                                        </p:tgtEl>
-                                        <p:attrNameLst>
-                                          <p:attrName>style.visibility</p:attrName>
-                                        </p:attrNameLst>
-                                      </p:cBhvr>
-                                      <p:to>
-                                        <p:strVal val="visible"/>
-                                      </p:to>
-                                    </p:set>
-                                    <p:animEffect transition="in" filter="wipe(left)">
-                                      <p:cBhvr>
-                                        <p:cTn id="27" dur="500"/>
-                                        <p:tgtEl>
-                                          <p:spTgt spid="29"/>
-                                        </p:tgtEl>
-                                      </p:cBhvr>
-                                    </p:animEffect>
-                                  </p:childTnLst>
-                                </p:cTn>
-                              </p:par>
-                            </p:childTnLst>
-                          </p:cTn>
-                        </p:par>
-                        <p:par>
-                          <p:cTn id="28" fill="hold">
-                            <p:stCondLst>
-                              <p:cond delay="2650"/>
-                            </p:stCondLst>
-                            <p:childTnLst>
-                              <p:par>
-                                <p:cTn id="29" presetID="2" presetClass="entr" presetSubtype="8" fill="hold" grpId="0" nodeType="afterEffect">
-                                  <p:stCondLst>
-                                    <p:cond delay="0"/>
-                                  </p:stCondLst>
-                                  <p:childTnLst>
-                                    <p:set>
-                                      <p:cBhvr>
-                                        <p:cTn id="30" dur="1" fill="hold">
-                                          <p:stCondLst>
-                                            <p:cond delay="0"/>
-                                          </p:stCondLst>
-                                        </p:cTn>
-                                        <p:tgtEl>
-                                          <p:spTgt spid="38"/>
-                                        </p:tgtEl>
-                                        <p:attrNameLst>
-                                          <p:attrName>style.visibility</p:attrName>
-                                        </p:attrNameLst>
-                                      </p:cBhvr>
-                                      <p:to>
-                                        <p:strVal val="visible"/>
-                                      </p:to>
-                                    </p:set>
-                                    <p:anim calcmode="lin" valueType="num">
-                                      <p:cBhvr additive="base">
-                                        <p:cTn id="31" dur="500" fill="hold"/>
-                                        <p:tgtEl>
-                                          <p:spTgt spid="38"/>
-                                        </p:tgtEl>
-                                        <p:attrNameLst>
-                                          <p:attrName>ppt_x</p:attrName>
-                                        </p:attrNameLst>
-                                      </p:cBhvr>
-                                      <p:tavLst>
-                                        <p:tav tm="0">
-                                          <p:val>
-                                            <p:strVal val="0-#ppt_w/2"/>
-                                          </p:val>
-                                        </p:tav>
-                                        <p:tav tm="100000">
-                                          <p:val>
-                                            <p:strVal val="#ppt_x"/>
-                                          </p:val>
-                                        </p:tav>
-                                      </p:tavLst>
-                                    </p:anim>
-                                    <p:anim calcmode="lin" valueType="num">
-                                      <p:cBhvr additive="base">
-                                        <p:cTn id="32" dur="500" fill="hold"/>
-                                        <p:tgtEl>
-                                          <p:spTgt spid="38"/>
-                                        </p:tgtEl>
-                                        <p:attrNameLst>
-                                          <p:attrName>ppt_y</p:attrName>
-                                        </p:attrNameLst>
-                                      </p:cBhvr>
-                                      <p:tavLst>
-                                        <p:tav tm="0">
-                                          <p:val>
-                                            <p:strVal val="#ppt_y"/>
-                                          </p:val>
-                                        </p:tav>
-                                        <p:tav tm="100000">
-                                          <p:val>
-                                            <p:strVal val="#ppt_y"/>
-                                          </p:val>
-                                        </p:tav>
-                                      </p:tavLst>
-                                    </p:anim>
-                                  </p:childTnLst>
-                                </p:cTn>
-                              </p:par>
-                            </p:childTnLst>
-                          </p:cTn>
-                        </p:par>
-                        <p:par>
-                          <p:cTn id="33" fill="hold">
-                            <p:stCondLst>
-                              <p:cond delay="3150"/>
-                            </p:stCondLst>
-                            <p:childTnLst>
-                              <p:par>
-                                <p:cTn id="34" presetID="26" presetClass="emph" presetSubtype="0" fill="hold" grpId="2" nodeType="afterEffect">
-                                  <p:stCondLst>
-                                    <p:cond delay="0"/>
-                                  </p:stCondLst>
-                                  <p:childTnLst>
-                                    <p:animEffect transition="out" filter="fade">
-                                      <p:cBhvr>
-                                        <p:cTn id="35" dur="500" tmFilter="0, 0; .2, .5; .8, .5; 1, 0"/>
-                                        <p:tgtEl>
-                                          <p:spTgt spid="16"/>
-                                        </p:tgtEl>
-                                      </p:cBhvr>
-                                    </p:animEffect>
-                                    <p:animScale>
-                                      <p:cBhvr>
-                                        <p:cTn id="36" dur="250" autoRev="1" fill="hold"/>
-                                        <p:tgtEl>
-                                          <p:spTgt spid="16"/>
-                                        </p:tgtEl>
-                                      </p:cBhvr>
-                                      <p:by x="105000" y="105000"/>
-                                    </p:animScale>
-                                  </p:childTnLst>
-                                </p:cTn>
-                              </p:par>
-                              <p:par>
-                                <p:cTn id="37" presetID="22" presetClass="entr" presetSubtype="8" fill="hold" nodeType="withEffect">
-                                  <p:stCondLst>
-                                    <p:cond delay="500"/>
-                                  </p:stCondLst>
-                                  <p:childTnLst>
-                                    <p:set>
-                                      <p:cBhvr>
-                                        <p:cTn id="38" dur="1" fill="hold">
-                                          <p:stCondLst>
-                                            <p:cond delay="0"/>
-                                          </p:stCondLst>
-                                        </p:cTn>
-                                        <p:tgtEl>
-                                          <p:spTgt spid="25"/>
-                                        </p:tgtEl>
-                                        <p:attrNameLst>
-                                          <p:attrName>style.visibility</p:attrName>
-                                        </p:attrNameLst>
-                                      </p:cBhvr>
-                                      <p:to>
-                                        <p:strVal val="visible"/>
-                                      </p:to>
-                                    </p:set>
-                                    <p:animEffect transition="in" filter="wipe(left)">
-                                      <p:cBhvr>
-                                        <p:cTn id="39" dur="500"/>
-                                        <p:tgtEl>
-                                          <p:spTgt spid="25"/>
-                                        </p:tgtEl>
-                                      </p:cBhvr>
-                                    </p:animEffect>
-                                  </p:childTnLst>
-                                </p:cTn>
-                              </p:par>
-                              <p:par>
-                                <p:cTn id="40" presetID="22" presetClass="entr" presetSubtype="8" fill="hold" nodeType="withEffect">
-                                  <p:stCondLst>
-                                    <p:cond delay="1000"/>
-                                  </p:stCondLst>
-                                  <p:childTnLst>
-                                    <p:set>
-                                      <p:cBhvr>
-                                        <p:cTn id="41" dur="1" fill="hold">
-                                          <p:stCondLst>
-                                            <p:cond delay="0"/>
-                                          </p:stCondLst>
-                                        </p:cTn>
-                                        <p:tgtEl>
-                                          <p:spTgt spid="32"/>
-                                        </p:tgtEl>
-                                        <p:attrNameLst>
-                                          <p:attrName>style.visibility</p:attrName>
-                                        </p:attrNameLst>
-                                      </p:cBhvr>
-                                      <p:to>
-                                        <p:strVal val="visible"/>
-                                      </p:to>
-                                    </p:set>
-                                    <p:animEffect transition="in" filter="wipe(left)">
-                                      <p:cBhvr>
-                                        <p:cTn id="42" dur="500"/>
-                                        <p:tgtEl>
-                                          <p:spTgt spid="32"/>
-                                        </p:tgtEl>
-                                      </p:cBhvr>
-                                    </p:animEffect>
-                                  </p:childTnLst>
-                                </p:cTn>
-                              </p:par>
-                              <p:par>
-                                <p:cTn id="43" presetID="22" presetClass="entr" presetSubtype="8" fill="hold" nodeType="withEffect">
-                                  <p:stCondLst>
-                                    <p:cond delay="1000"/>
-                                  </p:stCondLst>
-                                  <p:childTnLst>
-                                    <p:set>
-                                      <p:cBhvr>
-                                        <p:cTn id="44" dur="1" fill="hold">
-                                          <p:stCondLst>
-                                            <p:cond delay="0"/>
-                                          </p:stCondLst>
-                                        </p:cTn>
-                                        <p:tgtEl>
-                                          <p:spTgt spid="40"/>
-                                        </p:tgtEl>
-                                        <p:attrNameLst>
-                                          <p:attrName>style.visibility</p:attrName>
-                                        </p:attrNameLst>
-                                      </p:cBhvr>
-                                      <p:to>
-                                        <p:strVal val="visible"/>
-                                      </p:to>
-                                    </p:set>
-                                    <p:animEffect transition="in" filter="wipe(left)">
-                                      <p:cBhvr>
-                                        <p:cTn id="45" dur="500"/>
-                                        <p:tgtEl>
-                                          <p:spTgt spid="40"/>
-                                        </p:tgtEl>
-                                      </p:cBhvr>
-                                    </p:animEffect>
-                                  </p:childTnLst>
-                                </p:cTn>
-                              </p:par>
-                              <p:par>
-                                <p:cTn id="46" presetID="22" presetClass="entr" presetSubtype="8" fill="hold" nodeType="withEffect">
-                                  <p:stCondLst>
-                                    <p:cond delay="1000"/>
-                                  </p:stCondLst>
-                                  <p:childTnLst>
-                                    <p:set>
-                                      <p:cBhvr>
-                                        <p:cTn id="47" dur="1" fill="hold">
-                                          <p:stCondLst>
-                                            <p:cond delay="0"/>
-                                          </p:stCondLst>
-                                        </p:cTn>
-                                        <p:tgtEl>
-                                          <p:spTgt spid="43"/>
-                                        </p:tgtEl>
-                                        <p:attrNameLst>
-                                          <p:attrName>style.visibility</p:attrName>
-                                        </p:attrNameLst>
-                                      </p:cBhvr>
-                                      <p:to>
-                                        <p:strVal val="visible"/>
-                                      </p:to>
-                                    </p:set>
-                                    <p:animEffect transition="in" filter="wipe(left)">
-                                      <p:cBhvr>
-                                        <p:cTn id="48" dur="500"/>
-                                        <p:tgtEl>
-                                          <p:spTgt spid="43"/>
-                                        </p:tgtEl>
-                                      </p:cBhvr>
-                                    </p:animEffect>
-                                  </p:childTnLst>
-                                </p:cTn>
-                              </p:par>
-                              <p:par>
-                                <p:cTn id="49" presetID="22" presetClass="entr" presetSubtype="8" fill="hold" nodeType="withEffect">
-                                  <p:stCondLst>
-                                    <p:cond delay="1000"/>
-                                  </p:stCondLst>
-                                  <p:childTnLst>
-                                    <p:set>
-                                      <p:cBhvr>
-                                        <p:cTn id="50" dur="1" fill="hold">
-                                          <p:stCondLst>
-                                            <p:cond delay="0"/>
-                                          </p:stCondLst>
-                                        </p:cTn>
-                                        <p:tgtEl>
-                                          <p:spTgt spid="48"/>
-                                        </p:tgtEl>
-                                        <p:attrNameLst>
-                                          <p:attrName>style.visibility</p:attrName>
-                                        </p:attrNameLst>
-                                      </p:cBhvr>
-                                      <p:to>
-                                        <p:strVal val="visible"/>
-                                      </p:to>
-                                    </p:set>
-                                    <p:animEffect transition="in" filter="wipe(left)">
-                                      <p:cBhvr>
-                                        <p:cTn id="51" dur="500"/>
-                                        <p:tgtEl>
-                                          <p:spTgt spid="48"/>
-                                        </p:tgtEl>
-                                      </p:cBhvr>
-                                    </p:animEffect>
-                                  </p:childTnLst>
-                                </p:cTn>
-                              </p:par>
-                              <p:par>
-                                <p:cTn id="52" presetID="22" presetClass="entr" presetSubtype="8" fill="hold" nodeType="withEffect">
-                                  <p:stCondLst>
-                                    <p:cond delay="1000"/>
-                                  </p:stCondLst>
-                                  <p:childTnLst>
-                                    <p:set>
-                                      <p:cBhvr>
-                                        <p:cTn id="53" dur="1" fill="hold">
-                                          <p:stCondLst>
-                                            <p:cond delay="0"/>
-                                          </p:stCondLst>
-                                        </p:cTn>
-                                        <p:tgtEl>
-                                          <p:spTgt spid="51"/>
-                                        </p:tgtEl>
-                                        <p:attrNameLst>
-                                          <p:attrName>style.visibility</p:attrName>
-                                        </p:attrNameLst>
-                                      </p:cBhvr>
-                                      <p:to>
-                                        <p:strVal val="visible"/>
-                                      </p:to>
-                                    </p:set>
-                                    <p:animEffect transition="in" filter="wipe(left)">
-                                      <p:cBhvr>
-                                        <p:cTn id="54" dur="500"/>
-                                        <p:tgtEl>
-                                          <p:spTgt spid="51"/>
-                                        </p:tgtEl>
-                                      </p:cBhvr>
-                                    </p:animEffect>
-                                  </p:childTnLst>
-                                </p:cTn>
-                              </p:par>
-                              <p:par>
-                                <p:cTn id="55" presetID="22" presetClass="entr" presetSubtype="8" fill="hold" nodeType="withEffect">
-                                  <p:stCondLst>
-                                    <p:cond delay="500"/>
-                                  </p:stCondLst>
-                                  <p:childTnLst>
-                                    <p:set>
-                                      <p:cBhvr>
-                                        <p:cTn id="56" dur="1" fill="hold">
-                                          <p:stCondLst>
-                                            <p:cond delay="0"/>
-                                          </p:stCondLst>
-                                        </p:cTn>
-                                        <p:tgtEl>
-                                          <p:spTgt spid="54"/>
-                                        </p:tgtEl>
-                                        <p:attrNameLst>
-                                          <p:attrName>style.visibility</p:attrName>
-                                        </p:attrNameLst>
-                                      </p:cBhvr>
-                                      <p:to>
-                                        <p:strVal val="visible"/>
-                                      </p:to>
-                                    </p:set>
-                                    <p:animEffect transition="in" filter="wipe(left)">
-                                      <p:cBhvr>
-                                        <p:cTn id="57" dur="500"/>
-                                        <p:tgtEl>
-                                          <p:spTgt spid="54"/>
-                                        </p:tgtEl>
-                                      </p:cBhvr>
-                                    </p:animEffect>
-                                  </p:childTnLst>
-                                </p:cTn>
-                              </p:par>
-                            </p:childTnLst>
-                          </p:cTn>
-                        </p:par>
-                        <p:par>
-                          <p:cTn id="58" fill="hold">
-                            <p:stCondLst>
-                              <p:cond delay="4650"/>
-                            </p:stCondLst>
-                            <p:childTnLst>
-                              <p:par>
-                                <p:cTn id="59" presetID="10" presetClass="entr" presetSubtype="0" fill="hold" grpId="0" nodeType="afterEffect">
-                                  <p:stCondLst>
-                                    <p:cond delay="0"/>
-                                  </p:stCondLst>
-                                  <p:childTnLst>
-                                    <p:set>
-                                      <p:cBhvr>
-                                        <p:cTn id="60" dur="1" fill="hold">
-                                          <p:stCondLst>
-                                            <p:cond delay="0"/>
-                                          </p:stCondLst>
-                                        </p:cTn>
-                                        <p:tgtEl>
-                                          <p:spTgt spid="57"/>
-                                        </p:tgtEl>
-                                        <p:attrNameLst>
-                                          <p:attrName>style.visibility</p:attrName>
-                                        </p:attrNameLst>
-                                      </p:cBhvr>
-                                      <p:to>
-                                        <p:strVal val="visible"/>
-                                      </p:to>
-                                    </p:set>
-                                    <p:animEffect transition="in" filter="fade">
-                                      <p:cBhvr>
-                                        <p:cTn id="61" dur="1000"/>
-                                        <p:tgtEl>
-                                          <p:spTgt spid="57"/>
-                                        </p:tgtEl>
-                                      </p:cBhvr>
-                                    </p:animEffect>
-                                  </p:childTnLst>
-                                </p:cTn>
-                              </p:par>
-                              <p:par>
-                                <p:cTn id="62" presetID="56" presetClass="path" presetSubtype="0" accel="50000" decel="50000" fill="hold" grpId="1" nodeType="withEffect">
-                                  <p:stCondLst>
-                                    <p:cond delay="0"/>
-                                  </p:stCondLst>
-                                  <p:childTnLst>
-                                    <p:animMotion origin="layout" path="M -0.03737 0.04121 L -6.25E-7 -3.33333E-6 " pathEditMode="relative" rAng="0" ptsTypes="AA">
-                                      <p:cBhvr>
-                                        <p:cTn id="63" dur="700" fill="hold"/>
-                                        <p:tgtEl>
-                                          <p:spTgt spid="57"/>
-                                        </p:tgtEl>
-                                        <p:attrNameLst>
-                                          <p:attrName>ppt_x</p:attrName>
-                                          <p:attrName>ppt_y</p:attrName>
-                                        </p:attrNameLst>
-                                      </p:cBhvr>
-                                      <p:rCtr x="1862" y="-2060"/>
-                                    </p:animMotion>
-                                  </p:childTnLst>
-                                </p:cTn>
-                              </p:par>
-                            </p:childTnLst>
-                          </p:cTn>
-                        </p:par>
-                        <p:par>
-                          <p:cTn id="64" fill="hold">
-                            <p:stCondLst>
-                              <p:cond delay="5650"/>
-                            </p:stCondLst>
-                            <p:childTnLst>
-                              <p:par>
-                                <p:cTn id="65" presetID="26" presetClass="emph" presetSubtype="0" fill="hold" grpId="2" nodeType="afterEffect">
-                                  <p:stCondLst>
-                                    <p:cond delay="0"/>
-                                  </p:stCondLst>
-                                  <p:childTnLst>
-                                    <p:animEffect transition="out" filter="fade">
-                                      <p:cBhvr>
-                                        <p:cTn id="66" dur="500" tmFilter="0, 0; .2, .5; .8, .5; 1, 0"/>
-                                        <p:tgtEl>
-                                          <p:spTgt spid="57"/>
-                                        </p:tgtEl>
-                                      </p:cBhvr>
-                                    </p:animEffect>
-                                    <p:animScale>
-                                      <p:cBhvr>
-                                        <p:cTn id="67" dur="250" autoRev="1" fill="hold"/>
-                                        <p:tgtEl>
-                                          <p:spTgt spid="57"/>
-                                        </p:tgtEl>
-                                      </p:cBhvr>
-                                      <p:by x="105000" y="105000"/>
-                                    </p:animScale>
-                                  </p:childTnLst>
-                                </p:cTn>
-                              </p:par>
-                            </p:childTnLst>
-                          </p:cTn>
-                        </p:par>
-                        <p:par>
-                          <p:cTn id="68" fill="hold">
-                            <p:stCondLst>
-                              <p:cond delay="6150"/>
-                            </p:stCondLst>
-                            <p:childTnLst>
-                              <p:par>
-                                <p:cTn id="69" presetID="10" presetClass="entr" presetSubtype="0" fill="hold" grpId="0" nodeType="afterEffect">
-                                  <p:stCondLst>
-                                    <p:cond delay="0"/>
-                                  </p:stCondLst>
-                                  <p:childTnLst>
-                                    <p:set>
-                                      <p:cBhvr>
-                                        <p:cTn id="70" dur="1" fill="hold">
-                                          <p:stCondLst>
-                                            <p:cond delay="0"/>
-                                          </p:stCondLst>
-                                        </p:cTn>
-                                        <p:tgtEl>
-                                          <p:spTgt spid="59"/>
-                                        </p:tgtEl>
-                                        <p:attrNameLst>
-                                          <p:attrName>style.visibility</p:attrName>
-                                        </p:attrNameLst>
-                                      </p:cBhvr>
-                                      <p:to>
-                                        <p:strVal val="visible"/>
-                                      </p:to>
-                                    </p:set>
-                                    <p:animEffect transition="in" filter="fade">
-                                      <p:cBhvr>
-                                        <p:cTn id="71" dur="1000"/>
-                                        <p:tgtEl>
-                                          <p:spTgt spid="59"/>
-                                        </p:tgtEl>
-                                      </p:cBhvr>
-                                    </p:animEffect>
-                                  </p:childTnLst>
-                                </p:cTn>
-                              </p:par>
-                              <p:par>
-                                <p:cTn id="72" presetID="56" presetClass="path" presetSubtype="0" accel="50000" decel="50000" fill="hold" grpId="1" nodeType="withEffect">
-                                  <p:stCondLst>
-                                    <p:cond delay="0"/>
-                                  </p:stCondLst>
-                                  <p:childTnLst>
-                                    <p:animMotion origin="layout" path="M -0.03737 0.04121 L -6.25E-7 -3.33333E-6 " pathEditMode="relative" rAng="0" ptsTypes="AA">
-                                      <p:cBhvr>
-                                        <p:cTn id="73" dur="700" fill="hold"/>
-                                        <p:tgtEl>
-                                          <p:spTgt spid="59"/>
-                                        </p:tgtEl>
-                                        <p:attrNameLst>
-                                          <p:attrName>ppt_x</p:attrName>
-                                          <p:attrName>ppt_y</p:attrName>
-                                        </p:attrNameLst>
-                                      </p:cBhvr>
-                                      <p:rCtr x="1862" y="-2060"/>
-                                    </p:animMotion>
-                                  </p:childTnLst>
-                                </p:cTn>
-                              </p:par>
-                            </p:childTnLst>
-                          </p:cTn>
-                        </p:par>
-                        <p:par>
-                          <p:cTn id="74" fill="hold">
-                            <p:stCondLst>
-                              <p:cond delay="7150"/>
-                            </p:stCondLst>
-                            <p:childTnLst>
-                              <p:par>
-                                <p:cTn id="75" presetID="26" presetClass="emph" presetSubtype="0" fill="hold" grpId="2" nodeType="afterEffect">
-                                  <p:stCondLst>
-                                    <p:cond delay="0"/>
-                                  </p:stCondLst>
-                                  <p:childTnLst>
-                                    <p:animEffect transition="out" filter="fade">
-                                      <p:cBhvr>
-                                        <p:cTn id="76" dur="500" tmFilter="0, 0; .2, .5; .8, .5; 1, 0"/>
-                                        <p:tgtEl>
-                                          <p:spTgt spid="59"/>
-                                        </p:tgtEl>
-                                      </p:cBhvr>
-                                    </p:animEffect>
-                                    <p:animScale>
-                                      <p:cBhvr>
-                                        <p:cTn id="77" dur="250" autoRev="1" fill="hold"/>
-                                        <p:tgtEl>
-                                          <p:spTgt spid="59"/>
-                                        </p:tgtEl>
-                                      </p:cBhvr>
-                                      <p:by x="105000" y="105000"/>
-                                    </p:animScale>
-                                  </p:childTnLst>
-                                </p:cTn>
-                              </p:par>
-                            </p:childTnLst>
-                          </p:cTn>
-                        </p:par>
-                        <p:par>
-                          <p:cTn id="78" fill="hold">
-                            <p:stCondLst>
-                              <p:cond delay="7650"/>
-                            </p:stCondLst>
-                            <p:childTnLst>
-                              <p:par>
-                                <p:cTn id="79" presetID="10" presetClass="entr" presetSubtype="0" fill="hold" grpId="0" nodeType="afterEffect">
-                                  <p:stCondLst>
-                                    <p:cond delay="0"/>
-                                  </p:stCondLst>
-                                  <p:childTnLst>
-                                    <p:set>
-                                      <p:cBhvr>
-                                        <p:cTn id="80" dur="1" fill="hold">
-                                          <p:stCondLst>
-                                            <p:cond delay="0"/>
-                                          </p:stCondLst>
-                                        </p:cTn>
-                                        <p:tgtEl>
-                                          <p:spTgt spid="60"/>
-                                        </p:tgtEl>
-                                        <p:attrNameLst>
-                                          <p:attrName>style.visibility</p:attrName>
-                                        </p:attrNameLst>
-                                      </p:cBhvr>
-                                      <p:to>
-                                        <p:strVal val="visible"/>
-                                      </p:to>
-                                    </p:set>
-                                    <p:animEffect transition="in" filter="fade">
-                                      <p:cBhvr>
-                                        <p:cTn id="81" dur="1000"/>
-                                        <p:tgtEl>
-                                          <p:spTgt spid="60"/>
-                                        </p:tgtEl>
-                                      </p:cBhvr>
-                                    </p:animEffect>
-                                  </p:childTnLst>
-                                </p:cTn>
-                              </p:par>
-                              <p:par>
-                                <p:cTn id="82" presetID="56" presetClass="path" presetSubtype="0" accel="50000" decel="50000" fill="hold" grpId="1" nodeType="withEffect">
-                                  <p:stCondLst>
-                                    <p:cond delay="0"/>
-                                  </p:stCondLst>
-                                  <p:childTnLst>
-                                    <p:animMotion origin="layout" path="M -0.03737 0.04121 L -6.25E-7 -3.33333E-6 " pathEditMode="relative" rAng="0" ptsTypes="AA">
-                                      <p:cBhvr>
-                                        <p:cTn id="83" dur="700" fill="hold"/>
-                                        <p:tgtEl>
-                                          <p:spTgt spid="60"/>
-                                        </p:tgtEl>
-                                        <p:attrNameLst>
-                                          <p:attrName>ppt_x</p:attrName>
-                                          <p:attrName>ppt_y</p:attrName>
-                                        </p:attrNameLst>
-                                      </p:cBhvr>
-                                      <p:rCtr x="1862" y="-2060"/>
-                                    </p:animMotion>
-                                  </p:childTnLst>
-                                </p:cTn>
-                              </p:par>
-                            </p:childTnLst>
-                          </p:cTn>
-                        </p:par>
-                        <p:par>
-                          <p:cTn id="84" fill="hold">
-                            <p:stCondLst>
-                              <p:cond delay="8650"/>
-                            </p:stCondLst>
-                            <p:childTnLst>
-                              <p:par>
-                                <p:cTn id="85" presetID="26" presetClass="emph" presetSubtype="0" fill="hold" grpId="2" nodeType="afterEffect">
-                                  <p:stCondLst>
-                                    <p:cond delay="0"/>
-                                  </p:stCondLst>
-                                  <p:childTnLst>
-                                    <p:animEffect transition="out" filter="fade">
-                                      <p:cBhvr>
-                                        <p:cTn id="86" dur="500" tmFilter="0, 0; .2, .5; .8, .5; 1, 0"/>
-                                        <p:tgtEl>
-                                          <p:spTgt spid="60"/>
-                                        </p:tgtEl>
-                                      </p:cBhvr>
-                                    </p:animEffect>
-                                    <p:animScale>
-                                      <p:cBhvr>
-                                        <p:cTn id="87" dur="250" autoRev="1" fill="hold"/>
-                                        <p:tgtEl>
-                                          <p:spTgt spid="60"/>
-                                        </p:tgtEl>
-                                      </p:cBhvr>
-                                      <p:by x="105000" y="105000"/>
-                                    </p:animScale>
-                                  </p:childTnLst>
-                                </p:cTn>
-                              </p:par>
-                            </p:childTnLst>
-                          </p:cTn>
-                        </p:par>
-                        <p:par>
-                          <p:cTn id="88" fill="hold">
-                            <p:stCondLst>
-                              <p:cond delay="9150"/>
-                            </p:stCondLst>
-                            <p:childTnLst>
-                              <p:par>
-                                <p:cTn id="89" presetID="10" presetClass="entr" presetSubtype="0" fill="hold" grpId="0" nodeType="afterEffect">
-                                  <p:stCondLst>
-                                    <p:cond delay="0"/>
-                                  </p:stCondLst>
-                                  <p:childTnLst>
-                                    <p:set>
-                                      <p:cBhvr>
-                                        <p:cTn id="90" dur="1" fill="hold">
-                                          <p:stCondLst>
-                                            <p:cond delay="0"/>
-                                          </p:stCondLst>
-                                        </p:cTn>
-                                        <p:tgtEl>
-                                          <p:spTgt spid="61"/>
-                                        </p:tgtEl>
-                                        <p:attrNameLst>
-                                          <p:attrName>style.visibility</p:attrName>
-                                        </p:attrNameLst>
-                                      </p:cBhvr>
-                                      <p:to>
-                                        <p:strVal val="visible"/>
-                                      </p:to>
-                                    </p:set>
-                                    <p:animEffect transition="in" filter="fade">
-                                      <p:cBhvr>
-                                        <p:cTn id="91" dur="1000"/>
-                                        <p:tgtEl>
-                                          <p:spTgt spid="61"/>
-                                        </p:tgtEl>
-                                      </p:cBhvr>
-                                    </p:animEffect>
-                                  </p:childTnLst>
-                                </p:cTn>
-                              </p:par>
-                              <p:par>
-                                <p:cTn id="92" presetID="56" presetClass="path" presetSubtype="0" accel="50000" decel="50000" fill="hold" grpId="1" nodeType="withEffect">
-                                  <p:stCondLst>
-                                    <p:cond delay="0"/>
-                                  </p:stCondLst>
-                                  <p:childTnLst>
-                                    <p:animMotion origin="layout" path="M -0.03737 0.04121 L -6.25E-7 -3.33333E-6 " pathEditMode="relative" rAng="0" ptsTypes="AA">
-                                      <p:cBhvr>
-                                        <p:cTn id="93" dur="700" fill="hold"/>
-                                        <p:tgtEl>
-                                          <p:spTgt spid="61"/>
-                                        </p:tgtEl>
-                                        <p:attrNameLst>
-                                          <p:attrName>ppt_x</p:attrName>
-                                          <p:attrName>ppt_y</p:attrName>
-                                        </p:attrNameLst>
-                                      </p:cBhvr>
-                                      <p:rCtr x="1862" y="-2060"/>
-                                    </p:animMotion>
-                                  </p:childTnLst>
-                                </p:cTn>
-                              </p:par>
-                            </p:childTnLst>
-                          </p:cTn>
-                        </p:par>
-                        <p:par>
-                          <p:cTn id="94" fill="hold">
-                            <p:stCondLst>
-                              <p:cond delay="10150"/>
-                            </p:stCondLst>
-                            <p:childTnLst>
-                              <p:par>
-                                <p:cTn id="95" presetID="26" presetClass="emph" presetSubtype="0" fill="hold" grpId="2" nodeType="afterEffect">
-                                  <p:stCondLst>
-                                    <p:cond delay="0"/>
-                                  </p:stCondLst>
-                                  <p:childTnLst>
-                                    <p:animEffect transition="out" filter="fade">
-                                      <p:cBhvr>
-                                        <p:cTn id="96" dur="500" tmFilter="0, 0; .2, .5; .8, .5; 1, 0"/>
-                                        <p:tgtEl>
-                                          <p:spTgt spid="61"/>
-                                        </p:tgtEl>
-                                      </p:cBhvr>
-                                    </p:animEffect>
-                                    <p:animScale>
-                                      <p:cBhvr>
-                                        <p:cTn id="97" dur="250" autoRev="1" fill="hold"/>
-                                        <p:tgtEl>
-                                          <p:spTgt spid="61"/>
-                                        </p:tgtEl>
-                                      </p:cBhvr>
-                                      <p:by x="105000" y="105000"/>
-                                    </p:animScale>
-                                  </p:childTnLst>
-                                </p:cTn>
-                              </p:par>
-                            </p:childTnLst>
-                          </p:cTn>
-                        </p:par>
-                        <p:par>
-                          <p:cTn id="98" fill="hold">
-                            <p:stCondLst>
-                              <p:cond delay="10650"/>
-                            </p:stCondLst>
-                            <p:childTnLst>
-                              <p:par>
-                                <p:cTn id="99" presetID="10" presetClass="entr" presetSubtype="0" fill="hold" grpId="0" nodeType="afterEffect">
-                                  <p:stCondLst>
-                                    <p:cond delay="0"/>
-                                  </p:stCondLst>
-                                  <p:childTnLst>
-                                    <p:set>
-                                      <p:cBhvr>
-                                        <p:cTn id="100" dur="1" fill="hold">
-                                          <p:stCondLst>
-                                            <p:cond delay="0"/>
-                                          </p:stCondLst>
-                                        </p:cTn>
-                                        <p:tgtEl>
-                                          <p:spTgt spid="62"/>
-                                        </p:tgtEl>
-                                        <p:attrNameLst>
-                                          <p:attrName>style.visibility</p:attrName>
-                                        </p:attrNameLst>
-                                      </p:cBhvr>
-                                      <p:to>
-                                        <p:strVal val="visible"/>
-                                      </p:to>
-                                    </p:set>
-                                    <p:animEffect transition="in" filter="fade">
-                                      <p:cBhvr>
-                                        <p:cTn id="101" dur="1000"/>
-                                        <p:tgtEl>
-                                          <p:spTgt spid="62"/>
-                                        </p:tgtEl>
-                                      </p:cBhvr>
-                                    </p:animEffect>
-                                  </p:childTnLst>
-                                </p:cTn>
-                              </p:par>
-                              <p:par>
-                                <p:cTn id="102" presetID="56" presetClass="path" presetSubtype="0" accel="50000" decel="50000" fill="hold" grpId="1" nodeType="withEffect">
-                                  <p:stCondLst>
-                                    <p:cond delay="0"/>
-                                  </p:stCondLst>
-                                  <p:childTnLst>
-                                    <p:animMotion origin="layout" path="M -0.03737 0.04121 L -6.25E-7 -3.33333E-6 " pathEditMode="relative" rAng="0" ptsTypes="AA">
-                                      <p:cBhvr>
-                                        <p:cTn id="103" dur="700" fill="hold"/>
-                                        <p:tgtEl>
-                                          <p:spTgt spid="62"/>
-                                        </p:tgtEl>
-                                        <p:attrNameLst>
-                                          <p:attrName>ppt_x</p:attrName>
-                                          <p:attrName>ppt_y</p:attrName>
-                                        </p:attrNameLst>
-                                      </p:cBhvr>
-                                      <p:rCtr x="1862" y="-2060"/>
-                                    </p:animMotion>
-                                  </p:childTnLst>
-                                </p:cTn>
-                              </p:par>
-                            </p:childTnLst>
-                          </p:cTn>
-                        </p:par>
-                        <p:par>
-                          <p:cTn id="104" fill="hold">
-                            <p:stCondLst>
-                              <p:cond delay="11650"/>
-                            </p:stCondLst>
-                            <p:childTnLst>
-                              <p:par>
-                                <p:cTn id="105" presetID="26" presetClass="emph" presetSubtype="0" fill="hold" grpId="2" nodeType="afterEffect">
-                                  <p:stCondLst>
-                                    <p:cond delay="0"/>
-                                  </p:stCondLst>
-                                  <p:childTnLst>
-                                    <p:animEffect transition="out" filter="fade">
-                                      <p:cBhvr>
-                                        <p:cTn id="106" dur="500" tmFilter="0, 0; .2, .5; .8, .5; 1, 0"/>
-                                        <p:tgtEl>
-                                          <p:spTgt spid="62"/>
-                                        </p:tgtEl>
-                                      </p:cBhvr>
-                                    </p:animEffect>
-                                    <p:animScale>
-                                      <p:cBhvr>
-                                        <p:cTn id="107" dur="250" autoRev="1" fill="hold"/>
-                                        <p:tgtEl>
-                                          <p:spTgt spid="62"/>
-                                        </p:tgtEl>
-                                      </p:cBhvr>
-                                      <p:by x="105000" y="105000"/>
-                                    </p:animScale>
-                                  </p:childTnLst>
-                                </p:cTn>
-                              </p:par>
-                            </p:childTnLst>
-                          </p:cTn>
-                        </p:par>
-                        <p:par>
-                          <p:cTn id="108" fill="hold">
-                            <p:stCondLst>
-                              <p:cond delay="12150"/>
-                            </p:stCondLst>
-                            <p:childTnLst>
-                              <p:par>
-                                <p:cTn id="109" presetID="10" presetClass="entr" presetSubtype="0" fill="hold" grpId="0" nodeType="afterEffect">
-                                  <p:stCondLst>
-                                    <p:cond delay="0"/>
-                                  </p:stCondLst>
-                                  <p:childTnLst>
-                                    <p:set>
-                                      <p:cBhvr>
-                                        <p:cTn id="110" dur="1" fill="hold">
-                                          <p:stCondLst>
-                                            <p:cond delay="0"/>
-                                          </p:stCondLst>
-                                        </p:cTn>
-                                        <p:tgtEl>
-                                          <p:spTgt spid="63"/>
-                                        </p:tgtEl>
-                                        <p:attrNameLst>
-                                          <p:attrName>style.visibility</p:attrName>
-                                        </p:attrNameLst>
-                                      </p:cBhvr>
-                                      <p:to>
-                                        <p:strVal val="visible"/>
-                                      </p:to>
-                                    </p:set>
-                                    <p:animEffect transition="in" filter="fade">
-                                      <p:cBhvr>
-                                        <p:cTn id="111" dur="1000"/>
-                                        <p:tgtEl>
-                                          <p:spTgt spid="63"/>
-                                        </p:tgtEl>
-                                      </p:cBhvr>
-                                    </p:animEffect>
-                                  </p:childTnLst>
-                                </p:cTn>
-                              </p:par>
-                              <p:par>
-                                <p:cTn id="112" presetID="56" presetClass="path" presetSubtype="0" accel="50000" decel="50000" fill="hold" grpId="1" nodeType="withEffect">
-                                  <p:stCondLst>
-                                    <p:cond delay="0"/>
-                                  </p:stCondLst>
-                                  <p:childTnLst>
-                                    <p:animMotion origin="layout" path="M -0.03737 0.04121 L -6.25E-7 -3.33333E-6 " pathEditMode="relative" rAng="0" ptsTypes="AA">
-                                      <p:cBhvr>
-                                        <p:cTn id="113" dur="700" fill="hold"/>
-                                        <p:tgtEl>
-                                          <p:spTgt spid="63"/>
-                                        </p:tgtEl>
-                                        <p:attrNameLst>
-                                          <p:attrName>ppt_x</p:attrName>
-                                          <p:attrName>ppt_y</p:attrName>
-                                        </p:attrNameLst>
-                                      </p:cBhvr>
-                                      <p:rCtr x="1862" y="-2060"/>
-                                    </p:animMotion>
-                                  </p:childTnLst>
-                                </p:cTn>
-                              </p:par>
-                            </p:childTnLst>
-                          </p:cTn>
-                        </p:par>
-                        <p:par>
-                          <p:cTn id="114" fill="hold">
-                            <p:stCondLst>
-                              <p:cond delay="13150"/>
-                            </p:stCondLst>
-                            <p:childTnLst>
-                              <p:par>
-                                <p:cTn id="115" presetID="26" presetClass="emph" presetSubtype="0" fill="hold" grpId="2" nodeType="afterEffect">
-                                  <p:stCondLst>
-                                    <p:cond delay="0"/>
-                                  </p:stCondLst>
-                                  <p:childTnLst>
-                                    <p:animEffect transition="out" filter="fade">
-                                      <p:cBhvr>
-                                        <p:cTn id="116" dur="500" tmFilter="0, 0; .2, .5; .8, .5; 1, 0"/>
-                                        <p:tgtEl>
-                                          <p:spTgt spid="63"/>
-                                        </p:tgtEl>
-                                      </p:cBhvr>
-                                    </p:animEffect>
-                                    <p:animScale>
-                                      <p:cBhvr>
-                                        <p:cTn id="117" dur="250" autoRev="1" fill="hold"/>
-                                        <p:tgtEl>
-                                          <p:spTgt spid="63"/>
-                                        </p:tgtEl>
-                                      </p:cBhvr>
-                                      <p:by x="105000" y="105000"/>
-                                    </p:animScale>
-                                  </p:childTnLst>
-                                </p:cTn>
-                              </p:par>
-                            </p:childTnLst>
-                          </p:cTn>
-                        </p:par>
-                        <p:par>
-                          <p:cTn id="118" fill="hold">
-                            <p:stCondLst>
-                              <p:cond delay="13650"/>
-                            </p:stCondLst>
-                            <p:childTnLst>
-                              <p:par>
-                                <p:cTn id="119" presetID="10" presetClass="entr" presetSubtype="0" fill="hold" grpId="0" nodeType="afterEffect">
-                                  <p:stCondLst>
-                                    <p:cond delay="0"/>
-                                  </p:stCondLst>
-                                  <p:childTnLst>
-                                    <p:set>
-                                      <p:cBhvr>
-                                        <p:cTn id="120" dur="1" fill="hold">
-                                          <p:stCondLst>
-                                            <p:cond delay="0"/>
-                                          </p:stCondLst>
-                                        </p:cTn>
-                                        <p:tgtEl>
-                                          <p:spTgt spid="64"/>
-                                        </p:tgtEl>
-                                        <p:attrNameLst>
-                                          <p:attrName>style.visibility</p:attrName>
-                                        </p:attrNameLst>
-                                      </p:cBhvr>
-                                      <p:to>
-                                        <p:strVal val="visible"/>
-                                      </p:to>
-                                    </p:set>
-                                    <p:animEffect transition="in" filter="fade">
-                                      <p:cBhvr>
-                                        <p:cTn id="121" dur="1000"/>
-                                        <p:tgtEl>
-                                          <p:spTgt spid="64"/>
-                                        </p:tgtEl>
-                                      </p:cBhvr>
-                                    </p:animEffect>
-                                  </p:childTnLst>
-                                </p:cTn>
-                              </p:par>
-                              <p:par>
-                                <p:cTn id="122" presetID="56" presetClass="path" presetSubtype="0" accel="50000" decel="50000" fill="hold" grpId="1" nodeType="withEffect">
-                                  <p:stCondLst>
-                                    <p:cond delay="0"/>
-                                  </p:stCondLst>
-                                  <p:childTnLst>
-                                    <p:animMotion origin="layout" path="M -0.03737 0.04121 L -6.25E-7 -3.33333E-6 " pathEditMode="relative" rAng="0" ptsTypes="AA">
-                                      <p:cBhvr>
-                                        <p:cTn id="123" dur="700" fill="hold"/>
-                                        <p:tgtEl>
-                                          <p:spTgt spid="64"/>
-                                        </p:tgtEl>
-                                        <p:attrNameLst>
-                                          <p:attrName>ppt_x</p:attrName>
-                                          <p:attrName>ppt_y</p:attrName>
-                                        </p:attrNameLst>
-                                      </p:cBhvr>
-                                      <p:rCtr x="1862" y="-2060"/>
-                                    </p:animMotion>
-                                  </p:childTnLst>
-                                </p:cTn>
-                              </p:par>
-                            </p:childTnLst>
-                          </p:cTn>
-                        </p:par>
-                        <p:par>
-                          <p:cTn id="124" fill="hold">
-                            <p:stCondLst>
-                              <p:cond delay="14650"/>
-                            </p:stCondLst>
-                            <p:childTnLst>
-                              <p:par>
-                                <p:cTn id="125" presetID="26" presetClass="emph" presetSubtype="0" fill="hold" grpId="2" nodeType="afterEffect">
-                                  <p:stCondLst>
-                                    <p:cond delay="0"/>
-                                  </p:stCondLst>
-                                  <p:childTnLst>
-                                    <p:animEffect transition="out" filter="fade">
-                                      <p:cBhvr>
-                                        <p:cTn id="126" dur="500" tmFilter="0, 0; .2, .5; .8, .5; 1, 0"/>
-                                        <p:tgtEl>
-                                          <p:spTgt spid="64"/>
-                                        </p:tgtEl>
-                                      </p:cBhvr>
-                                    </p:animEffect>
-                                    <p:animScale>
-                                      <p:cBhvr>
-                                        <p:cTn id="127" dur="250" autoRev="1" fill="hold"/>
-                                        <p:tgtEl>
-                                          <p:spTgt spid="64"/>
-                                        </p:tgtEl>
-                                      </p:cBhvr>
-                                      <p:by x="105000" y="105000"/>
-                                    </p:animScale>
-                                  </p:childTnLst>
-                                </p:cTn>
-                              </p:par>
-                            </p:childTnLst>
-                          </p:cTn>
-                        </p:par>
-                      </p:childTnLst>
-                    </p:cTn>
-                  </p:par>
-                </p:childTnLst>
-              </p:cTn>
-              <p:prevCondLst>
-                <p:cond evt="onPrev" delay="0">
-                  <p:tgtEl>
-                    <p:sldTgt/>
-                  </p:tgtEl>
-                </p:cond>
-              </p:prevCondLst>
-              <p:nextCondLst>
-                <p:cond evt="onNext" delay="0">
-                  <p:tgtEl>
-                    <p:sldTgt/>
-                  </p:tgtEl>
-                </p:cond>
-              </p:nextCondLst>
-            </p:seq>
-          </p:childTnLst>
-        </p:cTn>
+        <p:cTn id="1" dur="indefinite" restart="never" nodeType="tmRoot"/>
       </p:par>
     </p:tnLst>
-    <p:bldLst>
-      <p:bldP spid="16" grpId="0" bldLvl="0" animBg="1"/>
-      <p:bldP spid="16" grpId="1" bldLvl="0" animBg="1"/>
-      <p:bldP spid="16" grpId="2" bldLvl="0" animBg="1"/>
-      <p:bldP spid="36" grpId="0" bldLvl="0" animBg="1"/>
-      <p:bldP spid="37" grpId="0"/>
-      <p:bldP spid="38" grpId="0" bldLvl="0" animBg="1"/>
-      <p:bldP spid="57" grpId="0" bldLvl="0" animBg="1"/>
-      <p:bldP spid="57" grpId="1" bldLvl="0" animBg="1"/>
-      <p:bldP spid="57" grpId="2" bldLvl="0" animBg="1"/>
-      <p:bldP spid="59" grpId="0" bldLvl="0" animBg="1"/>
-      <p:bldP spid="59" grpId="1" bldLvl="0" animBg="1"/>
-      <p:bldP spid="59" grpId="2" bldLvl="0" animBg="1"/>
-      <p:bldP spid="60" grpId="0" bldLvl="0" animBg="1"/>
-      <p:bldP spid="60" grpId="1" bldLvl="0" animBg="1"/>
-      <p:bldP spid="60" grpId="2" bldLvl="0" animBg="1"/>
-      <p:bldP spid="61" grpId="0" bldLvl="0" animBg="1"/>
-      <p:bldP spid="61" grpId="1" bldLvl="0" animBg="1"/>
-      <p:bldP spid="61" grpId="2" bldLvl="0" animBg="1"/>
-      <p:bldP spid="62" grpId="0" bldLvl="0" animBg="1"/>
-      <p:bldP spid="62" grpId="1" bldLvl="0" animBg="1"/>
-      <p:bldP spid="62" grpId="2" bldLvl="0" animBg="1"/>
-      <p:bldP spid="63" grpId="0" bldLvl="0" animBg="1"/>
-      <p:bldP spid="63" grpId="1" bldLvl="0" animBg="1"/>
-      <p:bldP spid="63" grpId="2" bldLvl="0" animBg="1"/>
-      <p:bldP spid="64" grpId="0" bldLvl="0" animBg="1"/>
-      <p:bldP spid="64" grpId="1" bldLvl="0" animBg="1"/>
-      <p:bldP spid="64" grpId="2" bldLvl="0" animBg="1"/>
-    </p:bldLst>
   </p:timing>
 </p:sld>
 </file>
@@ -5827,11 +2620,7 @@
             <a:pPr algn="ctr"/>
             <a:r>
               <a:rPr lang="en-US" sz="2400" dirty="0" smtClean="0"/>
-              <a:t>1</a:t>
-            </a:r>
-            <a:r>
-              <a:rPr lang="en-US" sz="2400" dirty="0" smtClean="0"/>
-              <a:t>.7</a:t>
+              <a:t>1.7</a:t>
             </a:r>
             <a:endParaRPr lang="en-US" sz="2400" dirty="0"/>
           </a:p>
@@ -5929,8 +2718,8 @@
         </p:nvSpPr>
         <p:spPr>
           <a:xfrm>
-            <a:off x="1198662" y="1485578"/>
-            <a:ext cx="8856984" cy="1708160"/>
+            <a:off x="1270670" y="909514"/>
+            <a:ext cx="8856984" cy="2354491"/>
           </a:xfrm>
           <a:prstGeom prst="rect">
             <a:avLst/>
@@ -5944,47 +2733,160 @@
           <a:lstStyle/>
           <a:p>
             <a:r>
+              <a:rPr lang="en-US" altLang="zh-CN" dirty="0"/>
+              <a:t>2</a:t>
+            </a:r>
+            <a:r>
+              <a:rPr lang="zh-CN" altLang="en-US" dirty="0" smtClean="0"/>
+              <a:t>、顺序图</a:t>
+            </a:r>
+            <a:endParaRPr lang="en-US" altLang="zh-CN" dirty="0" smtClean="0"/>
+          </a:p>
+          <a:p>
+            <a:r>
+              <a:rPr lang="zh-CN" altLang="en-US" dirty="0"/>
+              <a:t>顺序</a:t>
+            </a:r>
+            <a:r>
+              <a:rPr lang="zh-CN" altLang="en-US" dirty="0" smtClean="0"/>
+              <a:t>图是最常用的一种图。主要用它来描述对象间的交互关系，着重体现交互的时间顺序。对于顺序图，</a:t>
+            </a:r>
+            <a:r>
+              <a:rPr lang="en-US" altLang="zh-CN" dirty="0" smtClean="0"/>
+              <a:t>UML2.0</a:t>
+            </a:r>
+            <a:r>
+              <a:rPr lang="zh-CN" altLang="en-US" dirty="0" smtClean="0"/>
+              <a:t>主要做了以下三方面的改进。</a:t>
+            </a:r>
+            <a:endParaRPr lang="en-US" altLang="zh-CN" dirty="0" smtClean="0"/>
+          </a:p>
+          <a:p>
+            <a:r>
+              <a:rPr lang="zh-CN" altLang="en-US" dirty="0" smtClean="0"/>
+              <a:t>（</a:t>
+            </a:r>
+            <a:r>
               <a:rPr lang="en-US" altLang="zh-CN" dirty="0" smtClean="0"/>
               <a:t>1</a:t>
             </a:r>
             <a:r>
               <a:rPr lang="zh-CN" altLang="en-US" dirty="0" smtClean="0"/>
-              <a:t>、用例图</a:t>
+              <a:t>）允许顺序图中明确地表达分支判断逻辑。</a:t>
             </a:r>
             <a:endParaRPr lang="en-US" altLang="zh-CN" dirty="0" smtClean="0"/>
           </a:p>
           <a:p>
             <a:r>
-              <a:rPr lang="zh-CN" altLang="en-US" dirty="0"/>
-              <a:t>用</a:t>
-            </a:r>
-            <a:r>
               <a:rPr lang="zh-CN" altLang="en-US" dirty="0" smtClean="0"/>
-              <a:t>例图中的主体内容用例、参与者、通信关联并没有变化。在</a:t>
+              <a:t>（</a:t>
             </a:r>
             <a:r>
               <a:rPr lang="en-US" altLang="zh-CN" dirty="0" smtClean="0"/>
-              <a:t>UML2.0</a:t>
+              <a:t>2</a:t>
             </a:r>
             <a:r>
               <a:rPr lang="zh-CN" altLang="en-US" dirty="0" smtClean="0"/>
-              <a:t>中，为每个用例增加了一个称为</a:t>
+              <a:t>）允许“纵向”与“横向”地对顺序图进行拆分与引用。</a:t>
+            </a:r>
+            <a:endParaRPr lang="en-US" altLang="zh-CN" dirty="0" smtClean="0"/>
+          </a:p>
+          <a:p>
+            <a:r>
+              <a:rPr lang="zh-CN" altLang="en-US" dirty="0" smtClean="0"/>
+              <a:t>（</a:t>
             </a:r>
             <a:r>
               <a:rPr lang="en-US" altLang="zh-CN" dirty="0" smtClean="0"/>
-              <a:t>Subject</a:t>
+              <a:t>3</a:t>
             </a:r>
             <a:r>
               <a:rPr lang="zh-CN" altLang="en-US" dirty="0" smtClean="0"/>
-              <a:t>的特征，这项特征的取值可以作为在逻辑层面划分一组用例的一项依据。用例所属的“系统边界”就是</a:t>
-            </a:r>
-            <a:r>
-              <a:rPr lang="en-US" altLang="zh-CN" dirty="0" smtClean="0"/>
-              <a:t>Subject</a:t>
-            </a:r>
+              <a:t>）提供了一种新图，称为“交互概况图”，可以直观地表达一组相关顺序图之间的转向逻辑。</a:t>
+            </a:r>
+            <a:endParaRPr lang="en-US" altLang="zh-CN" dirty="0" smtClean="0"/>
+          </a:p>
+        </p:txBody>
+      </p:sp>
+      <p:pic>
+        <p:nvPicPr>
+          <p:cNvPr id="1026" name="Picture 2"/>
+          <p:cNvPicPr>
+            <a:picLocks noChangeAspect="1" noChangeArrowheads="1"/>
+          </p:cNvPicPr>
+          <p:nvPr/>
+        </p:nvPicPr>
+        <p:blipFill>
+          <a:blip r:embed="rId1" cstate="print">
+            <a:extLst>
+              <a:ext uri="{28A0092B-C50C-407E-A947-70E740481C1C}">
+                <a14:useLocalDpi xmlns:a14="http://schemas.microsoft.com/office/drawing/2010/main" val="0"/>
+              </a:ext>
+            </a:extLst>
+          </a:blip>
+          <a:srcRect/>
+          <a:stretch>
+            <a:fillRect/>
+          </a:stretch>
+        </p:blipFill>
+        <p:spPr bwMode="auto">
+          <a:xfrm rot="16200000">
+            <a:off x="4172287" y="3035468"/>
+            <a:ext cx="3701823" cy="3744417"/>
+          </a:xfrm>
+          <a:prstGeom prst="rect">
+            <a:avLst/>
+          </a:prstGeom>
+          <a:noFill/>
+          <a:ln>
+            <a:noFill/>
+          </a:ln>
+          <a:extLst>
+            <a:ext uri="{909E8E84-426E-40DD-AFC4-6F175D3DCCD1}">
+              <a14:hiddenFill xmlns:a14="http://schemas.microsoft.com/office/drawing/2010/main">
+                <a:solidFill>
+                  <a:schemeClr val="accent1"/>
+                </a:solidFill>
+              </a14:hiddenFill>
+            </a:ext>
+            <a:ext uri="{91240B29-F687-4F45-9708-019B960494DF}">
+              <a14:hiddenLine xmlns:a14="http://schemas.microsoft.com/office/drawing/2010/main" w="9525">
+                <a:solidFill>
+                  <a:schemeClr val="tx1"/>
+                </a:solidFill>
+                <a:miter lim="800000"/>
+                <a:headEnd/>
+                <a:tailEnd/>
+              </a14:hiddenLine>
+            </a:ext>
+          </a:extLst>
+        </p:spPr>
+      </p:pic>
+      <p:sp>
+        <p:nvSpPr>
+          <p:cNvPr id="7" name="TextBox 6"/>
+          <p:cNvSpPr txBox="1"/>
+          <p:nvPr/>
+        </p:nvSpPr>
+        <p:spPr>
+          <a:xfrm>
+            <a:off x="3430910" y="4079585"/>
+            <a:ext cx="507831" cy="1656184"/>
+          </a:xfrm>
+          <a:prstGeom prst="rect">
+            <a:avLst/>
+          </a:prstGeom>
+          <a:noFill/>
+        </p:spPr>
+        <p:txBody>
+          <a:bodyPr vert="eaVert" wrap="square" rtlCol="0">
+            <a:spAutoFit/>
+          </a:bodyPr>
+          <a:lstStyle/>
+          <a:p>
             <a:r>
               <a:rPr lang="zh-CN" altLang="en-US" dirty="0" smtClean="0"/>
-              <a:t>的一种典型例子。</a:t>
+              <a:t>交互概况图</a:t>
             </a:r>
             <a:endParaRPr lang="zh-CN" altLang="en-US" dirty="0"/>
           </a:p>
@@ -6115,11 +3017,7 @@
             <a:pPr algn="ctr"/>
             <a:r>
               <a:rPr lang="en-US" sz="2400" dirty="0" smtClean="0"/>
-              <a:t>1</a:t>
-            </a:r>
-            <a:r>
-              <a:rPr lang="en-US" sz="2400" dirty="0" smtClean="0"/>
-              <a:t>.7</a:t>
+              <a:t>1.7</a:t>
             </a:r>
             <a:endParaRPr lang="en-US" sz="2400" dirty="0"/>
           </a:p>
@@ -6217,8 +3115,8 @@
         </p:nvSpPr>
         <p:spPr>
           <a:xfrm>
-            <a:off x="1270670" y="909514"/>
-            <a:ext cx="8856984" cy="2354491"/>
+            <a:off x="1198662" y="1773610"/>
+            <a:ext cx="8856984" cy="1384995"/>
           </a:xfrm>
           <a:prstGeom prst="rect">
             <a:avLst/>
@@ -6233,22 +3131,18 @@
           <a:p>
             <a:r>
               <a:rPr lang="en-US" altLang="zh-CN" dirty="0"/>
-              <a:t>2</a:t>
+              <a:t>3</a:t>
             </a:r>
             <a:r>
               <a:rPr lang="zh-CN" altLang="en-US" dirty="0" smtClean="0"/>
-              <a:t>、顺序图</a:t>
+              <a:t>、活动图</a:t>
             </a:r>
             <a:endParaRPr lang="en-US" altLang="zh-CN" dirty="0" smtClean="0"/>
           </a:p>
           <a:p>
             <a:r>
-              <a:rPr lang="zh-CN" altLang="en-US" dirty="0"/>
-              <a:t>顺序</a:t>
-            </a:r>
-            <a:r>
               <a:rPr lang="zh-CN" altLang="en-US" dirty="0" smtClean="0"/>
-              <a:t>图是最常用的一种图。主要用它来描述对象间的交互关系，着重体现交互的时间顺序。对于顺序图，</a:t>
+              <a:t>互动图是比较常用的一种图，接近于流程图。在</a:t>
             </a:r>
             <a:r>
               <a:rPr lang="en-US" altLang="zh-CN" dirty="0" smtClean="0"/>
@@ -6256,147 +3150,13 @@
             </a:r>
             <a:r>
               <a:rPr lang="zh-CN" altLang="en-US" dirty="0" smtClean="0"/>
-              <a:t>主要做了以下三方面的改进。</a:t>
-            </a:r>
-            <a:endParaRPr lang="en-US" altLang="zh-CN" dirty="0" smtClean="0"/>
-          </a:p>
-          <a:p>
-            <a:r>
-              <a:rPr lang="zh-CN" altLang="en-US" dirty="0" smtClean="0"/>
-              <a:t>（</a:t>
-            </a:r>
-            <a:r>
-              <a:rPr lang="en-US" altLang="zh-CN" dirty="0" smtClean="0"/>
-              <a:t>1</a:t>
-            </a:r>
-            <a:r>
-              <a:rPr lang="zh-CN" altLang="en-US" dirty="0" smtClean="0"/>
-              <a:t>）允许顺序图中明确地表达分支判断逻辑。</a:t>
-            </a:r>
-            <a:endParaRPr lang="en-US" altLang="zh-CN" dirty="0" smtClean="0"/>
-          </a:p>
-          <a:p>
-            <a:r>
-              <a:rPr lang="zh-CN" altLang="en-US" dirty="0" smtClean="0"/>
-              <a:t>（</a:t>
-            </a:r>
-            <a:r>
-              <a:rPr lang="en-US" altLang="zh-CN" dirty="0" smtClean="0"/>
-              <a:t>2</a:t>
-            </a:r>
-            <a:r>
-              <a:rPr lang="zh-CN" altLang="en-US" dirty="0" smtClean="0"/>
-              <a:t>）允许“纵向”与“横向”地对顺序图进行拆分与引用。</a:t>
-            </a:r>
-            <a:endParaRPr lang="en-US" altLang="zh-CN" dirty="0" smtClean="0"/>
-          </a:p>
-          <a:p>
-            <a:r>
-              <a:rPr lang="zh-CN" altLang="en-US" dirty="0" smtClean="0"/>
-              <a:t>（</a:t>
-            </a:r>
-            <a:r>
-              <a:rPr lang="en-US" altLang="zh-CN" dirty="0" smtClean="0"/>
-              <a:t>3</a:t>
-            </a:r>
-            <a:r>
-              <a:rPr lang="zh-CN" altLang="en-US" dirty="0" smtClean="0"/>
-              <a:t>）提供了一种新图，称为“交互概况图”，可以直观地表达一组相关顺序图之间的转向逻辑。</a:t>
-            </a:r>
-            <a:endParaRPr lang="en-US" altLang="zh-CN" dirty="0" smtClean="0"/>
-          </a:p>
-        </p:txBody>
-      </p:sp>
-      <p:pic>
-        <p:nvPicPr>
-          <p:cNvPr id="1026" name="Picture 2"/>
-          <p:cNvPicPr>
-            <a:picLocks noChangeAspect="1" noChangeArrowheads="1"/>
-          </p:cNvPicPr>
-          <p:nvPr/>
-        </p:nvPicPr>
-        <p:blipFill>
-          <a:blip r:embed="rId2" cstate="print">
-            <a:extLst>
-              <a:ext uri="{28A0092B-C50C-407E-A947-70E740481C1C}">
-                <a14:useLocalDpi xmlns:a14="http://schemas.microsoft.com/office/drawing/2010/main" val="0"/>
-              </a:ext>
-            </a:extLst>
-          </a:blip>
-          <a:srcRect/>
-          <a:stretch>
-            <a:fillRect/>
-          </a:stretch>
-        </p:blipFill>
-        <p:spPr bwMode="auto">
-          <a:xfrm rot="16200000">
-            <a:off x="4172287" y="3035468"/>
-            <a:ext cx="3701823" cy="3744417"/>
-          </a:xfrm>
-          <a:prstGeom prst="rect">
-            <a:avLst/>
-          </a:prstGeom>
-          <a:noFill/>
-          <a:ln>
-            <a:noFill/>
-          </a:ln>
-          <a:extLst>
-            <a:ext uri="{909E8E84-426E-40DD-AFC4-6F175D3DCCD1}">
-              <a14:hiddenFill xmlns:a14="http://schemas.microsoft.com/office/drawing/2010/main">
-                <a:solidFill>
-                  <a:schemeClr val="accent1"/>
-                </a:solidFill>
-              </a14:hiddenFill>
-            </a:ext>
-            <a:ext uri="{91240B29-F687-4F45-9708-019B960494DF}">
-              <a14:hiddenLine xmlns:a14="http://schemas.microsoft.com/office/drawing/2010/main" w="9525">
-                <a:solidFill>
-                  <a:schemeClr val="tx1"/>
-                </a:solidFill>
-                <a:miter lim="800000"/>
-                <a:headEnd/>
-                <a:tailEnd/>
-              </a14:hiddenLine>
-            </a:ext>
-          </a:extLst>
-        </p:spPr>
-      </p:pic>
-      <p:sp>
-        <p:nvSpPr>
-          <p:cNvPr id="7" name="TextBox 6"/>
-          <p:cNvSpPr txBox="1"/>
-          <p:nvPr/>
-        </p:nvSpPr>
-        <p:spPr>
-          <a:xfrm>
-            <a:off x="3430910" y="4079585"/>
-            <a:ext cx="507831" cy="1656184"/>
-          </a:xfrm>
-          <a:prstGeom prst="rect">
-            <a:avLst/>
-          </a:prstGeom>
-          <a:noFill/>
-        </p:spPr>
-        <p:txBody>
-          <a:bodyPr vert="eaVert" wrap="square" rtlCol="0">
-            <a:spAutoFit/>
-          </a:bodyPr>
-          <a:lstStyle/>
-          <a:p>
-            <a:r>
-              <a:rPr lang="zh-CN" altLang="en-US" dirty="0" smtClean="0"/>
-              <a:t>交互概况图</a:t>
+              <a:t>中，活动图增加了许多新特性。例如，泳道可以划分成层次，增加丰富的同步表达能力，在活动图中引入对象等特性。</a:t>
             </a:r>
             <a:endParaRPr lang="zh-CN" altLang="en-US" dirty="0"/>
           </a:p>
         </p:txBody>
       </p:sp>
     </p:spTree>
-    <p:extLst>
-      <p:ext uri="{BB962C8B-B14F-4D97-AF65-F5344CB8AC3E}">
-        <p14:creationId xmlns:p14="http://schemas.microsoft.com/office/powerpoint/2010/main" val="3832698257"/>
-      </p:ext>
-    </p:extLst>
   </p:cSld>
   <p:clrMapOvr>
     <a:masterClrMapping/>
@@ -6521,11 +3281,7 @@
             <a:pPr algn="ctr"/>
             <a:r>
               <a:rPr lang="en-US" sz="2400" dirty="0" smtClean="0"/>
-              <a:t>1</a:t>
-            </a:r>
-            <a:r>
-              <a:rPr lang="en-US" sz="2400" dirty="0" smtClean="0"/>
-              <a:t>.7</a:t>
+              <a:t>1.7</a:t>
             </a:r>
             <a:endParaRPr lang="en-US" sz="2400" dirty="0"/>
           </a:p>
@@ -6624,7 +3380,7 @@
         <p:spPr>
           <a:xfrm>
             <a:off x="1198662" y="1773610"/>
-            <a:ext cx="8856984" cy="1384995"/>
+            <a:ext cx="8856984" cy="2031325"/>
           </a:xfrm>
           <a:prstGeom prst="rect">
             <a:avLst/>
@@ -6638,19 +3394,26 @@
           <a:lstStyle/>
           <a:p>
             <a:r>
-              <a:rPr lang="en-US" altLang="zh-CN" dirty="0"/>
-              <a:t>3</a:t>
+              <a:rPr lang="en-US" altLang="zh-CN" dirty="0" smtClean="0"/>
+              <a:t>4</a:t>
             </a:r>
             <a:r>
               <a:rPr lang="zh-CN" altLang="en-US" dirty="0" smtClean="0"/>
-              <a:t>、活动图</a:t>
+              <a:t>、构件图</a:t>
             </a:r>
             <a:endParaRPr lang="en-US" altLang="zh-CN" dirty="0" smtClean="0"/>
           </a:p>
           <a:p>
             <a:r>
               <a:rPr lang="zh-CN" altLang="en-US" dirty="0" smtClean="0"/>
-              <a:t>互动图是比较常用的一种图，接近于流程图。在</a:t>
+              <a:t>构件图是在物理层面对系统结构及内容的直观描述，最接近于通常意义上的模块结构图。</a:t>
+            </a:r>
+            <a:endParaRPr lang="en-US" altLang="zh-CN" dirty="0" smtClean="0"/>
+          </a:p>
+          <a:p>
+            <a:r>
+              <a:rPr lang="zh-CN" altLang="en-US" dirty="0" smtClean="0"/>
+              <a:t>在</a:t>
             </a:r>
             <a:r>
               <a:rPr lang="en-US" altLang="zh-CN" dirty="0" smtClean="0"/>
@@ -6658,18 +3421,13 @@
             </a:r>
             <a:r>
               <a:rPr lang="zh-CN" altLang="en-US" dirty="0" smtClean="0"/>
-              <a:t>中，活动图增加了许多新特性。例如，泳道可以划分成层次，增加丰富的同步表达能力，在活动图中引入对象等特性。</a:t>
+              <a:t>中，构件图有比较明显的改进。组件本身内容的表达更清晰，包括组件所提供的接口、所要求的接口、组件之间的依赖关系通过“组装连接器”更加明确地表达等。</a:t>
             </a:r>
             <a:endParaRPr lang="zh-CN" altLang="en-US" dirty="0"/>
           </a:p>
         </p:txBody>
       </p:sp>
     </p:spTree>
-    <p:extLst>
-      <p:ext uri="{BB962C8B-B14F-4D97-AF65-F5344CB8AC3E}">
-        <p14:creationId xmlns:p14="http://schemas.microsoft.com/office/powerpoint/2010/main" val="3832698257"/>
-      </p:ext>
-    </p:extLst>
   </p:cSld>
   <p:clrMapOvr>
     <a:masterClrMapping/>
@@ -6794,11 +3552,7 @@
             <a:pPr algn="ctr"/>
             <a:r>
               <a:rPr lang="en-US" sz="2400" dirty="0" smtClean="0"/>
-              <a:t>1</a:t>
-            </a:r>
-            <a:r>
-              <a:rPr lang="en-US" sz="2400" dirty="0" smtClean="0"/>
-              <a:t>.7</a:t>
+              <a:t>1.7</a:t>
             </a:r>
             <a:endParaRPr lang="en-US" sz="2400" dirty="0"/>
           </a:p>
@@ -6912,44 +3666,260 @@
           <a:p>
             <a:r>
               <a:rPr lang="en-US" altLang="zh-CN" dirty="0" smtClean="0"/>
-              <a:t>4</a:t>
+              <a:t>5</a:t>
             </a:r>
             <a:r>
               <a:rPr lang="zh-CN" altLang="en-US" dirty="0" smtClean="0"/>
-              <a:t>、构件图</a:t>
+              <a:t>、新增加的图</a:t>
             </a:r>
             <a:endParaRPr lang="en-US" altLang="zh-CN" dirty="0" smtClean="0"/>
           </a:p>
           <a:p>
             <a:r>
+              <a:rPr lang="zh-CN" altLang="en-US" dirty="0"/>
+              <a:t>增加</a:t>
+            </a:r>
+            <a:r>
               <a:rPr lang="zh-CN" altLang="en-US" dirty="0" smtClean="0"/>
-              <a:t>构件图是在物理层面对系统结构及内容的直观描述，最接近于通常意义上的模块结构图。</a:t>
+              <a:t>了“包图”、“组合结构图”、“交互概览图”和“时间图”。</a:t>
             </a:r>
             <a:endParaRPr lang="en-US" altLang="zh-CN" dirty="0" smtClean="0"/>
           </a:p>
           <a:p>
+            <a:endParaRPr lang="en-US" altLang="zh-CN" dirty="0" smtClean="0"/>
+          </a:p>
+          <a:p>
             <a:r>
               <a:rPr lang="zh-CN" altLang="en-US" dirty="0" smtClean="0"/>
-              <a:t>在</a:t>
+              <a:t>（</a:t>
             </a:r>
             <a:r>
               <a:rPr lang="en-US" altLang="zh-CN" dirty="0" smtClean="0"/>
-              <a:t>UML2.0</a:t>
+              <a:t>1</a:t>
             </a:r>
             <a:r>
               <a:rPr lang="zh-CN" altLang="en-US" dirty="0" smtClean="0"/>
-              <a:t>中，构件图有比较明显的改进。组件本身内容的表达更清晰，包括组件所提供的接口、所要求的接口、组件之间的依赖关系通过“组装连接器”更加明确地表达等。</a:t>
+              <a:t>）“包图”展现模型要素的基本组织单元，以及这些组织单元之间的依赖关系，包括引用关系和扩展关系在通用的建模工具中，一般可以用类图描述包图中的逻辑内容。</a:t>
             </a:r>
             <a:endParaRPr lang="zh-CN" altLang="en-US" dirty="0"/>
           </a:p>
         </p:txBody>
       </p:sp>
+      <p:sp>
+        <p:nvSpPr>
+          <p:cNvPr id="7" name="矩形 6"/>
+          <p:cNvSpPr/>
+          <p:nvPr/>
+        </p:nvSpPr>
+        <p:spPr>
+          <a:xfrm>
+            <a:off x="1972576" y="4473910"/>
+            <a:ext cx="1224136" cy="432048"/>
+          </a:xfrm>
+          <a:prstGeom prst="rect">
+            <a:avLst/>
+          </a:prstGeom>
+        </p:spPr>
+        <p:style>
+          <a:lnRef idx="2">
+            <a:schemeClr val="accent1">
+              <a:shade val="50000"/>
+            </a:schemeClr>
+          </a:lnRef>
+          <a:fillRef idx="1">
+            <a:schemeClr val="accent1"/>
+          </a:fillRef>
+          <a:effectRef idx="0">
+            <a:schemeClr val="accent1"/>
+          </a:effectRef>
+          <a:fontRef idx="minor">
+            <a:schemeClr val="lt1"/>
+          </a:fontRef>
+        </p:style>
+        <p:txBody>
+          <a:bodyPr rtlCol="0" anchor="ctr"/>
+          <a:lstStyle/>
+          <a:p>
+            <a:pPr algn="ctr"/>
+            <a:r>
+              <a:rPr lang="en-US" altLang="zh-CN" dirty="0" smtClean="0"/>
+              <a:t>UI</a:t>
+            </a:r>
+            <a:endParaRPr lang="zh-CN" altLang="en-US" dirty="0"/>
+          </a:p>
+        </p:txBody>
+      </p:sp>
+      <p:sp>
+        <p:nvSpPr>
+          <p:cNvPr id="8" name="矩形 7"/>
+          <p:cNvSpPr/>
+          <p:nvPr/>
+        </p:nvSpPr>
+        <p:spPr>
+          <a:xfrm>
+            <a:off x="1972576" y="4192969"/>
+            <a:ext cx="612068" cy="288032"/>
+          </a:xfrm>
+          <a:prstGeom prst="rect">
+            <a:avLst/>
+          </a:prstGeom>
+        </p:spPr>
+        <p:style>
+          <a:lnRef idx="2">
+            <a:schemeClr val="accent1">
+              <a:shade val="50000"/>
+            </a:schemeClr>
+          </a:lnRef>
+          <a:fillRef idx="1">
+            <a:schemeClr val="accent1"/>
+          </a:fillRef>
+          <a:effectRef idx="0">
+            <a:schemeClr val="accent1"/>
+          </a:effectRef>
+          <a:fontRef idx="minor">
+            <a:schemeClr val="lt1"/>
+          </a:fontRef>
+        </p:style>
+        <p:txBody>
+          <a:bodyPr rtlCol="0" anchor="ctr"/>
+          <a:lstStyle/>
+          <a:p>
+            <a:pPr algn="ctr"/>
+            <a:endParaRPr lang="zh-CN" altLang="en-US"/>
+          </a:p>
+        </p:txBody>
+      </p:sp>
+      <p:sp>
+        <p:nvSpPr>
+          <p:cNvPr id="9" name="矩形 8"/>
+          <p:cNvSpPr/>
+          <p:nvPr/>
+        </p:nvSpPr>
+        <p:spPr>
+          <a:xfrm>
+            <a:off x="3903817" y="4149874"/>
+            <a:ext cx="612068" cy="288032"/>
+          </a:xfrm>
+          <a:prstGeom prst="rect">
+            <a:avLst/>
+          </a:prstGeom>
+        </p:spPr>
+        <p:style>
+          <a:lnRef idx="2">
+            <a:schemeClr val="accent1">
+              <a:shade val="50000"/>
+            </a:schemeClr>
+          </a:lnRef>
+          <a:fillRef idx="1">
+            <a:schemeClr val="accent1"/>
+          </a:fillRef>
+          <a:effectRef idx="0">
+            <a:schemeClr val="accent1"/>
+          </a:effectRef>
+          <a:fontRef idx="minor">
+            <a:schemeClr val="lt1"/>
+          </a:fontRef>
+        </p:style>
+        <p:txBody>
+          <a:bodyPr rtlCol="0" anchor="ctr"/>
+          <a:lstStyle/>
+          <a:p>
+            <a:pPr algn="ctr"/>
+            <a:endParaRPr lang="zh-CN" altLang="en-US"/>
+          </a:p>
+        </p:txBody>
+      </p:sp>
+      <p:sp>
+        <p:nvSpPr>
+          <p:cNvPr id="10" name="矩形 9"/>
+          <p:cNvSpPr/>
+          <p:nvPr/>
+        </p:nvSpPr>
+        <p:spPr>
+          <a:xfrm>
+            <a:off x="3903817" y="4437906"/>
+            <a:ext cx="2192037" cy="504056"/>
+          </a:xfrm>
+          <a:prstGeom prst="rect">
+            <a:avLst/>
+          </a:prstGeom>
+        </p:spPr>
+        <p:style>
+          <a:lnRef idx="2">
+            <a:schemeClr val="accent1">
+              <a:shade val="50000"/>
+            </a:schemeClr>
+          </a:lnRef>
+          <a:fillRef idx="1">
+            <a:schemeClr val="accent1"/>
+          </a:fillRef>
+          <a:effectRef idx="0">
+            <a:schemeClr val="accent1"/>
+          </a:effectRef>
+          <a:fontRef idx="minor">
+            <a:schemeClr val="lt1"/>
+          </a:fontRef>
+        </p:style>
+        <p:txBody>
+          <a:bodyPr rtlCol="0" anchor="ctr"/>
+          <a:lstStyle/>
+          <a:p>
+            <a:pPr algn="ctr"/>
+            <a:r>
+              <a:rPr lang="en-US" altLang="zh-CN" dirty="0" smtClean="0"/>
+              <a:t>System</a:t>
+            </a:r>
+            <a:r>
+              <a:rPr lang="zh-CN" altLang="en-US" dirty="0" smtClean="0"/>
+              <a:t>：</a:t>
+            </a:r>
+            <a:r>
+              <a:rPr lang="en-US" altLang="zh-CN" dirty="0" smtClean="0"/>
+              <a:t>Web</a:t>
+            </a:r>
+            <a:r>
+              <a:rPr lang="zh-CN" altLang="en-US" dirty="0" smtClean="0"/>
+              <a:t>：</a:t>
+            </a:r>
+            <a:r>
+              <a:rPr lang="en-US" altLang="zh-CN" dirty="0" smtClean="0"/>
+              <a:t>U</a:t>
+            </a:r>
+            <a:endParaRPr lang="zh-CN" altLang="en-US" dirty="0"/>
+          </a:p>
+        </p:txBody>
+      </p:sp>
+      <p:sp>
+        <p:nvSpPr>
+          <p:cNvPr id="11" name="TextBox 10"/>
+          <p:cNvSpPr txBox="1"/>
+          <p:nvPr/>
+        </p:nvSpPr>
+        <p:spPr>
+          <a:xfrm>
+            <a:off x="3375529" y="5134662"/>
+            <a:ext cx="1140356" cy="415498"/>
+          </a:xfrm>
+          <a:prstGeom prst="rect">
+            <a:avLst/>
+          </a:prstGeom>
+          <a:noFill/>
+        </p:spPr>
+        <p:txBody>
+          <a:bodyPr wrap="square" rtlCol="0">
+            <a:spAutoFit/>
+          </a:bodyPr>
+          <a:lstStyle/>
+          <a:p>
+            <a:r>
+              <a:rPr lang="zh-CN" altLang="en-US" dirty="0" smtClean="0"/>
+              <a:t>包图</a:t>
+            </a:r>
+            <a:endParaRPr lang="zh-CN" altLang="en-US" dirty="0"/>
+          </a:p>
+        </p:txBody>
+      </p:sp>
     </p:spTree>
-    <p:extLst>
-      <p:ext uri="{BB962C8B-B14F-4D97-AF65-F5344CB8AC3E}">
-        <p14:creationId xmlns:p14="http://schemas.microsoft.com/office/powerpoint/2010/main" val="1404009209"/>
-      </p:ext>
-    </p:extLst>
   </p:cSld>
   <p:clrMapOvr>
     <a:masterClrMapping/>
@@ -7074,11 +4044,7 @@
             <a:pPr algn="ctr"/>
             <a:r>
               <a:rPr lang="en-US" sz="2400" dirty="0" smtClean="0"/>
-              <a:t>1</a:t>
-            </a:r>
-            <a:r>
-              <a:rPr lang="en-US" sz="2400" dirty="0" smtClean="0"/>
-              <a:t>.7</a:t>
+              <a:t>1.7</a:t>
             </a:r>
             <a:endParaRPr lang="en-US" sz="2400" dirty="0"/>
           </a:p>
@@ -7177,7 +4143,7 @@
         <p:spPr>
           <a:xfrm>
             <a:off x="1198662" y="1773610"/>
-            <a:ext cx="8856984" cy="2031325"/>
+            <a:ext cx="8856984" cy="1384995"/>
           </a:xfrm>
           <a:prstGeom prst="rect">
             <a:avLst/>
@@ -7191,266 +4157,83 @@
           <a:lstStyle/>
           <a:p>
             <a:r>
-              <a:rPr lang="en-US" altLang="zh-CN" dirty="0" smtClean="0"/>
-              <a:t>5</a:t>
-            </a:r>
-            <a:r>
-              <a:rPr lang="zh-CN" altLang="en-US" dirty="0" smtClean="0"/>
-              <a:t>、新增加的图</a:t>
-            </a:r>
-            <a:endParaRPr lang="en-US" altLang="zh-CN" dirty="0" smtClean="0"/>
-          </a:p>
-          <a:p>
-            <a:r>
-              <a:rPr lang="zh-CN" altLang="en-US" dirty="0"/>
-              <a:t>增加</a:t>
-            </a:r>
-            <a:r>
-              <a:rPr lang="zh-CN" altLang="en-US" dirty="0" smtClean="0"/>
-              <a:t>了“包图”、“组合结构图”、“交互概览图”和“时间图”。</a:t>
-            </a:r>
-            <a:endParaRPr lang="en-US" altLang="zh-CN" dirty="0" smtClean="0"/>
-          </a:p>
-          <a:p>
-            <a:endParaRPr lang="en-US" altLang="zh-CN" dirty="0" smtClean="0"/>
-          </a:p>
-          <a:p>
-            <a:r>
               <a:rPr lang="zh-CN" altLang="en-US" dirty="0" smtClean="0"/>
               <a:t>（</a:t>
             </a:r>
             <a:r>
               <a:rPr lang="en-US" altLang="zh-CN" dirty="0" smtClean="0"/>
-              <a:t>1</a:t>
+              <a:t>2</a:t>
             </a:r>
             <a:r>
               <a:rPr lang="zh-CN" altLang="en-US" dirty="0" smtClean="0"/>
-              <a:t>）“包图”展现模型要素的基本组织单元，以及这些组织单元之间的依赖关系，包括引用关系和扩展关系在通用的建模工具中，一般可以用类图描述包图中的逻辑内容。</a:t>
+              <a:t>）组合结构图</a:t>
+            </a:r>
+            <a:endParaRPr lang="en-US" altLang="zh-CN" dirty="0"/>
+          </a:p>
+          <a:p>
+            <a:r>
+              <a:rPr lang="zh-CN" altLang="en-US" dirty="0" smtClean="0"/>
+              <a:t>“组合结构图”描述系统中的某一部分（即“组合结构”）的内部内容，包括该部分与系统其他部分的交互点，这种图能够展示该部分内容“内部”参与者的配置情况。</a:t>
             </a:r>
             <a:endParaRPr lang="zh-CN" altLang="en-US" dirty="0"/>
           </a:p>
         </p:txBody>
       </p:sp>
-      <p:sp>
-        <p:nvSpPr>
-          <p:cNvPr id="7" name="矩形 6"/>
-          <p:cNvSpPr/>
+      <p:pic>
+        <p:nvPicPr>
+          <p:cNvPr id="3074" name="Picture 2"/>
+          <p:cNvPicPr>
+            <a:picLocks noChangeAspect="1" noChangeArrowheads="1"/>
+          </p:cNvPicPr>
           <p:nvPr/>
-        </p:nvSpPr>
-        <p:spPr>
-          <a:xfrm>
-            <a:off x="1972576" y="4473910"/>
-            <a:ext cx="1224136" cy="432048"/>
-          </a:xfrm>
-          <a:prstGeom prst="rect">
-            <a:avLst/>
-          </a:prstGeom>
-        </p:spPr>
-        <p:style>
-          <a:lnRef idx="2">
-            <a:schemeClr val="accent1">
-              <a:shade val="50000"/>
-            </a:schemeClr>
-          </a:lnRef>
-          <a:fillRef idx="1">
-            <a:schemeClr val="accent1"/>
-          </a:fillRef>
-          <a:effectRef idx="0">
-            <a:schemeClr val="accent1"/>
-          </a:effectRef>
-          <a:fontRef idx="minor">
-            <a:schemeClr val="lt1"/>
-          </a:fontRef>
-        </p:style>
-        <p:txBody>
-          <a:bodyPr rtlCol="0" anchor="ctr"/>
-          <a:lstStyle/>
-          <a:p>
-            <a:pPr algn="ctr"/>
-            <a:r>
-              <a:rPr lang="en-US" altLang="zh-CN" dirty="0" smtClean="0"/>
-              <a:t>UI</a:t>
-            </a:r>
-            <a:endParaRPr lang="zh-CN" altLang="en-US" dirty="0"/>
-          </a:p>
-        </p:txBody>
-      </p:sp>
-      <p:sp>
-        <p:nvSpPr>
-          <p:cNvPr id="8" name="矩形 7"/>
-          <p:cNvSpPr/>
-          <p:nvPr/>
-        </p:nvSpPr>
-        <p:spPr>
-          <a:xfrm>
-            <a:off x="1972576" y="4192969"/>
-            <a:ext cx="612068" cy="288032"/>
-          </a:xfrm>
-          <a:prstGeom prst="rect">
-            <a:avLst/>
-          </a:prstGeom>
-        </p:spPr>
-        <p:style>
-          <a:lnRef idx="2">
-            <a:schemeClr val="accent1">
-              <a:shade val="50000"/>
-            </a:schemeClr>
-          </a:lnRef>
-          <a:fillRef idx="1">
-            <a:schemeClr val="accent1"/>
-          </a:fillRef>
-          <a:effectRef idx="0">
-            <a:schemeClr val="accent1"/>
-          </a:effectRef>
-          <a:fontRef idx="minor">
-            <a:schemeClr val="lt1"/>
-          </a:fontRef>
-        </p:style>
-        <p:txBody>
-          <a:bodyPr rtlCol="0" anchor="ctr"/>
-          <a:lstStyle/>
-          <a:p>
-            <a:pPr algn="ctr"/>
-            <a:endParaRPr lang="zh-CN" altLang="en-US"/>
-          </a:p>
-        </p:txBody>
-      </p:sp>
-      <p:sp>
-        <p:nvSpPr>
-          <p:cNvPr id="9" name="矩形 8"/>
-          <p:cNvSpPr/>
-          <p:nvPr/>
-        </p:nvSpPr>
-        <p:spPr>
-          <a:xfrm>
-            <a:off x="3903817" y="4149874"/>
-            <a:ext cx="612068" cy="288032"/>
-          </a:xfrm>
-          <a:prstGeom prst="rect">
-            <a:avLst/>
-          </a:prstGeom>
-        </p:spPr>
-        <p:style>
-          <a:lnRef idx="2">
-            <a:schemeClr val="accent1">
-              <a:shade val="50000"/>
-            </a:schemeClr>
-          </a:lnRef>
-          <a:fillRef idx="1">
-            <a:schemeClr val="accent1"/>
-          </a:fillRef>
-          <a:effectRef idx="0">
-            <a:schemeClr val="accent1"/>
-          </a:effectRef>
-          <a:fontRef idx="minor">
-            <a:schemeClr val="lt1"/>
-          </a:fontRef>
-        </p:style>
-        <p:txBody>
-          <a:bodyPr rtlCol="0" anchor="ctr"/>
-          <a:lstStyle/>
-          <a:p>
-            <a:pPr algn="ctr"/>
-            <a:endParaRPr lang="zh-CN" altLang="en-US"/>
-          </a:p>
-        </p:txBody>
-      </p:sp>
-      <p:sp>
-        <p:nvSpPr>
-          <p:cNvPr id="10" name="矩形 9"/>
-          <p:cNvSpPr/>
-          <p:nvPr/>
-        </p:nvSpPr>
-        <p:spPr>
-          <a:xfrm>
-            <a:off x="3903817" y="4437906"/>
-            <a:ext cx="2192037" cy="504056"/>
-          </a:xfrm>
-          <a:prstGeom prst="rect">
-            <a:avLst/>
-          </a:prstGeom>
-        </p:spPr>
-        <p:style>
-          <a:lnRef idx="2">
-            <a:schemeClr val="accent1">
-              <a:shade val="50000"/>
-            </a:schemeClr>
-          </a:lnRef>
-          <a:fillRef idx="1">
-            <a:schemeClr val="accent1"/>
-          </a:fillRef>
-          <a:effectRef idx="0">
-            <a:schemeClr val="accent1"/>
-          </a:effectRef>
-          <a:fontRef idx="minor">
-            <a:schemeClr val="lt1"/>
-          </a:fontRef>
-        </p:style>
-        <p:txBody>
-          <a:bodyPr rtlCol="0" anchor="ctr"/>
-          <a:lstStyle/>
-          <a:p>
-            <a:pPr algn="ctr"/>
-            <a:r>
-              <a:rPr lang="en-US" altLang="zh-CN" dirty="0" smtClean="0"/>
-              <a:t>System</a:t>
-            </a:r>
-            <a:r>
-              <a:rPr lang="zh-CN" altLang="en-US" dirty="0" smtClean="0"/>
-              <a:t>：</a:t>
-            </a:r>
-            <a:r>
-              <a:rPr lang="en-US" altLang="zh-CN" dirty="0" smtClean="0"/>
-              <a:t>Web</a:t>
-            </a:r>
-            <a:r>
-              <a:rPr lang="zh-CN" altLang="en-US" dirty="0" smtClean="0"/>
-              <a:t>：</a:t>
-            </a:r>
-            <a:r>
-              <a:rPr lang="en-US" altLang="zh-CN" dirty="0" smtClean="0"/>
-              <a:t>U</a:t>
-            </a:r>
-            <a:endParaRPr lang="zh-CN" altLang="en-US" dirty="0"/>
-          </a:p>
-        </p:txBody>
-      </p:sp>
-      <p:sp>
-        <p:nvSpPr>
-          <p:cNvPr id="11" name="TextBox 10"/>
-          <p:cNvSpPr txBox="1"/>
-          <p:nvPr/>
-        </p:nvSpPr>
-        <p:spPr>
-          <a:xfrm>
-            <a:off x="3375529" y="5134662"/>
-            <a:ext cx="1140356" cy="415498"/>
+        </p:nvPicPr>
+        <p:blipFill>
+          <a:blip r:embed="rId1">
+            <a:extLst>
+              <a:ext uri="{28A0092B-C50C-407E-A947-70E740481C1C}">
+                <a14:useLocalDpi xmlns:a14="http://schemas.microsoft.com/office/drawing/2010/main" val="0"/>
+              </a:ext>
+            </a:extLst>
+          </a:blip>
+          <a:srcRect/>
+          <a:stretch>
+            <a:fillRect/>
+          </a:stretch>
+        </p:blipFill>
+        <p:spPr bwMode="auto">
+          <a:xfrm rot="16200000">
+            <a:off x="3948444" y="1565499"/>
+            <a:ext cx="3357418" cy="6478909"/>
           </a:xfrm>
           <a:prstGeom prst="rect">
             <a:avLst/>
           </a:prstGeom>
           <a:noFill/>
-        </p:spPr>
-        <p:txBody>
-          <a:bodyPr wrap="square" rtlCol="0">
-            <a:spAutoFit/>
-          </a:bodyPr>
-          <a:lstStyle/>
-          <a:p>
-            <a:r>
-              <a:rPr lang="zh-CN" altLang="en-US" dirty="0" smtClean="0"/>
-              <a:t>包图</a:t>
-            </a:r>
-            <a:endParaRPr lang="zh-CN" altLang="en-US" dirty="0"/>
-          </a:p>
-        </p:txBody>
-      </p:sp>
+          <a:ln>
+            <a:noFill/>
+          </a:ln>
+          <a:extLst>
+            <a:ext uri="{909E8E84-426E-40DD-AFC4-6F175D3DCCD1}">
+              <a14:hiddenFill xmlns:a14="http://schemas.microsoft.com/office/drawing/2010/main">
+                <a:solidFill>
+                  <a:schemeClr val="accent1"/>
+                </a:solidFill>
+              </a14:hiddenFill>
+            </a:ext>
+            <a:ext uri="{91240B29-F687-4F45-9708-019B960494DF}">
+              <a14:hiddenLine xmlns:a14="http://schemas.microsoft.com/office/drawing/2010/main" w="9525">
+                <a:solidFill>
+                  <a:schemeClr val="tx1"/>
+                </a:solidFill>
+                <a:miter lim="800000"/>
+                <a:headEnd/>
+                <a:tailEnd/>
+              </a14:hiddenLine>
+            </a:ext>
+          </a:extLst>
+        </p:spPr>
+      </p:pic>
     </p:spTree>
-    <p:extLst>
-      <p:ext uri="{BB962C8B-B14F-4D97-AF65-F5344CB8AC3E}">
-        <p14:creationId xmlns:p14="http://schemas.microsoft.com/office/powerpoint/2010/main" val="1468091667"/>
-      </p:ext>
-    </p:extLst>
   </p:cSld>
   <p:clrMapOvr>
     <a:masterClrMapping/>
@@ -7575,334 +4358,7 @@
             <a:pPr algn="ctr"/>
             <a:r>
               <a:rPr lang="en-US" sz="2400" dirty="0" smtClean="0"/>
-              <a:t>1</a:t>
-            </a:r>
-            <a:r>
-              <a:rPr lang="en-US" sz="2400" dirty="0" smtClean="0"/>
-              <a:t>.7</a:t>
-            </a:r>
-            <a:endParaRPr lang="en-US" sz="2400" dirty="0"/>
-          </a:p>
-        </p:txBody>
-      </p:sp>
-      <p:sp>
-        <p:nvSpPr>
-          <p:cNvPr id="4" name="文本框 3"/>
-          <p:cNvSpPr txBox="1"/>
-          <p:nvPr/>
-        </p:nvSpPr>
-        <p:spPr>
-          <a:xfrm>
-            <a:off x="2236548" y="136356"/>
-            <a:ext cx="6052718" cy="501650"/>
-          </a:xfrm>
-          <a:prstGeom prst="rect">
-            <a:avLst/>
-          </a:prstGeom>
-          <a:noFill/>
-        </p:spPr>
-        <p:txBody>
-          <a:bodyPr wrap="square" rtlCol="0">
-            <a:spAutoFit/>
-          </a:bodyPr>
-          <a:lstStyle/>
-          <a:p>
-            <a:endParaRPr lang="zh-CN" sz="2665" dirty="0">
-              <a:solidFill>
-                <a:srgbClr val="183A5D"/>
-              </a:solidFill>
-              <a:latin typeface="微软雅黑" panose="020B0503020204020204" pitchFamily="34" charset="-122"/>
-              <a:ea typeface="微软雅黑" panose="020B0503020204020204" pitchFamily="34" charset="-122"/>
-            </a:endParaRPr>
-          </a:p>
-        </p:txBody>
-      </p:sp>
-      <p:sp>
-        <p:nvSpPr>
-          <p:cNvPr id="6" name="文本框 5"/>
-          <p:cNvSpPr txBox="1"/>
-          <p:nvPr/>
-        </p:nvSpPr>
-        <p:spPr>
-          <a:xfrm>
-            <a:off x="2226388" y="159851"/>
-            <a:ext cx="6052718" cy="501650"/>
-          </a:xfrm>
-          <a:prstGeom prst="rect">
-            <a:avLst/>
-          </a:prstGeom>
-          <a:noFill/>
-        </p:spPr>
-        <p:txBody>
-          <a:bodyPr wrap="square" rtlCol="0">
-            <a:spAutoFit/>
-          </a:bodyPr>
-          <a:lstStyle/>
-          <a:p>
-            <a:r>
-              <a:rPr lang="en-US" altLang="zh-CN" sz="2665" dirty="0" smtClean="0">
-                <a:solidFill>
-                  <a:srgbClr val="183A5D"/>
-                </a:solidFill>
-                <a:latin typeface="微软雅黑" panose="020B0503020204020204" pitchFamily="34" charset="-122"/>
-                <a:ea typeface="微软雅黑" panose="020B0503020204020204" pitchFamily="34" charset="-122"/>
-              </a:rPr>
-              <a:t>UML2.0</a:t>
-            </a:r>
-            <a:r>
-              <a:rPr lang="zh-CN" altLang="en-US" sz="2665" dirty="0" smtClean="0">
-                <a:solidFill>
-                  <a:srgbClr val="183A5D"/>
-                </a:solidFill>
-                <a:latin typeface="微软雅黑" panose="020B0503020204020204" pitchFamily="34" charset="-122"/>
-                <a:ea typeface="微软雅黑" panose="020B0503020204020204" pitchFamily="34" charset="-122"/>
-              </a:rPr>
-              <a:t>的新特征</a:t>
-            </a:r>
-            <a:endParaRPr lang="zh-CN" sz="2665" dirty="0">
-              <a:solidFill>
-                <a:srgbClr val="183A5D"/>
-              </a:solidFill>
-              <a:latin typeface="微软雅黑" panose="020B0503020204020204" pitchFamily="34" charset="-122"/>
-              <a:ea typeface="微软雅黑" panose="020B0503020204020204" pitchFamily="34" charset="-122"/>
-            </a:endParaRPr>
-          </a:p>
-        </p:txBody>
-      </p:sp>
-      <p:sp>
-        <p:nvSpPr>
-          <p:cNvPr id="5" name="TextBox 4"/>
-          <p:cNvSpPr txBox="1"/>
-          <p:nvPr/>
-        </p:nvSpPr>
-        <p:spPr>
-          <a:xfrm>
-            <a:off x="1198662" y="1773610"/>
-            <a:ext cx="8856984" cy="1384995"/>
-          </a:xfrm>
-          <a:prstGeom prst="rect">
-            <a:avLst/>
-          </a:prstGeom>
-          <a:noFill/>
-        </p:spPr>
-        <p:txBody>
-          <a:bodyPr wrap="square" rtlCol="0">
-            <a:spAutoFit/>
-          </a:bodyPr>
-          <a:lstStyle/>
-          <a:p>
-            <a:r>
-              <a:rPr lang="zh-CN" altLang="en-US" dirty="0" smtClean="0"/>
-              <a:t>（</a:t>
-            </a:r>
-            <a:r>
-              <a:rPr lang="en-US" altLang="zh-CN" dirty="0" smtClean="0"/>
-              <a:t>2</a:t>
-            </a:r>
-            <a:r>
-              <a:rPr lang="zh-CN" altLang="en-US" dirty="0" smtClean="0"/>
-              <a:t>）组合结构图</a:t>
-            </a:r>
-            <a:endParaRPr lang="en-US" altLang="zh-CN" dirty="0"/>
-          </a:p>
-          <a:p>
-            <a:r>
-              <a:rPr lang="zh-CN" altLang="en-US" dirty="0" smtClean="0"/>
-              <a:t>“组合结构图”描述系统中的某一部分（即“组合结构”）的内部内容，包括该部分与系统其他部分的交互点，这种图能够展示该部分内容“内部”参与者的配置情况。</a:t>
-            </a:r>
-            <a:endParaRPr lang="zh-CN" altLang="en-US" dirty="0"/>
-          </a:p>
-        </p:txBody>
-      </p:sp>
-      <p:pic>
-        <p:nvPicPr>
-          <p:cNvPr id="3074" name="Picture 2"/>
-          <p:cNvPicPr>
-            <a:picLocks noChangeAspect="1" noChangeArrowheads="1"/>
-          </p:cNvPicPr>
-          <p:nvPr/>
-        </p:nvPicPr>
-        <p:blipFill>
-          <a:blip r:embed="rId2">
-            <a:extLst>
-              <a:ext uri="{28A0092B-C50C-407E-A947-70E740481C1C}">
-                <a14:useLocalDpi xmlns:a14="http://schemas.microsoft.com/office/drawing/2010/main" val="0"/>
-              </a:ext>
-            </a:extLst>
-          </a:blip>
-          <a:srcRect/>
-          <a:stretch>
-            <a:fillRect/>
-          </a:stretch>
-        </p:blipFill>
-        <p:spPr bwMode="auto">
-          <a:xfrm rot="16200000">
-            <a:off x="3948444" y="1565499"/>
-            <a:ext cx="3357418" cy="6478909"/>
-          </a:xfrm>
-          <a:prstGeom prst="rect">
-            <a:avLst/>
-          </a:prstGeom>
-          <a:noFill/>
-          <a:ln>
-            <a:noFill/>
-          </a:ln>
-          <a:extLst>
-            <a:ext uri="{909E8E84-426E-40DD-AFC4-6F175D3DCCD1}">
-              <a14:hiddenFill xmlns:a14="http://schemas.microsoft.com/office/drawing/2010/main">
-                <a:solidFill>
-                  <a:schemeClr val="accent1"/>
-                </a:solidFill>
-              </a14:hiddenFill>
-            </a:ext>
-            <a:ext uri="{91240B29-F687-4F45-9708-019B960494DF}">
-              <a14:hiddenLine xmlns:a14="http://schemas.microsoft.com/office/drawing/2010/main" w="9525">
-                <a:solidFill>
-                  <a:schemeClr val="tx1"/>
-                </a:solidFill>
-                <a:miter lim="800000"/>
-                <a:headEnd/>
-                <a:tailEnd/>
-              </a14:hiddenLine>
-            </a:ext>
-          </a:extLst>
-        </p:spPr>
-      </p:pic>
-    </p:spTree>
-    <p:extLst>
-      <p:ext uri="{BB962C8B-B14F-4D97-AF65-F5344CB8AC3E}">
-        <p14:creationId xmlns:p14="http://schemas.microsoft.com/office/powerpoint/2010/main" val="2032417168"/>
-      </p:ext>
-    </p:extLst>
-  </p:cSld>
-  <p:clrMapOvr>
-    <a:masterClrMapping/>
-  </p:clrMapOvr>
-  <p:transition spd="slow" advClick="0" advTm="0">
-    <p:wipe/>
-  </p:transition>
-  <p:timing>
-    <p:tnLst>
-      <p:par>
-        <p:cTn id="1" dur="indefinite" restart="never" nodeType="tmRoot"/>
-      </p:par>
-    </p:tnLst>
-  </p:timing>
-</p:sld>
-</file>
-
-<file path=ppt/slides/slide8.xml><?xml version="1.0" encoding="utf-8"?>
-<p:sld xmlns:a="http://schemas.openxmlformats.org/drawingml/2006/main" xmlns:r="http://schemas.openxmlformats.org/officeDocument/2006/relationships" xmlns:p="http://schemas.openxmlformats.org/presentationml/2006/main">
-  <p:cSld>
-    <p:spTree>
-      <p:nvGrpSpPr>
-        <p:cNvPr id="1" name=""/>
-        <p:cNvGrpSpPr/>
-        <p:nvPr/>
-      </p:nvGrpSpPr>
-      <p:grpSpPr>
-        <a:xfrm>
-          <a:off x="0" y="0"/>
-          <a:ext cx="0" cy="0"/>
-          <a:chOff x="0" y="0"/>
-          <a:chExt cx="0" cy="0"/>
-        </a:xfrm>
-      </p:grpSpPr>
-      <p:sp>
-        <p:nvSpPr>
-          <p:cNvPr id="2" name="矩形 1"/>
-          <p:cNvSpPr/>
-          <p:nvPr/>
-        </p:nvSpPr>
-        <p:spPr>
-          <a:xfrm>
-            <a:off x="237030" y="1171"/>
-            <a:ext cx="1608415" cy="135446"/>
-          </a:xfrm>
-          <a:prstGeom prst="rect">
-            <a:avLst/>
-          </a:prstGeom>
-          <a:solidFill>
-            <a:srgbClr val="183A5D"/>
-          </a:solidFill>
-          <a:ln>
-            <a:noFill/>
-          </a:ln>
-        </p:spPr>
-        <p:style>
-          <a:lnRef idx="2">
-            <a:schemeClr val="accent1">
-              <a:shade val="50000"/>
-            </a:schemeClr>
-          </a:lnRef>
-          <a:fillRef idx="1">
-            <a:schemeClr val="accent1"/>
-          </a:fillRef>
-          <a:effectRef idx="0">
-            <a:schemeClr val="accent1"/>
-          </a:effectRef>
-          <a:fontRef idx="minor">
-            <a:schemeClr val="lt1"/>
-          </a:fontRef>
-        </p:style>
-        <p:txBody>
-          <a:bodyPr rtlCol="0" anchor="ctr"/>
-          <a:lstStyle/>
-          <a:p>
-            <a:pPr algn="ctr"/>
-            <a:endParaRPr lang="zh-CN" altLang="en-US" sz="2800"/>
-          </a:p>
-        </p:txBody>
-      </p:sp>
-      <p:sp>
-        <p:nvSpPr>
-          <p:cNvPr id="3" name="矩形 2"/>
-          <p:cNvSpPr/>
-          <p:nvPr/>
-        </p:nvSpPr>
-        <p:spPr>
-          <a:xfrm>
-            <a:off x="237030" y="255131"/>
-            <a:ext cx="1608415" cy="406336"/>
-          </a:xfrm>
-          <a:prstGeom prst="rect">
-            <a:avLst/>
-          </a:prstGeom>
-          <a:solidFill>
-            <a:srgbClr val="183A5D"/>
-          </a:solidFill>
-          <a:ln>
-            <a:noFill/>
-          </a:ln>
-        </p:spPr>
-        <p:style>
-          <a:lnRef idx="2">
-            <a:schemeClr val="accent1">
-              <a:shade val="50000"/>
-            </a:schemeClr>
-          </a:lnRef>
-          <a:fillRef idx="1">
-            <a:schemeClr val="accent1"/>
-          </a:fillRef>
-          <a:effectRef idx="0">
-            <a:schemeClr val="accent1"/>
-          </a:effectRef>
-          <a:fontRef idx="minor">
-            <a:schemeClr val="lt1"/>
-          </a:fontRef>
-        </p:style>
-        <p:txBody>
-          <a:bodyPr rtlCol="0" anchor="ctr"/>
-          <a:lstStyle/>
-          <a:p>
-            <a:pPr algn="ctr"/>
-            <a:r>
-              <a:rPr lang="en-US" sz="2400" dirty="0" smtClean="0"/>
-              <a:t>1</a:t>
-            </a:r>
-            <a:r>
-              <a:rPr lang="en-US" sz="2400" dirty="0" smtClean="0"/>
-              <a:t>.7</a:t>
+              <a:t>1.7</a:t>
             </a:r>
             <a:endParaRPr lang="en-US" sz="2400" dirty="0"/>
           </a:p>
@@ -8045,7 +4501,7 @@
           <p:nvPr/>
         </p:nvPicPr>
         <p:blipFill rotWithShape="1">
-          <a:blip r:embed="rId2">
+          <a:blip r:embed="rId1">
             <a:extLst>
               <a:ext uri="{28A0092B-C50C-407E-A947-70E740481C1C}">
                 <a14:useLocalDpi xmlns:a14="http://schemas.microsoft.com/office/drawing/2010/main" val="0"/>
@@ -8053,7 +4509,9 @@
             </a:extLst>
           </a:blip>
           <a:srcRect l="5496" b="5628"/>
-          <a:stretch/>
+          <a:stretch>
+            <a:fillRect/>
+          </a:stretch>
         </p:blipFill>
         <p:spPr bwMode="auto">
           <a:xfrm rot="16200000">
@@ -8089,11 +4547,6 @@
         </p:spPr>
       </p:pic>
     </p:spTree>
-    <p:extLst>
-      <p:ext uri="{BB962C8B-B14F-4D97-AF65-F5344CB8AC3E}">
-        <p14:creationId xmlns:p14="http://schemas.microsoft.com/office/powerpoint/2010/main" val="1538715886"/>
-      </p:ext>
-    </p:extLst>
   </p:cSld>
   <p:clrMapOvr>
     <a:masterClrMapping/>
@@ -8389,11 +4842,9 @@
       </a:bgFillStyleLst>
     </a:fmtScheme>
   </a:themeElements>
-  <a:objectDefaults/>
-  <a:extraClrSchemeLst/>
   <a:extLst>
     <a:ext uri="{05A4C25C-085E-4340-85A3-A5531E510DB2}">
-      <thm15:themeFamily xmlns="" xmlns:thm15="http://schemas.microsoft.com/office/thememl/2012/main" name="Office Theme" id="{62F939B6-93AF-4DB8-9C6B-D6C7DFDC589F}" vid="{4A3C46E8-61CC-4603-A589-7422A47A8E4A}"/>
+      <thm15:themeFamily xmlns:thm15="http://schemas.microsoft.com/office/thememl/2012/main" name="Office Theme" id="{62F939B6-93AF-4DB8-9C6B-D6C7DFDC589F}" vid="{4A3C46E8-61CC-4603-A589-7422A47A8E4A}"/>
     </a:ext>
   </a:extLst>
 </a:theme>
@@ -8679,11 +5130,9 @@
       </a:bgFillStyleLst>
     </a:fmtScheme>
   </a:themeElements>
-  <a:objectDefaults/>
-  <a:extraClrSchemeLst/>
   <a:extLst>
     <a:ext uri="{05A4C25C-085E-4340-85A3-A5531E510DB2}">
-      <thm15:themeFamily xmlns="" xmlns:thm15="http://schemas.microsoft.com/office/thememl/2012/main" name="Office Theme" id="{62F939B6-93AF-4DB8-9C6B-D6C7DFDC589F}" vid="{4A3C46E8-61CC-4603-A589-7422A47A8E4A}"/>
+      <thm15:themeFamily xmlns:thm15="http://schemas.microsoft.com/office/thememl/2012/main" name="Office Theme" id="{62F939B6-93AF-4DB8-9C6B-D6C7DFDC589F}" vid="{4A3C46E8-61CC-4603-A589-7422A47A8E4A}"/>
     </a:ext>
   </a:extLst>
 </a:theme>
@@ -8969,11 +5418,9 @@
       </a:bgFillStyleLst>
     </a:fmtScheme>
   </a:themeElements>
-  <a:objectDefaults/>
-  <a:extraClrSchemeLst/>
   <a:extLst>
     <a:ext uri="{05A4C25C-085E-4340-85A3-A5531E510DB2}">
-      <thm15:themeFamily xmlns="" xmlns:thm15="http://schemas.microsoft.com/office/thememl/2012/main" name="Office Theme" id="{62F939B6-93AF-4DB8-9C6B-D6C7DFDC589F}" vid="{4A3C46E8-61CC-4603-A589-7422A47A8E4A}"/>
+      <thm15:themeFamily xmlns:thm15="http://schemas.microsoft.com/office/thememl/2012/main" name="Office Theme" id="{62F939B6-93AF-4DB8-9C6B-D6C7DFDC589F}" vid="{4A3C46E8-61CC-4603-A589-7422A47A8E4A}"/>
     </a:ext>
   </a:extLst>
 </a:theme>

--- a/非受控文档/04-苏雨豪/1.7UML2.0新特性+目录.pptx
+++ b/非受控文档/04-苏雨豪/1.7UML2.0新特性+目录.pptx
@@ -5,12 +5,13 @@
     <p:sldMasterId id="2147483648" r:id="rId1"/>
   </p:sldMasterIdLst>
   <p:notesMasterIdLst>
-    <p:notesMasterId r:id="rId10"/>
+    <p:notesMasterId r:id="rId11"/>
   </p:notesMasterIdLst>
   <p:handoutMasterIdLst>
-    <p:handoutMasterId r:id="rId11"/>
+    <p:handoutMasterId r:id="rId12"/>
   </p:handoutMasterIdLst>
   <p:sldIdLst>
+    <p:sldId id="411" r:id="rId2"/>
     <p:sldId id="439" r:id="rId3"/>
     <p:sldId id="440" r:id="rId4"/>
     <p:sldId id="441" r:id="rId5"/>
@@ -18,8 +19,9 @@
     <p:sldId id="443" r:id="rId7"/>
     <p:sldId id="444" r:id="rId8"/>
     <p:sldId id="445" r:id="rId9"/>
+    <p:sldId id="446" r:id="rId10"/>
   </p:sldIdLst>
-  <p:sldSz cx="12190095" cy="6859270"/>
+  <p:sldSz cx="12190413" cy="6859588"/>
   <p:notesSz cx="6858000" cy="9144000"/>
   <p:defaultTextStyle>
     <a:defPPr>
@@ -201,6 +203,7 @@
           <a:p>
             <a:fld id="{5D1C15E6-6BD2-4E4B-B1D4-218C26E1B228}" type="datetimeFigureOut">
               <a:rPr lang="zh-CN" altLang="en-US" smtClean="0"/>
+              <a:t>2018/10/14</a:t>
             </a:fld>
             <a:endParaRPr lang="zh-CN" altLang="en-US"/>
           </a:p>
@@ -266,12 +269,18 @@
           <a:p>
             <a:fld id="{E655EDCA-2189-4435-B38B-6F3C2C044356}" type="slidenum">
               <a:rPr lang="zh-CN" altLang="en-US" smtClean="0"/>
+              <a:t>‹#›</a:t>
             </a:fld>
             <a:endParaRPr lang="zh-CN" altLang="en-US"/>
           </a:p>
         </p:txBody>
       </p:sp>
     </p:spTree>
+    <p:extLst>
+      <p:ext uri="{BB962C8B-B14F-4D97-AF65-F5344CB8AC3E}">
+        <p14:creationId xmlns:p14="http://schemas.microsoft.com/office/powerpoint/2010/main" val="326599140"/>
+      </p:ext>
+    </p:extLst>
   </p:cSld>
   <p:clrMap bg1="lt1" tx1="dk1" bg2="lt2" tx2="dk2" accent1="accent1" accent2="accent2" accent3="accent3" accent4="accent4" accent5="accent5" accent6="accent6" hlink="hlink" folHlink="folHlink"/>
 </p:handoutMaster>
@@ -359,6 +368,7 @@
           <a:p>
             <a:fld id="{0B17430C-5A66-4BD0-A971-34190B6C6019}" type="datetimeFigureOut">
               <a:rPr lang="zh-CN" altLang="en-US" smtClean="0"/>
+              <a:t>2018/10/14</a:t>
             </a:fld>
             <a:endParaRPr lang="zh-CN" altLang="en-US"/>
           </a:p>
@@ -425,7 +435,6 @@
               <a:rPr lang="zh-CN" altLang="en-US" smtClean="0"/>
               <a:t>单击此处编辑母版文本样式</a:t>
             </a:r>
-            <a:endParaRPr lang="zh-CN" altLang="en-US" smtClean="0"/>
           </a:p>
           <a:p>
             <a:pPr lvl="1"/>
@@ -433,7 +442,6 @@
               <a:rPr lang="zh-CN" altLang="en-US" smtClean="0"/>
               <a:t>第二级</a:t>
             </a:r>
-            <a:endParaRPr lang="zh-CN" altLang="en-US" smtClean="0"/>
           </a:p>
           <a:p>
             <a:pPr lvl="2"/>
@@ -441,7 +449,6 @@
               <a:rPr lang="zh-CN" altLang="en-US" smtClean="0"/>
               <a:t>第三级</a:t>
             </a:r>
-            <a:endParaRPr lang="zh-CN" altLang="en-US" smtClean="0"/>
           </a:p>
           <a:p>
             <a:pPr lvl="3"/>
@@ -449,7 +456,6 @@
               <a:rPr lang="zh-CN" altLang="en-US" smtClean="0"/>
               <a:t>第四级</a:t>
             </a:r>
-            <a:endParaRPr lang="zh-CN" altLang="en-US" smtClean="0"/>
           </a:p>
           <a:p>
             <a:pPr lvl="4"/>
@@ -521,12 +527,18 @@
           <a:p>
             <a:fld id="{74AC173A-3DA8-4893-B28A-1E15F55C330A}" type="slidenum">
               <a:rPr lang="zh-CN" altLang="en-US" smtClean="0"/>
+              <a:t>‹#›</a:t>
             </a:fld>
             <a:endParaRPr lang="zh-CN" altLang="en-US"/>
           </a:p>
         </p:txBody>
       </p:sp>
     </p:spTree>
+    <p:extLst>
+      <p:ext uri="{BB962C8B-B14F-4D97-AF65-F5344CB8AC3E}">
+        <p14:creationId xmlns:p14="http://schemas.microsoft.com/office/powerpoint/2010/main" val="3896411634"/>
+      </p:ext>
+    </p:extLst>
   </p:cSld>
   <p:clrMap bg1="lt1" tx1="dk1" bg2="lt2" tx2="dk2" accent1="accent1" accent2="accent2" accent3="accent3" accent4="accent4" accent5="accent5" accent6="accent6" hlink="hlink" folHlink="folHlink"/>
   <p:notesStyle>
@@ -622,6 +634,85 @@
     </a:lvl9pPr>
   </p:notesStyle>
 </p:notesMaster>
+</file>
+
+<file path=ppt/notesSlides/notesSlide1.xml><?xml version="1.0" encoding="utf-8"?>
+<p:notes xmlns:a="http://schemas.openxmlformats.org/drawingml/2006/main" xmlns:r="http://schemas.openxmlformats.org/officeDocument/2006/relationships" xmlns:p="http://schemas.openxmlformats.org/presentationml/2006/main">
+  <p:cSld>
+    <p:spTree>
+      <p:nvGrpSpPr>
+        <p:cNvPr id="1" name=""/>
+        <p:cNvGrpSpPr/>
+        <p:nvPr/>
+      </p:nvGrpSpPr>
+      <p:grpSpPr>
+        <a:xfrm>
+          <a:off x="0" y="0"/>
+          <a:ext cx="0" cy="0"/>
+          <a:chOff x="0" y="0"/>
+          <a:chExt cx="0" cy="0"/>
+        </a:xfrm>
+      </p:grpSpPr>
+      <p:sp>
+        <p:nvSpPr>
+          <p:cNvPr id="2" name="幻灯片图像占位符 1"/>
+          <p:cNvSpPr>
+            <a:spLocks noGrp="1" noRot="1" noChangeAspect="1"/>
+          </p:cNvSpPr>
+          <p:nvPr>
+            <p:ph type="sldImg"/>
+          </p:nvPr>
+        </p:nvSpPr>
+        <p:spPr/>
+      </p:sp>
+      <p:sp>
+        <p:nvSpPr>
+          <p:cNvPr id="3" name="备注占位符 2"/>
+          <p:cNvSpPr>
+            <a:spLocks noGrp="1"/>
+          </p:cNvSpPr>
+          <p:nvPr>
+            <p:ph type="body" idx="1"/>
+          </p:nvPr>
+        </p:nvSpPr>
+        <p:spPr/>
+        <p:txBody>
+          <a:bodyPr/>
+          <a:lstStyle/>
+          <a:p>
+            <a:endParaRPr lang="zh-CN" altLang="en-US"/>
+          </a:p>
+        </p:txBody>
+      </p:sp>
+      <p:sp>
+        <p:nvSpPr>
+          <p:cNvPr id="4" name="灯片编号占位符 3"/>
+          <p:cNvSpPr>
+            <a:spLocks noGrp="1"/>
+          </p:cNvSpPr>
+          <p:nvPr>
+            <p:ph type="sldNum" sz="quarter" idx="10"/>
+          </p:nvPr>
+        </p:nvSpPr>
+        <p:spPr/>
+        <p:txBody>
+          <a:bodyPr/>
+          <a:lstStyle/>
+          <a:p>
+            <a:fld id="{74AC173A-3DA8-4893-B28A-1E15F55C330A}" type="slidenum">
+              <a:rPr lang="zh-CN" altLang="en-US" smtClean="0"/>
+              <a:t>1</a:t>
+            </a:fld>
+            <a:endParaRPr lang="zh-CN" altLang="en-US"/>
+          </a:p>
+        </p:txBody>
+      </p:sp>
+    </p:spTree>
+  </p:cSld>
+  <p:clrMapOvr>
+    <a:masterClrMapping/>
+  </p:clrMapOvr>
+</p:notes>
 </file>
 
 <file path=ppt/slideLayouts/slideLayout1.xml><?xml version="1.0" encoding="utf-8"?>
@@ -822,6 +913,7 @@
                 <a:latin typeface="微软雅黑" panose="020B0503020204020204" pitchFamily="34" charset="-122"/>
                 <a:ea typeface="微软雅黑" panose="020B0503020204020204" pitchFamily="34" charset="-122"/>
               </a:rPr>
+              <a:t>‹#›</a:t>
             </a:fld>
             <a:r>
               <a:rPr lang="zh-CN" altLang="en-US" sz="1800" dirty="0" smtClean="0">
@@ -1751,6 +1843,7 @@
           <a:p>
             <a:fld id="{530820CF-B880-4189-942D-D702A7CBA730}" type="datetimeFigureOut">
               <a:rPr lang="zh-CN" altLang="en-US" smtClean="0"/>
+              <a:t>2018/10/14</a:t>
             </a:fld>
             <a:endParaRPr lang="zh-CN" altLang="en-US"/>
           </a:p>
@@ -1808,6 +1901,7 @@
           <a:p>
             <a:fld id="{0C913308-F349-4B6D-A68A-DD1791B4A57B}" type="slidenum">
               <a:rPr lang="zh-CN" altLang="en-US" smtClean="0"/>
+              <a:t>‹#›</a:t>
             </a:fld>
             <a:endParaRPr lang="zh-CN" altLang="en-US"/>
           </a:p>
@@ -1866,6 +1960,7 @@
           <a:p>
             <a:fld id="{530820CF-B880-4189-942D-D702A7CBA730}" type="datetimeFigureOut">
               <a:rPr lang="zh-CN" altLang="en-US" smtClean="0"/>
+              <a:t>2018/10/14</a:t>
             </a:fld>
             <a:endParaRPr lang="zh-CN" altLang="en-US"/>
           </a:p>
@@ -1923,6 +2018,7 @@
           <a:p>
             <a:fld id="{0C913308-F349-4B6D-A68A-DD1791B4A57B}" type="slidenum">
               <a:rPr lang="zh-CN" altLang="en-US" smtClean="0"/>
+              <a:t>‹#›</a:t>
             </a:fld>
             <a:endParaRPr lang="zh-CN" altLang="en-US"/>
           </a:p>
@@ -2248,24 +2344,473 @@
       </p:grpSpPr>
       <p:sp>
         <p:nvSpPr>
-          <p:cNvPr id="2" name="矩形 1"/>
+          <p:cNvPr id="16" name="圆角矩形 15"/>
           <p:cNvSpPr/>
           <p:nvPr/>
         </p:nvSpPr>
         <p:spPr>
           <a:xfrm>
-            <a:off x="237030" y="1171"/>
-            <a:ext cx="1608415" cy="135446"/>
+            <a:off x="5164674" y="920343"/>
+            <a:ext cx="801956" cy="511504"/>
+          </a:xfrm>
+          <a:prstGeom prst="roundRect">
+            <a:avLst/>
+          </a:prstGeom>
+          <a:solidFill>
+            <a:schemeClr val="accent1"/>
+          </a:solidFill>
+          <a:ln>
+            <a:noFill/>
+          </a:ln>
+          <a:effectLst>
+            <a:outerShdw blurRad="50800" dist="38100" dir="5400000" algn="t" rotWithShape="0">
+              <a:prstClr val="black">
+                <a:alpha val="40000"/>
+              </a:prstClr>
+            </a:outerShdw>
+          </a:effectLst>
+        </p:spPr>
+        <p:style>
+          <a:lnRef idx="2">
+            <a:schemeClr val="accent1">
+              <a:shade val="50000"/>
+            </a:schemeClr>
+          </a:lnRef>
+          <a:fillRef idx="1">
+            <a:schemeClr val="accent1"/>
+          </a:fillRef>
+          <a:effectRef idx="0">
+            <a:schemeClr val="accent1"/>
+          </a:effectRef>
+          <a:fontRef idx="minor">
+            <a:schemeClr val="lt1"/>
+          </a:fontRef>
+        </p:style>
+        <p:txBody>
+          <a:bodyPr lIns="121960" tIns="60980" rIns="121960" bIns="60980" anchor="ctr"/>
+          <a:lstStyle/>
+          <a:p>
+            <a:pPr algn="ctr">
+              <a:defRPr/>
+            </a:pPr>
+            <a:r>
+              <a:rPr lang="en-US" altLang="zh-CN" sz="2400" dirty="0" smtClean="0">
+                <a:latin typeface="+mj-lt"/>
+                <a:ea typeface="Arial Unicode MS" panose="020B0604020202020204" pitchFamily="34" charset="-122"/>
+                <a:cs typeface="Arial Unicode MS" panose="020B0604020202020204" pitchFamily="34" charset="-122"/>
+              </a:rPr>
+              <a:t>1.1</a:t>
+            </a:r>
+            <a:endParaRPr lang="zh-CN" altLang="en-US" sz="3200" dirty="0">
+              <a:latin typeface="+mj-lt"/>
+              <a:ea typeface="Arial Unicode MS" panose="020B0604020202020204" pitchFamily="34" charset="-122"/>
+              <a:cs typeface="Arial Unicode MS" panose="020B0604020202020204" pitchFamily="34" charset="-122"/>
+            </a:endParaRPr>
+          </a:p>
+        </p:txBody>
+      </p:sp>
+      <p:grpSp>
+        <p:nvGrpSpPr>
+          <p:cNvPr id="21" name="组合 20"/>
+          <p:cNvGrpSpPr/>
+          <p:nvPr/>
+        </p:nvGrpSpPr>
+        <p:grpSpPr>
+          <a:xfrm>
+            <a:off x="6295459" y="1758367"/>
+            <a:ext cx="3744416" cy="511504"/>
+            <a:chOff x="6315199" y="2492728"/>
+            <a:chExt cx="3744416" cy="511504"/>
+          </a:xfrm>
+        </p:grpSpPr>
+        <p:sp>
+          <p:nvSpPr>
+            <p:cNvPr id="22" name="圆角矩形 21"/>
+            <p:cNvSpPr/>
+            <p:nvPr/>
+          </p:nvSpPr>
+          <p:spPr>
+            <a:xfrm>
+              <a:off x="6315199" y="2492728"/>
+              <a:ext cx="3744416" cy="511504"/>
+            </a:xfrm>
+            <a:prstGeom prst="roundRect">
+              <a:avLst/>
+            </a:prstGeom>
+            <a:solidFill>
+              <a:schemeClr val="accent1"/>
+            </a:solidFill>
+            <a:ln>
+              <a:noFill/>
+            </a:ln>
+            <a:effectLst>
+              <a:outerShdw blurRad="50800" dist="38100" dir="5400000" algn="t" rotWithShape="0">
+                <a:prstClr val="black">
+                  <a:alpha val="40000"/>
+                </a:prstClr>
+              </a:outerShdw>
+            </a:effectLst>
+          </p:spPr>
+          <p:style>
+            <a:lnRef idx="2">
+              <a:schemeClr val="accent1">
+                <a:shade val="50000"/>
+              </a:schemeClr>
+            </a:lnRef>
+            <a:fillRef idx="1">
+              <a:schemeClr val="accent1"/>
+            </a:fillRef>
+            <a:effectRef idx="0">
+              <a:schemeClr val="accent1"/>
+            </a:effectRef>
+            <a:fontRef idx="minor">
+              <a:schemeClr val="lt1"/>
+            </a:fontRef>
+          </p:style>
+          <p:txBody>
+            <a:bodyPr lIns="121960" tIns="60980" rIns="121960" bIns="60980" anchor="ctr"/>
+            <a:lstStyle/>
+            <a:p>
+              <a:pPr algn="ctr">
+                <a:defRPr/>
+              </a:pPr>
+              <a:endParaRPr lang="zh-CN" altLang="en-US" sz="3600" dirty="0">
+                <a:latin typeface="+mj-lt"/>
+                <a:ea typeface="Arial Unicode MS" panose="020B0604020202020204" pitchFamily="34" charset="-122"/>
+                <a:cs typeface="Arial Unicode MS" panose="020B0604020202020204" pitchFamily="34" charset="-122"/>
+              </a:endParaRPr>
+            </a:p>
+          </p:txBody>
+        </p:sp>
+        <p:sp>
+          <p:nvSpPr>
+            <p:cNvPr id="23" name="矩形 22"/>
+            <p:cNvSpPr/>
+            <p:nvPr/>
+          </p:nvSpPr>
+          <p:spPr>
+            <a:xfrm>
+              <a:off x="6681843" y="2493011"/>
+              <a:ext cx="2653074" cy="429260"/>
+            </a:xfrm>
+            <a:prstGeom prst="rect">
+              <a:avLst/>
+            </a:prstGeom>
+          </p:spPr>
+          <p:txBody>
+            <a:bodyPr wrap="square" lIns="121960" tIns="60980" rIns="121960" bIns="60980">
+              <a:spAutoFit/>
+            </a:bodyPr>
+            <a:lstStyle/>
+            <a:p>
+              <a:pPr>
+                <a:defRPr/>
+              </a:pPr>
+              <a:r>
+                <a:rPr lang="en-US" altLang="zh-CN" sz="2000" b="1" kern="100" dirty="0" smtClean="0">
+                  <a:solidFill>
+                    <a:schemeClr val="bg1"/>
+                  </a:solidFill>
+                  <a:latin typeface="微软雅黑" panose="020B0503020204020204" pitchFamily="34" charset="-122"/>
+                  <a:ea typeface="微软雅黑" panose="020B0503020204020204" pitchFamily="34" charset="-122"/>
+                  <a:cs typeface="Times New Roman" panose="02020603050405020304" pitchFamily="18" charset="0"/>
+                </a:rPr>
+                <a:t>UML</a:t>
+              </a:r>
+              <a:r>
+                <a:rPr lang="zh-CN" altLang="en-US" sz="2000" b="1" kern="100" dirty="0" smtClean="0">
+                  <a:solidFill>
+                    <a:schemeClr val="bg1"/>
+                  </a:solidFill>
+                  <a:latin typeface="微软雅黑" panose="020B0503020204020204" pitchFamily="34" charset="-122"/>
+                  <a:ea typeface="微软雅黑" panose="020B0503020204020204" pitchFamily="34" charset="-122"/>
+                  <a:cs typeface="Times New Roman" panose="02020603050405020304" pitchFamily="18" charset="0"/>
+                </a:rPr>
+                <a:t>的发展历程</a:t>
+              </a:r>
+              <a:endParaRPr lang="zh-CN" altLang="zh-CN" sz="2000" b="1" kern="100" dirty="0">
+                <a:solidFill>
+                  <a:schemeClr val="bg1"/>
+                </a:solidFill>
+                <a:latin typeface="微软雅黑" panose="020B0503020204020204" pitchFamily="34" charset="-122"/>
+                <a:ea typeface="微软雅黑" panose="020B0503020204020204" pitchFamily="34" charset="-122"/>
+                <a:cs typeface="Times New Roman" panose="02020603050405020304" pitchFamily="18" charset="0"/>
+              </a:endParaRPr>
+            </a:p>
+          </p:txBody>
+        </p:sp>
+      </p:grpSp>
+      <p:grpSp>
+        <p:nvGrpSpPr>
+          <p:cNvPr id="29" name="组合 28"/>
+          <p:cNvGrpSpPr/>
+          <p:nvPr/>
+        </p:nvGrpSpPr>
+        <p:grpSpPr>
+          <a:xfrm>
+            <a:off x="6319357" y="2521954"/>
+            <a:ext cx="3744416" cy="511504"/>
+            <a:chOff x="6339097" y="4180903"/>
+            <a:chExt cx="3744416" cy="511504"/>
+          </a:xfrm>
+        </p:grpSpPr>
+        <p:sp>
+          <p:nvSpPr>
+            <p:cNvPr id="30" name="圆角矩形 29"/>
+            <p:cNvSpPr/>
+            <p:nvPr/>
+          </p:nvSpPr>
+          <p:spPr>
+            <a:xfrm>
+              <a:off x="6339097" y="4180903"/>
+              <a:ext cx="3744416" cy="511504"/>
+            </a:xfrm>
+            <a:prstGeom prst="roundRect">
+              <a:avLst/>
+            </a:prstGeom>
+            <a:solidFill>
+              <a:schemeClr val="accent1"/>
+            </a:solidFill>
+            <a:ln>
+              <a:noFill/>
+            </a:ln>
+            <a:effectLst>
+              <a:outerShdw blurRad="50800" dist="38100" dir="5400000" algn="t" rotWithShape="0">
+                <a:prstClr val="black">
+                  <a:alpha val="40000"/>
+                </a:prstClr>
+              </a:outerShdw>
+            </a:effectLst>
+          </p:spPr>
+          <p:style>
+            <a:lnRef idx="2">
+              <a:schemeClr val="accent1">
+                <a:shade val="50000"/>
+              </a:schemeClr>
+            </a:lnRef>
+            <a:fillRef idx="1">
+              <a:schemeClr val="accent1"/>
+            </a:fillRef>
+            <a:effectRef idx="0">
+              <a:schemeClr val="accent1"/>
+            </a:effectRef>
+            <a:fontRef idx="minor">
+              <a:schemeClr val="lt1"/>
+            </a:fontRef>
+          </p:style>
+          <p:txBody>
+            <a:bodyPr lIns="121960" tIns="60980" rIns="121960" bIns="60980" anchor="ctr"/>
+            <a:lstStyle/>
+            <a:p>
+              <a:pPr algn="ctr">
+                <a:defRPr/>
+              </a:pPr>
+              <a:endParaRPr lang="zh-CN" altLang="en-US" sz="3600" dirty="0">
+                <a:latin typeface="+mj-lt"/>
+                <a:ea typeface="Arial Unicode MS" panose="020B0604020202020204" pitchFamily="34" charset="-122"/>
+                <a:cs typeface="Arial Unicode MS" panose="020B0604020202020204" pitchFamily="34" charset="-122"/>
+              </a:endParaRPr>
+            </a:p>
+          </p:txBody>
+        </p:sp>
+        <p:sp>
+          <p:nvSpPr>
+            <p:cNvPr id="31" name="矩形 30"/>
+            <p:cNvSpPr/>
+            <p:nvPr/>
+          </p:nvSpPr>
+          <p:spPr>
+            <a:xfrm>
+              <a:off x="6682074" y="4221882"/>
+              <a:ext cx="2736304" cy="429260"/>
+            </a:xfrm>
+            <a:prstGeom prst="rect">
+              <a:avLst/>
+            </a:prstGeom>
+          </p:spPr>
+          <p:txBody>
+            <a:bodyPr wrap="square" lIns="121960" tIns="60980" rIns="121960" bIns="60980">
+              <a:spAutoFit/>
+            </a:bodyPr>
+            <a:lstStyle/>
+            <a:p>
+              <a:pPr>
+                <a:defRPr/>
+              </a:pPr>
+              <a:r>
+                <a:rPr lang="en-US" altLang="zh-CN" sz="2000" b="1" kern="100" dirty="0" smtClean="0">
+                  <a:solidFill>
+                    <a:schemeClr val="bg1"/>
+                  </a:solidFill>
+                  <a:latin typeface="微软雅黑" panose="020B0503020204020204" pitchFamily="34" charset="-122"/>
+                  <a:ea typeface="微软雅黑" panose="020B0503020204020204" pitchFamily="34" charset="-122"/>
+                  <a:cs typeface="Times New Roman" panose="02020603050405020304" pitchFamily="18" charset="0"/>
+                </a:rPr>
+                <a:t>UML</a:t>
+              </a:r>
+              <a:r>
+                <a:rPr lang="zh-CN" altLang="en-US" sz="2000" b="1" kern="100" dirty="0" smtClean="0">
+                  <a:solidFill>
+                    <a:schemeClr val="bg1"/>
+                  </a:solidFill>
+                  <a:latin typeface="微软雅黑" panose="020B0503020204020204" pitchFamily="34" charset="-122"/>
+                  <a:ea typeface="微软雅黑" panose="020B0503020204020204" pitchFamily="34" charset="-122"/>
+                  <a:cs typeface="Times New Roman" panose="02020603050405020304" pitchFamily="18" charset="0"/>
+                </a:rPr>
+                <a:t>的特点</a:t>
+              </a:r>
+              <a:endParaRPr lang="zh-CN" altLang="zh-CN" sz="2000" b="1" kern="100" dirty="0">
+                <a:solidFill>
+                  <a:schemeClr val="bg1"/>
+                </a:solidFill>
+                <a:latin typeface="微软雅黑" panose="020B0503020204020204" pitchFamily="34" charset="-122"/>
+                <a:ea typeface="微软雅黑" panose="020B0503020204020204" pitchFamily="34" charset="-122"/>
+                <a:cs typeface="Times New Roman" panose="02020603050405020304" pitchFamily="18" charset="0"/>
+              </a:endParaRPr>
+            </a:p>
+          </p:txBody>
+        </p:sp>
+      </p:grpSp>
+      <p:sp>
+        <p:nvSpPr>
+          <p:cNvPr id="36" name="矩形 35"/>
+          <p:cNvSpPr/>
+          <p:nvPr/>
+        </p:nvSpPr>
+        <p:spPr>
+          <a:xfrm>
+            <a:off x="-106934" y="0"/>
+            <a:ext cx="3469805" cy="6859587"/>
           </a:xfrm>
           <a:prstGeom prst="rect">
             <a:avLst/>
           </a:prstGeom>
           <a:solidFill>
-            <a:srgbClr val="183A5D"/>
+            <a:srgbClr val="38B1BF"/>
           </a:solidFill>
           <a:ln>
             <a:noFill/>
           </a:ln>
+          <a:effectLst>
+            <a:outerShdw blurRad="50800" dist="38100" dir="2700000" algn="tl" rotWithShape="0">
+              <a:prstClr val="black">
+                <a:alpha val="40000"/>
+              </a:prstClr>
+            </a:outerShdw>
+          </a:effectLst>
+          <a:scene3d>
+            <a:camera prst="orthographicFront"/>
+            <a:lightRig rig="threePt" dir="t"/>
+          </a:scene3d>
+          <a:sp3d/>
+        </p:spPr>
+        <p:style>
+          <a:lnRef idx="1">
+            <a:schemeClr val="accent1"/>
+          </a:lnRef>
+          <a:fillRef idx="0">
+            <a:schemeClr val="accent1"/>
+          </a:fillRef>
+          <a:effectRef idx="0">
+            <a:schemeClr val="accent1"/>
+          </a:effectRef>
+          <a:fontRef idx="minor">
+            <a:schemeClr val="tx1"/>
+          </a:fontRef>
+        </p:style>
+        <p:txBody>
+          <a:bodyPr rot="0" spcFirstLastPara="0" vertOverflow="overflow" horzOverflow="overflow" vert="horz" wrap="square" lIns="91440" tIns="45720" rIns="91440" bIns="45720" numCol="1" spcCol="0" rtlCol="0" fromWordArt="0" anchor="ctr" anchorCtr="0" forceAA="0" compatLnSpc="1">
+            <a:noAutofit/>
+          </a:bodyPr>
+          <a:lstStyle/>
+          <a:p>
+            <a:pPr algn="ctr"/>
+            <a:endParaRPr lang="zh-CN" altLang="en-US"/>
+          </a:p>
+        </p:txBody>
+      </p:sp>
+      <p:sp>
+        <p:nvSpPr>
+          <p:cNvPr id="37" name="TextBox 36"/>
+          <p:cNvSpPr txBox="1"/>
+          <p:nvPr/>
+        </p:nvSpPr>
+        <p:spPr>
+          <a:xfrm>
+            <a:off x="194519" y="2219567"/>
+            <a:ext cx="2808312" cy="614045"/>
+          </a:xfrm>
+          <a:prstGeom prst="rect">
+            <a:avLst/>
+          </a:prstGeom>
+          <a:noFill/>
+        </p:spPr>
+        <p:txBody>
+          <a:bodyPr wrap="square" lIns="121948" tIns="60973" rIns="121948" bIns="60973">
+            <a:spAutoFit/>
+          </a:bodyPr>
+          <a:lstStyle/>
+          <a:p>
+            <a:pPr algn="r">
+              <a:defRPr/>
+            </a:pPr>
+            <a:r>
+              <a:rPr lang="en-US" altLang="zh-CN" sz="3200" b="1" dirty="0" smtClean="0">
+                <a:solidFill>
+                  <a:schemeClr val="bg1"/>
+                </a:solidFill>
+                <a:latin typeface="微软雅黑" panose="020B0503020204020204" pitchFamily="34" charset="-122"/>
+                <a:ea typeface="微软雅黑" panose="020B0503020204020204" pitchFamily="34" charset="-122"/>
+              </a:rPr>
+              <a:t>UML</a:t>
+            </a:r>
+            <a:r>
+              <a:rPr lang="zh-CN" altLang="en-US" sz="3200" b="1" dirty="0" smtClean="0">
+                <a:solidFill>
+                  <a:schemeClr val="bg1"/>
+                </a:solidFill>
+                <a:latin typeface="微软雅黑" panose="020B0503020204020204" pitchFamily="34" charset="-122"/>
+                <a:ea typeface="微软雅黑" panose="020B0503020204020204" pitchFamily="34" charset="-122"/>
+              </a:rPr>
+              <a:t>概述</a:t>
+            </a:r>
+            <a:endParaRPr lang="zh-CN" sz="3200" b="1" dirty="0">
+              <a:solidFill>
+                <a:schemeClr val="bg1"/>
+              </a:solidFill>
+              <a:latin typeface="微软雅黑" panose="020B0503020204020204" pitchFamily="34" charset="-122"/>
+              <a:ea typeface="微软雅黑" panose="020B0503020204020204" pitchFamily="34" charset="-122"/>
+            </a:endParaRPr>
+          </a:p>
+        </p:txBody>
+      </p:sp>
+      <p:sp>
+        <p:nvSpPr>
+          <p:cNvPr id="38" name="下箭头 37"/>
+          <p:cNvSpPr/>
+          <p:nvPr/>
+        </p:nvSpPr>
+        <p:spPr>
+          <a:xfrm rot="16200000">
+            <a:off x="4259109" y="813888"/>
+            <a:ext cx="576064" cy="679828"/>
+          </a:xfrm>
+          <a:prstGeom prst="downArrow">
+            <a:avLst/>
+          </a:prstGeom>
+          <a:solidFill>
+            <a:schemeClr val="accent1"/>
+          </a:solidFill>
+          <a:ln>
+            <a:noFill/>
+          </a:ln>
+          <a:effectLst>
+            <a:outerShdw blurRad="50800" dist="38100" dir="2700000" algn="tl" rotWithShape="0">
+              <a:prstClr val="black">
+                <a:alpha val="40000"/>
+              </a:prstClr>
+            </a:outerShdw>
+          </a:effectLst>
         </p:spPr>
         <p:style>
           <a:lnRef idx="2">
@@ -2288,30 +2833,943 @@
           <a:lstStyle/>
           <a:p>
             <a:pPr algn="ctr"/>
-            <a:endParaRPr lang="zh-CN" altLang="en-US" sz="2800"/>
+            <a:endParaRPr lang="zh-CN" altLang="en-US"/>
           </a:p>
         </p:txBody>
       </p:sp>
+      <p:grpSp>
+        <p:nvGrpSpPr>
+          <p:cNvPr id="25" name="组合 24"/>
+          <p:cNvGrpSpPr/>
+          <p:nvPr/>
+        </p:nvGrpSpPr>
+        <p:grpSpPr>
+          <a:xfrm>
+            <a:off x="6295459" y="930330"/>
+            <a:ext cx="3744416" cy="511504"/>
+            <a:chOff x="6315199" y="2492728"/>
+            <a:chExt cx="3744416" cy="511504"/>
+          </a:xfrm>
+        </p:grpSpPr>
+        <p:sp>
+          <p:nvSpPr>
+            <p:cNvPr id="26" name="圆角矩形 25"/>
+            <p:cNvSpPr/>
+            <p:nvPr/>
+          </p:nvSpPr>
+          <p:spPr>
+            <a:xfrm>
+              <a:off x="6315199" y="2492728"/>
+              <a:ext cx="3744416" cy="511504"/>
+            </a:xfrm>
+            <a:prstGeom prst="roundRect">
+              <a:avLst/>
+            </a:prstGeom>
+            <a:solidFill>
+              <a:schemeClr val="accent1"/>
+            </a:solidFill>
+            <a:ln>
+              <a:noFill/>
+            </a:ln>
+            <a:effectLst>
+              <a:outerShdw blurRad="50800" dist="38100" dir="5400000" algn="t" rotWithShape="0">
+                <a:prstClr val="black">
+                  <a:alpha val="40000"/>
+                </a:prstClr>
+              </a:outerShdw>
+            </a:effectLst>
+          </p:spPr>
+          <p:style>
+            <a:lnRef idx="2">
+              <a:schemeClr val="accent1">
+                <a:shade val="50000"/>
+              </a:schemeClr>
+            </a:lnRef>
+            <a:fillRef idx="1">
+              <a:schemeClr val="accent1"/>
+            </a:fillRef>
+            <a:effectRef idx="0">
+              <a:schemeClr val="accent1"/>
+            </a:effectRef>
+            <a:fontRef idx="minor">
+              <a:schemeClr val="lt1"/>
+            </a:fontRef>
+          </p:style>
+          <p:txBody>
+            <a:bodyPr lIns="121960" tIns="60980" rIns="121960" bIns="60980" anchor="ctr"/>
+            <a:lstStyle/>
+            <a:p>
+              <a:pPr algn="ctr">
+                <a:defRPr/>
+              </a:pPr>
+              <a:endParaRPr lang="zh-CN" altLang="en-US" sz="3600" dirty="0">
+                <a:latin typeface="+mj-lt"/>
+                <a:ea typeface="Arial Unicode MS" panose="020B0604020202020204" pitchFamily="34" charset="-122"/>
+                <a:cs typeface="Arial Unicode MS" panose="020B0604020202020204" pitchFamily="34" charset="-122"/>
+              </a:endParaRPr>
+            </a:p>
+          </p:txBody>
+        </p:sp>
+        <p:sp>
+          <p:nvSpPr>
+            <p:cNvPr id="27" name="矩形 26"/>
+            <p:cNvSpPr/>
+            <p:nvPr/>
+          </p:nvSpPr>
+          <p:spPr>
+            <a:xfrm>
+              <a:off x="6681843" y="2493011"/>
+              <a:ext cx="2653074" cy="429260"/>
+            </a:xfrm>
+            <a:prstGeom prst="rect">
+              <a:avLst/>
+            </a:prstGeom>
+          </p:spPr>
+          <p:txBody>
+            <a:bodyPr wrap="square" lIns="121960" tIns="60980" rIns="121960" bIns="60980">
+              <a:spAutoFit/>
+            </a:bodyPr>
+            <a:lstStyle/>
+            <a:p>
+              <a:pPr>
+                <a:defRPr/>
+              </a:pPr>
+              <a:r>
+                <a:rPr lang="zh-CN" altLang="en-US" sz="2000" b="1" kern="100" dirty="0" smtClean="0">
+                  <a:solidFill>
+                    <a:schemeClr val="bg1"/>
+                  </a:solidFill>
+                  <a:latin typeface="微软雅黑" panose="020B0503020204020204" pitchFamily="34" charset="-122"/>
+                  <a:ea typeface="微软雅黑" panose="020B0503020204020204" pitchFamily="34" charset="-122"/>
+                  <a:cs typeface="Times New Roman" panose="02020603050405020304" pitchFamily="18" charset="0"/>
+                </a:rPr>
+                <a:t>什么是</a:t>
+              </a:r>
+              <a:r>
+                <a:rPr lang="en-US" altLang="zh-CN" sz="2000" b="1" kern="100" dirty="0" smtClean="0">
+                  <a:solidFill>
+                    <a:schemeClr val="bg1"/>
+                  </a:solidFill>
+                  <a:latin typeface="微软雅黑" panose="020B0503020204020204" pitchFamily="34" charset="-122"/>
+                  <a:ea typeface="微软雅黑" panose="020B0503020204020204" pitchFamily="34" charset="-122"/>
+                  <a:cs typeface="Times New Roman" panose="02020603050405020304" pitchFamily="18" charset="0"/>
+                </a:rPr>
+                <a:t>UM</a:t>
+              </a:r>
+              <a:r>
+                <a:rPr lang="en-US" altLang="zh-CN" sz="2000" b="1" kern="100" dirty="0">
+                  <a:solidFill>
+                    <a:schemeClr val="bg1"/>
+                  </a:solidFill>
+                  <a:latin typeface="微软雅黑" panose="020B0503020204020204" pitchFamily="34" charset="-122"/>
+                  <a:ea typeface="微软雅黑" panose="020B0503020204020204" pitchFamily="34" charset="-122"/>
+                  <a:cs typeface="Times New Roman" panose="02020603050405020304" pitchFamily="18" charset="0"/>
+                </a:rPr>
+                <a:t>L</a:t>
+              </a:r>
+              <a:endParaRPr lang="zh-CN" altLang="zh-CN" sz="2000" b="1" kern="100" dirty="0">
+                <a:solidFill>
+                  <a:schemeClr val="bg1"/>
+                </a:solidFill>
+                <a:latin typeface="微软雅黑" panose="020B0503020204020204" pitchFamily="34" charset="-122"/>
+                <a:ea typeface="微软雅黑" panose="020B0503020204020204" pitchFamily="34" charset="-122"/>
+                <a:cs typeface="Times New Roman" panose="02020603050405020304" pitchFamily="18" charset="0"/>
+              </a:endParaRPr>
+            </a:p>
+          </p:txBody>
+        </p:sp>
+      </p:grpSp>
+      <p:grpSp>
+        <p:nvGrpSpPr>
+          <p:cNvPr id="32" name="组合 31"/>
+          <p:cNvGrpSpPr/>
+          <p:nvPr/>
+        </p:nvGrpSpPr>
+        <p:grpSpPr>
+          <a:xfrm>
+            <a:off x="6335357" y="3295200"/>
+            <a:ext cx="3744416" cy="511504"/>
+            <a:chOff x="6339097" y="4180903"/>
+            <a:chExt cx="3744416" cy="511504"/>
+          </a:xfrm>
+        </p:grpSpPr>
+        <p:sp>
+          <p:nvSpPr>
+            <p:cNvPr id="33" name="圆角矩形 32"/>
+            <p:cNvSpPr/>
+            <p:nvPr/>
+          </p:nvSpPr>
+          <p:spPr>
+            <a:xfrm>
+              <a:off x="6339097" y="4180903"/>
+              <a:ext cx="3744416" cy="511504"/>
+            </a:xfrm>
+            <a:prstGeom prst="roundRect">
+              <a:avLst/>
+            </a:prstGeom>
+            <a:solidFill>
+              <a:schemeClr val="accent1"/>
+            </a:solidFill>
+            <a:ln>
+              <a:noFill/>
+            </a:ln>
+            <a:effectLst>
+              <a:outerShdw blurRad="50800" dist="38100" dir="5400000" algn="t" rotWithShape="0">
+                <a:prstClr val="black">
+                  <a:alpha val="40000"/>
+                </a:prstClr>
+              </a:outerShdw>
+            </a:effectLst>
+          </p:spPr>
+          <p:style>
+            <a:lnRef idx="2">
+              <a:schemeClr val="accent1">
+                <a:shade val="50000"/>
+              </a:schemeClr>
+            </a:lnRef>
+            <a:fillRef idx="1">
+              <a:schemeClr val="accent1"/>
+            </a:fillRef>
+            <a:effectRef idx="0">
+              <a:schemeClr val="accent1"/>
+            </a:effectRef>
+            <a:fontRef idx="minor">
+              <a:schemeClr val="lt1"/>
+            </a:fontRef>
+          </p:style>
+          <p:txBody>
+            <a:bodyPr lIns="121960" tIns="60980" rIns="121960" bIns="60980" anchor="ctr"/>
+            <a:lstStyle/>
+            <a:p>
+              <a:pPr algn="ctr">
+                <a:defRPr/>
+              </a:pPr>
+              <a:endParaRPr lang="zh-CN" altLang="en-US" sz="3600" dirty="0">
+                <a:latin typeface="+mj-lt"/>
+                <a:ea typeface="Arial Unicode MS" panose="020B0604020202020204" pitchFamily="34" charset="-122"/>
+                <a:cs typeface="Arial Unicode MS" panose="020B0604020202020204" pitchFamily="34" charset="-122"/>
+              </a:endParaRPr>
+            </a:p>
+          </p:txBody>
+        </p:sp>
+        <p:sp>
+          <p:nvSpPr>
+            <p:cNvPr id="34" name="矩形 33"/>
+            <p:cNvSpPr/>
+            <p:nvPr/>
+          </p:nvSpPr>
+          <p:spPr>
+            <a:xfrm>
+              <a:off x="6682074" y="4221882"/>
+              <a:ext cx="2736304" cy="429260"/>
+            </a:xfrm>
+            <a:prstGeom prst="rect">
+              <a:avLst/>
+            </a:prstGeom>
+          </p:spPr>
+          <p:txBody>
+            <a:bodyPr wrap="square" lIns="121960" tIns="60980" rIns="121960" bIns="60980">
+              <a:spAutoFit/>
+            </a:bodyPr>
+            <a:lstStyle/>
+            <a:p>
+              <a:pPr>
+                <a:defRPr/>
+              </a:pPr>
+              <a:r>
+                <a:rPr lang="en-US" altLang="zh-CN" sz="2000" b="1" kern="100" dirty="0" smtClean="0">
+                  <a:solidFill>
+                    <a:schemeClr val="bg1"/>
+                  </a:solidFill>
+                  <a:latin typeface="微软雅黑" panose="020B0503020204020204" pitchFamily="34" charset="-122"/>
+                  <a:ea typeface="微软雅黑" panose="020B0503020204020204" pitchFamily="34" charset="-122"/>
+                  <a:cs typeface="Times New Roman" panose="02020603050405020304" pitchFamily="18" charset="0"/>
+                </a:rPr>
+                <a:t>UML</a:t>
+              </a:r>
+              <a:r>
+                <a:rPr lang="zh-CN" altLang="en-US" sz="2000" b="1" kern="100" dirty="0" smtClean="0">
+                  <a:solidFill>
+                    <a:schemeClr val="bg1"/>
+                  </a:solidFill>
+                  <a:latin typeface="微软雅黑" panose="020B0503020204020204" pitchFamily="34" charset="-122"/>
+                  <a:ea typeface="微软雅黑" panose="020B0503020204020204" pitchFamily="34" charset="-122"/>
+                  <a:cs typeface="Times New Roman" panose="02020603050405020304" pitchFamily="18" charset="0"/>
+                </a:rPr>
+                <a:t>的结构</a:t>
+              </a:r>
+              <a:endParaRPr lang="zh-CN" altLang="zh-CN" sz="2000" b="1" kern="100" dirty="0">
+                <a:solidFill>
+                  <a:schemeClr val="bg1"/>
+                </a:solidFill>
+                <a:latin typeface="微软雅黑" panose="020B0503020204020204" pitchFamily="34" charset="-122"/>
+                <a:ea typeface="微软雅黑" panose="020B0503020204020204" pitchFamily="34" charset="-122"/>
+                <a:cs typeface="Times New Roman" panose="02020603050405020304" pitchFamily="18" charset="0"/>
+              </a:endParaRPr>
+            </a:p>
+          </p:txBody>
+        </p:sp>
+      </p:grpSp>
+      <p:grpSp>
+        <p:nvGrpSpPr>
+          <p:cNvPr id="40" name="组合 39"/>
+          <p:cNvGrpSpPr/>
+          <p:nvPr/>
+        </p:nvGrpSpPr>
+        <p:grpSpPr>
+          <a:xfrm>
+            <a:off x="6363498" y="4041322"/>
+            <a:ext cx="3744416" cy="511504"/>
+            <a:chOff x="6339097" y="4180903"/>
+            <a:chExt cx="3744416" cy="511504"/>
+          </a:xfrm>
+        </p:grpSpPr>
+        <p:sp>
+          <p:nvSpPr>
+            <p:cNvPr id="41" name="圆角矩形 40"/>
+            <p:cNvSpPr/>
+            <p:nvPr/>
+          </p:nvSpPr>
+          <p:spPr>
+            <a:xfrm>
+              <a:off x="6339097" y="4180903"/>
+              <a:ext cx="3744416" cy="511504"/>
+            </a:xfrm>
+            <a:prstGeom prst="roundRect">
+              <a:avLst/>
+            </a:prstGeom>
+            <a:solidFill>
+              <a:schemeClr val="accent1"/>
+            </a:solidFill>
+            <a:ln>
+              <a:noFill/>
+            </a:ln>
+            <a:effectLst>
+              <a:outerShdw blurRad="50800" dist="38100" dir="5400000" algn="t" rotWithShape="0">
+                <a:prstClr val="black">
+                  <a:alpha val="40000"/>
+                </a:prstClr>
+              </a:outerShdw>
+            </a:effectLst>
+          </p:spPr>
+          <p:style>
+            <a:lnRef idx="2">
+              <a:schemeClr val="accent1">
+                <a:shade val="50000"/>
+              </a:schemeClr>
+            </a:lnRef>
+            <a:fillRef idx="1">
+              <a:schemeClr val="accent1"/>
+            </a:fillRef>
+            <a:effectRef idx="0">
+              <a:schemeClr val="accent1"/>
+            </a:effectRef>
+            <a:fontRef idx="minor">
+              <a:schemeClr val="lt1"/>
+            </a:fontRef>
+          </p:style>
+          <p:txBody>
+            <a:bodyPr lIns="121960" tIns="60980" rIns="121960" bIns="60980" anchor="ctr"/>
+            <a:lstStyle/>
+            <a:p>
+              <a:pPr algn="ctr">
+                <a:defRPr/>
+              </a:pPr>
+              <a:endParaRPr lang="zh-CN" altLang="en-US" sz="3600" dirty="0">
+                <a:latin typeface="+mj-lt"/>
+                <a:ea typeface="Arial Unicode MS" panose="020B0604020202020204" pitchFamily="34" charset="-122"/>
+                <a:cs typeface="Arial Unicode MS" panose="020B0604020202020204" pitchFamily="34" charset="-122"/>
+              </a:endParaRPr>
+            </a:p>
+          </p:txBody>
+        </p:sp>
+        <p:sp>
+          <p:nvSpPr>
+            <p:cNvPr id="42" name="矩形 41"/>
+            <p:cNvSpPr/>
+            <p:nvPr/>
+          </p:nvSpPr>
+          <p:spPr>
+            <a:xfrm>
+              <a:off x="6682074" y="4221882"/>
+              <a:ext cx="2736304" cy="429260"/>
+            </a:xfrm>
+            <a:prstGeom prst="rect">
+              <a:avLst/>
+            </a:prstGeom>
+          </p:spPr>
+          <p:txBody>
+            <a:bodyPr wrap="square" lIns="121960" tIns="60980" rIns="121960" bIns="60980">
+              <a:spAutoFit/>
+            </a:bodyPr>
+            <a:lstStyle/>
+            <a:p>
+              <a:pPr>
+                <a:defRPr/>
+              </a:pPr>
+              <a:r>
+                <a:rPr lang="en-US" altLang="zh-CN" sz="2000" b="1" kern="100" dirty="0" smtClean="0">
+                  <a:solidFill>
+                    <a:schemeClr val="bg1"/>
+                  </a:solidFill>
+                  <a:latin typeface="微软雅黑" panose="020B0503020204020204" pitchFamily="34" charset="-122"/>
+                  <a:ea typeface="微软雅黑" panose="020B0503020204020204" pitchFamily="34" charset="-122"/>
+                  <a:cs typeface="Times New Roman" panose="02020603050405020304" pitchFamily="18" charset="0"/>
+                </a:rPr>
+                <a:t>UML</a:t>
+              </a:r>
+              <a:r>
+                <a:rPr lang="zh-CN" altLang="en-US" sz="2000" b="1" kern="100" dirty="0" smtClean="0">
+                  <a:solidFill>
+                    <a:schemeClr val="bg1"/>
+                  </a:solidFill>
+                  <a:latin typeface="微软雅黑" panose="020B0503020204020204" pitchFamily="34" charset="-122"/>
+                  <a:ea typeface="微软雅黑" panose="020B0503020204020204" pitchFamily="34" charset="-122"/>
+                  <a:cs typeface="Times New Roman" panose="02020603050405020304" pitchFamily="18" charset="0"/>
+                </a:rPr>
+                <a:t>的视图</a:t>
+              </a:r>
+              <a:endParaRPr lang="zh-CN" altLang="zh-CN" sz="2000" b="1" kern="100" dirty="0">
+                <a:solidFill>
+                  <a:schemeClr val="bg1"/>
+                </a:solidFill>
+                <a:latin typeface="微软雅黑" panose="020B0503020204020204" pitchFamily="34" charset="-122"/>
+                <a:ea typeface="微软雅黑" panose="020B0503020204020204" pitchFamily="34" charset="-122"/>
+                <a:cs typeface="Times New Roman" panose="02020603050405020304" pitchFamily="18" charset="0"/>
+              </a:endParaRPr>
+            </a:p>
+          </p:txBody>
+        </p:sp>
+      </p:grpSp>
+      <p:grpSp>
+        <p:nvGrpSpPr>
+          <p:cNvPr id="43" name="组合 42"/>
+          <p:cNvGrpSpPr/>
+          <p:nvPr/>
+        </p:nvGrpSpPr>
+        <p:grpSpPr>
+          <a:xfrm>
+            <a:off x="6363498" y="4740676"/>
+            <a:ext cx="3744416" cy="542247"/>
+            <a:chOff x="6329397" y="4108895"/>
+            <a:chExt cx="3744416" cy="542247"/>
+          </a:xfrm>
+        </p:grpSpPr>
+        <p:sp>
+          <p:nvSpPr>
+            <p:cNvPr id="44" name="圆角矩形 43"/>
+            <p:cNvSpPr/>
+            <p:nvPr/>
+          </p:nvSpPr>
+          <p:spPr>
+            <a:xfrm>
+              <a:off x="6329397" y="4108895"/>
+              <a:ext cx="3744416" cy="511504"/>
+            </a:xfrm>
+            <a:prstGeom prst="roundRect">
+              <a:avLst/>
+            </a:prstGeom>
+            <a:solidFill>
+              <a:schemeClr val="accent1"/>
+            </a:solidFill>
+            <a:ln>
+              <a:noFill/>
+            </a:ln>
+            <a:effectLst>
+              <a:outerShdw blurRad="50800" dist="38100" dir="5400000" algn="t" rotWithShape="0">
+                <a:prstClr val="black">
+                  <a:alpha val="40000"/>
+                </a:prstClr>
+              </a:outerShdw>
+            </a:effectLst>
+          </p:spPr>
+          <p:style>
+            <a:lnRef idx="2">
+              <a:schemeClr val="accent1">
+                <a:shade val="50000"/>
+              </a:schemeClr>
+            </a:lnRef>
+            <a:fillRef idx="1">
+              <a:schemeClr val="accent1"/>
+            </a:fillRef>
+            <a:effectRef idx="0">
+              <a:schemeClr val="accent1"/>
+            </a:effectRef>
+            <a:fontRef idx="minor">
+              <a:schemeClr val="lt1"/>
+            </a:fontRef>
+          </p:style>
+          <p:txBody>
+            <a:bodyPr lIns="121960" tIns="60980" rIns="121960" bIns="60980" anchor="ctr"/>
+            <a:lstStyle/>
+            <a:p>
+              <a:pPr algn="ctr">
+                <a:defRPr/>
+              </a:pPr>
+              <a:endParaRPr lang="zh-CN" altLang="en-US" sz="3600" dirty="0">
+                <a:latin typeface="+mj-lt"/>
+                <a:ea typeface="Arial Unicode MS" panose="020B0604020202020204" pitchFamily="34" charset="-122"/>
+                <a:cs typeface="Arial Unicode MS" panose="020B0604020202020204" pitchFamily="34" charset="-122"/>
+              </a:endParaRPr>
+            </a:p>
+          </p:txBody>
+        </p:sp>
+        <p:sp>
+          <p:nvSpPr>
+            <p:cNvPr id="45" name="矩形 44"/>
+            <p:cNvSpPr/>
+            <p:nvPr/>
+          </p:nvSpPr>
+          <p:spPr>
+            <a:xfrm>
+              <a:off x="6682074" y="4221882"/>
+              <a:ext cx="2736304" cy="429260"/>
+            </a:xfrm>
+            <a:prstGeom prst="rect">
+              <a:avLst/>
+            </a:prstGeom>
+          </p:spPr>
+          <p:txBody>
+            <a:bodyPr wrap="square" lIns="121960" tIns="60980" rIns="121960" bIns="60980">
+              <a:spAutoFit/>
+            </a:bodyPr>
+            <a:lstStyle/>
+            <a:p>
+              <a:pPr>
+                <a:defRPr/>
+              </a:pPr>
+              <a:r>
+                <a:rPr lang="en-US" altLang="zh-CN" sz="2000" b="1" kern="100" dirty="0" smtClean="0">
+                  <a:solidFill>
+                    <a:schemeClr val="bg1"/>
+                  </a:solidFill>
+                  <a:latin typeface="微软雅黑" panose="020B0503020204020204" pitchFamily="34" charset="-122"/>
+                  <a:ea typeface="微软雅黑" panose="020B0503020204020204" pitchFamily="34" charset="-122"/>
+                  <a:cs typeface="Times New Roman" panose="02020603050405020304" pitchFamily="18" charset="0"/>
+                </a:rPr>
+                <a:t>UML</a:t>
+              </a:r>
+              <a:r>
+                <a:rPr lang="zh-CN" altLang="en-US" sz="2000" b="1" kern="100" dirty="0" smtClean="0">
+                  <a:solidFill>
+                    <a:schemeClr val="bg1"/>
+                  </a:solidFill>
+                  <a:latin typeface="微软雅黑" panose="020B0503020204020204" pitchFamily="34" charset="-122"/>
+                  <a:ea typeface="微软雅黑" panose="020B0503020204020204" pitchFamily="34" charset="-122"/>
+                  <a:cs typeface="Times New Roman" panose="02020603050405020304" pitchFamily="18" charset="0"/>
+                </a:rPr>
+                <a:t>的图</a:t>
+              </a:r>
+              <a:endParaRPr lang="zh-CN" altLang="zh-CN" sz="2000" b="1" kern="100" dirty="0">
+                <a:solidFill>
+                  <a:schemeClr val="bg1"/>
+                </a:solidFill>
+                <a:latin typeface="微软雅黑" panose="020B0503020204020204" pitchFamily="34" charset="-122"/>
+                <a:ea typeface="微软雅黑" panose="020B0503020204020204" pitchFamily="34" charset="-122"/>
+                <a:cs typeface="Times New Roman" panose="02020603050405020304" pitchFamily="18" charset="0"/>
+              </a:endParaRPr>
+            </a:p>
+          </p:txBody>
+        </p:sp>
+      </p:grpSp>
+      <p:grpSp>
+        <p:nvGrpSpPr>
+          <p:cNvPr id="48" name="组合 47"/>
+          <p:cNvGrpSpPr/>
+          <p:nvPr/>
+        </p:nvGrpSpPr>
+        <p:grpSpPr>
+          <a:xfrm>
+            <a:off x="6373793" y="5462369"/>
+            <a:ext cx="3744416" cy="511504"/>
+            <a:chOff x="6339097" y="4180903"/>
+            <a:chExt cx="3744416" cy="511504"/>
+          </a:xfrm>
+        </p:grpSpPr>
+        <p:sp>
+          <p:nvSpPr>
+            <p:cNvPr id="49" name="圆角矩形 48"/>
+            <p:cNvSpPr/>
+            <p:nvPr/>
+          </p:nvSpPr>
+          <p:spPr>
+            <a:xfrm>
+              <a:off x="6339097" y="4180903"/>
+              <a:ext cx="3744416" cy="511504"/>
+            </a:xfrm>
+            <a:prstGeom prst="roundRect">
+              <a:avLst/>
+            </a:prstGeom>
+            <a:solidFill>
+              <a:schemeClr val="accent1"/>
+            </a:solidFill>
+            <a:ln>
+              <a:noFill/>
+            </a:ln>
+            <a:effectLst>
+              <a:outerShdw blurRad="50800" dist="38100" dir="5400000" algn="t" rotWithShape="0">
+                <a:prstClr val="black">
+                  <a:alpha val="40000"/>
+                </a:prstClr>
+              </a:outerShdw>
+            </a:effectLst>
+          </p:spPr>
+          <p:style>
+            <a:lnRef idx="2">
+              <a:schemeClr val="accent1">
+                <a:shade val="50000"/>
+              </a:schemeClr>
+            </a:lnRef>
+            <a:fillRef idx="1">
+              <a:schemeClr val="accent1"/>
+            </a:fillRef>
+            <a:effectRef idx="0">
+              <a:schemeClr val="accent1"/>
+            </a:effectRef>
+            <a:fontRef idx="minor">
+              <a:schemeClr val="lt1"/>
+            </a:fontRef>
+          </p:style>
+          <p:txBody>
+            <a:bodyPr lIns="121960" tIns="60980" rIns="121960" bIns="60980" anchor="ctr"/>
+            <a:lstStyle/>
+            <a:p>
+              <a:pPr algn="ctr">
+                <a:defRPr/>
+              </a:pPr>
+              <a:endParaRPr lang="zh-CN" altLang="en-US" sz="3600" dirty="0">
+                <a:latin typeface="+mj-lt"/>
+                <a:ea typeface="Arial Unicode MS" panose="020B0604020202020204" pitchFamily="34" charset="-122"/>
+                <a:cs typeface="Arial Unicode MS" panose="020B0604020202020204" pitchFamily="34" charset="-122"/>
+              </a:endParaRPr>
+            </a:p>
+          </p:txBody>
+        </p:sp>
+        <p:sp>
+          <p:nvSpPr>
+            <p:cNvPr id="50" name="矩形 49"/>
+            <p:cNvSpPr/>
+            <p:nvPr/>
+          </p:nvSpPr>
+          <p:spPr>
+            <a:xfrm>
+              <a:off x="6682074" y="4221882"/>
+              <a:ext cx="2736304" cy="429260"/>
+            </a:xfrm>
+            <a:prstGeom prst="rect">
+              <a:avLst/>
+            </a:prstGeom>
+          </p:spPr>
+          <p:txBody>
+            <a:bodyPr wrap="square" lIns="121960" tIns="60980" rIns="121960" bIns="60980">
+              <a:spAutoFit/>
+            </a:bodyPr>
+            <a:lstStyle/>
+            <a:p>
+              <a:pPr>
+                <a:defRPr/>
+              </a:pPr>
+              <a:r>
+                <a:rPr lang="en-US" altLang="zh-CN" sz="2000" b="1" kern="100" dirty="0" smtClean="0">
+                  <a:solidFill>
+                    <a:schemeClr val="bg1"/>
+                  </a:solidFill>
+                  <a:latin typeface="微软雅黑" panose="020B0503020204020204" pitchFamily="34" charset="-122"/>
+                  <a:ea typeface="微软雅黑" panose="020B0503020204020204" pitchFamily="34" charset="-122"/>
+                  <a:cs typeface="Times New Roman" panose="02020603050405020304" pitchFamily="18" charset="0"/>
+                </a:rPr>
+                <a:t>UML2.0</a:t>
+              </a:r>
+              <a:r>
+                <a:rPr lang="zh-CN" altLang="en-US" sz="2000" b="1" kern="100" dirty="0" smtClean="0">
+                  <a:solidFill>
+                    <a:schemeClr val="bg1"/>
+                  </a:solidFill>
+                  <a:latin typeface="微软雅黑" panose="020B0503020204020204" pitchFamily="34" charset="-122"/>
+                  <a:ea typeface="微软雅黑" panose="020B0503020204020204" pitchFamily="34" charset="-122"/>
+                  <a:cs typeface="Times New Roman" panose="02020603050405020304" pitchFamily="18" charset="0"/>
+                </a:rPr>
+                <a:t>的新特征</a:t>
+              </a:r>
+              <a:endParaRPr lang="zh-CN" altLang="zh-CN" sz="2000" b="1" kern="100" dirty="0">
+                <a:solidFill>
+                  <a:schemeClr val="bg1"/>
+                </a:solidFill>
+                <a:latin typeface="微软雅黑" panose="020B0503020204020204" pitchFamily="34" charset="-122"/>
+                <a:ea typeface="微软雅黑" panose="020B0503020204020204" pitchFamily="34" charset="-122"/>
+                <a:cs typeface="Times New Roman" panose="02020603050405020304" pitchFamily="18" charset="0"/>
+              </a:endParaRPr>
+            </a:p>
+          </p:txBody>
+        </p:sp>
+      </p:grpSp>
+      <p:grpSp>
+        <p:nvGrpSpPr>
+          <p:cNvPr id="51" name="组合 50"/>
+          <p:cNvGrpSpPr/>
+          <p:nvPr/>
+        </p:nvGrpSpPr>
+        <p:grpSpPr>
+          <a:xfrm>
+            <a:off x="6365114" y="6166098"/>
+            <a:ext cx="3744416" cy="511504"/>
+            <a:chOff x="6339097" y="4180903"/>
+            <a:chExt cx="3744416" cy="511504"/>
+          </a:xfrm>
+        </p:grpSpPr>
+        <p:sp>
+          <p:nvSpPr>
+            <p:cNvPr id="52" name="圆角矩形 51"/>
+            <p:cNvSpPr/>
+            <p:nvPr/>
+          </p:nvSpPr>
+          <p:spPr>
+            <a:xfrm>
+              <a:off x="6339097" y="4180903"/>
+              <a:ext cx="3744416" cy="511504"/>
+            </a:xfrm>
+            <a:prstGeom prst="roundRect">
+              <a:avLst/>
+            </a:prstGeom>
+            <a:solidFill>
+              <a:schemeClr val="accent1"/>
+            </a:solidFill>
+            <a:ln>
+              <a:noFill/>
+            </a:ln>
+            <a:effectLst>
+              <a:outerShdw blurRad="50800" dist="38100" dir="5400000" algn="t" rotWithShape="0">
+                <a:prstClr val="black">
+                  <a:alpha val="40000"/>
+                </a:prstClr>
+              </a:outerShdw>
+            </a:effectLst>
+          </p:spPr>
+          <p:style>
+            <a:lnRef idx="2">
+              <a:schemeClr val="accent1">
+                <a:shade val="50000"/>
+              </a:schemeClr>
+            </a:lnRef>
+            <a:fillRef idx="1">
+              <a:schemeClr val="accent1"/>
+            </a:fillRef>
+            <a:effectRef idx="0">
+              <a:schemeClr val="accent1"/>
+            </a:effectRef>
+            <a:fontRef idx="minor">
+              <a:schemeClr val="lt1"/>
+            </a:fontRef>
+          </p:style>
+          <p:txBody>
+            <a:bodyPr lIns="121960" tIns="60980" rIns="121960" bIns="60980" anchor="ctr"/>
+            <a:lstStyle/>
+            <a:p>
+              <a:pPr algn="ctr">
+                <a:defRPr/>
+              </a:pPr>
+              <a:endParaRPr lang="zh-CN" altLang="en-US" sz="3600" dirty="0">
+                <a:latin typeface="+mj-lt"/>
+                <a:ea typeface="Arial Unicode MS" panose="020B0604020202020204" pitchFamily="34" charset="-122"/>
+                <a:cs typeface="Arial Unicode MS" panose="020B0604020202020204" pitchFamily="34" charset="-122"/>
+              </a:endParaRPr>
+            </a:p>
+          </p:txBody>
+        </p:sp>
+        <p:sp>
+          <p:nvSpPr>
+            <p:cNvPr id="53" name="矩形 52"/>
+            <p:cNvSpPr/>
+            <p:nvPr/>
+          </p:nvSpPr>
+          <p:spPr>
+            <a:xfrm>
+              <a:off x="6682074" y="4221882"/>
+              <a:ext cx="2736304" cy="429260"/>
+            </a:xfrm>
+            <a:prstGeom prst="rect">
+              <a:avLst/>
+            </a:prstGeom>
+          </p:spPr>
+          <p:txBody>
+            <a:bodyPr wrap="square" lIns="121960" tIns="60980" rIns="121960" bIns="60980">
+              <a:spAutoFit/>
+            </a:bodyPr>
+            <a:lstStyle/>
+            <a:p>
+              <a:pPr>
+                <a:defRPr/>
+              </a:pPr>
+              <a:r>
+                <a:rPr lang="zh-CN" altLang="en-US" sz="2000" b="1" kern="100" dirty="0" smtClean="0">
+                  <a:solidFill>
+                    <a:schemeClr val="bg1"/>
+                  </a:solidFill>
+                  <a:latin typeface="微软雅黑" panose="020B0503020204020204" pitchFamily="34" charset="-122"/>
+                  <a:ea typeface="微软雅黑" panose="020B0503020204020204" pitchFamily="34" charset="-122"/>
+                  <a:cs typeface="Times New Roman" panose="02020603050405020304" pitchFamily="18" charset="0"/>
+                </a:rPr>
+                <a:t>系统开发阶段</a:t>
+              </a:r>
+              <a:endParaRPr lang="zh-CN" altLang="zh-CN" sz="2000" b="1" kern="100" dirty="0">
+                <a:solidFill>
+                  <a:schemeClr val="bg1"/>
+                </a:solidFill>
+                <a:latin typeface="微软雅黑" panose="020B0503020204020204" pitchFamily="34" charset="-122"/>
+                <a:ea typeface="微软雅黑" panose="020B0503020204020204" pitchFamily="34" charset="-122"/>
+                <a:cs typeface="Times New Roman" panose="02020603050405020304" pitchFamily="18" charset="0"/>
+              </a:endParaRPr>
+            </a:p>
+          </p:txBody>
+        </p:sp>
+      </p:grpSp>
+      <p:grpSp>
+        <p:nvGrpSpPr>
+          <p:cNvPr id="54" name="组合 53"/>
+          <p:cNvGrpSpPr/>
+          <p:nvPr/>
+        </p:nvGrpSpPr>
+        <p:grpSpPr>
+          <a:xfrm>
+            <a:off x="5087094" y="117426"/>
+            <a:ext cx="3744416" cy="511504"/>
+            <a:chOff x="6315199" y="2492728"/>
+            <a:chExt cx="3744416" cy="511504"/>
+          </a:xfrm>
+        </p:grpSpPr>
+        <p:sp>
+          <p:nvSpPr>
+            <p:cNvPr id="55" name="圆角矩形 54"/>
+            <p:cNvSpPr/>
+            <p:nvPr/>
+          </p:nvSpPr>
+          <p:spPr>
+            <a:xfrm>
+              <a:off x="6315199" y="2492728"/>
+              <a:ext cx="3744416" cy="511504"/>
+            </a:xfrm>
+            <a:prstGeom prst="roundRect">
+              <a:avLst/>
+            </a:prstGeom>
+            <a:solidFill>
+              <a:schemeClr val="accent1"/>
+            </a:solidFill>
+            <a:ln>
+              <a:noFill/>
+            </a:ln>
+            <a:effectLst>
+              <a:outerShdw blurRad="50800" dist="38100" dir="5400000" algn="t" rotWithShape="0">
+                <a:prstClr val="black">
+                  <a:alpha val="40000"/>
+                </a:prstClr>
+              </a:outerShdw>
+            </a:effectLst>
+          </p:spPr>
+          <p:style>
+            <a:lnRef idx="2">
+              <a:schemeClr val="accent1">
+                <a:shade val="50000"/>
+              </a:schemeClr>
+            </a:lnRef>
+            <a:fillRef idx="1">
+              <a:schemeClr val="accent1"/>
+            </a:fillRef>
+            <a:effectRef idx="0">
+              <a:schemeClr val="accent1"/>
+            </a:effectRef>
+            <a:fontRef idx="minor">
+              <a:schemeClr val="lt1"/>
+            </a:fontRef>
+          </p:style>
+          <p:txBody>
+            <a:bodyPr lIns="121960" tIns="60980" rIns="121960" bIns="60980" anchor="ctr"/>
+            <a:lstStyle/>
+            <a:p>
+              <a:pPr algn="ctr">
+                <a:defRPr/>
+              </a:pPr>
+              <a:endParaRPr lang="zh-CN" altLang="en-US" sz="3600" dirty="0">
+                <a:latin typeface="+mj-lt"/>
+                <a:ea typeface="Arial Unicode MS" panose="020B0604020202020204" pitchFamily="34" charset="-122"/>
+                <a:cs typeface="Arial Unicode MS" panose="020B0604020202020204" pitchFamily="34" charset="-122"/>
+              </a:endParaRPr>
+            </a:p>
+          </p:txBody>
+        </p:sp>
+        <p:sp>
+          <p:nvSpPr>
+            <p:cNvPr id="56" name="矩形 55"/>
+            <p:cNvSpPr/>
+            <p:nvPr/>
+          </p:nvSpPr>
+          <p:spPr>
+            <a:xfrm>
+              <a:off x="6681843" y="2493011"/>
+              <a:ext cx="2653074" cy="429260"/>
+            </a:xfrm>
+            <a:prstGeom prst="rect">
+              <a:avLst/>
+            </a:prstGeom>
+          </p:spPr>
+          <p:txBody>
+            <a:bodyPr wrap="square" lIns="121960" tIns="60980" rIns="121960" bIns="60980">
+              <a:spAutoFit/>
+            </a:bodyPr>
+            <a:lstStyle/>
+            <a:p>
+              <a:pPr algn="ctr">
+                <a:defRPr/>
+              </a:pPr>
+              <a:r>
+                <a:rPr lang="zh-CN" altLang="en-US" sz="2000" b="1" kern="100" dirty="0">
+                  <a:solidFill>
+                    <a:schemeClr val="bg1"/>
+                  </a:solidFill>
+                  <a:latin typeface="微软雅黑" panose="020B0503020204020204" pitchFamily="34" charset="-122"/>
+                  <a:ea typeface="微软雅黑" panose="020B0503020204020204" pitchFamily="34" charset="-122"/>
+                  <a:cs typeface="Times New Roman" panose="02020603050405020304" pitchFamily="18" charset="0"/>
+                </a:rPr>
+                <a:t>目录</a:t>
+              </a:r>
+              <a:endParaRPr lang="zh-CN" altLang="zh-CN" sz="2000" b="1" kern="100" dirty="0">
+                <a:solidFill>
+                  <a:schemeClr val="bg1"/>
+                </a:solidFill>
+                <a:latin typeface="微软雅黑" panose="020B0503020204020204" pitchFamily="34" charset="-122"/>
+                <a:ea typeface="微软雅黑" panose="020B0503020204020204" pitchFamily="34" charset="-122"/>
+                <a:cs typeface="Times New Roman" panose="02020603050405020304" pitchFamily="18" charset="0"/>
+              </a:endParaRPr>
+            </a:p>
+          </p:txBody>
+        </p:sp>
+      </p:grpSp>
       <p:sp>
         <p:nvSpPr>
-          <p:cNvPr id="3" name="矩形 2"/>
+          <p:cNvPr id="57" name="圆角矩形 56"/>
           <p:cNvSpPr/>
           <p:nvPr/>
         </p:nvSpPr>
         <p:spPr>
           <a:xfrm>
-            <a:off x="237030" y="255131"/>
-            <a:ext cx="1608415" cy="406336"/>
+            <a:off x="5164674" y="1728632"/>
+            <a:ext cx="801956" cy="511504"/>
           </a:xfrm>
-          <a:prstGeom prst="rect">
+          <a:prstGeom prst="roundRect">
             <a:avLst/>
           </a:prstGeom>
           <a:solidFill>
-            <a:srgbClr val="183A5D"/>
+            <a:schemeClr val="accent1"/>
           </a:solidFill>
           <a:ln>
             <a:noFill/>
           </a:ln>
+          <a:effectLst>
+            <a:outerShdw blurRad="50800" dist="38100" dir="5400000" algn="t" rotWithShape="0">
+              <a:prstClr val="black">
+                <a:alpha val="40000"/>
+              </a:prstClr>
+            </a:outerShdw>
+          </a:effectLst>
         </p:spPr>
         <p:style>
           <a:lnRef idx="2">
@@ -2330,168 +3788,427 @@
           </a:fontRef>
         </p:style>
         <p:txBody>
-          <a:bodyPr rtlCol="0" anchor="ctr"/>
+          <a:bodyPr lIns="121960" tIns="60980" rIns="121960" bIns="60980" anchor="ctr"/>
           <a:lstStyle/>
           <a:p>
-            <a:pPr algn="ctr"/>
-            <a:r>
-              <a:rPr lang="en-US" sz="2400" dirty="0" smtClean="0"/>
-              <a:t>1.7</a:t>
-            </a:r>
-            <a:endParaRPr lang="en-US" sz="2400" dirty="0"/>
+            <a:pPr algn="ctr">
+              <a:defRPr/>
+            </a:pPr>
+            <a:r>
+              <a:rPr lang="en-US" altLang="zh-CN" sz="2400" dirty="0" smtClean="0">
+                <a:latin typeface="+mj-lt"/>
+                <a:ea typeface="Arial Unicode MS" panose="020B0604020202020204" pitchFamily="34" charset="-122"/>
+                <a:cs typeface="Arial Unicode MS" panose="020B0604020202020204" pitchFamily="34" charset="-122"/>
+              </a:rPr>
+              <a:t>1.2</a:t>
+            </a:r>
+            <a:endParaRPr lang="zh-CN" altLang="en-US" sz="3200" dirty="0">
+              <a:latin typeface="+mj-lt"/>
+              <a:ea typeface="Arial Unicode MS" panose="020B0604020202020204" pitchFamily="34" charset="-122"/>
+              <a:cs typeface="Arial Unicode MS" panose="020B0604020202020204" pitchFamily="34" charset="-122"/>
+            </a:endParaRPr>
           </a:p>
         </p:txBody>
       </p:sp>
       <p:sp>
         <p:nvSpPr>
-          <p:cNvPr id="4" name="文本框 3"/>
-          <p:cNvSpPr txBox="1"/>
+          <p:cNvPr id="59" name="圆角矩形 58"/>
+          <p:cNvSpPr/>
           <p:nvPr/>
         </p:nvSpPr>
         <p:spPr>
           <a:xfrm>
-            <a:off x="2236548" y="136356"/>
-            <a:ext cx="6052718" cy="501650"/>
+            <a:off x="5191713" y="2521954"/>
+            <a:ext cx="801956" cy="511504"/>
           </a:xfrm>
-          <a:prstGeom prst="rect">
+          <a:prstGeom prst="roundRect">
             <a:avLst/>
           </a:prstGeom>
-          <a:noFill/>
+          <a:solidFill>
+            <a:schemeClr val="accent1"/>
+          </a:solidFill>
+          <a:ln>
+            <a:noFill/>
+          </a:ln>
+          <a:effectLst>
+            <a:outerShdw blurRad="50800" dist="38100" dir="5400000" algn="t" rotWithShape="0">
+              <a:prstClr val="black">
+                <a:alpha val="40000"/>
+              </a:prstClr>
+            </a:outerShdw>
+          </a:effectLst>
         </p:spPr>
+        <p:style>
+          <a:lnRef idx="2">
+            <a:schemeClr val="accent1">
+              <a:shade val="50000"/>
+            </a:schemeClr>
+          </a:lnRef>
+          <a:fillRef idx="1">
+            <a:schemeClr val="accent1"/>
+          </a:fillRef>
+          <a:effectRef idx="0">
+            <a:schemeClr val="accent1"/>
+          </a:effectRef>
+          <a:fontRef idx="minor">
+            <a:schemeClr val="lt1"/>
+          </a:fontRef>
+        </p:style>
         <p:txBody>
-          <a:bodyPr wrap="square" rtlCol="0">
-            <a:spAutoFit/>
-          </a:bodyPr>
+          <a:bodyPr lIns="121960" tIns="60980" rIns="121960" bIns="60980" anchor="ctr"/>
           <a:lstStyle/>
           <a:p>
-            <a:endParaRPr lang="zh-CN" sz="2665" dirty="0">
-              <a:solidFill>
-                <a:srgbClr val="183A5D"/>
-              </a:solidFill>
-              <a:latin typeface="微软雅黑" panose="020B0503020204020204" pitchFamily="34" charset="-122"/>
-              <a:ea typeface="微软雅黑" panose="020B0503020204020204" pitchFamily="34" charset="-122"/>
+            <a:pPr algn="ctr">
+              <a:defRPr/>
+            </a:pPr>
+            <a:r>
+              <a:rPr lang="en-US" altLang="zh-CN" sz="2400" dirty="0" smtClean="0">
+                <a:latin typeface="+mj-lt"/>
+                <a:ea typeface="Arial Unicode MS" panose="020B0604020202020204" pitchFamily="34" charset="-122"/>
+                <a:cs typeface="Arial Unicode MS" panose="020B0604020202020204" pitchFamily="34" charset="-122"/>
+              </a:rPr>
+              <a:t>1.3</a:t>
+            </a:r>
+            <a:endParaRPr lang="zh-CN" altLang="en-US" sz="3200" dirty="0">
+              <a:latin typeface="+mj-lt"/>
+              <a:ea typeface="Arial Unicode MS" panose="020B0604020202020204" pitchFamily="34" charset="-122"/>
+              <a:cs typeface="Arial Unicode MS" panose="020B0604020202020204" pitchFamily="34" charset="-122"/>
             </a:endParaRPr>
           </a:p>
         </p:txBody>
       </p:sp>
       <p:sp>
         <p:nvSpPr>
-          <p:cNvPr id="6" name="文本框 5"/>
-          <p:cNvSpPr txBox="1"/>
+          <p:cNvPr id="60" name="圆角矩形 59"/>
+          <p:cNvSpPr/>
           <p:nvPr/>
         </p:nvSpPr>
         <p:spPr>
           <a:xfrm>
-            <a:off x="2226388" y="159851"/>
-            <a:ext cx="6052718" cy="501650"/>
+            <a:off x="5191713" y="3370526"/>
+            <a:ext cx="801956" cy="511504"/>
           </a:xfrm>
-          <a:prstGeom prst="rect">
+          <a:prstGeom prst="roundRect">
             <a:avLst/>
           </a:prstGeom>
-          <a:noFill/>
+          <a:solidFill>
+            <a:schemeClr val="accent1"/>
+          </a:solidFill>
+          <a:ln>
+            <a:noFill/>
+          </a:ln>
+          <a:effectLst>
+            <a:outerShdw blurRad="50800" dist="38100" dir="5400000" algn="t" rotWithShape="0">
+              <a:prstClr val="black">
+                <a:alpha val="40000"/>
+              </a:prstClr>
+            </a:outerShdw>
+          </a:effectLst>
         </p:spPr>
+        <p:style>
+          <a:lnRef idx="2">
+            <a:schemeClr val="accent1">
+              <a:shade val="50000"/>
+            </a:schemeClr>
+          </a:lnRef>
+          <a:fillRef idx="1">
+            <a:schemeClr val="accent1"/>
+          </a:fillRef>
+          <a:effectRef idx="0">
+            <a:schemeClr val="accent1"/>
+          </a:effectRef>
+          <a:fontRef idx="minor">
+            <a:schemeClr val="lt1"/>
+          </a:fontRef>
+        </p:style>
         <p:txBody>
-          <a:bodyPr wrap="square" rtlCol="0">
-            <a:spAutoFit/>
-          </a:bodyPr>
+          <a:bodyPr lIns="121960" tIns="60980" rIns="121960" bIns="60980" anchor="ctr"/>
           <a:lstStyle/>
           <a:p>
-            <a:r>
-              <a:rPr lang="en-US" altLang="zh-CN" sz="2665" dirty="0" smtClean="0">
-                <a:solidFill>
-                  <a:srgbClr val="183A5D"/>
-                </a:solidFill>
-                <a:latin typeface="微软雅黑" panose="020B0503020204020204" pitchFamily="34" charset="-122"/>
-                <a:ea typeface="微软雅黑" panose="020B0503020204020204" pitchFamily="34" charset="-122"/>
+            <a:pPr algn="ctr">
+              <a:defRPr/>
+            </a:pPr>
+            <a:r>
+              <a:rPr lang="en-US" altLang="zh-CN" sz="2400" dirty="0" smtClean="0">
+                <a:latin typeface="+mj-lt"/>
+                <a:ea typeface="Arial Unicode MS" panose="020B0604020202020204" pitchFamily="34" charset="-122"/>
+                <a:cs typeface="Arial Unicode MS" panose="020B0604020202020204" pitchFamily="34" charset="-122"/>
               </a:rPr>
-              <a:t>UML2.0</a:t>
-            </a:r>
-            <a:r>
-              <a:rPr lang="zh-CN" altLang="en-US" sz="2665" dirty="0" smtClean="0">
-                <a:solidFill>
-                  <a:srgbClr val="183A5D"/>
-                </a:solidFill>
-                <a:latin typeface="微软雅黑" panose="020B0503020204020204" pitchFamily="34" charset="-122"/>
-                <a:ea typeface="微软雅黑" panose="020B0503020204020204" pitchFamily="34" charset="-122"/>
-              </a:rPr>
-              <a:t>的新特征</a:t>
-            </a:r>
-            <a:endParaRPr lang="zh-CN" sz="2665" dirty="0">
-              <a:solidFill>
-                <a:srgbClr val="183A5D"/>
-              </a:solidFill>
-              <a:latin typeface="微软雅黑" panose="020B0503020204020204" pitchFamily="34" charset="-122"/>
-              <a:ea typeface="微软雅黑" panose="020B0503020204020204" pitchFamily="34" charset="-122"/>
+              <a:t>1.4</a:t>
+            </a:r>
+            <a:endParaRPr lang="zh-CN" altLang="en-US" sz="3200" dirty="0">
+              <a:latin typeface="+mj-lt"/>
+              <a:ea typeface="Arial Unicode MS" panose="020B0604020202020204" pitchFamily="34" charset="-122"/>
+              <a:cs typeface="Arial Unicode MS" panose="020B0604020202020204" pitchFamily="34" charset="-122"/>
             </a:endParaRPr>
           </a:p>
         </p:txBody>
       </p:sp>
       <p:sp>
         <p:nvSpPr>
-          <p:cNvPr id="5" name="TextBox 4"/>
-          <p:cNvSpPr txBox="1"/>
+          <p:cNvPr id="61" name="圆角矩形 60"/>
+          <p:cNvSpPr/>
           <p:nvPr/>
         </p:nvSpPr>
         <p:spPr>
           <a:xfrm>
-            <a:off x="1198662" y="1485578"/>
-            <a:ext cx="8856984" cy="1708160"/>
+            <a:off x="5191713" y="4074193"/>
+            <a:ext cx="801956" cy="511504"/>
           </a:xfrm>
-          <a:prstGeom prst="rect">
+          <a:prstGeom prst="roundRect">
             <a:avLst/>
           </a:prstGeom>
-          <a:noFill/>
+          <a:solidFill>
+            <a:schemeClr val="accent1"/>
+          </a:solidFill>
+          <a:ln>
+            <a:noFill/>
+          </a:ln>
+          <a:effectLst>
+            <a:outerShdw blurRad="50800" dist="38100" dir="5400000" algn="t" rotWithShape="0">
+              <a:prstClr val="black">
+                <a:alpha val="40000"/>
+              </a:prstClr>
+            </a:outerShdw>
+          </a:effectLst>
         </p:spPr>
+        <p:style>
+          <a:lnRef idx="2">
+            <a:schemeClr val="accent1">
+              <a:shade val="50000"/>
+            </a:schemeClr>
+          </a:lnRef>
+          <a:fillRef idx="1">
+            <a:schemeClr val="accent1"/>
+          </a:fillRef>
+          <a:effectRef idx="0">
+            <a:schemeClr val="accent1"/>
+          </a:effectRef>
+          <a:fontRef idx="minor">
+            <a:schemeClr val="lt1"/>
+          </a:fontRef>
+        </p:style>
         <p:txBody>
-          <a:bodyPr wrap="square" rtlCol="0">
-            <a:spAutoFit/>
-          </a:bodyPr>
+          <a:bodyPr lIns="121960" tIns="60980" rIns="121960" bIns="60980" anchor="ctr"/>
           <a:lstStyle/>
           <a:p>
-            <a:r>
-              <a:rPr lang="en-US" altLang="zh-CN" dirty="0" smtClean="0"/>
-              <a:t>1</a:t>
-            </a:r>
-            <a:r>
-              <a:rPr lang="zh-CN" altLang="en-US" dirty="0" smtClean="0"/>
-              <a:t>、用例图</a:t>
-            </a:r>
-            <a:endParaRPr lang="en-US" altLang="zh-CN" dirty="0" smtClean="0"/>
-          </a:p>
-          <a:p>
-            <a:r>
-              <a:rPr lang="zh-CN" altLang="en-US" dirty="0"/>
-              <a:t>用</a:t>
-            </a:r>
-            <a:r>
-              <a:rPr lang="zh-CN" altLang="en-US" dirty="0" smtClean="0"/>
-              <a:t>例图中的主体内容用例、参与者、通信关联并没有变化。在</a:t>
-            </a:r>
-            <a:r>
-              <a:rPr lang="en-US" altLang="zh-CN" dirty="0" smtClean="0"/>
-              <a:t>UML2.0</a:t>
-            </a:r>
-            <a:r>
-              <a:rPr lang="zh-CN" altLang="en-US" dirty="0" smtClean="0"/>
-              <a:t>中，为每个用例增加了一个称为</a:t>
-            </a:r>
-            <a:r>
-              <a:rPr lang="en-US" altLang="zh-CN" dirty="0" smtClean="0"/>
-              <a:t>Subject</a:t>
-            </a:r>
-            <a:r>
-              <a:rPr lang="zh-CN" altLang="en-US" dirty="0" smtClean="0"/>
-              <a:t>的特征，这项特征的取值可以作为在逻辑层面划分一组用例的一项依据。用例所属的“系统边界”就是</a:t>
-            </a:r>
-            <a:r>
-              <a:rPr lang="en-US" altLang="zh-CN" dirty="0" smtClean="0"/>
-              <a:t>Subject</a:t>
-            </a:r>
-            <a:r>
-              <a:rPr lang="zh-CN" altLang="en-US" dirty="0" smtClean="0"/>
-              <a:t>的一种典型例子。</a:t>
-            </a:r>
-            <a:endParaRPr lang="zh-CN" altLang="en-US" dirty="0"/>
+            <a:pPr algn="ctr">
+              <a:defRPr/>
+            </a:pPr>
+            <a:r>
+              <a:rPr lang="en-US" altLang="zh-CN" sz="2400" dirty="0" smtClean="0">
+                <a:latin typeface="+mj-lt"/>
+                <a:ea typeface="Arial Unicode MS" panose="020B0604020202020204" pitchFamily="34" charset="-122"/>
+                <a:cs typeface="Arial Unicode MS" panose="020B0604020202020204" pitchFamily="34" charset="-122"/>
+              </a:rPr>
+              <a:t>1.5</a:t>
+            </a:r>
+            <a:endParaRPr lang="zh-CN" altLang="en-US" sz="3200" dirty="0">
+              <a:latin typeface="+mj-lt"/>
+              <a:ea typeface="Arial Unicode MS" panose="020B0604020202020204" pitchFamily="34" charset="-122"/>
+              <a:cs typeface="Arial Unicode MS" panose="020B0604020202020204" pitchFamily="34" charset="-122"/>
+            </a:endParaRPr>
+          </a:p>
+        </p:txBody>
+      </p:sp>
+      <p:sp>
+        <p:nvSpPr>
+          <p:cNvPr id="62" name="圆角矩形 61"/>
+          <p:cNvSpPr/>
+          <p:nvPr/>
+        </p:nvSpPr>
+        <p:spPr>
+          <a:xfrm>
+            <a:off x="5203832" y="4762902"/>
+            <a:ext cx="801956" cy="511504"/>
+          </a:xfrm>
+          <a:prstGeom prst="roundRect">
+            <a:avLst/>
+          </a:prstGeom>
+          <a:solidFill>
+            <a:schemeClr val="accent1"/>
+          </a:solidFill>
+          <a:ln>
+            <a:noFill/>
+          </a:ln>
+          <a:effectLst>
+            <a:outerShdw blurRad="50800" dist="38100" dir="5400000" algn="t" rotWithShape="0">
+              <a:prstClr val="black">
+                <a:alpha val="40000"/>
+              </a:prstClr>
+            </a:outerShdw>
+          </a:effectLst>
+        </p:spPr>
+        <p:style>
+          <a:lnRef idx="2">
+            <a:schemeClr val="accent1">
+              <a:shade val="50000"/>
+            </a:schemeClr>
+          </a:lnRef>
+          <a:fillRef idx="1">
+            <a:schemeClr val="accent1"/>
+          </a:fillRef>
+          <a:effectRef idx="0">
+            <a:schemeClr val="accent1"/>
+          </a:effectRef>
+          <a:fontRef idx="minor">
+            <a:schemeClr val="lt1"/>
+          </a:fontRef>
+        </p:style>
+        <p:txBody>
+          <a:bodyPr lIns="121960" tIns="60980" rIns="121960" bIns="60980" anchor="ctr"/>
+          <a:lstStyle/>
+          <a:p>
+            <a:pPr algn="ctr">
+              <a:defRPr/>
+            </a:pPr>
+            <a:r>
+              <a:rPr lang="en-US" altLang="zh-CN" sz="2400" dirty="0" smtClean="0">
+                <a:latin typeface="+mj-lt"/>
+                <a:ea typeface="Arial Unicode MS" panose="020B0604020202020204" pitchFamily="34" charset="-122"/>
+                <a:cs typeface="Arial Unicode MS" panose="020B0604020202020204" pitchFamily="34" charset="-122"/>
+              </a:rPr>
+              <a:t>1.6</a:t>
+            </a:r>
+            <a:endParaRPr lang="zh-CN" altLang="en-US" sz="3200" dirty="0">
+              <a:latin typeface="+mj-lt"/>
+              <a:ea typeface="Arial Unicode MS" panose="020B0604020202020204" pitchFamily="34" charset="-122"/>
+              <a:cs typeface="Arial Unicode MS" panose="020B0604020202020204" pitchFamily="34" charset="-122"/>
+            </a:endParaRPr>
+          </a:p>
+        </p:txBody>
+      </p:sp>
+      <p:sp>
+        <p:nvSpPr>
+          <p:cNvPr id="63" name="圆角矩形 62"/>
+          <p:cNvSpPr/>
+          <p:nvPr/>
+        </p:nvSpPr>
+        <p:spPr>
+          <a:xfrm>
+            <a:off x="5191713" y="5503348"/>
+            <a:ext cx="801956" cy="511504"/>
+          </a:xfrm>
+          <a:prstGeom prst="roundRect">
+            <a:avLst/>
+          </a:prstGeom>
+          <a:solidFill>
+            <a:schemeClr val="accent1"/>
+          </a:solidFill>
+          <a:ln>
+            <a:noFill/>
+          </a:ln>
+          <a:effectLst>
+            <a:outerShdw blurRad="50800" dist="38100" dir="5400000" algn="t" rotWithShape="0">
+              <a:prstClr val="black">
+                <a:alpha val="40000"/>
+              </a:prstClr>
+            </a:outerShdw>
+          </a:effectLst>
+        </p:spPr>
+        <p:style>
+          <a:lnRef idx="2">
+            <a:schemeClr val="accent1">
+              <a:shade val="50000"/>
+            </a:schemeClr>
+          </a:lnRef>
+          <a:fillRef idx="1">
+            <a:schemeClr val="accent1"/>
+          </a:fillRef>
+          <a:effectRef idx="0">
+            <a:schemeClr val="accent1"/>
+          </a:effectRef>
+          <a:fontRef idx="minor">
+            <a:schemeClr val="lt1"/>
+          </a:fontRef>
+        </p:style>
+        <p:txBody>
+          <a:bodyPr lIns="121960" tIns="60980" rIns="121960" bIns="60980" anchor="ctr"/>
+          <a:lstStyle/>
+          <a:p>
+            <a:pPr algn="ctr">
+              <a:defRPr/>
+            </a:pPr>
+            <a:r>
+              <a:rPr lang="en-US" altLang="zh-CN" sz="2400" dirty="0" smtClean="0">
+                <a:latin typeface="+mj-lt"/>
+                <a:ea typeface="Arial Unicode MS" panose="020B0604020202020204" pitchFamily="34" charset="-122"/>
+                <a:cs typeface="Arial Unicode MS" panose="020B0604020202020204" pitchFamily="34" charset="-122"/>
+              </a:rPr>
+              <a:t>1.7</a:t>
+            </a:r>
+            <a:endParaRPr lang="zh-CN" altLang="en-US" sz="3200" dirty="0">
+              <a:latin typeface="+mj-lt"/>
+              <a:ea typeface="Arial Unicode MS" panose="020B0604020202020204" pitchFamily="34" charset="-122"/>
+              <a:cs typeface="Arial Unicode MS" panose="020B0604020202020204" pitchFamily="34" charset="-122"/>
+            </a:endParaRPr>
+          </a:p>
+        </p:txBody>
+      </p:sp>
+      <p:sp>
+        <p:nvSpPr>
+          <p:cNvPr id="64" name="圆角矩形 63"/>
+          <p:cNvSpPr/>
+          <p:nvPr/>
+        </p:nvSpPr>
+        <p:spPr>
+          <a:xfrm>
+            <a:off x="5191713" y="6207077"/>
+            <a:ext cx="801956" cy="511504"/>
+          </a:xfrm>
+          <a:prstGeom prst="roundRect">
+            <a:avLst/>
+          </a:prstGeom>
+          <a:solidFill>
+            <a:schemeClr val="accent1"/>
+          </a:solidFill>
+          <a:ln>
+            <a:noFill/>
+          </a:ln>
+          <a:effectLst>
+            <a:outerShdw blurRad="50800" dist="38100" dir="5400000" algn="t" rotWithShape="0">
+              <a:prstClr val="black">
+                <a:alpha val="40000"/>
+              </a:prstClr>
+            </a:outerShdw>
+          </a:effectLst>
+        </p:spPr>
+        <p:style>
+          <a:lnRef idx="2">
+            <a:schemeClr val="accent1">
+              <a:shade val="50000"/>
+            </a:schemeClr>
+          </a:lnRef>
+          <a:fillRef idx="1">
+            <a:schemeClr val="accent1"/>
+          </a:fillRef>
+          <a:effectRef idx="0">
+            <a:schemeClr val="accent1"/>
+          </a:effectRef>
+          <a:fontRef idx="minor">
+            <a:schemeClr val="lt1"/>
+          </a:fontRef>
+        </p:style>
+        <p:txBody>
+          <a:bodyPr lIns="121960" tIns="60980" rIns="121960" bIns="60980" anchor="ctr"/>
+          <a:lstStyle/>
+          <a:p>
+            <a:pPr algn="ctr">
+              <a:defRPr/>
+            </a:pPr>
+            <a:r>
+              <a:rPr lang="en-US" altLang="zh-CN" sz="2400" dirty="0" smtClean="0">
+                <a:latin typeface="+mj-lt"/>
+                <a:ea typeface="Arial Unicode MS" panose="020B0604020202020204" pitchFamily="34" charset="-122"/>
+                <a:cs typeface="Arial Unicode MS" panose="020B0604020202020204" pitchFamily="34" charset="-122"/>
+              </a:rPr>
+              <a:t>1.8</a:t>
+            </a:r>
+            <a:endParaRPr lang="zh-CN" altLang="en-US" sz="3200" dirty="0">
+              <a:latin typeface="+mj-lt"/>
+              <a:ea typeface="Arial Unicode MS" panose="020B0604020202020204" pitchFamily="34" charset="-122"/>
+              <a:cs typeface="Arial Unicode MS" panose="020B0604020202020204" pitchFamily="34" charset="-122"/>
+            </a:endParaRPr>
           </a:p>
         </p:txBody>
       </p:sp>
@@ -2500,15 +4217,1506 @@
   <p:clrMapOvr>
     <a:masterClrMapping/>
   </p:clrMapOvr>
-  <p:transition spd="slow" advClick="0" advTm="0">
-    <p:wipe/>
-  </p:transition>
+  <mc:AlternateContent xmlns:mc="http://schemas.openxmlformats.org/markup-compatibility/2006" xmlns:p14="http://schemas.microsoft.com/office/powerpoint/2010/main">
+    <mc:Choice Requires="p14">
+      <p:transition spd="slow" p14:dur="1200" advClick="0" advTm="0">
+        <p14:prism/>
+      </p:transition>
+    </mc:Choice>
+    <mc:Fallback xmlns="">
+      <p:transition spd="slow" advClick="0" advTm="0">
+        <p:fade/>
+      </p:transition>
+    </mc:Fallback>
+  </mc:AlternateContent>
   <p:timing>
     <p:tnLst>
       <p:par>
-        <p:cTn id="1" dur="indefinite" restart="never" nodeType="tmRoot"/>
+        <p:cTn id="1" dur="indefinite" restart="never" nodeType="tmRoot">
+          <p:childTnLst>
+            <p:seq concurrent="1" nextAc="seek">
+              <p:cTn id="2" dur="indefinite" nodeType="mainSeq">
+                <p:childTnLst>
+                  <p:par>
+                    <p:cTn id="3" fill="hold">
+                      <p:stCondLst>
+                        <p:cond delay="indefinite"/>
+                        <p:cond evt="onBegin" delay="0">
+                          <p:tn val="2"/>
+                        </p:cond>
+                      </p:stCondLst>
+                      <p:childTnLst>
+                        <p:par>
+                          <p:cTn id="4" fill="hold">
+                            <p:stCondLst>
+                              <p:cond delay="0"/>
+                            </p:stCondLst>
+                            <p:childTnLst>
+                              <p:par>
+                                <p:cTn id="5" presetID="2" presetClass="entr" presetSubtype="8" fill="hold" grpId="0" nodeType="afterEffect">
+                                  <p:stCondLst>
+                                    <p:cond delay="0"/>
+                                  </p:stCondLst>
+                                  <p:childTnLst>
+                                    <p:set>
+                                      <p:cBhvr>
+                                        <p:cTn id="6" dur="1" fill="hold">
+                                          <p:stCondLst>
+                                            <p:cond delay="0"/>
+                                          </p:stCondLst>
+                                        </p:cTn>
+                                        <p:tgtEl>
+                                          <p:spTgt spid="36"/>
+                                        </p:tgtEl>
+                                        <p:attrNameLst>
+                                          <p:attrName>style.visibility</p:attrName>
+                                        </p:attrNameLst>
+                                      </p:cBhvr>
+                                      <p:to>
+                                        <p:strVal val="visible"/>
+                                      </p:to>
+                                    </p:set>
+                                    <p:anim calcmode="lin" valueType="num">
+                                      <p:cBhvr additive="base">
+                                        <p:cTn id="7" dur="500" fill="hold"/>
+                                        <p:tgtEl>
+                                          <p:spTgt spid="36"/>
+                                        </p:tgtEl>
+                                        <p:attrNameLst>
+                                          <p:attrName>ppt_x</p:attrName>
+                                        </p:attrNameLst>
+                                      </p:cBhvr>
+                                      <p:tavLst>
+                                        <p:tav tm="0">
+                                          <p:val>
+                                            <p:strVal val="0-#ppt_w/2"/>
+                                          </p:val>
+                                        </p:tav>
+                                        <p:tav tm="100000">
+                                          <p:val>
+                                            <p:strVal val="#ppt_x"/>
+                                          </p:val>
+                                        </p:tav>
+                                      </p:tavLst>
+                                    </p:anim>
+                                    <p:anim calcmode="lin" valueType="num">
+                                      <p:cBhvr additive="base">
+                                        <p:cTn id="8" dur="500" fill="hold"/>
+                                        <p:tgtEl>
+                                          <p:spTgt spid="36"/>
+                                        </p:tgtEl>
+                                        <p:attrNameLst>
+                                          <p:attrName>ppt_y</p:attrName>
+                                        </p:attrNameLst>
+                                      </p:cBhvr>
+                                      <p:tavLst>
+                                        <p:tav tm="0">
+                                          <p:val>
+                                            <p:strVal val="#ppt_y"/>
+                                          </p:val>
+                                        </p:tav>
+                                        <p:tav tm="100000">
+                                          <p:val>
+                                            <p:strVal val="#ppt_y"/>
+                                          </p:val>
+                                        </p:tav>
+                                      </p:tavLst>
+                                    </p:anim>
+                                  </p:childTnLst>
+                                </p:cTn>
+                              </p:par>
+                            </p:childTnLst>
+                          </p:cTn>
+                        </p:par>
+                        <p:par>
+                          <p:cTn id="9" fill="hold">
+                            <p:stCondLst>
+                              <p:cond delay="500"/>
+                            </p:stCondLst>
+                            <p:childTnLst>
+                              <p:par>
+                                <p:cTn id="10" presetID="17" presetClass="entr" presetSubtype="1" fill="hold" grpId="0" nodeType="afterEffect">
+                                  <p:stCondLst>
+                                    <p:cond delay="0"/>
+                                  </p:stCondLst>
+                                  <p:iterate type="lt">
+                                    <p:tmPct val="40000"/>
+                                  </p:iterate>
+                                  <p:childTnLst>
+                                    <p:set>
+                                      <p:cBhvr>
+                                        <p:cTn id="11" dur="1" fill="hold">
+                                          <p:stCondLst>
+                                            <p:cond delay="0"/>
+                                          </p:stCondLst>
+                                        </p:cTn>
+                                        <p:tgtEl>
+                                          <p:spTgt spid="37"/>
+                                        </p:tgtEl>
+                                        <p:attrNameLst>
+                                          <p:attrName>style.visibility</p:attrName>
+                                        </p:attrNameLst>
+                                      </p:cBhvr>
+                                      <p:to>
+                                        <p:strVal val="visible"/>
+                                      </p:to>
+                                    </p:set>
+                                    <p:anim calcmode="lin" valueType="num">
+                                      <p:cBhvr>
+                                        <p:cTn id="12" dur="250" fill="hold"/>
+                                        <p:tgtEl>
+                                          <p:spTgt spid="37"/>
+                                        </p:tgtEl>
+                                        <p:attrNameLst>
+                                          <p:attrName>ppt_x</p:attrName>
+                                        </p:attrNameLst>
+                                      </p:cBhvr>
+                                      <p:tavLst>
+                                        <p:tav tm="0">
+                                          <p:val>
+                                            <p:strVal val="#ppt_x"/>
+                                          </p:val>
+                                        </p:tav>
+                                        <p:tav tm="100000">
+                                          <p:val>
+                                            <p:strVal val="#ppt_x"/>
+                                          </p:val>
+                                        </p:tav>
+                                      </p:tavLst>
+                                    </p:anim>
+                                    <p:anim calcmode="lin" valueType="num">
+                                      <p:cBhvr>
+                                        <p:cTn id="13" dur="250" fill="hold"/>
+                                        <p:tgtEl>
+                                          <p:spTgt spid="37"/>
+                                        </p:tgtEl>
+                                        <p:attrNameLst>
+                                          <p:attrName>ppt_y</p:attrName>
+                                        </p:attrNameLst>
+                                      </p:cBhvr>
+                                      <p:tavLst>
+                                        <p:tav tm="0">
+                                          <p:val>
+                                            <p:strVal val="#ppt_y-#ppt_h/2"/>
+                                          </p:val>
+                                        </p:tav>
+                                        <p:tav tm="100000">
+                                          <p:val>
+                                            <p:strVal val="#ppt_y"/>
+                                          </p:val>
+                                        </p:tav>
+                                      </p:tavLst>
+                                    </p:anim>
+                                    <p:anim calcmode="lin" valueType="num">
+                                      <p:cBhvr>
+                                        <p:cTn id="14" dur="250" fill="hold"/>
+                                        <p:tgtEl>
+                                          <p:spTgt spid="37"/>
+                                        </p:tgtEl>
+                                        <p:attrNameLst>
+                                          <p:attrName>ppt_w</p:attrName>
+                                        </p:attrNameLst>
+                                      </p:cBhvr>
+                                      <p:tavLst>
+                                        <p:tav tm="0">
+                                          <p:val>
+                                            <p:strVal val="#ppt_w"/>
+                                          </p:val>
+                                        </p:tav>
+                                        <p:tav tm="100000">
+                                          <p:val>
+                                            <p:strVal val="#ppt_w"/>
+                                          </p:val>
+                                        </p:tav>
+                                      </p:tavLst>
+                                    </p:anim>
+                                    <p:anim calcmode="lin" valueType="num">
+                                      <p:cBhvr>
+                                        <p:cTn id="15" dur="250" fill="hold"/>
+                                        <p:tgtEl>
+                                          <p:spTgt spid="37"/>
+                                        </p:tgtEl>
+                                        <p:attrNameLst>
+                                          <p:attrName>ppt_h</p:attrName>
+                                        </p:attrNameLst>
+                                      </p:cBhvr>
+                                      <p:tavLst>
+                                        <p:tav tm="0">
+                                          <p:val>
+                                            <p:fltVal val="0"/>
+                                          </p:val>
+                                        </p:tav>
+                                        <p:tav tm="100000">
+                                          <p:val>
+                                            <p:strVal val="#ppt_h"/>
+                                          </p:val>
+                                        </p:tav>
+                                      </p:tavLst>
+                                    </p:anim>
+                                  </p:childTnLst>
+                                </p:cTn>
+                              </p:par>
+                            </p:childTnLst>
+                          </p:cTn>
+                        </p:par>
+                        <p:par>
+                          <p:cTn id="16" fill="hold">
+                            <p:stCondLst>
+                              <p:cond delay="1150"/>
+                            </p:stCondLst>
+                            <p:childTnLst>
+                              <p:par>
+                                <p:cTn id="17" presetID="10" presetClass="entr" presetSubtype="0" fill="hold" grpId="0" nodeType="afterEffect">
+                                  <p:stCondLst>
+                                    <p:cond delay="0"/>
+                                  </p:stCondLst>
+                                  <p:childTnLst>
+                                    <p:set>
+                                      <p:cBhvr>
+                                        <p:cTn id="18" dur="1" fill="hold">
+                                          <p:stCondLst>
+                                            <p:cond delay="0"/>
+                                          </p:stCondLst>
+                                        </p:cTn>
+                                        <p:tgtEl>
+                                          <p:spTgt spid="16"/>
+                                        </p:tgtEl>
+                                        <p:attrNameLst>
+                                          <p:attrName>style.visibility</p:attrName>
+                                        </p:attrNameLst>
+                                      </p:cBhvr>
+                                      <p:to>
+                                        <p:strVal val="visible"/>
+                                      </p:to>
+                                    </p:set>
+                                    <p:animEffect transition="in" filter="fade">
+                                      <p:cBhvr>
+                                        <p:cTn id="19" dur="1000"/>
+                                        <p:tgtEl>
+                                          <p:spTgt spid="16"/>
+                                        </p:tgtEl>
+                                      </p:cBhvr>
+                                    </p:animEffect>
+                                  </p:childTnLst>
+                                </p:cTn>
+                              </p:par>
+                              <p:par>
+                                <p:cTn id="20" presetID="56" presetClass="path" presetSubtype="0" accel="50000" decel="50000" fill="hold" grpId="1" nodeType="withEffect">
+                                  <p:stCondLst>
+                                    <p:cond delay="0"/>
+                                  </p:stCondLst>
+                                  <p:childTnLst>
+                                    <p:animMotion origin="layout" path="M -0.03737 0.04121 L -6.25E-7 -3.33333E-6 " pathEditMode="relative" rAng="0" ptsTypes="AA">
+                                      <p:cBhvr>
+                                        <p:cTn id="21" dur="700" fill="hold"/>
+                                        <p:tgtEl>
+                                          <p:spTgt spid="16"/>
+                                        </p:tgtEl>
+                                        <p:attrNameLst>
+                                          <p:attrName>ppt_x</p:attrName>
+                                          <p:attrName>ppt_y</p:attrName>
+                                        </p:attrNameLst>
+                                      </p:cBhvr>
+                                      <p:rCtr x="1862" y="-2060"/>
+                                    </p:animMotion>
+                                  </p:childTnLst>
+                                </p:cTn>
+                              </p:par>
+                              <p:par>
+                                <p:cTn id="22" presetID="22" presetClass="entr" presetSubtype="8" fill="hold" nodeType="withEffect">
+                                  <p:stCondLst>
+                                    <p:cond delay="500"/>
+                                  </p:stCondLst>
+                                  <p:childTnLst>
+                                    <p:set>
+                                      <p:cBhvr>
+                                        <p:cTn id="23" dur="1" fill="hold">
+                                          <p:stCondLst>
+                                            <p:cond delay="0"/>
+                                          </p:stCondLst>
+                                        </p:cTn>
+                                        <p:tgtEl>
+                                          <p:spTgt spid="21"/>
+                                        </p:tgtEl>
+                                        <p:attrNameLst>
+                                          <p:attrName>style.visibility</p:attrName>
+                                        </p:attrNameLst>
+                                      </p:cBhvr>
+                                      <p:to>
+                                        <p:strVal val="visible"/>
+                                      </p:to>
+                                    </p:set>
+                                    <p:animEffect transition="in" filter="wipe(left)">
+                                      <p:cBhvr>
+                                        <p:cTn id="24" dur="500"/>
+                                        <p:tgtEl>
+                                          <p:spTgt spid="21"/>
+                                        </p:tgtEl>
+                                      </p:cBhvr>
+                                    </p:animEffect>
+                                  </p:childTnLst>
+                                </p:cTn>
+                              </p:par>
+                              <p:par>
+                                <p:cTn id="25" presetID="22" presetClass="entr" presetSubtype="8" fill="hold" nodeType="withEffect">
+                                  <p:stCondLst>
+                                    <p:cond delay="1000"/>
+                                  </p:stCondLst>
+                                  <p:childTnLst>
+                                    <p:set>
+                                      <p:cBhvr>
+                                        <p:cTn id="26" dur="1" fill="hold">
+                                          <p:stCondLst>
+                                            <p:cond delay="0"/>
+                                          </p:stCondLst>
+                                        </p:cTn>
+                                        <p:tgtEl>
+                                          <p:spTgt spid="29"/>
+                                        </p:tgtEl>
+                                        <p:attrNameLst>
+                                          <p:attrName>style.visibility</p:attrName>
+                                        </p:attrNameLst>
+                                      </p:cBhvr>
+                                      <p:to>
+                                        <p:strVal val="visible"/>
+                                      </p:to>
+                                    </p:set>
+                                    <p:animEffect transition="in" filter="wipe(left)">
+                                      <p:cBhvr>
+                                        <p:cTn id="27" dur="500"/>
+                                        <p:tgtEl>
+                                          <p:spTgt spid="29"/>
+                                        </p:tgtEl>
+                                      </p:cBhvr>
+                                    </p:animEffect>
+                                  </p:childTnLst>
+                                </p:cTn>
+                              </p:par>
+                            </p:childTnLst>
+                          </p:cTn>
+                        </p:par>
+                        <p:par>
+                          <p:cTn id="28" fill="hold">
+                            <p:stCondLst>
+                              <p:cond delay="2650"/>
+                            </p:stCondLst>
+                            <p:childTnLst>
+                              <p:par>
+                                <p:cTn id="29" presetID="2" presetClass="entr" presetSubtype="8" fill="hold" grpId="0" nodeType="afterEffect">
+                                  <p:stCondLst>
+                                    <p:cond delay="0"/>
+                                  </p:stCondLst>
+                                  <p:childTnLst>
+                                    <p:set>
+                                      <p:cBhvr>
+                                        <p:cTn id="30" dur="1" fill="hold">
+                                          <p:stCondLst>
+                                            <p:cond delay="0"/>
+                                          </p:stCondLst>
+                                        </p:cTn>
+                                        <p:tgtEl>
+                                          <p:spTgt spid="38"/>
+                                        </p:tgtEl>
+                                        <p:attrNameLst>
+                                          <p:attrName>style.visibility</p:attrName>
+                                        </p:attrNameLst>
+                                      </p:cBhvr>
+                                      <p:to>
+                                        <p:strVal val="visible"/>
+                                      </p:to>
+                                    </p:set>
+                                    <p:anim calcmode="lin" valueType="num">
+                                      <p:cBhvr additive="base">
+                                        <p:cTn id="31" dur="500" fill="hold"/>
+                                        <p:tgtEl>
+                                          <p:spTgt spid="38"/>
+                                        </p:tgtEl>
+                                        <p:attrNameLst>
+                                          <p:attrName>ppt_x</p:attrName>
+                                        </p:attrNameLst>
+                                      </p:cBhvr>
+                                      <p:tavLst>
+                                        <p:tav tm="0">
+                                          <p:val>
+                                            <p:strVal val="0-#ppt_w/2"/>
+                                          </p:val>
+                                        </p:tav>
+                                        <p:tav tm="100000">
+                                          <p:val>
+                                            <p:strVal val="#ppt_x"/>
+                                          </p:val>
+                                        </p:tav>
+                                      </p:tavLst>
+                                    </p:anim>
+                                    <p:anim calcmode="lin" valueType="num">
+                                      <p:cBhvr additive="base">
+                                        <p:cTn id="32" dur="500" fill="hold"/>
+                                        <p:tgtEl>
+                                          <p:spTgt spid="38"/>
+                                        </p:tgtEl>
+                                        <p:attrNameLst>
+                                          <p:attrName>ppt_y</p:attrName>
+                                        </p:attrNameLst>
+                                      </p:cBhvr>
+                                      <p:tavLst>
+                                        <p:tav tm="0">
+                                          <p:val>
+                                            <p:strVal val="#ppt_y"/>
+                                          </p:val>
+                                        </p:tav>
+                                        <p:tav tm="100000">
+                                          <p:val>
+                                            <p:strVal val="#ppt_y"/>
+                                          </p:val>
+                                        </p:tav>
+                                      </p:tavLst>
+                                    </p:anim>
+                                  </p:childTnLst>
+                                </p:cTn>
+                              </p:par>
+                            </p:childTnLst>
+                          </p:cTn>
+                        </p:par>
+                        <p:par>
+                          <p:cTn id="33" fill="hold">
+                            <p:stCondLst>
+                              <p:cond delay="3150"/>
+                            </p:stCondLst>
+                            <p:childTnLst>
+                              <p:par>
+                                <p:cTn id="34" presetID="26" presetClass="emph" presetSubtype="0" fill="hold" grpId="2" nodeType="afterEffect">
+                                  <p:stCondLst>
+                                    <p:cond delay="0"/>
+                                  </p:stCondLst>
+                                  <p:childTnLst>
+                                    <p:animEffect transition="out" filter="fade">
+                                      <p:cBhvr>
+                                        <p:cTn id="35" dur="500" tmFilter="0, 0; .2, .5; .8, .5; 1, 0"/>
+                                        <p:tgtEl>
+                                          <p:spTgt spid="16"/>
+                                        </p:tgtEl>
+                                      </p:cBhvr>
+                                    </p:animEffect>
+                                    <p:animScale>
+                                      <p:cBhvr>
+                                        <p:cTn id="36" dur="250" autoRev="1" fill="hold"/>
+                                        <p:tgtEl>
+                                          <p:spTgt spid="16"/>
+                                        </p:tgtEl>
+                                      </p:cBhvr>
+                                      <p:by x="105000" y="105000"/>
+                                    </p:animScale>
+                                  </p:childTnLst>
+                                </p:cTn>
+                              </p:par>
+                              <p:par>
+                                <p:cTn id="37" presetID="22" presetClass="entr" presetSubtype="8" fill="hold" nodeType="withEffect">
+                                  <p:stCondLst>
+                                    <p:cond delay="500"/>
+                                  </p:stCondLst>
+                                  <p:childTnLst>
+                                    <p:set>
+                                      <p:cBhvr>
+                                        <p:cTn id="38" dur="1" fill="hold">
+                                          <p:stCondLst>
+                                            <p:cond delay="0"/>
+                                          </p:stCondLst>
+                                        </p:cTn>
+                                        <p:tgtEl>
+                                          <p:spTgt spid="25"/>
+                                        </p:tgtEl>
+                                        <p:attrNameLst>
+                                          <p:attrName>style.visibility</p:attrName>
+                                        </p:attrNameLst>
+                                      </p:cBhvr>
+                                      <p:to>
+                                        <p:strVal val="visible"/>
+                                      </p:to>
+                                    </p:set>
+                                    <p:animEffect transition="in" filter="wipe(left)">
+                                      <p:cBhvr>
+                                        <p:cTn id="39" dur="500"/>
+                                        <p:tgtEl>
+                                          <p:spTgt spid="25"/>
+                                        </p:tgtEl>
+                                      </p:cBhvr>
+                                    </p:animEffect>
+                                  </p:childTnLst>
+                                </p:cTn>
+                              </p:par>
+                              <p:par>
+                                <p:cTn id="40" presetID="22" presetClass="entr" presetSubtype="8" fill="hold" nodeType="withEffect">
+                                  <p:stCondLst>
+                                    <p:cond delay="1000"/>
+                                  </p:stCondLst>
+                                  <p:childTnLst>
+                                    <p:set>
+                                      <p:cBhvr>
+                                        <p:cTn id="41" dur="1" fill="hold">
+                                          <p:stCondLst>
+                                            <p:cond delay="0"/>
+                                          </p:stCondLst>
+                                        </p:cTn>
+                                        <p:tgtEl>
+                                          <p:spTgt spid="32"/>
+                                        </p:tgtEl>
+                                        <p:attrNameLst>
+                                          <p:attrName>style.visibility</p:attrName>
+                                        </p:attrNameLst>
+                                      </p:cBhvr>
+                                      <p:to>
+                                        <p:strVal val="visible"/>
+                                      </p:to>
+                                    </p:set>
+                                    <p:animEffect transition="in" filter="wipe(left)">
+                                      <p:cBhvr>
+                                        <p:cTn id="42" dur="500"/>
+                                        <p:tgtEl>
+                                          <p:spTgt spid="32"/>
+                                        </p:tgtEl>
+                                      </p:cBhvr>
+                                    </p:animEffect>
+                                  </p:childTnLst>
+                                </p:cTn>
+                              </p:par>
+                              <p:par>
+                                <p:cTn id="43" presetID="22" presetClass="entr" presetSubtype="8" fill="hold" nodeType="withEffect">
+                                  <p:stCondLst>
+                                    <p:cond delay="1000"/>
+                                  </p:stCondLst>
+                                  <p:childTnLst>
+                                    <p:set>
+                                      <p:cBhvr>
+                                        <p:cTn id="44" dur="1" fill="hold">
+                                          <p:stCondLst>
+                                            <p:cond delay="0"/>
+                                          </p:stCondLst>
+                                        </p:cTn>
+                                        <p:tgtEl>
+                                          <p:spTgt spid="40"/>
+                                        </p:tgtEl>
+                                        <p:attrNameLst>
+                                          <p:attrName>style.visibility</p:attrName>
+                                        </p:attrNameLst>
+                                      </p:cBhvr>
+                                      <p:to>
+                                        <p:strVal val="visible"/>
+                                      </p:to>
+                                    </p:set>
+                                    <p:animEffect transition="in" filter="wipe(left)">
+                                      <p:cBhvr>
+                                        <p:cTn id="45" dur="500"/>
+                                        <p:tgtEl>
+                                          <p:spTgt spid="40"/>
+                                        </p:tgtEl>
+                                      </p:cBhvr>
+                                    </p:animEffect>
+                                  </p:childTnLst>
+                                </p:cTn>
+                              </p:par>
+                              <p:par>
+                                <p:cTn id="46" presetID="22" presetClass="entr" presetSubtype="8" fill="hold" nodeType="withEffect">
+                                  <p:stCondLst>
+                                    <p:cond delay="1000"/>
+                                  </p:stCondLst>
+                                  <p:childTnLst>
+                                    <p:set>
+                                      <p:cBhvr>
+                                        <p:cTn id="47" dur="1" fill="hold">
+                                          <p:stCondLst>
+                                            <p:cond delay="0"/>
+                                          </p:stCondLst>
+                                        </p:cTn>
+                                        <p:tgtEl>
+                                          <p:spTgt spid="43"/>
+                                        </p:tgtEl>
+                                        <p:attrNameLst>
+                                          <p:attrName>style.visibility</p:attrName>
+                                        </p:attrNameLst>
+                                      </p:cBhvr>
+                                      <p:to>
+                                        <p:strVal val="visible"/>
+                                      </p:to>
+                                    </p:set>
+                                    <p:animEffect transition="in" filter="wipe(left)">
+                                      <p:cBhvr>
+                                        <p:cTn id="48" dur="500"/>
+                                        <p:tgtEl>
+                                          <p:spTgt spid="43"/>
+                                        </p:tgtEl>
+                                      </p:cBhvr>
+                                    </p:animEffect>
+                                  </p:childTnLst>
+                                </p:cTn>
+                              </p:par>
+                              <p:par>
+                                <p:cTn id="49" presetID="22" presetClass="entr" presetSubtype="8" fill="hold" nodeType="withEffect">
+                                  <p:stCondLst>
+                                    <p:cond delay="1000"/>
+                                  </p:stCondLst>
+                                  <p:childTnLst>
+                                    <p:set>
+                                      <p:cBhvr>
+                                        <p:cTn id="50" dur="1" fill="hold">
+                                          <p:stCondLst>
+                                            <p:cond delay="0"/>
+                                          </p:stCondLst>
+                                        </p:cTn>
+                                        <p:tgtEl>
+                                          <p:spTgt spid="48"/>
+                                        </p:tgtEl>
+                                        <p:attrNameLst>
+                                          <p:attrName>style.visibility</p:attrName>
+                                        </p:attrNameLst>
+                                      </p:cBhvr>
+                                      <p:to>
+                                        <p:strVal val="visible"/>
+                                      </p:to>
+                                    </p:set>
+                                    <p:animEffect transition="in" filter="wipe(left)">
+                                      <p:cBhvr>
+                                        <p:cTn id="51" dur="500"/>
+                                        <p:tgtEl>
+                                          <p:spTgt spid="48"/>
+                                        </p:tgtEl>
+                                      </p:cBhvr>
+                                    </p:animEffect>
+                                  </p:childTnLst>
+                                </p:cTn>
+                              </p:par>
+                              <p:par>
+                                <p:cTn id="52" presetID="22" presetClass="entr" presetSubtype="8" fill="hold" nodeType="withEffect">
+                                  <p:stCondLst>
+                                    <p:cond delay="1000"/>
+                                  </p:stCondLst>
+                                  <p:childTnLst>
+                                    <p:set>
+                                      <p:cBhvr>
+                                        <p:cTn id="53" dur="1" fill="hold">
+                                          <p:stCondLst>
+                                            <p:cond delay="0"/>
+                                          </p:stCondLst>
+                                        </p:cTn>
+                                        <p:tgtEl>
+                                          <p:spTgt spid="51"/>
+                                        </p:tgtEl>
+                                        <p:attrNameLst>
+                                          <p:attrName>style.visibility</p:attrName>
+                                        </p:attrNameLst>
+                                      </p:cBhvr>
+                                      <p:to>
+                                        <p:strVal val="visible"/>
+                                      </p:to>
+                                    </p:set>
+                                    <p:animEffect transition="in" filter="wipe(left)">
+                                      <p:cBhvr>
+                                        <p:cTn id="54" dur="500"/>
+                                        <p:tgtEl>
+                                          <p:spTgt spid="51"/>
+                                        </p:tgtEl>
+                                      </p:cBhvr>
+                                    </p:animEffect>
+                                  </p:childTnLst>
+                                </p:cTn>
+                              </p:par>
+                              <p:par>
+                                <p:cTn id="55" presetID="22" presetClass="entr" presetSubtype="8" fill="hold" nodeType="withEffect">
+                                  <p:stCondLst>
+                                    <p:cond delay="500"/>
+                                  </p:stCondLst>
+                                  <p:childTnLst>
+                                    <p:set>
+                                      <p:cBhvr>
+                                        <p:cTn id="56" dur="1" fill="hold">
+                                          <p:stCondLst>
+                                            <p:cond delay="0"/>
+                                          </p:stCondLst>
+                                        </p:cTn>
+                                        <p:tgtEl>
+                                          <p:spTgt spid="54"/>
+                                        </p:tgtEl>
+                                        <p:attrNameLst>
+                                          <p:attrName>style.visibility</p:attrName>
+                                        </p:attrNameLst>
+                                      </p:cBhvr>
+                                      <p:to>
+                                        <p:strVal val="visible"/>
+                                      </p:to>
+                                    </p:set>
+                                    <p:animEffect transition="in" filter="wipe(left)">
+                                      <p:cBhvr>
+                                        <p:cTn id="57" dur="500"/>
+                                        <p:tgtEl>
+                                          <p:spTgt spid="54"/>
+                                        </p:tgtEl>
+                                      </p:cBhvr>
+                                    </p:animEffect>
+                                  </p:childTnLst>
+                                </p:cTn>
+                              </p:par>
+                            </p:childTnLst>
+                          </p:cTn>
+                        </p:par>
+                        <p:par>
+                          <p:cTn id="58" fill="hold">
+                            <p:stCondLst>
+                              <p:cond delay="4650"/>
+                            </p:stCondLst>
+                            <p:childTnLst>
+                              <p:par>
+                                <p:cTn id="59" presetID="10" presetClass="entr" presetSubtype="0" fill="hold" grpId="0" nodeType="afterEffect">
+                                  <p:stCondLst>
+                                    <p:cond delay="0"/>
+                                  </p:stCondLst>
+                                  <p:childTnLst>
+                                    <p:set>
+                                      <p:cBhvr>
+                                        <p:cTn id="60" dur="1" fill="hold">
+                                          <p:stCondLst>
+                                            <p:cond delay="0"/>
+                                          </p:stCondLst>
+                                        </p:cTn>
+                                        <p:tgtEl>
+                                          <p:spTgt spid="57"/>
+                                        </p:tgtEl>
+                                        <p:attrNameLst>
+                                          <p:attrName>style.visibility</p:attrName>
+                                        </p:attrNameLst>
+                                      </p:cBhvr>
+                                      <p:to>
+                                        <p:strVal val="visible"/>
+                                      </p:to>
+                                    </p:set>
+                                    <p:animEffect transition="in" filter="fade">
+                                      <p:cBhvr>
+                                        <p:cTn id="61" dur="1000"/>
+                                        <p:tgtEl>
+                                          <p:spTgt spid="57"/>
+                                        </p:tgtEl>
+                                      </p:cBhvr>
+                                    </p:animEffect>
+                                  </p:childTnLst>
+                                </p:cTn>
+                              </p:par>
+                              <p:par>
+                                <p:cTn id="62" presetID="56" presetClass="path" presetSubtype="0" accel="50000" decel="50000" fill="hold" grpId="1" nodeType="withEffect">
+                                  <p:stCondLst>
+                                    <p:cond delay="0"/>
+                                  </p:stCondLst>
+                                  <p:childTnLst>
+                                    <p:animMotion origin="layout" path="M -0.03737 0.04121 L -6.25E-7 -3.33333E-6 " pathEditMode="relative" rAng="0" ptsTypes="AA">
+                                      <p:cBhvr>
+                                        <p:cTn id="63" dur="700" fill="hold"/>
+                                        <p:tgtEl>
+                                          <p:spTgt spid="57"/>
+                                        </p:tgtEl>
+                                        <p:attrNameLst>
+                                          <p:attrName>ppt_x</p:attrName>
+                                          <p:attrName>ppt_y</p:attrName>
+                                        </p:attrNameLst>
+                                      </p:cBhvr>
+                                      <p:rCtr x="1862" y="-2060"/>
+                                    </p:animMotion>
+                                  </p:childTnLst>
+                                </p:cTn>
+                              </p:par>
+                            </p:childTnLst>
+                          </p:cTn>
+                        </p:par>
+                        <p:par>
+                          <p:cTn id="64" fill="hold">
+                            <p:stCondLst>
+                              <p:cond delay="5650"/>
+                            </p:stCondLst>
+                            <p:childTnLst>
+                              <p:par>
+                                <p:cTn id="65" presetID="26" presetClass="emph" presetSubtype="0" fill="hold" grpId="2" nodeType="afterEffect">
+                                  <p:stCondLst>
+                                    <p:cond delay="0"/>
+                                  </p:stCondLst>
+                                  <p:childTnLst>
+                                    <p:animEffect transition="out" filter="fade">
+                                      <p:cBhvr>
+                                        <p:cTn id="66" dur="500" tmFilter="0, 0; .2, .5; .8, .5; 1, 0"/>
+                                        <p:tgtEl>
+                                          <p:spTgt spid="57"/>
+                                        </p:tgtEl>
+                                      </p:cBhvr>
+                                    </p:animEffect>
+                                    <p:animScale>
+                                      <p:cBhvr>
+                                        <p:cTn id="67" dur="250" autoRev="1" fill="hold"/>
+                                        <p:tgtEl>
+                                          <p:spTgt spid="57"/>
+                                        </p:tgtEl>
+                                      </p:cBhvr>
+                                      <p:by x="105000" y="105000"/>
+                                    </p:animScale>
+                                  </p:childTnLst>
+                                </p:cTn>
+                              </p:par>
+                            </p:childTnLst>
+                          </p:cTn>
+                        </p:par>
+                        <p:par>
+                          <p:cTn id="68" fill="hold">
+                            <p:stCondLst>
+                              <p:cond delay="6150"/>
+                            </p:stCondLst>
+                            <p:childTnLst>
+                              <p:par>
+                                <p:cTn id="69" presetID="10" presetClass="entr" presetSubtype="0" fill="hold" grpId="0" nodeType="afterEffect">
+                                  <p:stCondLst>
+                                    <p:cond delay="0"/>
+                                  </p:stCondLst>
+                                  <p:childTnLst>
+                                    <p:set>
+                                      <p:cBhvr>
+                                        <p:cTn id="70" dur="1" fill="hold">
+                                          <p:stCondLst>
+                                            <p:cond delay="0"/>
+                                          </p:stCondLst>
+                                        </p:cTn>
+                                        <p:tgtEl>
+                                          <p:spTgt spid="59"/>
+                                        </p:tgtEl>
+                                        <p:attrNameLst>
+                                          <p:attrName>style.visibility</p:attrName>
+                                        </p:attrNameLst>
+                                      </p:cBhvr>
+                                      <p:to>
+                                        <p:strVal val="visible"/>
+                                      </p:to>
+                                    </p:set>
+                                    <p:animEffect transition="in" filter="fade">
+                                      <p:cBhvr>
+                                        <p:cTn id="71" dur="1000"/>
+                                        <p:tgtEl>
+                                          <p:spTgt spid="59"/>
+                                        </p:tgtEl>
+                                      </p:cBhvr>
+                                    </p:animEffect>
+                                  </p:childTnLst>
+                                </p:cTn>
+                              </p:par>
+                              <p:par>
+                                <p:cTn id="72" presetID="56" presetClass="path" presetSubtype="0" accel="50000" decel="50000" fill="hold" grpId="1" nodeType="withEffect">
+                                  <p:stCondLst>
+                                    <p:cond delay="0"/>
+                                  </p:stCondLst>
+                                  <p:childTnLst>
+                                    <p:animMotion origin="layout" path="M -0.03737 0.04121 L -6.25E-7 -3.33333E-6 " pathEditMode="relative" rAng="0" ptsTypes="AA">
+                                      <p:cBhvr>
+                                        <p:cTn id="73" dur="700" fill="hold"/>
+                                        <p:tgtEl>
+                                          <p:spTgt spid="59"/>
+                                        </p:tgtEl>
+                                        <p:attrNameLst>
+                                          <p:attrName>ppt_x</p:attrName>
+                                          <p:attrName>ppt_y</p:attrName>
+                                        </p:attrNameLst>
+                                      </p:cBhvr>
+                                      <p:rCtr x="1862" y="-2060"/>
+                                    </p:animMotion>
+                                  </p:childTnLst>
+                                </p:cTn>
+                              </p:par>
+                            </p:childTnLst>
+                          </p:cTn>
+                        </p:par>
+                        <p:par>
+                          <p:cTn id="74" fill="hold">
+                            <p:stCondLst>
+                              <p:cond delay="7150"/>
+                            </p:stCondLst>
+                            <p:childTnLst>
+                              <p:par>
+                                <p:cTn id="75" presetID="26" presetClass="emph" presetSubtype="0" fill="hold" grpId="2" nodeType="afterEffect">
+                                  <p:stCondLst>
+                                    <p:cond delay="0"/>
+                                  </p:stCondLst>
+                                  <p:childTnLst>
+                                    <p:animEffect transition="out" filter="fade">
+                                      <p:cBhvr>
+                                        <p:cTn id="76" dur="500" tmFilter="0, 0; .2, .5; .8, .5; 1, 0"/>
+                                        <p:tgtEl>
+                                          <p:spTgt spid="59"/>
+                                        </p:tgtEl>
+                                      </p:cBhvr>
+                                    </p:animEffect>
+                                    <p:animScale>
+                                      <p:cBhvr>
+                                        <p:cTn id="77" dur="250" autoRev="1" fill="hold"/>
+                                        <p:tgtEl>
+                                          <p:spTgt spid="59"/>
+                                        </p:tgtEl>
+                                      </p:cBhvr>
+                                      <p:by x="105000" y="105000"/>
+                                    </p:animScale>
+                                  </p:childTnLst>
+                                </p:cTn>
+                              </p:par>
+                            </p:childTnLst>
+                          </p:cTn>
+                        </p:par>
+                        <p:par>
+                          <p:cTn id="78" fill="hold">
+                            <p:stCondLst>
+                              <p:cond delay="7650"/>
+                            </p:stCondLst>
+                            <p:childTnLst>
+                              <p:par>
+                                <p:cTn id="79" presetID="10" presetClass="entr" presetSubtype="0" fill="hold" grpId="0" nodeType="afterEffect">
+                                  <p:stCondLst>
+                                    <p:cond delay="0"/>
+                                  </p:stCondLst>
+                                  <p:childTnLst>
+                                    <p:set>
+                                      <p:cBhvr>
+                                        <p:cTn id="80" dur="1" fill="hold">
+                                          <p:stCondLst>
+                                            <p:cond delay="0"/>
+                                          </p:stCondLst>
+                                        </p:cTn>
+                                        <p:tgtEl>
+                                          <p:spTgt spid="60"/>
+                                        </p:tgtEl>
+                                        <p:attrNameLst>
+                                          <p:attrName>style.visibility</p:attrName>
+                                        </p:attrNameLst>
+                                      </p:cBhvr>
+                                      <p:to>
+                                        <p:strVal val="visible"/>
+                                      </p:to>
+                                    </p:set>
+                                    <p:animEffect transition="in" filter="fade">
+                                      <p:cBhvr>
+                                        <p:cTn id="81" dur="1000"/>
+                                        <p:tgtEl>
+                                          <p:spTgt spid="60"/>
+                                        </p:tgtEl>
+                                      </p:cBhvr>
+                                    </p:animEffect>
+                                  </p:childTnLst>
+                                </p:cTn>
+                              </p:par>
+                              <p:par>
+                                <p:cTn id="82" presetID="56" presetClass="path" presetSubtype="0" accel="50000" decel="50000" fill="hold" grpId="1" nodeType="withEffect">
+                                  <p:stCondLst>
+                                    <p:cond delay="0"/>
+                                  </p:stCondLst>
+                                  <p:childTnLst>
+                                    <p:animMotion origin="layout" path="M -0.03737 0.04121 L -6.25E-7 -3.33333E-6 " pathEditMode="relative" rAng="0" ptsTypes="AA">
+                                      <p:cBhvr>
+                                        <p:cTn id="83" dur="700" fill="hold"/>
+                                        <p:tgtEl>
+                                          <p:spTgt spid="60"/>
+                                        </p:tgtEl>
+                                        <p:attrNameLst>
+                                          <p:attrName>ppt_x</p:attrName>
+                                          <p:attrName>ppt_y</p:attrName>
+                                        </p:attrNameLst>
+                                      </p:cBhvr>
+                                      <p:rCtr x="1862" y="-2060"/>
+                                    </p:animMotion>
+                                  </p:childTnLst>
+                                </p:cTn>
+                              </p:par>
+                            </p:childTnLst>
+                          </p:cTn>
+                        </p:par>
+                        <p:par>
+                          <p:cTn id="84" fill="hold">
+                            <p:stCondLst>
+                              <p:cond delay="8650"/>
+                            </p:stCondLst>
+                            <p:childTnLst>
+                              <p:par>
+                                <p:cTn id="85" presetID="26" presetClass="emph" presetSubtype="0" fill="hold" grpId="2" nodeType="afterEffect">
+                                  <p:stCondLst>
+                                    <p:cond delay="0"/>
+                                  </p:stCondLst>
+                                  <p:childTnLst>
+                                    <p:animEffect transition="out" filter="fade">
+                                      <p:cBhvr>
+                                        <p:cTn id="86" dur="500" tmFilter="0, 0; .2, .5; .8, .5; 1, 0"/>
+                                        <p:tgtEl>
+                                          <p:spTgt spid="60"/>
+                                        </p:tgtEl>
+                                      </p:cBhvr>
+                                    </p:animEffect>
+                                    <p:animScale>
+                                      <p:cBhvr>
+                                        <p:cTn id="87" dur="250" autoRev="1" fill="hold"/>
+                                        <p:tgtEl>
+                                          <p:spTgt spid="60"/>
+                                        </p:tgtEl>
+                                      </p:cBhvr>
+                                      <p:by x="105000" y="105000"/>
+                                    </p:animScale>
+                                  </p:childTnLst>
+                                </p:cTn>
+                              </p:par>
+                            </p:childTnLst>
+                          </p:cTn>
+                        </p:par>
+                        <p:par>
+                          <p:cTn id="88" fill="hold">
+                            <p:stCondLst>
+                              <p:cond delay="9150"/>
+                            </p:stCondLst>
+                            <p:childTnLst>
+                              <p:par>
+                                <p:cTn id="89" presetID="10" presetClass="entr" presetSubtype="0" fill="hold" grpId="0" nodeType="afterEffect">
+                                  <p:stCondLst>
+                                    <p:cond delay="0"/>
+                                  </p:stCondLst>
+                                  <p:childTnLst>
+                                    <p:set>
+                                      <p:cBhvr>
+                                        <p:cTn id="90" dur="1" fill="hold">
+                                          <p:stCondLst>
+                                            <p:cond delay="0"/>
+                                          </p:stCondLst>
+                                        </p:cTn>
+                                        <p:tgtEl>
+                                          <p:spTgt spid="61"/>
+                                        </p:tgtEl>
+                                        <p:attrNameLst>
+                                          <p:attrName>style.visibility</p:attrName>
+                                        </p:attrNameLst>
+                                      </p:cBhvr>
+                                      <p:to>
+                                        <p:strVal val="visible"/>
+                                      </p:to>
+                                    </p:set>
+                                    <p:animEffect transition="in" filter="fade">
+                                      <p:cBhvr>
+                                        <p:cTn id="91" dur="1000"/>
+                                        <p:tgtEl>
+                                          <p:spTgt spid="61"/>
+                                        </p:tgtEl>
+                                      </p:cBhvr>
+                                    </p:animEffect>
+                                  </p:childTnLst>
+                                </p:cTn>
+                              </p:par>
+                              <p:par>
+                                <p:cTn id="92" presetID="56" presetClass="path" presetSubtype="0" accel="50000" decel="50000" fill="hold" grpId="1" nodeType="withEffect">
+                                  <p:stCondLst>
+                                    <p:cond delay="0"/>
+                                  </p:stCondLst>
+                                  <p:childTnLst>
+                                    <p:animMotion origin="layout" path="M -0.03737 0.04121 L -6.25E-7 -3.33333E-6 " pathEditMode="relative" rAng="0" ptsTypes="AA">
+                                      <p:cBhvr>
+                                        <p:cTn id="93" dur="700" fill="hold"/>
+                                        <p:tgtEl>
+                                          <p:spTgt spid="61"/>
+                                        </p:tgtEl>
+                                        <p:attrNameLst>
+                                          <p:attrName>ppt_x</p:attrName>
+                                          <p:attrName>ppt_y</p:attrName>
+                                        </p:attrNameLst>
+                                      </p:cBhvr>
+                                      <p:rCtr x="1862" y="-2060"/>
+                                    </p:animMotion>
+                                  </p:childTnLst>
+                                </p:cTn>
+                              </p:par>
+                            </p:childTnLst>
+                          </p:cTn>
+                        </p:par>
+                        <p:par>
+                          <p:cTn id="94" fill="hold">
+                            <p:stCondLst>
+                              <p:cond delay="10150"/>
+                            </p:stCondLst>
+                            <p:childTnLst>
+                              <p:par>
+                                <p:cTn id="95" presetID="26" presetClass="emph" presetSubtype="0" fill="hold" grpId="2" nodeType="afterEffect">
+                                  <p:stCondLst>
+                                    <p:cond delay="0"/>
+                                  </p:stCondLst>
+                                  <p:childTnLst>
+                                    <p:animEffect transition="out" filter="fade">
+                                      <p:cBhvr>
+                                        <p:cTn id="96" dur="500" tmFilter="0, 0; .2, .5; .8, .5; 1, 0"/>
+                                        <p:tgtEl>
+                                          <p:spTgt spid="61"/>
+                                        </p:tgtEl>
+                                      </p:cBhvr>
+                                    </p:animEffect>
+                                    <p:animScale>
+                                      <p:cBhvr>
+                                        <p:cTn id="97" dur="250" autoRev="1" fill="hold"/>
+                                        <p:tgtEl>
+                                          <p:spTgt spid="61"/>
+                                        </p:tgtEl>
+                                      </p:cBhvr>
+                                      <p:by x="105000" y="105000"/>
+                                    </p:animScale>
+                                  </p:childTnLst>
+                                </p:cTn>
+                              </p:par>
+                            </p:childTnLst>
+                          </p:cTn>
+                        </p:par>
+                        <p:par>
+                          <p:cTn id="98" fill="hold">
+                            <p:stCondLst>
+                              <p:cond delay="10650"/>
+                            </p:stCondLst>
+                            <p:childTnLst>
+                              <p:par>
+                                <p:cTn id="99" presetID="10" presetClass="entr" presetSubtype="0" fill="hold" grpId="0" nodeType="afterEffect">
+                                  <p:stCondLst>
+                                    <p:cond delay="0"/>
+                                  </p:stCondLst>
+                                  <p:childTnLst>
+                                    <p:set>
+                                      <p:cBhvr>
+                                        <p:cTn id="100" dur="1" fill="hold">
+                                          <p:stCondLst>
+                                            <p:cond delay="0"/>
+                                          </p:stCondLst>
+                                        </p:cTn>
+                                        <p:tgtEl>
+                                          <p:spTgt spid="62"/>
+                                        </p:tgtEl>
+                                        <p:attrNameLst>
+                                          <p:attrName>style.visibility</p:attrName>
+                                        </p:attrNameLst>
+                                      </p:cBhvr>
+                                      <p:to>
+                                        <p:strVal val="visible"/>
+                                      </p:to>
+                                    </p:set>
+                                    <p:animEffect transition="in" filter="fade">
+                                      <p:cBhvr>
+                                        <p:cTn id="101" dur="1000"/>
+                                        <p:tgtEl>
+                                          <p:spTgt spid="62"/>
+                                        </p:tgtEl>
+                                      </p:cBhvr>
+                                    </p:animEffect>
+                                  </p:childTnLst>
+                                </p:cTn>
+                              </p:par>
+                              <p:par>
+                                <p:cTn id="102" presetID="56" presetClass="path" presetSubtype="0" accel="50000" decel="50000" fill="hold" grpId="1" nodeType="withEffect">
+                                  <p:stCondLst>
+                                    <p:cond delay="0"/>
+                                  </p:stCondLst>
+                                  <p:childTnLst>
+                                    <p:animMotion origin="layout" path="M -0.03737 0.04121 L -6.25E-7 -3.33333E-6 " pathEditMode="relative" rAng="0" ptsTypes="AA">
+                                      <p:cBhvr>
+                                        <p:cTn id="103" dur="700" fill="hold"/>
+                                        <p:tgtEl>
+                                          <p:spTgt spid="62"/>
+                                        </p:tgtEl>
+                                        <p:attrNameLst>
+                                          <p:attrName>ppt_x</p:attrName>
+                                          <p:attrName>ppt_y</p:attrName>
+                                        </p:attrNameLst>
+                                      </p:cBhvr>
+                                      <p:rCtr x="1862" y="-2060"/>
+                                    </p:animMotion>
+                                  </p:childTnLst>
+                                </p:cTn>
+                              </p:par>
+                            </p:childTnLst>
+                          </p:cTn>
+                        </p:par>
+                        <p:par>
+                          <p:cTn id="104" fill="hold">
+                            <p:stCondLst>
+                              <p:cond delay="11650"/>
+                            </p:stCondLst>
+                            <p:childTnLst>
+                              <p:par>
+                                <p:cTn id="105" presetID="26" presetClass="emph" presetSubtype="0" fill="hold" grpId="2" nodeType="afterEffect">
+                                  <p:stCondLst>
+                                    <p:cond delay="0"/>
+                                  </p:stCondLst>
+                                  <p:childTnLst>
+                                    <p:animEffect transition="out" filter="fade">
+                                      <p:cBhvr>
+                                        <p:cTn id="106" dur="500" tmFilter="0, 0; .2, .5; .8, .5; 1, 0"/>
+                                        <p:tgtEl>
+                                          <p:spTgt spid="62"/>
+                                        </p:tgtEl>
+                                      </p:cBhvr>
+                                    </p:animEffect>
+                                    <p:animScale>
+                                      <p:cBhvr>
+                                        <p:cTn id="107" dur="250" autoRev="1" fill="hold"/>
+                                        <p:tgtEl>
+                                          <p:spTgt spid="62"/>
+                                        </p:tgtEl>
+                                      </p:cBhvr>
+                                      <p:by x="105000" y="105000"/>
+                                    </p:animScale>
+                                  </p:childTnLst>
+                                </p:cTn>
+                              </p:par>
+                            </p:childTnLst>
+                          </p:cTn>
+                        </p:par>
+                        <p:par>
+                          <p:cTn id="108" fill="hold">
+                            <p:stCondLst>
+                              <p:cond delay="12150"/>
+                            </p:stCondLst>
+                            <p:childTnLst>
+                              <p:par>
+                                <p:cTn id="109" presetID="10" presetClass="entr" presetSubtype="0" fill="hold" grpId="0" nodeType="afterEffect">
+                                  <p:stCondLst>
+                                    <p:cond delay="0"/>
+                                  </p:stCondLst>
+                                  <p:childTnLst>
+                                    <p:set>
+                                      <p:cBhvr>
+                                        <p:cTn id="110" dur="1" fill="hold">
+                                          <p:stCondLst>
+                                            <p:cond delay="0"/>
+                                          </p:stCondLst>
+                                        </p:cTn>
+                                        <p:tgtEl>
+                                          <p:spTgt spid="63"/>
+                                        </p:tgtEl>
+                                        <p:attrNameLst>
+                                          <p:attrName>style.visibility</p:attrName>
+                                        </p:attrNameLst>
+                                      </p:cBhvr>
+                                      <p:to>
+                                        <p:strVal val="visible"/>
+                                      </p:to>
+                                    </p:set>
+                                    <p:animEffect transition="in" filter="fade">
+                                      <p:cBhvr>
+                                        <p:cTn id="111" dur="1000"/>
+                                        <p:tgtEl>
+                                          <p:spTgt spid="63"/>
+                                        </p:tgtEl>
+                                      </p:cBhvr>
+                                    </p:animEffect>
+                                  </p:childTnLst>
+                                </p:cTn>
+                              </p:par>
+                              <p:par>
+                                <p:cTn id="112" presetID="56" presetClass="path" presetSubtype="0" accel="50000" decel="50000" fill="hold" grpId="1" nodeType="withEffect">
+                                  <p:stCondLst>
+                                    <p:cond delay="0"/>
+                                  </p:stCondLst>
+                                  <p:childTnLst>
+                                    <p:animMotion origin="layout" path="M -0.03737 0.04121 L -6.25E-7 -3.33333E-6 " pathEditMode="relative" rAng="0" ptsTypes="AA">
+                                      <p:cBhvr>
+                                        <p:cTn id="113" dur="700" fill="hold"/>
+                                        <p:tgtEl>
+                                          <p:spTgt spid="63"/>
+                                        </p:tgtEl>
+                                        <p:attrNameLst>
+                                          <p:attrName>ppt_x</p:attrName>
+                                          <p:attrName>ppt_y</p:attrName>
+                                        </p:attrNameLst>
+                                      </p:cBhvr>
+                                      <p:rCtr x="1862" y="-2060"/>
+                                    </p:animMotion>
+                                  </p:childTnLst>
+                                </p:cTn>
+                              </p:par>
+                            </p:childTnLst>
+                          </p:cTn>
+                        </p:par>
+                        <p:par>
+                          <p:cTn id="114" fill="hold">
+                            <p:stCondLst>
+                              <p:cond delay="13150"/>
+                            </p:stCondLst>
+                            <p:childTnLst>
+                              <p:par>
+                                <p:cTn id="115" presetID="26" presetClass="emph" presetSubtype="0" fill="hold" grpId="2" nodeType="afterEffect">
+                                  <p:stCondLst>
+                                    <p:cond delay="0"/>
+                                  </p:stCondLst>
+                                  <p:childTnLst>
+                                    <p:animEffect transition="out" filter="fade">
+                                      <p:cBhvr>
+                                        <p:cTn id="116" dur="500" tmFilter="0, 0; .2, .5; .8, .5; 1, 0"/>
+                                        <p:tgtEl>
+                                          <p:spTgt spid="63"/>
+                                        </p:tgtEl>
+                                      </p:cBhvr>
+                                    </p:animEffect>
+                                    <p:animScale>
+                                      <p:cBhvr>
+                                        <p:cTn id="117" dur="250" autoRev="1" fill="hold"/>
+                                        <p:tgtEl>
+                                          <p:spTgt spid="63"/>
+                                        </p:tgtEl>
+                                      </p:cBhvr>
+                                      <p:by x="105000" y="105000"/>
+                                    </p:animScale>
+                                  </p:childTnLst>
+                                </p:cTn>
+                              </p:par>
+                            </p:childTnLst>
+                          </p:cTn>
+                        </p:par>
+                        <p:par>
+                          <p:cTn id="118" fill="hold">
+                            <p:stCondLst>
+                              <p:cond delay="13650"/>
+                            </p:stCondLst>
+                            <p:childTnLst>
+                              <p:par>
+                                <p:cTn id="119" presetID="10" presetClass="entr" presetSubtype="0" fill="hold" grpId="0" nodeType="afterEffect">
+                                  <p:stCondLst>
+                                    <p:cond delay="0"/>
+                                  </p:stCondLst>
+                                  <p:childTnLst>
+                                    <p:set>
+                                      <p:cBhvr>
+                                        <p:cTn id="120" dur="1" fill="hold">
+                                          <p:stCondLst>
+                                            <p:cond delay="0"/>
+                                          </p:stCondLst>
+                                        </p:cTn>
+                                        <p:tgtEl>
+                                          <p:spTgt spid="64"/>
+                                        </p:tgtEl>
+                                        <p:attrNameLst>
+                                          <p:attrName>style.visibility</p:attrName>
+                                        </p:attrNameLst>
+                                      </p:cBhvr>
+                                      <p:to>
+                                        <p:strVal val="visible"/>
+                                      </p:to>
+                                    </p:set>
+                                    <p:animEffect transition="in" filter="fade">
+                                      <p:cBhvr>
+                                        <p:cTn id="121" dur="1000"/>
+                                        <p:tgtEl>
+                                          <p:spTgt spid="64"/>
+                                        </p:tgtEl>
+                                      </p:cBhvr>
+                                    </p:animEffect>
+                                  </p:childTnLst>
+                                </p:cTn>
+                              </p:par>
+                              <p:par>
+                                <p:cTn id="122" presetID="56" presetClass="path" presetSubtype="0" accel="50000" decel="50000" fill="hold" grpId="1" nodeType="withEffect">
+                                  <p:stCondLst>
+                                    <p:cond delay="0"/>
+                                  </p:stCondLst>
+                                  <p:childTnLst>
+                                    <p:animMotion origin="layout" path="M -0.03737 0.04121 L -6.25E-7 -3.33333E-6 " pathEditMode="relative" rAng="0" ptsTypes="AA">
+                                      <p:cBhvr>
+                                        <p:cTn id="123" dur="700" fill="hold"/>
+                                        <p:tgtEl>
+                                          <p:spTgt spid="64"/>
+                                        </p:tgtEl>
+                                        <p:attrNameLst>
+                                          <p:attrName>ppt_x</p:attrName>
+                                          <p:attrName>ppt_y</p:attrName>
+                                        </p:attrNameLst>
+                                      </p:cBhvr>
+                                      <p:rCtr x="1862" y="-2060"/>
+                                    </p:animMotion>
+                                  </p:childTnLst>
+                                </p:cTn>
+                              </p:par>
+                            </p:childTnLst>
+                          </p:cTn>
+                        </p:par>
+                        <p:par>
+                          <p:cTn id="124" fill="hold">
+                            <p:stCondLst>
+                              <p:cond delay="14650"/>
+                            </p:stCondLst>
+                            <p:childTnLst>
+                              <p:par>
+                                <p:cTn id="125" presetID="26" presetClass="emph" presetSubtype="0" fill="hold" grpId="2" nodeType="afterEffect">
+                                  <p:stCondLst>
+                                    <p:cond delay="0"/>
+                                  </p:stCondLst>
+                                  <p:childTnLst>
+                                    <p:animEffect transition="out" filter="fade">
+                                      <p:cBhvr>
+                                        <p:cTn id="126" dur="500" tmFilter="0, 0; .2, .5; .8, .5; 1, 0"/>
+                                        <p:tgtEl>
+                                          <p:spTgt spid="64"/>
+                                        </p:tgtEl>
+                                      </p:cBhvr>
+                                    </p:animEffect>
+                                    <p:animScale>
+                                      <p:cBhvr>
+                                        <p:cTn id="127" dur="250" autoRev="1" fill="hold"/>
+                                        <p:tgtEl>
+                                          <p:spTgt spid="64"/>
+                                        </p:tgtEl>
+                                      </p:cBhvr>
+                                      <p:by x="105000" y="105000"/>
+                                    </p:animScale>
+                                  </p:childTnLst>
+                                </p:cTn>
+                              </p:par>
+                            </p:childTnLst>
+                          </p:cTn>
+                        </p:par>
+                      </p:childTnLst>
+                    </p:cTn>
+                  </p:par>
+                </p:childTnLst>
+              </p:cTn>
+              <p:prevCondLst>
+                <p:cond evt="onPrev" delay="0">
+                  <p:tgtEl>
+                    <p:sldTgt/>
+                  </p:tgtEl>
+                </p:cond>
+              </p:prevCondLst>
+              <p:nextCondLst>
+                <p:cond evt="onNext" delay="0">
+                  <p:tgtEl>
+                    <p:sldTgt/>
+                  </p:tgtEl>
+                </p:cond>
+              </p:nextCondLst>
+            </p:seq>
+          </p:childTnLst>
+        </p:cTn>
       </p:par>
     </p:tnLst>
+    <p:bldLst>
+      <p:bldP spid="16" grpId="0" bldLvl="0" animBg="1"/>
+      <p:bldP spid="16" grpId="1" bldLvl="0" animBg="1"/>
+      <p:bldP spid="16" grpId="2" bldLvl="0" animBg="1"/>
+      <p:bldP spid="36" grpId="0" bldLvl="0" animBg="1"/>
+      <p:bldP spid="37" grpId="0"/>
+      <p:bldP spid="38" grpId="0" bldLvl="0" animBg="1"/>
+      <p:bldP spid="57" grpId="0" bldLvl="0" animBg="1"/>
+      <p:bldP spid="57" grpId="1" bldLvl="0" animBg="1"/>
+      <p:bldP spid="57" grpId="2" bldLvl="0" animBg="1"/>
+      <p:bldP spid="59" grpId="0" bldLvl="0" animBg="1"/>
+      <p:bldP spid="59" grpId="1" bldLvl="0" animBg="1"/>
+      <p:bldP spid="59" grpId="2" bldLvl="0" animBg="1"/>
+      <p:bldP spid="60" grpId="0" bldLvl="0" animBg="1"/>
+      <p:bldP spid="60" grpId="1" bldLvl="0" animBg="1"/>
+      <p:bldP spid="60" grpId="2" bldLvl="0" animBg="1"/>
+      <p:bldP spid="61" grpId="0" bldLvl="0" animBg="1"/>
+      <p:bldP spid="61" grpId="1" bldLvl="0" animBg="1"/>
+      <p:bldP spid="61" grpId="2" bldLvl="0" animBg="1"/>
+      <p:bldP spid="62" grpId="0" bldLvl="0" animBg="1"/>
+      <p:bldP spid="62" grpId="1" bldLvl="0" animBg="1"/>
+      <p:bldP spid="62" grpId="2" bldLvl="0" animBg="1"/>
+      <p:bldP spid="63" grpId="0" bldLvl="0" animBg="1"/>
+      <p:bldP spid="63" grpId="1" bldLvl="0" animBg="1"/>
+      <p:bldP spid="63" grpId="2" bldLvl="0" animBg="1"/>
+      <p:bldP spid="64" grpId="0" bldLvl="0" animBg="1"/>
+      <p:bldP spid="64" grpId="1" bldLvl="0" animBg="1"/>
+      <p:bldP spid="64" grpId="2" bldLvl="0" animBg="1"/>
+    </p:bldLst>
   </p:timing>
 </p:sld>
 </file>
@@ -2718,8 +5926,8 @@
         </p:nvSpPr>
         <p:spPr>
           <a:xfrm>
-            <a:off x="1270670" y="909514"/>
-            <a:ext cx="8856984" cy="2354491"/>
+            <a:off x="1198662" y="1485578"/>
+            <a:ext cx="8856984" cy="1708160"/>
           </a:xfrm>
           <a:prstGeom prst="rect">
             <a:avLst/>
@@ -2733,23 +5941,23 @@
           <a:lstStyle/>
           <a:p>
             <a:r>
-              <a:rPr lang="en-US" altLang="zh-CN" dirty="0"/>
-              <a:t>2</a:t>
+              <a:rPr lang="en-US" altLang="zh-CN" dirty="0" smtClean="0"/>
+              <a:t>1</a:t>
             </a:r>
             <a:r>
               <a:rPr lang="zh-CN" altLang="en-US" dirty="0" smtClean="0"/>
-              <a:t>、顺序图</a:t>
+              <a:t>、用例图</a:t>
             </a:r>
             <a:endParaRPr lang="en-US" altLang="zh-CN" dirty="0" smtClean="0"/>
           </a:p>
           <a:p>
             <a:r>
               <a:rPr lang="zh-CN" altLang="en-US" dirty="0"/>
-              <a:t>顺序</a:t>
+              <a:t>用</a:t>
             </a:r>
             <a:r>
               <a:rPr lang="zh-CN" altLang="en-US" dirty="0" smtClean="0"/>
-              <a:t>图是最常用的一种图。主要用它来描述对象间的交互关系，着重体现交互的时间顺序。对于顺序图，</a:t>
+              <a:t>例图中的主体内容用例、参与者、通信关联并没有变化。在</a:t>
             </a:r>
             <a:r>
               <a:rPr lang="en-US" altLang="zh-CN" dirty="0" smtClean="0"/>
@@ -2757,136 +5965,23 @@
             </a:r>
             <a:r>
               <a:rPr lang="zh-CN" altLang="en-US" dirty="0" smtClean="0"/>
-              <a:t>主要做了以下三方面的改进。</a:t>
-            </a:r>
-            <a:endParaRPr lang="en-US" altLang="zh-CN" dirty="0" smtClean="0"/>
-          </a:p>
-          <a:p>
+              <a:t>中，为每个用例增加了一个称为</a:t>
+            </a:r>
+            <a:r>
+              <a:rPr lang="en-US" altLang="zh-CN" dirty="0" smtClean="0"/>
+              <a:t>Subject</a:t>
+            </a:r>
             <a:r>
               <a:rPr lang="zh-CN" altLang="en-US" dirty="0" smtClean="0"/>
-              <a:t>（</a:t>
+              <a:t>的特征，这项特征的取值可以作为在逻辑层面划分一组用例的一项依据。用例所属的“系统边界”就是</a:t>
             </a:r>
             <a:r>
               <a:rPr lang="en-US" altLang="zh-CN" dirty="0" smtClean="0"/>
-              <a:t>1</a:t>
+              <a:t>Subject</a:t>
             </a:r>
             <a:r>
               <a:rPr lang="zh-CN" altLang="en-US" dirty="0" smtClean="0"/>
-              <a:t>）允许顺序图中明确地表达分支判断逻辑。</a:t>
-            </a:r>
-            <a:endParaRPr lang="en-US" altLang="zh-CN" dirty="0" smtClean="0"/>
-          </a:p>
-          <a:p>
-            <a:r>
-              <a:rPr lang="zh-CN" altLang="en-US" dirty="0" smtClean="0"/>
-              <a:t>（</a:t>
-            </a:r>
-            <a:r>
-              <a:rPr lang="en-US" altLang="zh-CN" dirty="0" smtClean="0"/>
-              <a:t>2</a:t>
-            </a:r>
-            <a:r>
-              <a:rPr lang="zh-CN" altLang="en-US" dirty="0" smtClean="0"/>
-              <a:t>）允许“纵向”与“横向”地对顺序图进行拆分与引用。</a:t>
-            </a:r>
-            <a:endParaRPr lang="en-US" altLang="zh-CN" dirty="0" smtClean="0"/>
-          </a:p>
-          <a:p>
-            <a:r>
-              <a:rPr lang="zh-CN" altLang="en-US" dirty="0" smtClean="0"/>
-              <a:t>（</a:t>
-            </a:r>
-            <a:r>
-              <a:rPr lang="en-US" altLang="zh-CN" dirty="0" smtClean="0"/>
-              <a:t>3</a:t>
-            </a:r>
-            <a:r>
-              <a:rPr lang="zh-CN" altLang="en-US" dirty="0" smtClean="0"/>
-              <a:t>）提供了一种新图，称为“交互概况图”，可以直观地表达一组相关顺序图之间的转向逻辑。</a:t>
-            </a:r>
-            <a:endParaRPr lang="en-US" altLang="zh-CN" dirty="0" smtClean="0"/>
-          </a:p>
-        </p:txBody>
-      </p:sp>
-      <p:pic>
-        <p:nvPicPr>
-          <p:cNvPr id="1026" name="Picture 2"/>
-          <p:cNvPicPr>
-            <a:picLocks noChangeAspect="1" noChangeArrowheads="1"/>
-          </p:cNvPicPr>
-          <p:nvPr/>
-        </p:nvPicPr>
-        <p:blipFill>
-          <a:blip r:embed="rId1" cstate="print">
-            <a:extLst>
-              <a:ext uri="{28A0092B-C50C-407E-A947-70E740481C1C}">
-                <a14:useLocalDpi xmlns:a14="http://schemas.microsoft.com/office/drawing/2010/main" val="0"/>
-              </a:ext>
-            </a:extLst>
-          </a:blip>
-          <a:srcRect/>
-          <a:stretch>
-            <a:fillRect/>
-          </a:stretch>
-        </p:blipFill>
-        <p:spPr bwMode="auto">
-          <a:xfrm rot="16200000">
-            <a:off x="4172287" y="3035468"/>
-            <a:ext cx="3701823" cy="3744417"/>
-          </a:xfrm>
-          <a:prstGeom prst="rect">
-            <a:avLst/>
-          </a:prstGeom>
-          <a:noFill/>
-          <a:ln>
-            <a:noFill/>
-          </a:ln>
-          <a:extLst>
-            <a:ext uri="{909E8E84-426E-40DD-AFC4-6F175D3DCCD1}">
-              <a14:hiddenFill xmlns:a14="http://schemas.microsoft.com/office/drawing/2010/main">
-                <a:solidFill>
-                  <a:schemeClr val="accent1"/>
-                </a:solidFill>
-              </a14:hiddenFill>
-            </a:ext>
-            <a:ext uri="{91240B29-F687-4F45-9708-019B960494DF}">
-              <a14:hiddenLine xmlns:a14="http://schemas.microsoft.com/office/drawing/2010/main" w="9525">
-                <a:solidFill>
-                  <a:schemeClr val="tx1"/>
-                </a:solidFill>
-                <a:miter lim="800000"/>
-                <a:headEnd/>
-                <a:tailEnd/>
-              </a14:hiddenLine>
-            </a:ext>
-          </a:extLst>
-        </p:spPr>
-      </p:pic>
-      <p:sp>
-        <p:nvSpPr>
-          <p:cNvPr id="7" name="TextBox 6"/>
-          <p:cNvSpPr txBox="1"/>
-          <p:nvPr/>
-        </p:nvSpPr>
-        <p:spPr>
-          <a:xfrm>
-            <a:off x="3430910" y="4079585"/>
-            <a:ext cx="507831" cy="1656184"/>
-          </a:xfrm>
-          <a:prstGeom prst="rect">
-            <a:avLst/>
-          </a:prstGeom>
-          <a:noFill/>
-        </p:spPr>
-        <p:txBody>
-          <a:bodyPr vert="eaVert" wrap="square" rtlCol="0">
-            <a:spAutoFit/>
-          </a:bodyPr>
-          <a:lstStyle/>
-          <a:p>
-            <a:r>
-              <a:rPr lang="zh-CN" altLang="en-US" dirty="0" smtClean="0"/>
-              <a:t>交互概况图</a:t>
+              <a:t>的一种典型例子。</a:t>
             </a:r>
             <a:endParaRPr lang="zh-CN" altLang="en-US" dirty="0"/>
           </a:p>
@@ -3115,8 +6210,8 @@
         </p:nvSpPr>
         <p:spPr>
           <a:xfrm>
-            <a:off x="1198662" y="1773610"/>
-            <a:ext cx="8856984" cy="1384995"/>
+            <a:off x="1270670" y="909514"/>
+            <a:ext cx="8856984" cy="2354491"/>
           </a:xfrm>
           <a:prstGeom prst="rect">
             <a:avLst/>
@@ -3131,18 +6226,22 @@
           <a:p>
             <a:r>
               <a:rPr lang="en-US" altLang="zh-CN" dirty="0"/>
-              <a:t>3</a:t>
+              <a:t>2</a:t>
             </a:r>
             <a:r>
               <a:rPr lang="zh-CN" altLang="en-US" dirty="0" smtClean="0"/>
-              <a:t>、活动图</a:t>
+              <a:t>、顺序图</a:t>
             </a:r>
             <a:endParaRPr lang="en-US" altLang="zh-CN" dirty="0" smtClean="0"/>
           </a:p>
           <a:p>
             <a:r>
+              <a:rPr lang="zh-CN" altLang="en-US" dirty="0"/>
+              <a:t>顺序</a:t>
+            </a:r>
+            <a:r>
               <a:rPr lang="zh-CN" altLang="en-US" dirty="0" smtClean="0"/>
-              <a:t>互动图是比较常用的一种图，接近于流程图。在</a:t>
+              <a:t>图是最常用的一种图。主要用它来描述对象间的交互关系，着重体现交互的时间顺序。对于顺序图，</a:t>
             </a:r>
             <a:r>
               <a:rPr lang="en-US" altLang="zh-CN" dirty="0" smtClean="0"/>
@@ -3150,13 +6249,147 @@
             </a:r>
             <a:r>
               <a:rPr lang="zh-CN" altLang="en-US" dirty="0" smtClean="0"/>
-              <a:t>中，活动图增加了许多新特性。例如，泳道可以划分成层次，增加丰富的同步表达能力，在活动图中引入对象等特性。</a:t>
+              <a:t>主要做了以下三方面的改进。</a:t>
+            </a:r>
+            <a:endParaRPr lang="en-US" altLang="zh-CN" dirty="0" smtClean="0"/>
+          </a:p>
+          <a:p>
+            <a:r>
+              <a:rPr lang="zh-CN" altLang="en-US" dirty="0" smtClean="0"/>
+              <a:t>（</a:t>
+            </a:r>
+            <a:r>
+              <a:rPr lang="en-US" altLang="zh-CN" dirty="0" smtClean="0"/>
+              <a:t>1</a:t>
+            </a:r>
+            <a:r>
+              <a:rPr lang="zh-CN" altLang="en-US" dirty="0" smtClean="0"/>
+              <a:t>）允许顺序图中明确地表达分支判断逻辑。</a:t>
+            </a:r>
+            <a:endParaRPr lang="en-US" altLang="zh-CN" dirty="0" smtClean="0"/>
+          </a:p>
+          <a:p>
+            <a:r>
+              <a:rPr lang="zh-CN" altLang="en-US" dirty="0" smtClean="0"/>
+              <a:t>（</a:t>
+            </a:r>
+            <a:r>
+              <a:rPr lang="en-US" altLang="zh-CN" dirty="0" smtClean="0"/>
+              <a:t>2</a:t>
+            </a:r>
+            <a:r>
+              <a:rPr lang="zh-CN" altLang="en-US" dirty="0" smtClean="0"/>
+              <a:t>）允许“纵向”与“横向”地对顺序图进行拆分与引用。</a:t>
+            </a:r>
+            <a:endParaRPr lang="en-US" altLang="zh-CN" dirty="0" smtClean="0"/>
+          </a:p>
+          <a:p>
+            <a:r>
+              <a:rPr lang="zh-CN" altLang="en-US" dirty="0" smtClean="0"/>
+              <a:t>（</a:t>
+            </a:r>
+            <a:r>
+              <a:rPr lang="en-US" altLang="zh-CN" dirty="0" smtClean="0"/>
+              <a:t>3</a:t>
+            </a:r>
+            <a:r>
+              <a:rPr lang="zh-CN" altLang="en-US" dirty="0" smtClean="0"/>
+              <a:t>）提供了一种新图，称为“交互概况图”，可以直观地表达一组相关顺序图之间的转向逻辑。</a:t>
+            </a:r>
+            <a:endParaRPr lang="en-US" altLang="zh-CN" dirty="0" smtClean="0"/>
+          </a:p>
+        </p:txBody>
+      </p:sp>
+      <p:pic>
+        <p:nvPicPr>
+          <p:cNvPr id="1026" name="Picture 2"/>
+          <p:cNvPicPr>
+            <a:picLocks noChangeAspect="1" noChangeArrowheads="1"/>
+          </p:cNvPicPr>
+          <p:nvPr/>
+        </p:nvPicPr>
+        <p:blipFill>
+          <a:blip r:embed="rId2" cstate="print">
+            <a:extLst>
+              <a:ext uri="{28A0092B-C50C-407E-A947-70E740481C1C}">
+                <a14:useLocalDpi xmlns:a14="http://schemas.microsoft.com/office/drawing/2010/main" val="0"/>
+              </a:ext>
+            </a:extLst>
+          </a:blip>
+          <a:srcRect/>
+          <a:stretch>
+            <a:fillRect/>
+          </a:stretch>
+        </p:blipFill>
+        <p:spPr bwMode="auto">
+          <a:xfrm rot="16200000">
+            <a:off x="4172287" y="3035468"/>
+            <a:ext cx="3701823" cy="3744417"/>
+          </a:xfrm>
+          <a:prstGeom prst="rect">
+            <a:avLst/>
+          </a:prstGeom>
+          <a:noFill/>
+          <a:ln>
+            <a:noFill/>
+          </a:ln>
+          <a:extLst>
+            <a:ext uri="{909E8E84-426E-40DD-AFC4-6F175D3DCCD1}">
+              <a14:hiddenFill xmlns:a14="http://schemas.microsoft.com/office/drawing/2010/main">
+                <a:solidFill>
+                  <a:schemeClr val="accent1"/>
+                </a:solidFill>
+              </a14:hiddenFill>
+            </a:ext>
+            <a:ext uri="{91240B29-F687-4F45-9708-019B960494DF}">
+              <a14:hiddenLine xmlns:a14="http://schemas.microsoft.com/office/drawing/2010/main" w="9525">
+                <a:solidFill>
+                  <a:schemeClr val="tx1"/>
+                </a:solidFill>
+                <a:miter lim="800000"/>
+                <a:headEnd/>
+                <a:tailEnd/>
+              </a14:hiddenLine>
+            </a:ext>
+          </a:extLst>
+        </p:spPr>
+      </p:pic>
+      <p:sp>
+        <p:nvSpPr>
+          <p:cNvPr id="7" name="TextBox 6"/>
+          <p:cNvSpPr txBox="1"/>
+          <p:nvPr/>
+        </p:nvSpPr>
+        <p:spPr>
+          <a:xfrm>
+            <a:off x="3430910" y="4079585"/>
+            <a:ext cx="507831" cy="1656184"/>
+          </a:xfrm>
+          <a:prstGeom prst="rect">
+            <a:avLst/>
+          </a:prstGeom>
+          <a:noFill/>
+        </p:spPr>
+        <p:txBody>
+          <a:bodyPr vert="eaVert" wrap="square" rtlCol="0">
+            <a:spAutoFit/>
+          </a:bodyPr>
+          <a:lstStyle/>
+          <a:p>
+            <a:r>
+              <a:rPr lang="zh-CN" altLang="en-US" dirty="0" smtClean="0"/>
+              <a:t>交互概况图</a:t>
             </a:r>
             <a:endParaRPr lang="zh-CN" altLang="en-US" dirty="0"/>
           </a:p>
         </p:txBody>
       </p:sp>
     </p:spTree>
+    <p:extLst>
+      <p:ext uri="{BB962C8B-B14F-4D97-AF65-F5344CB8AC3E}">
+        <p14:creationId xmlns:p14="http://schemas.microsoft.com/office/powerpoint/2010/main" val="3832698257"/>
+      </p:ext>
+    </p:extLst>
   </p:cSld>
   <p:clrMapOvr>
     <a:masterClrMapping/>
@@ -3380,7 +6613,7 @@
         <p:spPr>
           <a:xfrm>
             <a:off x="1198662" y="1773610"/>
-            <a:ext cx="8856984" cy="2031325"/>
+            <a:ext cx="8856984" cy="1384995"/>
           </a:xfrm>
           <a:prstGeom prst="rect">
             <a:avLst/>
@@ -3394,26 +6627,19 @@
           <a:lstStyle/>
           <a:p>
             <a:r>
-              <a:rPr lang="en-US" altLang="zh-CN" dirty="0" smtClean="0"/>
-              <a:t>4</a:t>
+              <a:rPr lang="en-US" altLang="zh-CN" dirty="0"/>
+              <a:t>3</a:t>
             </a:r>
             <a:r>
               <a:rPr lang="zh-CN" altLang="en-US" dirty="0" smtClean="0"/>
-              <a:t>、构件图</a:t>
+              <a:t>、活动图</a:t>
             </a:r>
             <a:endParaRPr lang="en-US" altLang="zh-CN" dirty="0" smtClean="0"/>
           </a:p>
           <a:p>
             <a:r>
               <a:rPr lang="zh-CN" altLang="en-US" dirty="0" smtClean="0"/>
-              <a:t>构件图是在物理层面对系统结构及内容的直观描述，最接近于通常意义上的模块结构图。</a:t>
-            </a:r>
-            <a:endParaRPr lang="en-US" altLang="zh-CN" dirty="0" smtClean="0"/>
-          </a:p>
-          <a:p>
-            <a:r>
-              <a:rPr lang="zh-CN" altLang="en-US" dirty="0" smtClean="0"/>
-              <a:t>在</a:t>
+              <a:t>互动图是比较常用的一种图，接近于流程图。在</a:t>
             </a:r>
             <a:r>
               <a:rPr lang="en-US" altLang="zh-CN" dirty="0" smtClean="0"/>
@@ -3421,13 +6647,18 @@
             </a:r>
             <a:r>
               <a:rPr lang="zh-CN" altLang="en-US" dirty="0" smtClean="0"/>
-              <a:t>中，构件图有比较明显的改进。组件本身内容的表达更清晰，包括组件所提供的接口、所要求的接口、组件之间的依赖关系通过“组装连接器”更加明确地表达等。</a:t>
+              <a:t>中，活动图增加了许多新特性。例如，泳道可以划分成层次，增加丰富的同步表达能力，在活动图中引入对象等特性。</a:t>
             </a:r>
             <a:endParaRPr lang="zh-CN" altLang="en-US" dirty="0"/>
           </a:p>
         </p:txBody>
       </p:sp>
     </p:spTree>
+    <p:extLst>
+      <p:ext uri="{BB962C8B-B14F-4D97-AF65-F5344CB8AC3E}">
+        <p14:creationId xmlns:p14="http://schemas.microsoft.com/office/powerpoint/2010/main" val="3832698257"/>
+      </p:ext>
+    </p:extLst>
   </p:cSld>
   <p:clrMapOvr>
     <a:masterClrMapping/>
@@ -3666,260 +6897,44 @@
           <a:p>
             <a:r>
               <a:rPr lang="en-US" altLang="zh-CN" dirty="0" smtClean="0"/>
-              <a:t>5</a:t>
+              <a:t>4</a:t>
             </a:r>
             <a:r>
               <a:rPr lang="zh-CN" altLang="en-US" dirty="0" smtClean="0"/>
-              <a:t>、新增加的图</a:t>
+              <a:t>、构件图</a:t>
             </a:r>
             <a:endParaRPr lang="en-US" altLang="zh-CN" dirty="0" smtClean="0"/>
           </a:p>
           <a:p>
             <a:r>
-              <a:rPr lang="zh-CN" altLang="en-US" dirty="0"/>
-              <a:t>增加</a:t>
-            </a:r>
-            <a:r>
               <a:rPr lang="zh-CN" altLang="en-US" dirty="0" smtClean="0"/>
-              <a:t>了“包图”、“组合结构图”、“交互概览图”和“时间图”。</a:t>
+              <a:t>构件图是在物理层面对系统结构及内容的直观描述，最接近于通常意义上的模块结构图。</a:t>
             </a:r>
             <a:endParaRPr lang="en-US" altLang="zh-CN" dirty="0" smtClean="0"/>
           </a:p>
           <a:p>
-            <a:endParaRPr lang="en-US" altLang="zh-CN" dirty="0" smtClean="0"/>
-          </a:p>
-          <a:p>
             <a:r>
               <a:rPr lang="zh-CN" altLang="en-US" dirty="0" smtClean="0"/>
-              <a:t>（</a:t>
+              <a:t>在</a:t>
             </a:r>
             <a:r>
               <a:rPr lang="en-US" altLang="zh-CN" dirty="0" smtClean="0"/>
-              <a:t>1</a:t>
+              <a:t>UML2.0</a:t>
             </a:r>
             <a:r>
               <a:rPr lang="zh-CN" altLang="en-US" dirty="0" smtClean="0"/>
-              <a:t>）“包图”展现模型要素的基本组织单元，以及这些组织单元之间的依赖关系，包括引用关系和扩展关系在通用的建模工具中，一般可以用类图描述包图中的逻辑内容。</a:t>
-            </a:r>
-            <a:endParaRPr lang="zh-CN" altLang="en-US" dirty="0"/>
-          </a:p>
-        </p:txBody>
-      </p:sp>
-      <p:sp>
-        <p:nvSpPr>
-          <p:cNvPr id="7" name="矩形 6"/>
-          <p:cNvSpPr/>
-          <p:nvPr/>
-        </p:nvSpPr>
-        <p:spPr>
-          <a:xfrm>
-            <a:off x="1972576" y="4473910"/>
-            <a:ext cx="1224136" cy="432048"/>
-          </a:xfrm>
-          <a:prstGeom prst="rect">
-            <a:avLst/>
-          </a:prstGeom>
-        </p:spPr>
-        <p:style>
-          <a:lnRef idx="2">
-            <a:schemeClr val="accent1">
-              <a:shade val="50000"/>
-            </a:schemeClr>
-          </a:lnRef>
-          <a:fillRef idx="1">
-            <a:schemeClr val="accent1"/>
-          </a:fillRef>
-          <a:effectRef idx="0">
-            <a:schemeClr val="accent1"/>
-          </a:effectRef>
-          <a:fontRef idx="minor">
-            <a:schemeClr val="lt1"/>
-          </a:fontRef>
-        </p:style>
-        <p:txBody>
-          <a:bodyPr rtlCol="0" anchor="ctr"/>
-          <a:lstStyle/>
-          <a:p>
-            <a:pPr algn="ctr"/>
-            <a:r>
-              <a:rPr lang="en-US" altLang="zh-CN" dirty="0" smtClean="0"/>
-              <a:t>UI</a:t>
-            </a:r>
-            <a:endParaRPr lang="zh-CN" altLang="en-US" dirty="0"/>
-          </a:p>
-        </p:txBody>
-      </p:sp>
-      <p:sp>
-        <p:nvSpPr>
-          <p:cNvPr id="8" name="矩形 7"/>
-          <p:cNvSpPr/>
-          <p:nvPr/>
-        </p:nvSpPr>
-        <p:spPr>
-          <a:xfrm>
-            <a:off x="1972576" y="4192969"/>
-            <a:ext cx="612068" cy="288032"/>
-          </a:xfrm>
-          <a:prstGeom prst="rect">
-            <a:avLst/>
-          </a:prstGeom>
-        </p:spPr>
-        <p:style>
-          <a:lnRef idx="2">
-            <a:schemeClr val="accent1">
-              <a:shade val="50000"/>
-            </a:schemeClr>
-          </a:lnRef>
-          <a:fillRef idx="1">
-            <a:schemeClr val="accent1"/>
-          </a:fillRef>
-          <a:effectRef idx="0">
-            <a:schemeClr val="accent1"/>
-          </a:effectRef>
-          <a:fontRef idx="minor">
-            <a:schemeClr val="lt1"/>
-          </a:fontRef>
-        </p:style>
-        <p:txBody>
-          <a:bodyPr rtlCol="0" anchor="ctr"/>
-          <a:lstStyle/>
-          <a:p>
-            <a:pPr algn="ctr"/>
-            <a:endParaRPr lang="zh-CN" altLang="en-US"/>
-          </a:p>
-        </p:txBody>
-      </p:sp>
-      <p:sp>
-        <p:nvSpPr>
-          <p:cNvPr id="9" name="矩形 8"/>
-          <p:cNvSpPr/>
-          <p:nvPr/>
-        </p:nvSpPr>
-        <p:spPr>
-          <a:xfrm>
-            <a:off x="3903817" y="4149874"/>
-            <a:ext cx="612068" cy="288032"/>
-          </a:xfrm>
-          <a:prstGeom prst="rect">
-            <a:avLst/>
-          </a:prstGeom>
-        </p:spPr>
-        <p:style>
-          <a:lnRef idx="2">
-            <a:schemeClr val="accent1">
-              <a:shade val="50000"/>
-            </a:schemeClr>
-          </a:lnRef>
-          <a:fillRef idx="1">
-            <a:schemeClr val="accent1"/>
-          </a:fillRef>
-          <a:effectRef idx="0">
-            <a:schemeClr val="accent1"/>
-          </a:effectRef>
-          <a:fontRef idx="minor">
-            <a:schemeClr val="lt1"/>
-          </a:fontRef>
-        </p:style>
-        <p:txBody>
-          <a:bodyPr rtlCol="0" anchor="ctr"/>
-          <a:lstStyle/>
-          <a:p>
-            <a:pPr algn="ctr"/>
-            <a:endParaRPr lang="zh-CN" altLang="en-US"/>
-          </a:p>
-        </p:txBody>
-      </p:sp>
-      <p:sp>
-        <p:nvSpPr>
-          <p:cNvPr id="10" name="矩形 9"/>
-          <p:cNvSpPr/>
-          <p:nvPr/>
-        </p:nvSpPr>
-        <p:spPr>
-          <a:xfrm>
-            <a:off x="3903817" y="4437906"/>
-            <a:ext cx="2192037" cy="504056"/>
-          </a:xfrm>
-          <a:prstGeom prst="rect">
-            <a:avLst/>
-          </a:prstGeom>
-        </p:spPr>
-        <p:style>
-          <a:lnRef idx="2">
-            <a:schemeClr val="accent1">
-              <a:shade val="50000"/>
-            </a:schemeClr>
-          </a:lnRef>
-          <a:fillRef idx="1">
-            <a:schemeClr val="accent1"/>
-          </a:fillRef>
-          <a:effectRef idx="0">
-            <a:schemeClr val="accent1"/>
-          </a:effectRef>
-          <a:fontRef idx="minor">
-            <a:schemeClr val="lt1"/>
-          </a:fontRef>
-        </p:style>
-        <p:txBody>
-          <a:bodyPr rtlCol="0" anchor="ctr"/>
-          <a:lstStyle/>
-          <a:p>
-            <a:pPr algn="ctr"/>
-            <a:r>
-              <a:rPr lang="en-US" altLang="zh-CN" dirty="0" smtClean="0"/>
-              <a:t>System</a:t>
-            </a:r>
-            <a:r>
-              <a:rPr lang="zh-CN" altLang="en-US" dirty="0" smtClean="0"/>
-              <a:t>：</a:t>
-            </a:r>
-            <a:r>
-              <a:rPr lang="en-US" altLang="zh-CN" dirty="0" smtClean="0"/>
-              <a:t>Web</a:t>
-            </a:r>
-            <a:r>
-              <a:rPr lang="zh-CN" altLang="en-US" dirty="0" smtClean="0"/>
-              <a:t>：</a:t>
-            </a:r>
-            <a:r>
-              <a:rPr lang="en-US" altLang="zh-CN" dirty="0" smtClean="0"/>
-              <a:t>U</a:t>
-            </a:r>
-            <a:endParaRPr lang="zh-CN" altLang="en-US" dirty="0"/>
-          </a:p>
-        </p:txBody>
-      </p:sp>
-      <p:sp>
-        <p:nvSpPr>
-          <p:cNvPr id="11" name="TextBox 10"/>
-          <p:cNvSpPr txBox="1"/>
-          <p:nvPr/>
-        </p:nvSpPr>
-        <p:spPr>
-          <a:xfrm>
-            <a:off x="3375529" y="5134662"/>
-            <a:ext cx="1140356" cy="415498"/>
-          </a:xfrm>
-          <a:prstGeom prst="rect">
-            <a:avLst/>
-          </a:prstGeom>
-          <a:noFill/>
-        </p:spPr>
-        <p:txBody>
-          <a:bodyPr wrap="square" rtlCol="0">
-            <a:spAutoFit/>
-          </a:bodyPr>
-          <a:lstStyle/>
-          <a:p>
-            <a:r>
-              <a:rPr lang="zh-CN" altLang="en-US" dirty="0" smtClean="0"/>
-              <a:t>包图</a:t>
+              <a:t>中，构件图有比较明显的改进。组件本身内容的表达更清晰，包括组件所提供的接口、所要求的接口、组件之间的依赖关系通过“组装连接器”更加明确地表达等。</a:t>
             </a:r>
             <a:endParaRPr lang="zh-CN" altLang="en-US" dirty="0"/>
           </a:p>
         </p:txBody>
       </p:sp>
     </p:spTree>
+    <p:extLst>
+      <p:ext uri="{BB962C8B-B14F-4D97-AF65-F5344CB8AC3E}">
+        <p14:creationId xmlns:p14="http://schemas.microsoft.com/office/powerpoint/2010/main" val="1404009209"/>
+      </p:ext>
+    </p:extLst>
   </p:cSld>
   <p:clrMapOvr>
     <a:masterClrMapping/>
@@ -4143,7 +7158,7 @@
         <p:spPr>
           <a:xfrm>
             <a:off x="1198662" y="1773610"/>
-            <a:ext cx="8856984" cy="1384995"/>
+            <a:ext cx="8856984" cy="2031325"/>
           </a:xfrm>
           <a:prstGeom prst="rect">
             <a:avLst/>
@@ -4157,83 +7172,266 @@
           <a:lstStyle/>
           <a:p>
             <a:r>
+              <a:rPr lang="en-US" altLang="zh-CN" dirty="0" smtClean="0"/>
+              <a:t>5</a:t>
+            </a:r>
+            <a:r>
+              <a:rPr lang="zh-CN" altLang="en-US" dirty="0" smtClean="0"/>
+              <a:t>、新增加的图</a:t>
+            </a:r>
+            <a:endParaRPr lang="en-US" altLang="zh-CN" dirty="0" smtClean="0"/>
+          </a:p>
+          <a:p>
+            <a:r>
+              <a:rPr lang="zh-CN" altLang="en-US" dirty="0"/>
+              <a:t>增加</a:t>
+            </a:r>
+            <a:r>
+              <a:rPr lang="zh-CN" altLang="en-US" dirty="0" smtClean="0"/>
+              <a:t>了“包图”、“组合结构图”、“交互概览图”和“时间图”。</a:t>
+            </a:r>
+            <a:endParaRPr lang="en-US" altLang="zh-CN" dirty="0" smtClean="0"/>
+          </a:p>
+          <a:p>
+            <a:endParaRPr lang="en-US" altLang="zh-CN" dirty="0" smtClean="0"/>
+          </a:p>
+          <a:p>
+            <a:r>
               <a:rPr lang="zh-CN" altLang="en-US" dirty="0" smtClean="0"/>
               <a:t>（</a:t>
             </a:r>
             <a:r>
               <a:rPr lang="en-US" altLang="zh-CN" dirty="0" smtClean="0"/>
-              <a:t>2</a:t>
+              <a:t>1</a:t>
             </a:r>
             <a:r>
               <a:rPr lang="zh-CN" altLang="en-US" dirty="0" smtClean="0"/>
-              <a:t>）组合结构图</a:t>
-            </a:r>
-            <a:endParaRPr lang="en-US" altLang="zh-CN" dirty="0"/>
-          </a:p>
-          <a:p>
-            <a:r>
-              <a:rPr lang="zh-CN" altLang="en-US" dirty="0" smtClean="0"/>
-              <a:t>“组合结构图”描述系统中的某一部分（即“组合结构”）的内部内容，包括该部分与系统其他部分的交互点，这种图能够展示该部分内容“内部”参与者的配置情况。</a:t>
+              <a:t>）“包图”展现模型要素的基本组织单元，以及这些组织单元之间的依赖关系，包括引用关系和扩展关系在通用的建模工具中，一般可以用类图描述包图中的逻辑内容。</a:t>
             </a:r>
             <a:endParaRPr lang="zh-CN" altLang="en-US" dirty="0"/>
           </a:p>
         </p:txBody>
       </p:sp>
-      <p:pic>
-        <p:nvPicPr>
-          <p:cNvPr id="3074" name="Picture 2"/>
-          <p:cNvPicPr>
-            <a:picLocks noChangeAspect="1" noChangeArrowheads="1"/>
-          </p:cNvPicPr>
+      <p:sp>
+        <p:nvSpPr>
+          <p:cNvPr id="7" name="矩形 6"/>
+          <p:cNvSpPr/>
           <p:nvPr/>
-        </p:nvPicPr>
-        <p:blipFill>
-          <a:blip r:embed="rId1">
-            <a:extLst>
-              <a:ext uri="{28A0092B-C50C-407E-A947-70E740481C1C}">
-                <a14:useLocalDpi xmlns:a14="http://schemas.microsoft.com/office/drawing/2010/main" val="0"/>
-              </a:ext>
-            </a:extLst>
-          </a:blip>
-          <a:srcRect/>
-          <a:stretch>
-            <a:fillRect/>
-          </a:stretch>
-        </p:blipFill>
-        <p:spPr bwMode="auto">
-          <a:xfrm rot="16200000">
-            <a:off x="3948444" y="1565499"/>
-            <a:ext cx="3357418" cy="6478909"/>
+        </p:nvSpPr>
+        <p:spPr>
+          <a:xfrm>
+            <a:off x="1972576" y="4473910"/>
+            <a:ext cx="1224136" cy="432048"/>
+          </a:xfrm>
+          <a:prstGeom prst="rect">
+            <a:avLst/>
+          </a:prstGeom>
+        </p:spPr>
+        <p:style>
+          <a:lnRef idx="2">
+            <a:schemeClr val="accent1">
+              <a:shade val="50000"/>
+            </a:schemeClr>
+          </a:lnRef>
+          <a:fillRef idx="1">
+            <a:schemeClr val="accent1"/>
+          </a:fillRef>
+          <a:effectRef idx="0">
+            <a:schemeClr val="accent1"/>
+          </a:effectRef>
+          <a:fontRef idx="minor">
+            <a:schemeClr val="lt1"/>
+          </a:fontRef>
+        </p:style>
+        <p:txBody>
+          <a:bodyPr rtlCol="0" anchor="ctr"/>
+          <a:lstStyle/>
+          <a:p>
+            <a:pPr algn="ctr"/>
+            <a:r>
+              <a:rPr lang="en-US" altLang="zh-CN" dirty="0" smtClean="0"/>
+              <a:t>UI</a:t>
+            </a:r>
+            <a:endParaRPr lang="zh-CN" altLang="en-US" dirty="0"/>
+          </a:p>
+        </p:txBody>
+      </p:sp>
+      <p:sp>
+        <p:nvSpPr>
+          <p:cNvPr id="8" name="矩形 7"/>
+          <p:cNvSpPr/>
+          <p:nvPr/>
+        </p:nvSpPr>
+        <p:spPr>
+          <a:xfrm>
+            <a:off x="1972576" y="4192969"/>
+            <a:ext cx="612068" cy="288032"/>
+          </a:xfrm>
+          <a:prstGeom prst="rect">
+            <a:avLst/>
+          </a:prstGeom>
+        </p:spPr>
+        <p:style>
+          <a:lnRef idx="2">
+            <a:schemeClr val="accent1">
+              <a:shade val="50000"/>
+            </a:schemeClr>
+          </a:lnRef>
+          <a:fillRef idx="1">
+            <a:schemeClr val="accent1"/>
+          </a:fillRef>
+          <a:effectRef idx="0">
+            <a:schemeClr val="accent1"/>
+          </a:effectRef>
+          <a:fontRef idx="minor">
+            <a:schemeClr val="lt1"/>
+          </a:fontRef>
+        </p:style>
+        <p:txBody>
+          <a:bodyPr rtlCol="0" anchor="ctr"/>
+          <a:lstStyle/>
+          <a:p>
+            <a:pPr algn="ctr"/>
+            <a:endParaRPr lang="zh-CN" altLang="en-US"/>
+          </a:p>
+        </p:txBody>
+      </p:sp>
+      <p:sp>
+        <p:nvSpPr>
+          <p:cNvPr id="9" name="矩形 8"/>
+          <p:cNvSpPr/>
+          <p:nvPr/>
+        </p:nvSpPr>
+        <p:spPr>
+          <a:xfrm>
+            <a:off x="3903817" y="4149874"/>
+            <a:ext cx="612068" cy="288032"/>
+          </a:xfrm>
+          <a:prstGeom prst="rect">
+            <a:avLst/>
+          </a:prstGeom>
+        </p:spPr>
+        <p:style>
+          <a:lnRef idx="2">
+            <a:schemeClr val="accent1">
+              <a:shade val="50000"/>
+            </a:schemeClr>
+          </a:lnRef>
+          <a:fillRef idx="1">
+            <a:schemeClr val="accent1"/>
+          </a:fillRef>
+          <a:effectRef idx="0">
+            <a:schemeClr val="accent1"/>
+          </a:effectRef>
+          <a:fontRef idx="minor">
+            <a:schemeClr val="lt1"/>
+          </a:fontRef>
+        </p:style>
+        <p:txBody>
+          <a:bodyPr rtlCol="0" anchor="ctr"/>
+          <a:lstStyle/>
+          <a:p>
+            <a:pPr algn="ctr"/>
+            <a:endParaRPr lang="zh-CN" altLang="en-US"/>
+          </a:p>
+        </p:txBody>
+      </p:sp>
+      <p:sp>
+        <p:nvSpPr>
+          <p:cNvPr id="10" name="矩形 9"/>
+          <p:cNvSpPr/>
+          <p:nvPr/>
+        </p:nvSpPr>
+        <p:spPr>
+          <a:xfrm>
+            <a:off x="3903817" y="4437906"/>
+            <a:ext cx="2192037" cy="504056"/>
+          </a:xfrm>
+          <a:prstGeom prst="rect">
+            <a:avLst/>
+          </a:prstGeom>
+        </p:spPr>
+        <p:style>
+          <a:lnRef idx="2">
+            <a:schemeClr val="accent1">
+              <a:shade val="50000"/>
+            </a:schemeClr>
+          </a:lnRef>
+          <a:fillRef idx="1">
+            <a:schemeClr val="accent1"/>
+          </a:fillRef>
+          <a:effectRef idx="0">
+            <a:schemeClr val="accent1"/>
+          </a:effectRef>
+          <a:fontRef idx="minor">
+            <a:schemeClr val="lt1"/>
+          </a:fontRef>
+        </p:style>
+        <p:txBody>
+          <a:bodyPr rtlCol="0" anchor="ctr"/>
+          <a:lstStyle/>
+          <a:p>
+            <a:pPr algn="ctr"/>
+            <a:r>
+              <a:rPr lang="en-US" altLang="zh-CN" dirty="0" smtClean="0"/>
+              <a:t>System</a:t>
+            </a:r>
+            <a:r>
+              <a:rPr lang="zh-CN" altLang="en-US" dirty="0" smtClean="0"/>
+              <a:t>：</a:t>
+            </a:r>
+            <a:r>
+              <a:rPr lang="en-US" altLang="zh-CN" dirty="0" smtClean="0"/>
+              <a:t>Web</a:t>
+            </a:r>
+            <a:r>
+              <a:rPr lang="zh-CN" altLang="en-US" dirty="0" smtClean="0"/>
+              <a:t>：</a:t>
+            </a:r>
+            <a:r>
+              <a:rPr lang="en-US" altLang="zh-CN" dirty="0" smtClean="0"/>
+              <a:t>U</a:t>
+            </a:r>
+            <a:endParaRPr lang="zh-CN" altLang="en-US" dirty="0"/>
+          </a:p>
+        </p:txBody>
+      </p:sp>
+      <p:sp>
+        <p:nvSpPr>
+          <p:cNvPr id="11" name="TextBox 10"/>
+          <p:cNvSpPr txBox="1"/>
+          <p:nvPr/>
+        </p:nvSpPr>
+        <p:spPr>
+          <a:xfrm>
+            <a:off x="3375529" y="5134662"/>
+            <a:ext cx="1140356" cy="415498"/>
           </a:xfrm>
           <a:prstGeom prst="rect">
             <a:avLst/>
           </a:prstGeom>
           <a:noFill/>
-          <a:ln>
-            <a:noFill/>
-          </a:ln>
-          <a:extLst>
-            <a:ext uri="{909E8E84-426E-40DD-AFC4-6F175D3DCCD1}">
-              <a14:hiddenFill xmlns:a14="http://schemas.microsoft.com/office/drawing/2010/main">
-                <a:solidFill>
-                  <a:schemeClr val="accent1"/>
-                </a:solidFill>
-              </a14:hiddenFill>
-            </a:ext>
-            <a:ext uri="{91240B29-F687-4F45-9708-019B960494DF}">
-              <a14:hiddenLine xmlns:a14="http://schemas.microsoft.com/office/drawing/2010/main" w="9525">
-                <a:solidFill>
-                  <a:schemeClr val="tx1"/>
-                </a:solidFill>
-                <a:miter lim="800000"/>
-                <a:headEnd/>
-                <a:tailEnd/>
-              </a14:hiddenLine>
-            </a:ext>
-          </a:extLst>
         </p:spPr>
-      </p:pic>
+        <p:txBody>
+          <a:bodyPr wrap="square" rtlCol="0">
+            <a:spAutoFit/>
+          </a:bodyPr>
+          <a:lstStyle/>
+          <a:p>
+            <a:r>
+              <a:rPr lang="zh-CN" altLang="en-US" dirty="0" smtClean="0"/>
+              <a:t>包图</a:t>
+            </a:r>
+            <a:endParaRPr lang="zh-CN" altLang="en-US" dirty="0"/>
+          </a:p>
+        </p:txBody>
+      </p:sp>
     </p:spTree>
+    <p:extLst>
+      <p:ext uri="{BB962C8B-B14F-4D97-AF65-F5344CB8AC3E}">
+        <p14:creationId xmlns:p14="http://schemas.microsoft.com/office/powerpoint/2010/main" val="1468091667"/>
+      </p:ext>
+    </p:extLst>
   </p:cSld>
   <p:clrMapOvr>
     <a:masterClrMapping/>
@@ -4471,6 +7669,325 @@
           <a:lstStyle/>
           <a:p>
             <a:r>
+              <a:rPr lang="zh-CN" altLang="en-US" dirty="0" smtClean="0"/>
+              <a:t>（</a:t>
+            </a:r>
+            <a:r>
+              <a:rPr lang="en-US" altLang="zh-CN" dirty="0" smtClean="0"/>
+              <a:t>2</a:t>
+            </a:r>
+            <a:r>
+              <a:rPr lang="zh-CN" altLang="en-US" dirty="0" smtClean="0"/>
+              <a:t>）组合结构图</a:t>
+            </a:r>
+            <a:endParaRPr lang="en-US" altLang="zh-CN" dirty="0"/>
+          </a:p>
+          <a:p>
+            <a:r>
+              <a:rPr lang="zh-CN" altLang="en-US" dirty="0" smtClean="0"/>
+              <a:t>“组合结构图”描述系统中的某一部分（即“组合结构”）的内部内容，包括该部分与系统其他部分的交互点，这种图能够展示该部分内容“内部”参与者的配置情况。</a:t>
+            </a:r>
+            <a:endParaRPr lang="zh-CN" altLang="en-US" dirty="0"/>
+          </a:p>
+        </p:txBody>
+      </p:sp>
+      <p:pic>
+        <p:nvPicPr>
+          <p:cNvPr id="3074" name="Picture 2"/>
+          <p:cNvPicPr>
+            <a:picLocks noChangeAspect="1" noChangeArrowheads="1"/>
+          </p:cNvPicPr>
+          <p:nvPr/>
+        </p:nvPicPr>
+        <p:blipFill>
+          <a:blip r:embed="rId2">
+            <a:extLst>
+              <a:ext uri="{28A0092B-C50C-407E-A947-70E740481C1C}">
+                <a14:useLocalDpi xmlns:a14="http://schemas.microsoft.com/office/drawing/2010/main" val="0"/>
+              </a:ext>
+            </a:extLst>
+          </a:blip>
+          <a:srcRect/>
+          <a:stretch>
+            <a:fillRect/>
+          </a:stretch>
+        </p:blipFill>
+        <p:spPr bwMode="auto">
+          <a:xfrm rot="16200000">
+            <a:off x="3948444" y="1565499"/>
+            <a:ext cx="3357418" cy="6478909"/>
+          </a:xfrm>
+          <a:prstGeom prst="rect">
+            <a:avLst/>
+          </a:prstGeom>
+          <a:noFill/>
+          <a:ln>
+            <a:noFill/>
+          </a:ln>
+          <a:extLst>
+            <a:ext uri="{909E8E84-426E-40DD-AFC4-6F175D3DCCD1}">
+              <a14:hiddenFill xmlns:a14="http://schemas.microsoft.com/office/drawing/2010/main">
+                <a:solidFill>
+                  <a:schemeClr val="accent1"/>
+                </a:solidFill>
+              </a14:hiddenFill>
+            </a:ext>
+            <a:ext uri="{91240B29-F687-4F45-9708-019B960494DF}">
+              <a14:hiddenLine xmlns:a14="http://schemas.microsoft.com/office/drawing/2010/main" w="9525">
+                <a:solidFill>
+                  <a:schemeClr val="tx1"/>
+                </a:solidFill>
+                <a:miter lim="800000"/>
+                <a:headEnd/>
+                <a:tailEnd/>
+              </a14:hiddenLine>
+            </a:ext>
+          </a:extLst>
+        </p:spPr>
+      </p:pic>
+    </p:spTree>
+    <p:extLst>
+      <p:ext uri="{BB962C8B-B14F-4D97-AF65-F5344CB8AC3E}">
+        <p14:creationId xmlns:p14="http://schemas.microsoft.com/office/powerpoint/2010/main" val="2032417168"/>
+      </p:ext>
+    </p:extLst>
+  </p:cSld>
+  <p:clrMapOvr>
+    <a:masterClrMapping/>
+  </p:clrMapOvr>
+  <p:transition spd="slow" advClick="0" advTm="0">
+    <p:wipe/>
+  </p:transition>
+  <p:timing>
+    <p:tnLst>
+      <p:par>
+        <p:cTn id="1" dur="indefinite" restart="never" nodeType="tmRoot"/>
+      </p:par>
+    </p:tnLst>
+  </p:timing>
+</p:sld>
+</file>
+
+<file path=ppt/slides/slide8.xml><?xml version="1.0" encoding="utf-8"?>
+<p:sld xmlns:a="http://schemas.openxmlformats.org/drawingml/2006/main" xmlns:r="http://schemas.openxmlformats.org/officeDocument/2006/relationships" xmlns:p="http://schemas.openxmlformats.org/presentationml/2006/main">
+  <p:cSld>
+    <p:spTree>
+      <p:nvGrpSpPr>
+        <p:cNvPr id="1" name=""/>
+        <p:cNvGrpSpPr/>
+        <p:nvPr/>
+      </p:nvGrpSpPr>
+      <p:grpSpPr>
+        <a:xfrm>
+          <a:off x="0" y="0"/>
+          <a:ext cx="0" cy="0"/>
+          <a:chOff x="0" y="0"/>
+          <a:chExt cx="0" cy="0"/>
+        </a:xfrm>
+      </p:grpSpPr>
+      <p:sp>
+        <p:nvSpPr>
+          <p:cNvPr id="2" name="矩形 1"/>
+          <p:cNvSpPr/>
+          <p:nvPr/>
+        </p:nvSpPr>
+        <p:spPr>
+          <a:xfrm>
+            <a:off x="237030" y="1171"/>
+            <a:ext cx="1608415" cy="135446"/>
+          </a:xfrm>
+          <a:prstGeom prst="rect">
+            <a:avLst/>
+          </a:prstGeom>
+          <a:solidFill>
+            <a:srgbClr val="183A5D"/>
+          </a:solidFill>
+          <a:ln>
+            <a:noFill/>
+          </a:ln>
+        </p:spPr>
+        <p:style>
+          <a:lnRef idx="2">
+            <a:schemeClr val="accent1">
+              <a:shade val="50000"/>
+            </a:schemeClr>
+          </a:lnRef>
+          <a:fillRef idx="1">
+            <a:schemeClr val="accent1"/>
+          </a:fillRef>
+          <a:effectRef idx="0">
+            <a:schemeClr val="accent1"/>
+          </a:effectRef>
+          <a:fontRef idx="minor">
+            <a:schemeClr val="lt1"/>
+          </a:fontRef>
+        </p:style>
+        <p:txBody>
+          <a:bodyPr rtlCol="0" anchor="ctr"/>
+          <a:lstStyle/>
+          <a:p>
+            <a:pPr algn="ctr"/>
+            <a:endParaRPr lang="zh-CN" altLang="en-US" sz="2800"/>
+          </a:p>
+        </p:txBody>
+      </p:sp>
+      <p:sp>
+        <p:nvSpPr>
+          <p:cNvPr id="3" name="矩形 2"/>
+          <p:cNvSpPr/>
+          <p:nvPr/>
+        </p:nvSpPr>
+        <p:spPr>
+          <a:xfrm>
+            <a:off x="237030" y="255131"/>
+            <a:ext cx="1608415" cy="406336"/>
+          </a:xfrm>
+          <a:prstGeom prst="rect">
+            <a:avLst/>
+          </a:prstGeom>
+          <a:solidFill>
+            <a:srgbClr val="183A5D"/>
+          </a:solidFill>
+          <a:ln>
+            <a:noFill/>
+          </a:ln>
+        </p:spPr>
+        <p:style>
+          <a:lnRef idx="2">
+            <a:schemeClr val="accent1">
+              <a:shade val="50000"/>
+            </a:schemeClr>
+          </a:lnRef>
+          <a:fillRef idx="1">
+            <a:schemeClr val="accent1"/>
+          </a:fillRef>
+          <a:effectRef idx="0">
+            <a:schemeClr val="accent1"/>
+          </a:effectRef>
+          <a:fontRef idx="minor">
+            <a:schemeClr val="lt1"/>
+          </a:fontRef>
+        </p:style>
+        <p:txBody>
+          <a:bodyPr rtlCol="0" anchor="ctr"/>
+          <a:lstStyle/>
+          <a:p>
+            <a:pPr algn="ctr"/>
+            <a:r>
+              <a:rPr lang="en-US" sz="2400" dirty="0" smtClean="0"/>
+              <a:t>1.7</a:t>
+            </a:r>
+            <a:endParaRPr lang="en-US" sz="2400" dirty="0"/>
+          </a:p>
+        </p:txBody>
+      </p:sp>
+      <p:sp>
+        <p:nvSpPr>
+          <p:cNvPr id="4" name="文本框 3"/>
+          <p:cNvSpPr txBox="1"/>
+          <p:nvPr/>
+        </p:nvSpPr>
+        <p:spPr>
+          <a:xfrm>
+            <a:off x="2236548" y="136356"/>
+            <a:ext cx="6052718" cy="501650"/>
+          </a:xfrm>
+          <a:prstGeom prst="rect">
+            <a:avLst/>
+          </a:prstGeom>
+          <a:noFill/>
+        </p:spPr>
+        <p:txBody>
+          <a:bodyPr wrap="square" rtlCol="0">
+            <a:spAutoFit/>
+          </a:bodyPr>
+          <a:lstStyle/>
+          <a:p>
+            <a:endParaRPr lang="zh-CN" sz="2665" dirty="0">
+              <a:solidFill>
+                <a:srgbClr val="183A5D"/>
+              </a:solidFill>
+              <a:latin typeface="微软雅黑" panose="020B0503020204020204" pitchFamily="34" charset="-122"/>
+              <a:ea typeface="微软雅黑" panose="020B0503020204020204" pitchFamily="34" charset="-122"/>
+            </a:endParaRPr>
+          </a:p>
+        </p:txBody>
+      </p:sp>
+      <p:sp>
+        <p:nvSpPr>
+          <p:cNvPr id="6" name="文本框 5"/>
+          <p:cNvSpPr txBox="1"/>
+          <p:nvPr/>
+        </p:nvSpPr>
+        <p:spPr>
+          <a:xfrm>
+            <a:off x="2226388" y="159851"/>
+            <a:ext cx="6052718" cy="501650"/>
+          </a:xfrm>
+          <a:prstGeom prst="rect">
+            <a:avLst/>
+          </a:prstGeom>
+          <a:noFill/>
+        </p:spPr>
+        <p:txBody>
+          <a:bodyPr wrap="square" rtlCol="0">
+            <a:spAutoFit/>
+          </a:bodyPr>
+          <a:lstStyle/>
+          <a:p>
+            <a:r>
+              <a:rPr lang="en-US" altLang="zh-CN" sz="2665" dirty="0" smtClean="0">
+                <a:solidFill>
+                  <a:srgbClr val="183A5D"/>
+                </a:solidFill>
+                <a:latin typeface="微软雅黑" panose="020B0503020204020204" pitchFamily="34" charset="-122"/>
+                <a:ea typeface="微软雅黑" panose="020B0503020204020204" pitchFamily="34" charset="-122"/>
+              </a:rPr>
+              <a:t>UML2.0</a:t>
+            </a:r>
+            <a:r>
+              <a:rPr lang="zh-CN" altLang="en-US" sz="2665" dirty="0" smtClean="0">
+                <a:solidFill>
+                  <a:srgbClr val="183A5D"/>
+                </a:solidFill>
+                <a:latin typeface="微软雅黑" panose="020B0503020204020204" pitchFamily="34" charset="-122"/>
+                <a:ea typeface="微软雅黑" panose="020B0503020204020204" pitchFamily="34" charset="-122"/>
+              </a:rPr>
+              <a:t>的新特征</a:t>
+            </a:r>
+            <a:endParaRPr lang="zh-CN" sz="2665" dirty="0">
+              <a:solidFill>
+                <a:srgbClr val="183A5D"/>
+              </a:solidFill>
+              <a:latin typeface="微软雅黑" panose="020B0503020204020204" pitchFamily="34" charset="-122"/>
+              <a:ea typeface="微软雅黑" panose="020B0503020204020204" pitchFamily="34" charset="-122"/>
+            </a:endParaRPr>
+          </a:p>
+        </p:txBody>
+      </p:sp>
+      <p:sp>
+        <p:nvSpPr>
+          <p:cNvPr id="5" name="TextBox 4"/>
+          <p:cNvSpPr txBox="1"/>
+          <p:nvPr/>
+        </p:nvSpPr>
+        <p:spPr>
+          <a:xfrm>
+            <a:off x="1198662" y="1773610"/>
+            <a:ext cx="8856984" cy="1384995"/>
+          </a:xfrm>
+          <a:prstGeom prst="rect">
+            <a:avLst/>
+          </a:prstGeom>
+          <a:noFill/>
+        </p:spPr>
+        <p:txBody>
+          <a:bodyPr wrap="square" rtlCol="0">
+            <a:spAutoFit/>
+          </a:bodyPr>
+          <a:lstStyle/>
+          <a:p>
+            <a:r>
               <a:rPr lang="en-US" altLang="zh-CN" dirty="0"/>
               <a:t>3</a:t>
             </a:r>
@@ -4501,7 +8018,7 @@
           <p:nvPr/>
         </p:nvPicPr>
         <p:blipFill rotWithShape="1">
-          <a:blip r:embed="rId1">
+          <a:blip r:embed="rId2">
             <a:extLst>
               <a:ext uri="{28A0092B-C50C-407E-A947-70E740481C1C}">
                 <a14:useLocalDpi xmlns:a14="http://schemas.microsoft.com/office/drawing/2010/main" val="0"/>
@@ -4509,9 +8026,7 @@
             </a:extLst>
           </a:blip>
           <a:srcRect l="5496" b="5628"/>
-          <a:stretch>
-            <a:fillRect/>
-          </a:stretch>
+          <a:stretch/>
         </p:blipFill>
         <p:spPr bwMode="auto">
           <a:xfrm rot="16200000">
@@ -4547,6 +8062,290 @@
         </p:spPr>
       </p:pic>
     </p:spTree>
+    <p:extLst>
+      <p:ext uri="{BB962C8B-B14F-4D97-AF65-F5344CB8AC3E}">
+        <p14:creationId xmlns:p14="http://schemas.microsoft.com/office/powerpoint/2010/main" val="1538715886"/>
+      </p:ext>
+    </p:extLst>
+  </p:cSld>
+  <p:clrMapOvr>
+    <a:masterClrMapping/>
+  </p:clrMapOvr>
+  <p:transition spd="slow" advClick="0" advTm="0">
+    <p:wipe/>
+  </p:transition>
+  <p:timing>
+    <p:tnLst>
+      <p:par>
+        <p:cTn id="1" dur="indefinite" restart="never" nodeType="tmRoot"/>
+      </p:par>
+    </p:tnLst>
+  </p:timing>
+</p:sld>
+</file>
+
+<file path=ppt/slides/slide9.xml><?xml version="1.0" encoding="utf-8"?>
+<p:sld xmlns:a="http://schemas.openxmlformats.org/drawingml/2006/main" xmlns:r="http://schemas.openxmlformats.org/officeDocument/2006/relationships" xmlns:p="http://schemas.openxmlformats.org/presentationml/2006/main">
+  <p:cSld>
+    <p:spTree>
+      <p:nvGrpSpPr>
+        <p:cNvPr id="1" name=""/>
+        <p:cNvGrpSpPr/>
+        <p:nvPr/>
+      </p:nvGrpSpPr>
+      <p:grpSpPr>
+        <a:xfrm>
+          <a:off x="0" y="0"/>
+          <a:ext cx="0" cy="0"/>
+          <a:chOff x="0" y="0"/>
+          <a:chExt cx="0" cy="0"/>
+        </a:xfrm>
+      </p:grpSpPr>
+      <p:sp>
+        <p:nvSpPr>
+          <p:cNvPr id="2" name="矩形 1"/>
+          <p:cNvSpPr/>
+          <p:nvPr/>
+        </p:nvSpPr>
+        <p:spPr>
+          <a:xfrm>
+            <a:off x="237030" y="1171"/>
+            <a:ext cx="1608415" cy="135446"/>
+          </a:xfrm>
+          <a:prstGeom prst="rect">
+            <a:avLst/>
+          </a:prstGeom>
+          <a:solidFill>
+            <a:srgbClr val="183A5D"/>
+          </a:solidFill>
+          <a:ln>
+            <a:noFill/>
+          </a:ln>
+        </p:spPr>
+        <p:style>
+          <a:lnRef idx="2">
+            <a:schemeClr val="accent1">
+              <a:shade val="50000"/>
+            </a:schemeClr>
+          </a:lnRef>
+          <a:fillRef idx="1">
+            <a:schemeClr val="accent1"/>
+          </a:fillRef>
+          <a:effectRef idx="0">
+            <a:schemeClr val="accent1"/>
+          </a:effectRef>
+          <a:fontRef idx="minor">
+            <a:schemeClr val="lt1"/>
+          </a:fontRef>
+        </p:style>
+        <p:txBody>
+          <a:bodyPr rtlCol="0" anchor="ctr"/>
+          <a:lstStyle/>
+          <a:p>
+            <a:pPr algn="ctr"/>
+            <a:endParaRPr lang="zh-CN" altLang="en-US" sz="2800"/>
+          </a:p>
+        </p:txBody>
+      </p:sp>
+      <p:sp>
+        <p:nvSpPr>
+          <p:cNvPr id="3" name="矩形 2"/>
+          <p:cNvSpPr/>
+          <p:nvPr/>
+        </p:nvSpPr>
+        <p:spPr>
+          <a:xfrm>
+            <a:off x="237030" y="255131"/>
+            <a:ext cx="1608415" cy="406336"/>
+          </a:xfrm>
+          <a:prstGeom prst="rect">
+            <a:avLst/>
+          </a:prstGeom>
+          <a:solidFill>
+            <a:srgbClr val="183A5D"/>
+          </a:solidFill>
+          <a:ln>
+            <a:noFill/>
+          </a:ln>
+        </p:spPr>
+        <p:style>
+          <a:lnRef idx="2">
+            <a:schemeClr val="accent1">
+              <a:shade val="50000"/>
+            </a:schemeClr>
+          </a:lnRef>
+          <a:fillRef idx="1">
+            <a:schemeClr val="accent1"/>
+          </a:fillRef>
+          <a:effectRef idx="0">
+            <a:schemeClr val="accent1"/>
+          </a:effectRef>
+          <a:fontRef idx="minor">
+            <a:schemeClr val="lt1"/>
+          </a:fontRef>
+        </p:style>
+        <p:txBody>
+          <a:bodyPr rtlCol="0" anchor="ctr"/>
+          <a:lstStyle/>
+          <a:p>
+            <a:pPr algn="ctr"/>
+            <a:r>
+              <a:rPr lang="en-US" sz="2400" dirty="0" smtClean="0"/>
+              <a:t>1.7</a:t>
+            </a:r>
+            <a:endParaRPr lang="en-US" sz="2400" dirty="0"/>
+          </a:p>
+        </p:txBody>
+      </p:sp>
+      <p:sp>
+        <p:nvSpPr>
+          <p:cNvPr id="4" name="文本框 3"/>
+          <p:cNvSpPr txBox="1"/>
+          <p:nvPr/>
+        </p:nvSpPr>
+        <p:spPr>
+          <a:xfrm>
+            <a:off x="2236548" y="136356"/>
+            <a:ext cx="6052718" cy="501650"/>
+          </a:xfrm>
+          <a:prstGeom prst="rect">
+            <a:avLst/>
+          </a:prstGeom>
+          <a:noFill/>
+        </p:spPr>
+        <p:txBody>
+          <a:bodyPr wrap="square" rtlCol="0">
+            <a:spAutoFit/>
+          </a:bodyPr>
+          <a:lstStyle/>
+          <a:p>
+            <a:endParaRPr lang="zh-CN" sz="2665" dirty="0">
+              <a:solidFill>
+                <a:srgbClr val="183A5D"/>
+              </a:solidFill>
+              <a:latin typeface="微软雅黑" panose="020B0503020204020204" pitchFamily="34" charset="-122"/>
+              <a:ea typeface="微软雅黑" panose="020B0503020204020204" pitchFamily="34" charset="-122"/>
+            </a:endParaRPr>
+          </a:p>
+        </p:txBody>
+      </p:sp>
+      <p:sp>
+        <p:nvSpPr>
+          <p:cNvPr id="6" name="文本框 5"/>
+          <p:cNvSpPr txBox="1"/>
+          <p:nvPr/>
+        </p:nvSpPr>
+        <p:spPr>
+          <a:xfrm>
+            <a:off x="2226388" y="159851"/>
+            <a:ext cx="6052718" cy="501650"/>
+          </a:xfrm>
+          <a:prstGeom prst="rect">
+            <a:avLst/>
+          </a:prstGeom>
+          <a:noFill/>
+        </p:spPr>
+        <p:txBody>
+          <a:bodyPr wrap="square" rtlCol="0">
+            <a:spAutoFit/>
+          </a:bodyPr>
+          <a:lstStyle/>
+          <a:p>
+            <a:r>
+              <a:rPr lang="zh-CN" altLang="en-US" sz="2665" dirty="0">
+                <a:solidFill>
+                  <a:srgbClr val="183A5D"/>
+                </a:solidFill>
+                <a:latin typeface="微软雅黑" panose="020B0503020204020204" pitchFamily="34" charset="-122"/>
+                <a:ea typeface="微软雅黑" panose="020B0503020204020204" pitchFamily="34" charset="-122"/>
+              </a:rPr>
+              <a:t>问题</a:t>
+            </a:r>
+            <a:endParaRPr lang="zh-CN" sz="2665" dirty="0">
+              <a:solidFill>
+                <a:srgbClr val="183A5D"/>
+              </a:solidFill>
+              <a:latin typeface="微软雅黑" panose="020B0503020204020204" pitchFamily="34" charset="-122"/>
+              <a:ea typeface="微软雅黑" panose="020B0503020204020204" pitchFamily="34" charset="-122"/>
+            </a:endParaRPr>
+          </a:p>
+        </p:txBody>
+      </p:sp>
+      <p:sp>
+        <p:nvSpPr>
+          <p:cNvPr id="5" name="TextBox 4"/>
+          <p:cNvSpPr txBox="1"/>
+          <p:nvPr/>
+        </p:nvSpPr>
+        <p:spPr>
+          <a:xfrm>
+            <a:off x="1198662" y="1773610"/>
+            <a:ext cx="8856984" cy="738664"/>
+          </a:xfrm>
+          <a:prstGeom prst="rect">
+            <a:avLst/>
+          </a:prstGeom>
+          <a:noFill/>
+        </p:spPr>
+        <p:txBody>
+          <a:bodyPr wrap="square" rtlCol="0">
+            <a:spAutoFit/>
+          </a:bodyPr>
+          <a:lstStyle/>
+          <a:p>
+            <a:r>
+              <a:rPr lang="en-US" altLang="zh-CN" dirty="0" smtClean="0"/>
+              <a:t>1</a:t>
+            </a:r>
+            <a:r>
+              <a:rPr lang="zh-CN" altLang="en-US" dirty="0" smtClean="0"/>
+              <a:t>、</a:t>
+            </a:r>
+            <a:r>
+              <a:rPr lang="en-US" altLang="zh-CN" dirty="0" smtClean="0"/>
+              <a:t>UML2.0</a:t>
+            </a:r>
+            <a:r>
+              <a:rPr lang="zh-CN" altLang="en-US" dirty="0" smtClean="0"/>
+              <a:t>和</a:t>
+            </a:r>
+            <a:r>
+              <a:rPr lang="en-US" altLang="zh-CN" dirty="0" smtClean="0"/>
+              <a:t>UML</a:t>
+            </a:r>
+            <a:r>
+              <a:rPr lang="zh-CN" altLang="en-US" dirty="0" smtClean="0"/>
+              <a:t>的主要区别是哪些？</a:t>
+            </a:r>
+            <a:endParaRPr lang="en-US" altLang="zh-CN" dirty="0" smtClean="0"/>
+          </a:p>
+          <a:p>
+            <a:r>
+              <a:rPr lang="en-US" altLang="zh-CN" dirty="0" smtClean="0"/>
+              <a:t>2</a:t>
+            </a:r>
+            <a:r>
+              <a:rPr lang="zh-CN" altLang="en-US" dirty="0" smtClean="0"/>
+              <a:t>、哪种图是</a:t>
+            </a:r>
+            <a:r>
+              <a:rPr lang="en-US" altLang="zh-CN" dirty="0" smtClean="0"/>
+              <a:t>UML2.0</a:t>
+            </a:r>
+            <a:r>
+              <a:rPr lang="zh-CN" altLang="en-US" dirty="0" smtClean="0"/>
+              <a:t>中最常用的图？</a:t>
+            </a:r>
+            <a:endParaRPr lang="zh-CN" altLang="en-US" dirty="0"/>
+          </a:p>
+        </p:txBody>
+      </p:sp>
+    </p:spTree>
+    <p:extLst>
+      <p:ext uri="{BB962C8B-B14F-4D97-AF65-F5344CB8AC3E}">
+        <p14:creationId xmlns:p14="http://schemas.microsoft.com/office/powerpoint/2010/main" val="386485466"/>
+      </p:ext>
+    </p:extLst>
   </p:cSld>
   <p:clrMapOvr>
     <a:masterClrMapping/>
@@ -4842,9 +8641,11 @@
       </a:bgFillStyleLst>
     </a:fmtScheme>
   </a:themeElements>
+  <a:objectDefaults/>
+  <a:extraClrSchemeLst/>
   <a:extLst>
     <a:ext uri="{05A4C25C-085E-4340-85A3-A5531E510DB2}">
-      <thm15:themeFamily xmlns:thm15="http://schemas.microsoft.com/office/thememl/2012/main" name="Office Theme" id="{62F939B6-93AF-4DB8-9C6B-D6C7DFDC589F}" vid="{4A3C46E8-61CC-4603-A589-7422A47A8E4A}"/>
+      <thm15:themeFamily xmlns:thm15="http://schemas.microsoft.com/office/thememl/2012/main" xmlns="" name="Office Theme" id="{62F939B6-93AF-4DB8-9C6B-D6C7DFDC589F}" vid="{4A3C46E8-61CC-4603-A589-7422A47A8E4A}"/>
     </a:ext>
   </a:extLst>
 </a:theme>
@@ -5130,9 +8931,11 @@
       </a:bgFillStyleLst>
     </a:fmtScheme>
   </a:themeElements>
+  <a:objectDefaults/>
+  <a:extraClrSchemeLst/>
   <a:extLst>
     <a:ext uri="{05A4C25C-085E-4340-85A3-A5531E510DB2}">
-      <thm15:themeFamily xmlns:thm15="http://schemas.microsoft.com/office/thememl/2012/main" name="Office Theme" id="{62F939B6-93AF-4DB8-9C6B-D6C7DFDC589F}" vid="{4A3C46E8-61CC-4603-A589-7422A47A8E4A}"/>
+      <thm15:themeFamily xmlns:thm15="http://schemas.microsoft.com/office/thememl/2012/main" xmlns="" name="Office Theme" id="{62F939B6-93AF-4DB8-9C6B-D6C7DFDC589F}" vid="{4A3C46E8-61CC-4603-A589-7422A47A8E4A}"/>
     </a:ext>
   </a:extLst>
 </a:theme>
@@ -5418,9 +9221,11 @@
       </a:bgFillStyleLst>
     </a:fmtScheme>
   </a:themeElements>
+  <a:objectDefaults/>
+  <a:extraClrSchemeLst/>
   <a:extLst>
     <a:ext uri="{05A4C25C-085E-4340-85A3-A5531E510DB2}">
-      <thm15:themeFamily xmlns:thm15="http://schemas.microsoft.com/office/thememl/2012/main" name="Office Theme" id="{62F939B6-93AF-4DB8-9C6B-D6C7DFDC589F}" vid="{4A3C46E8-61CC-4603-A589-7422A47A8E4A}"/>
+      <thm15:themeFamily xmlns:thm15="http://schemas.microsoft.com/office/thememl/2012/main" xmlns="" name="Office Theme" id="{62F939B6-93AF-4DB8-9C6B-D6C7DFDC589F}" vid="{4A3C46E8-61CC-4603-A589-7422A47A8E4A}"/>
     </a:ext>
   </a:extLst>
 </a:theme>
